--- a/Presentacion.pptx
+++ b/Presentacion.pptx
@@ -5,9 +5,18 @@
     <p:sldMasterId id="2147483648" r:id="rId1"/>
   </p:sldMasterIdLst>
   <p:sldIdLst>
-    <p:sldId id="256" r:id="rId2"/>
-    <p:sldId id="257" r:id="rId3"/>
-    <p:sldId id="258" r:id="rId4"/>
+    <p:sldId id="259" r:id="rId2"/>
+    <p:sldId id="260" r:id="rId3"/>
+    <p:sldId id="262" r:id="rId4"/>
+    <p:sldId id="263" r:id="rId5"/>
+    <p:sldId id="264" r:id="rId6"/>
+    <p:sldId id="265" r:id="rId7"/>
+    <p:sldId id="266" r:id="rId8"/>
+    <p:sldId id="267" r:id="rId9"/>
+    <p:sldId id="268" r:id="rId10"/>
+    <p:sldId id="269" r:id="rId11"/>
+    <p:sldId id="270" r:id="rId12"/>
+    <p:sldId id="271" r:id="rId13"/>
   </p:sldIdLst>
   <p:sldSz cx="12192000" cy="6858000"/>
   <p:notesSz cx="6858000" cy="9144000"/>
@@ -263,7 +272,7 @@
           <a:p>
             <a:fld id="{31DEEFD9-F99B-4A27-8959-ACBAE09BA40B}" type="datetimeFigureOut">
               <a:rPr lang="es-CO" smtClean="0"/>
-              <a:t>10/11/2021</a:t>
+              <a:t>11/11/2021</a:t>
             </a:fld>
             <a:endParaRPr lang="es-CO"/>
           </a:p>
@@ -463,7 +472,7 @@
           <a:p>
             <a:fld id="{31DEEFD9-F99B-4A27-8959-ACBAE09BA40B}" type="datetimeFigureOut">
               <a:rPr lang="es-CO" smtClean="0"/>
-              <a:t>10/11/2021</a:t>
+              <a:t>11/11/2021</a:t>
             </a:fld>
             <a:endParaRPr lang="es-CO"/>
           </a:p>
@@ -673,7 +682,7 @@
           <a:p>
             <a:fld id="{31DEEFD9-F99B-4A27-8959-ACBAE09BA40B}" type="datetimeFigureOut">
               <a:rPr lang="es-CO" smtClean="0"/>
-              <a:t>10/11/2021</a:t>
+              <a:t>11/11/2021</a:t>
             </a:fld>
             <a:endParaRPr lang="es-CO"/>
           </a:p>
@@ -873,7 +882,7 @@
           <a:p>
             <a:fld id="{31DEEFD9-F99B-4A27-8959-ACBAE09BA40B}" type="datetimeFigureOut">
               <a:rPr lang="es-CO" smtClean="0"/>
-              <a:t>10/11/2021</a:t>
+              <a:t>11/11/2021</a:t>
             </a:fld>
             <a:endParaRPr lang="es-CO"/>
           </a:p>
@@ -1149,7 +1158,7 @@
           <a:p>
             <a:fld id="{31DEEFD9-F99B-4A27-8959-ACBAE09BA40B}" type="datetimeFigureOut">
               <a:rPr lang="es-CO" smtClean="0"/>
-              <a:t>10/11/2021</a:t>
+              <a:t>11/11/2021</a:t>
             </a:fld>
             <a:endParaRPr lang="es-CO"/>
           </a:p>
@@ -1417,7 +1426,7 @@
           <a:p>
             <a:fld id="{31DEEFD9-F99B-4A27-8959-ACBAE09BA40B}" type="datetimeFigureOut">
               <a:rPr lang="es-CO" smtClean="0"/>
-              <a:t>10/11/2021</a:t>
+              <a:t>11/11/2021</a:t>
             </a:fld>
             <a:endParaRPr lang="es-CO"/>
           </a:p>
@@ -1832,7 +1841,7 @@
           <a:p>
             <a:fld id="{31DEEFD9-F99B-4A27-8959-ACBAE09BA40B}" type="datetimeFigureOut">
               <a:rPr lang="es-CO" smtClean="0"/>
-              <a:t>10/11/2021</a:t>
+              <a:t>11/11/2021</a:t>
             </a:fld>
             <a:endParaRPr lang="es-CO"/>
           </a:p>
@@ -1974,7 +1983,7 @@
           <a:p>
             <a:fld id="{31DEEFD9-F99B-4A27-8959-ACBAE09BA40B}" type="datetimeFigureOut">
               <a:rPr lang="es-CO" smtClean="0"/>
-              <a:t>10/11/2021</a:t>
+              <a:t>11/11/2021</a:t>
             </a:fld>
             <a:endParaRPr lang="es-CO"/>
           </a:p>
@@ -2087,7 +2096,7 @@
           <a:p>
             <a:fld id="{31DEEFD9-F99B-4A27-8959-ACBAE09BA40B}" type="datetimeFigureOut">
               <a:rPr lang="es-CO" smtClean="0"/>
-              <a:t>10/11/2021</a:t>
+              <a:t>11/11/2021</a:t>
             </a:fld>
             <a:endParaRPr lang="es-CO"/>
           </a:p>
@@ -2400,7 +2409,7 @@
           <a:p>
             <a:fld id="{31DEEFD9-F99B-4A27-8959-ACBAE09BA40B}" type="datetimeFigureOut">
               <a:rPr lang="es-CO" smtClean="0"/>
-              <a:t>10/11/2021</a:t>
+              <a:t>11/11/2021</a:t>
             </a:fld>
             <a:endParaRPr lang="es-CO"/>
           </a:p>
@@ -2689,7 +2698,7 @@
           <a:p>
             <a:fld id="{31DEEFD9-F99B-4A27-8959-ACBAE09BA40B}" type="datetimeFigureOut">
               <a:rPr lang="es-CO" smtClean="0"/>
-              <a:t>10/11/2021</a:t>
+              <a:t>11/11/2021</a:t>
             </a:fld>
             <a:endParaRPr lang="es-CO"/>
           </a:p>
@@ -2932,7 +2941,7 @@
           <a:p>
             <a:fld id="{31DEEFD9-F99B-4A27-8959-ACBAE09BA40B}" type="datetimeFigureOut">
               <a:rPr lang="es-CO" smtClean="0"/>
-              <a:t>10/11/2021</a:t>
+              <a:t>11/11/2021</a:t>
             </a:fld>
             <a:endParaRPr lang="es-CO"/>
           </a:p>
@@ -3349,12 +3358,4540 @@
           <a:chExt cx="0" cy="0"/>
         </a:xfrm>
       </p:grpSpPr>
+      <p:sp>
+        <p:nvSpPr>
+          <p:cNvPr id="2" name="Google Shape;88;p1">
+            <a:extLst>
+              <a:ext uri="{FF2B5EF4-FFF2-40B4-BE49-F238E27FC236}">
+                <a16:creationId xmlns:a16="http://schemas.microsoft.com/office/drawing/2014/main" id="{452DAF0A-3DF0-425D-9AC6-76CB75998253}"/>
+              </a:ext>
+            </a:extLst>
+          </p:cNvPr>
+          <p:cNvSpPr/>
+          <p:nvPr/>
+        </p:nvSpPr>
+        <p:spPr>
+          <a:xfrm>
+            <a:off x="1103129" y="909814"/>
+            <a:ext cx="10410825" cy="1580798"/>
+          </a:xfrm>
+          <a:prstGeom prst="roundRect">
+            <a:avLst>
+              <a:gd name="adj" fmla="val 16667"/>
+            </a:avLst>
+          </a:prstGeom>
+          <a:solidFill>
+            <a:schemeClr val="accent5"/>
+          </a:solidFill>
+          <a:ln w="12700" cap="flat" cmpd="sng">
+            <a:solidFill>
+              <a:schemeClr val="accent1"/>
+            </a:solidFill>
+            <a:prstDash val="solid"/>
+            <a:miter lim="800000"/>
+            <a:headEnd type="none" w="sm" len="sm"/>
+            <a:tailEnd type="none" w="sm" len="sm"/>
+          </a:ln>
+        </p:spPr>
+        <p:txBody>
+          <a:bodyPr spcFirstLastPara="1" wrap="square" lIns="91425" tIns="45700" rIns="91425" bIns="45700" anchor="ctr" anchorCtr="0">
+            <a:noAutofit/>
+          </a:bodyPr>
+          <a:lstStyle/>
+          <a:p>
+            <a:pPr marL="0" marR="0" lvl="0" indent="0" algn="ctr" rtl="0">
+              <a:spcBef>
+                <a:spcPts val="0"/>
+              </a:spcBef>
+              <a:spcAft>
+                <a:spcPts val="0"/>
+              </a:spcAft>
+              <a:buNone/>
+            </a:pPr>
+            <a:endParaRPr sz="1800" b="0" i="0" u="none" strike="noStrike" cap="none">
+              <a:solidFill>
+                <a:schemeClr val="lt1"/>
+              </a:solidFill>
+              <a:latin typeface="Calibri"/>
+              <a:ea typeface="Calibri"/>
+              <a:cs typeface="Calibri"/>
+              <a:sym typeface="Calibri"/>
+            </a:endParaRPr>
+          </a:p>
+        </p:txBody>
+      </p:sp>
+      <p:sp>
+        <p:nvSpPr>
+          <p:cNvPr id="4" name="Google Shape;90;p1">
+            <a:extLst>
+              <a:ext uri="{FF2B5EF4-FFF2-40B4-BE49-F238E27FC236}">
+                <a16:creationId xmlns:a16="http://schemas.microsoft.com/office/drawing/2014/main" id="{938B33A1-A64B-4CBD-984B-73A00BF86CFF}"/>
+              </a:ext>
+            </a:extLst>
+          </p:cNvPr>
+          <p:cNvSpPr/>
+          <p:nvPr/>
+        </p:nvSpPr>
+        <p:spPr>
+          <a:xfrm>
+            <a:off x="903103" y="1000126"/>
+            <a:ext cx="10515599" cy="1400174"/>
+          </a:xfrm>
+          <a:prstGeom prst="rect">
+            <a:avLst/>
+          </a:prstGeom>
+          <a:noFill/>
+          <a:ln>
+            <a:noFill/>
+          </a:ln>
+        </p:spPr>
+        <p:txBody>
+          <a:bodyPr spcFirstLastPara="1" wrap="square" lIns="91425" tIns="45700" rIns="91425" bIns="45700" anchor="b" anchorCtr="0">
+            <a:normAutofit/>
+          </a:bodyPr>
+          <a:lstStyle/>
+          <a:p>
+            <a:pPr marL="0" marR="0" lvl="0" indent="0" algn="ctr" rtl="0">
+              <a:lnSpc>
+                <a:spcPct val="90000"/>
+              </a:lnSpc>
+              <a:spcBef>
+                <a:spcPts val="0"/>
+              </a:spcBef>
+              <a:spcAft>
+                <a:spcPts val="0"/>
+              </a:spcAft>
+              <a:buNone/>
+            </a:pPr>
+            <a:r>
+              <a:rPr lang="es-CO" sz="5400" b="0" i="0" u="none" strike="noStrike" cap="none" dirty="0">
+                <a:solidFill>
+                  <a:schemeClr val="bg1"/>
+                </a:solidFill>
+                <a:latin typeface="Calibri"/>
+                <a:ea typeface="Calibri"/>
+                <a:cs typeface="Calibri"/>
+                <a:sym typeface="Calibri"/>
+              </a:rPr>
+              <a:t>Modelo de Ising 2D</a:t>
+            </a:r>
+            <a:endParaRPr dirty="0">
+              <a:solidFill>
+                <a:schemeClr val="bg1"/>
+              </a:solidFill>
+            </a:endParaRPr>
+          </a:p>
+          <a:p>
+            <a:pPr marL="0" marR="0" lvl="0" indent="0" algn="ctr" rtl="0">
+              <a:lnSpc>
+                <a:spcPct val="90000"/>
+              </a:lnSpc>
+              <a:spcBef>
+                <a:spcPts val="600"/>
+              </a:spcBef>
+              <a:spcAft>
+                <a:spcPts val="0"/>
+              </a:spcAft>
+              <a:buNone/>
+            </a:pPr>
+            <a:r>
+              <a:rPr lang="es-MX" sz="3000" b="0" i="0" u="none" strike="noStrike" cap="none" dirty="0">
+                <a:solidFill>
+                  <a:schemeClr val="bg1"/>
+                </a:solidFill>
+                <a:latin typeface="Calibri"/>
+                <a:ea typeface="Calibri"/>
+                <a:cs typeface="Calibri"/>
+                <a:sym typeface="Calibri"/>
+              </a:rPr>
+              <a:t>Paralelizaci</a:t>
+            </a:r>
+            <a:r>
+              <a:rPr lang="es-MX" sz="3000" dirty="0">
+                <a:solidFill>
+                  <a:schemeClr val="bg1"/>
+                </a:solidFill>
+                <a:latin typeface="Calibri"/>
+                <a:ea typeface="Calibri"/>
+                <a:cs typeface="Calibri"/>
+                <a:sym typeface="Calibri"/>
+              </a:rPr>
+              <a:t>ó</a:t>
+            </a:r>
+            <a:r>
+              <a:rPr lang="es-MX" sz="3000" b="0" i="0" u="none" strike="noStrike" cap="none" dirty="0">
+                <a:solidFill>
+                  <a:schemeClr val="bg1"/>
+                </a:solidFill>
+                <a:latin typeface="Calibri"/>
+                <a:ea typeface="Calibri"/>
+                <a:cs typeface="Calibri"/>
+                <a:sym typeface="Calibri"/>
+              </a:rPr>
+              <a:t>n de procesos con </a:t>
+            </a:r>
+            <a:r>
+              <a:rPr lang="es-MX" sz="3000" dirty="0">
+                <a:solidFill>
+                  <a:schemeClr val="bg1"/>
+                </a:solidFill>
+                <a:latin typeface="Calibri"/>
+                <a:ea typeface="Calibri"/>
+                <a:cs typeface="Calibri"/>
+                <a:sym typeface="Calibri"/>
+              </a:rPr>
+              <a:t>P</a:t>
+            </a:r>
+            <a:r>
+              <a:rPr lang="es-MX" sz="3000" b="0" i="0" u="none" strike="noStrike" cap="none" dirty="0">
+                <a:solidFill>
+                  <a:schemeClr val="bg1"/>
+                </a:solidFill>
+                <a:latin typeface="Calibri"/>
+                <a:ea typeface="Calibri"/>
+                <a:cs typeface="Calibri"/>
+                <a:sym typeface="Calibri"/>
+              </a:rPr>
+              <a:t>ython-</a:t>
+            </a:r>
+            <a:r>
+              <a:rPr lang="es-MX" sz="3000" b="0" i="0" u="none" strike="noStrike" cap="none" dirty="0" err="1">
+                <a:solidFill>
+                  <a:schemeClr val="bg1"/>
+                </a:solidFill>
+                <a:latin typeface="Calibri"/>
+                <a:ea typeface="Calibri"/>
+                <a:cs typeface="Calibri"/>
+                <a:sym typeface="Calibri"/>
+              </a:rPr>
+              <a:t>multiprocessing</a:t>
+            </a:r>
+            <a:endParaRPr lang="es-MX" sz="3000" b="0" i="0" u="none" strike="noStrike" cap="none" dirty="0">
+              <a:solidFill>
+                <a:schemeClr val="bg1"/>
+              </a:solidFill>
+              <a:latin typeface="Calibri"/>
+              <a:ea typeface="Calibri"/>
+              <a:cs typeface="Calibri"/>
+              <a:sym typeface="Calibri"/>
+            </a:endParaRPr>
+          </a:p>
+        </p:txBody>
+      </p:sp>
+      <p:sp>
+        <p:nvSpPr>
+          <p:cNvPr id="5" name="Google Shape;91;p1">
+            <a:extLst>
+              <a:ext uri="{FF2B5EF4-FFF2-40B4-BE49-F238E27FC236}">
+                <a16:creationId xmlns:a16="http://schemas.microsoft.com/office/drawing/2014/main" id="{1AC25024-758F-4BC4-AAEE-9CE9A8DCC5D5}"/>
+              </a:ext>
+            </a:extLst>
+          </p:cNvPr>
+          <p:cNvSpPr txBox="1"/>
+          <p:nvPr/>
+        </p:nvSpPr>
+        <p:spPr>
+          <a:xfrm>
+            <a:off x="3112902" y="3628775"/>
+            <a:ext cx="6096000" cy="1077178"/>
+          </a:xfrm>
+          <a:prstGeom prst="rect">
+            <a:avLst/>
+          </a:prstGeom>
+          <a:noFill/>
+          <a:ln>
+            <a:noFill/>
+          </a:ln>
+        </p:spPr>
+        <p:txBody>
+          <a:bodyPr spcFirstLastPara="1" wrap="square" lIns="91425" tIns="45700" rIns="91425" bIns="45700" anchor="t" anchorCtr="0">
+            <a:spAutoFit/>
+          </a:bodyPr>
+          <a:lstStyle/>
+          <a:p>
+            <a:pPr marL="0" marR="0" lvl="0" indent="0" algn="ctr" rtl="0">
+              <a:lnSpc>
+                <a:spcPct val="90000"/>
+              </a:lnSpc>
+              <a:spcBef>
+                <a:spcPts val="0"/>
+              </a:spcBef>
+              <a:spcAft>
+                <a:spcPts val="0"/>
+              </a:spcAft>
+              <a:buNone/>
+            </a:pPr>
+            <a:r>
+              <a:rPr lang="es-CO" sz="2400" b="0" i="0" u="none" strike="noStrike" cap="none" dirty="0">
+                <a:solidFill>
+                  <a:schemeClr val="accent5"/>
+                </a:solidFill>
+                <a:latin typeface="Calibri"/>
+                <a:ea typeface="Calibri"/>
+                <a:cs typeface="Calibri"/>
+                <a:sym typeface="Calibri"/>
+              </a:rPr>
+              <a:t>Daniel Estrada Acevedo</a:t>
+            </a:r>
+            <a:endParaRPr dirty="0">
+              <a:solidFill>
+                <a:schemeClr val="accent5"/>
+              </a:solidFill>
+            </a:endParaRPr>
+          </a:p>
+          <a:p>
+            <a:pPr marL="0" marR="0" lvl="0" indent="0" algn="ctr" rtl="0">
+              <a:lnSpc>
+                <a:spcPct val="90000"/>
+              </a:lnSpc>
+              <a:spcBef>
+                <a:spcPts val="600"/>
+              </a:spcBef>
+              <a:spcAft>
+                <a:spcPts val="0"/>
+              </a:spcAft>
+              <a:buNone/>
+            </a:pPr>
+            <a:r>
+              <a:rPr lang="es-CO" sz="1800" b="0" i="0" u="none" strike="noStrike" cap="none" dirty="0">
+                <a:solidFill>
+                  <a:schemeClr val="dk1"/>
+                </a:solidFill>
+                <a:latin typeface="Calibri"/>
+                <a:ea typeface="Calibri"/>
+                <a:cs typeface="Calibri"/>
+                <a:sym typeface="Calibri"/>
+              </a:rPr>
+              <a:t>Instituto de física – Universidad de Antioquia</a:t>
+            </a:r>
+            <a:endParaRPr dirty="0"/>
+          </a:p>
+          <a:p>
+            <a:pPr marL="0" marR="0" lvl="0" indent="0" algn="ctr" rtl="0">
+              <a:lnSpc>
+                <a:spcPct val="90000"/>
+              </a:lnSpc>
+              <a:spcBef>
+                <a:spcPts val="600"/>
+              </a:spcBef>
+              <a:spcAft>
+                <a:spcPts val="0"/>
+              </a:spcAft>
+              <a:buNone/>
+            </a:pPr>
+            <a:r>
+              <a:rPr lang="es-CO" sz="1800" b="0" i="0" u="none" strike="noStrike" cap="none" dirty="0">
+                <a:solidFill>
+                  <a:schemeClr val="dk1"/>
+                </a:solidFill>
+                <a:latin typeface="Calibri"/>
+                <a:ea typeface="Calibri"/>
+                <a:cs typeface="Calibri"/>
+                <a:sym typeface="Calibri"/>
+              </a:rPr>
+              <a:t>Proyecto #2 – Computación Avanzada</a:t>
+            </a:r>
+            <a:endParaRPr dirty="0"/>
+          </a:p>
+        </p:txBody>
+      </p:sp>
+      <p:pic>
+        <p:nvPicPr>
+          <p:cNvPr id="6" name="Google Shape;92;p1" descr="Imagen que contiene Patrón de fondo&#10;&#10;Descripción generada automáticamente">
+            <a:extLst>
+              <a:ext uri="{FF2B5EF4-FFF2-40B4-BE49-F238E27FC236}">
+                <a16:creationId xmlns:a16="http://schemas.microsoft.com/office/drawing/2014/main" id="{91BA98D1-B047-47A1-93C2-FAF67E732FE6}"/>
+              </a:ext>
+            </a:extLst>
+          </p:cNvPr>
+          <p:cNvPicPr preferRelativeResize="0"/>
+          <p:nvPr/>
+        </p:nvPicPr>
+        <p:blipFill rotWithShape="1">
+          <a:blip r:embed="rId2">
+            <a:alphaModFix/>
+          </a:blip>
+          <a:srcRect/>
+          <a:stretch/>
+        </p:blipFill>
+        <p:spPr>
+          <a:xfrm>
+            <a:off x="5513242" y="5210174"/>
+            <a:ext cx="1295320" cy="1602459"/>
+          </a:xfrm>
+          <a:prstGeom prst="rect">
+            <a:avLst/>
+          </a:prstGeom>
+          <a:noFill/>
+          <a:ln>
+            <a:noFill/>
+          </a:ln>
+        </p:spPr>
+      </p:pic>
+    </p:spTree>
+    <p:extLst>
+      <p:ext uri="{BB962C8B-B14F-4D97-AF65-F5344CB8AC3E}">
+        <p14:creationId xmlns:p14="http://schemas.microsoft.com/office/powerpoint/2010/main" val="3441265454"/>
+      </p:ext>
+    </p:extLst>
+  </p:cSld>
+  <p:clrMapOvr>
+    <a:masterClrMapping/>
+  </p:clrMapOvr>
+</p:sld>
+</file>
+
+<file path=ppt/slides/slide10.xml><?xml version="1.0" encoding="utf-8"?>
+<p:sld xmlns:a="http://schemas.openxmlformats.org/drawingml/2006/main" xmlns:r="http://schemas.openxmlformats.org/officeDocument/2006/relationships" xmlns:p="http://schemas.openxmlformats.org/presentationml/2006/main">
+  <p:cSld>
+    <p:spTree>
+      <p:nvGrpSpPr>
+        <p:cNvPr id="1" name=""/>
+        <p:cNvGrpSpPr/>
+        <p:nvPr/>
+      </p:nvGrpSpPr>
+      <p:grpSpPr>
+        <a:xfrm>
+          <a:off x="0" y="0"/>
+          <a:ext cx="0" cy="0"/>
+          <a:chOff x="0" y="0"/>
+          <a:chExt cx="0" cy="0"/>
+        </a:xfrm>
+      </p:grpSpPr>
+      <p:sp>
+        <p:nvSpPr>
+          <p:cNvPr id="3" name="Google Shape;107;p3">
+            <a:extLst>
+              <a:ext uri="{FF2B5EF4-FFF2-40B4-BE49-F238E27FC236}">
+                <a16:creationId xmlns:a16="http://schemas.microsoft.com/office/drawing/2014/main" id="{BA1BC713-4036-4FD5-9EE6-C435AC6FFBA5}"/>
+              </a:ext>
+            </a:extLst>
+          </p:cNvPr>
+          <p:cNvSpPr/>
+          <p:nvPr/>
+        </p:nvSpPr>
+        <p:spPr>
+          <a:xfrm>
+            <a:off x="-314325" y="-19050"/>
+            <a:ext cx="7305675" cy="1076325"/>
+          </a:xfrm>
+          <a:prstGeom prst="roundRect">
+            <a:avLst>
+              <a:gd name="adj" fmla="val 16667"/>
+            </a:avLst>
+          </a:prstGeom>
+          <a:solidFill>
+            <a:schemeClr val="accent5"/>
+          </a:solidFill>
+          <a:ln w="12700" cap="flat" cmpd="sng">
+            <a:solidFill>
+              <a:schemeClr val="accent1"/>
+            </a:solidFill>
+            <a:prstDash val="solid"/>
+            <a:miter lim="800000"/>
+            <a:headEnd type="none" w="sm" len="sm"/>
+            <a:tailEnd type="none" w="sm" len="sm"/>
+          </a:ln>
+        </p:spPr>
+        <p:txBody>
+          <a:bodyPr spcFirstLastPara="1" wrap="square" lIns="91425" tIns="45700" rIns="91425" bIns="45700" anchor="ctr" anchorCtr="0">
+            <a:noAutofit/>
+          </a:bodyPr>
+          <a:lstStyle/>
+          <a:p>
+            <a:pPr marL="0" marR="0" lvl="0" indent="0" algn="ctr" rtl="0">
+              <a:spcBef>
+                <a:spcPts val="0"/>
+              </a:spcBef>
+              <a:spcAft>
+                <a:spcPts val="0"/>
+              </a:spcAft>
+              <a:buNone/>
+            </a:pPr>
+            <a:endParaRPr sz="1800">
+              <a:solidFill>
+                <a:schemeClr val="lt1"/>
+              </a:solidFill>
+              <a:latin typeface="Calibri"/>
+              <a:ea typeface="Calibri"/>
+              <a:cs typeface="Calibri"/>
+              <a:sym typeface="Calibri"/>
+            </a:endParaRPr>
+          </a:p>
+        </p:txBody>
+      </p:sp>
+      <p:sp>
+        <p:nvSpPr>
+          <p:cNvPr id="4" name="Google Shape;108;p3">
+            <a:extLst>
+              <a:ext uri="{FF2B5EF4-FFF2-40B4-BE49-F238E27FC236}">
+                <a16:creationId xmlns:a16="http://schemas.microsoft.com/office/drawing/2014/main" id="{F8828D22-BA15-412F-BB97-F405FDAD11C5}"/>
+              </a:ext>
+            </a:extLst>
+          </p:cNvPr>
+          <p:cNvSpPr/>
+          <p:nvPr/>
+        </p:nvSpPr>
+        <p:spPr>
+          <a:xfrm>
+            <a:off x="-84240" y="106501"/>
+            <a:ext cx="6942240" cy="707846"/>
+          </a:xfrm>
+          <a:prstGeom prst="rect">
+            <a:avLst/>
+          </a:prstGeom>
+          <a:noFill/>
+          <a:ln>
+            <a:noFill/>
+          </a:ln>
+        </p:spPr>
+        <p:txBody>
+          <a:bodyPr spcFirstLastPara="1" wrap="square" lIns="91425" tIns="45700" rIns="91425" bIns="45700" anchor="t" anchorCtr="0">
+            <a:spAutoFit/>
+          </a:bodyPr>
+          <a:lstStyle/>
+          <a:p>
+            <a:pPr marL="0" marR="0" lvl="0" indent="0" algn="ctr" rtl="0">
+              <a:spcBef>
+                <a:spcPts val="0"/>
+              </a:spcBef>
+              <a:spcAft>
+                <a:spcPts val="0"/>
+              </a:spcAft>
+              <a:buNone/>
+            </a:pPr>
+            <a:r>
+              <a:rPr lang="es-CO" sz="4000" dirty="0">
+                <a:solidFill>
+                  <a:schemeClr val="bg1"/>
+                </a:solidFill>
+                <a:latin typeface="Calibri"/>
+                <a:cs typeface="Calibri"/>
+                <a:sym typeface="Calibri"/>
+              </a:rPr>
+              <a:t>Conclusiones y perspectivas</a:t>
+            </a:r>
+            <a:endParaRPr dirty="0">
+              <a:solidFill>
+                <a:schemeClr val="bg1"/>
+              </a:solidFill>
+            </a:endParaRPr>
+          </a:p>
+        </p:txBody>
+      </p:sp>
+      <p:pic>
+        <p:nvPicPr>
+          <p:cNvPr id="5" name="Google Shape;109;p3" descr="Imagen que contiene Patrón de fondo&#10;&#10;Descripción generada automáticamente">
+            <a:extLst>
+              <a:ext uri="{FF2B5EF4-FFF2-40B4-BE49-F238E27FC236}">
+                <a16:creationId xmlns:a16="http://schemas.microsoft.com/office/drawing/2014/main" id="{A931CBAE-1CFF-4ACD-86A9-41E3F100158F}"/>
+              </a:ext>
+            </a:extLst>
+          </p:cNvPr>
+          <p:cNvPicPr preferRelativeResize="0"/>
+          <p:nvPr/>
+        </p:nvPicPr>
+        <p:blipFill rotWithShape="1">
+          <a:blip r:embed="rId2">
+            <a:alphaModFix/>
+          </a:blip>
+          <a:srcRect/>
+          <a:stretch/>
+        </p:blipFill>
+        <p:spPr>
+          <a:xfrm>
+            <a:off x="10448963" y="0"/>
+            <a:ext cx="1295320" cy="1602459"/>
+          </a:xfrm>
+          <a:prstGeom prst="rect">
+            <a:avLst/>
+          </a:prstGeom>
+          <a:noFill/>
+          <a:ln>
+            <a:noFill/>
+          </a:ln>
+        </p:spPr>
+      </p:pic>
+      <p:sp>
+        <p:nvSpPr>
+          <p:cNvPr id="6" name="Google Shape;110;p3">
+            <a:extLst>
+              <a:ext uri="{FF2B5EF4-FFF2-40B4-BE49-F238E27FC236}">
+                <a16:creationId xmlns:a16="http://schemas.microsoft.com/office/drawing/2014/main" id="{28664757-6615-4321-8E45-DD819ABF61A2}"/>
+              </a:ext>
+            </a:extLst>
+          </p:cNvPr>
+          <p:cNvSpPr/>
+          <p:nvPr/>
+        </p:nvSpPr>
+        <p:spPr>
+          <a:xfrm>
+            <a:off x="8401050" y="6534150"/>
+            <a:ext cx="3914774" cy="323850"/>
+          </a:xfrm>
+          <a:prstGeom prst="roundRect">
+            <a:avLst>
+              <a:gd name="adj" fmla="val 16667"/>
+            </a:avLst>
+          </a:prstGeom>
+          <a:solidFill>
+            <a:schemeClr val="accent5"/>
+          </a:solidFill>
+          <a:ln w="12700" cap="flat" cmpd="sng">
+            <a:solidFill>
+              <a:schemeClr val="accent1"/>
+            </a:solidFill>
+            <a:prstDash val="solid"/>
+            <a:miter lim="800000"/>
+            <a:headEnd type="none" w="sm" len="sm"/>
+            <a:tailEnd type="none" w="sm" len="sm"/>
+          </a:ln>
+        </p:spPr>
+        <p:txBody>
+          <a:bodyPr spcFirstLastPara="1" wrap="square" lIns="91425" tIns="45700" rIns="91425" bIns="45700" anchor="ctr" anchorCtr="0">
+            <a:noAutofit/>
+          </a:bodyPr>
+          <a:lstStyle/>
+          <a:p>
+            <a:pPr marL="0" marR="0" lvl="0" indent="0" algn="l" rtl="0">
+              <a:spcBef>
+                <a:spcPts val="0"/>
+              </a:spcBef>
+              <a:spcAft>
+                <a:spcPts val="0"/>
+              </a:spcAft>
+              <a:buNone/>
+            </a:pPr>
+            <a:r>
+              <a:rPr lang="es-CO" sz="1400" dirty="0">
+                <a:solidFill>
+                  <a:schemeClr val="bg1">
+                    <a:lumMod val="95000"/>
+                  </a:schemeClr>
+                </a:solidFill>
+                <a:latin typeface="Calibri"/>
+                <a:ea typeface="Calibri"/>
+                <a:cs typeface="Calibri"/>
+                <a:sym typeface="Calibri"/>
+              </a:rPr>
+              <a:t>Daniel Estrada | Modelo de Ising 2D  	         .10/12</a:t>
+            </a:r>
+            <a:endParaRPr dirty="0">
+              <a:solidFill>
+                <a:schemeClr val="bg1">
+                  <a:lumMod val="95000"/>
+                </a:schemeClr>
+              </a:solidFill>
+            </a:endParaRPr>
+          </a:p>
+        </p:txBody>
+      </p:sp>
+      <mc:AlternateContent xmlns:mc="http://schemas.openxmlformats.org/markup-compatibility/2006">
+        <mc:Choice xmlns:a14="http://schemas.microsoft.com/office/drawing/2010/main" Requires="a14">
+          <p:sp>
+            <p:nvSpPr>
+              <p:cNvPr id="21" name="CuadroTexto 20">
+                <a:extLst>
+                  <a:ext uri="{FF2B5EF4-FFF2-40B4-BE49-F238E27FC236}">
+                    <a16:creationId xmlns:a16="http://schemas.microsoft.com/office/drawing/2014/main" id="{785755D8-20D0-4606-86C4-46E342D60864}"/>
+                  </a:ext>
+                </a:extLst>
+              </p:cNvPr>
+              <p:cNvSpPr txBox="1"/>
+              <p:nvPr/>
+            </p:nvSpPr>
+            <p:spPr>
+              <a:xfrm>
+                <a:off x="552449" y="1414373"/>
+                <a:ext cx="9896513" cy="4093428"/>
+              </a:xfrm>
+              <a:prstGeom prst="rect">
+                <a:avLst/>
+              </a:prstGeom>
+              <a:noFill/>
+            </p:spPr>
+            <p:txBody>
+              <a:bodyPr wrap="square">
+                <a:spAutoFit/>
+              </a:bodyPr>
+              <a:lstStyle/>
+              <a:p>
+                <a:pPr marL="342900" indent="-342900" algn="just">
+                  <a:buFont typeface="Arial" panose="020B0604020202020204" pitchFamily="34" charset="0"/>
+                  <a:buChar char="•"/>
+                </a:pPr>
+                <a:r>
+                  <a:rPr lang="es-CO" sz="2000" dirty="0">
+                    <a:solidFill>
+                      <a:schemeClr val="dk1"/>
+                    </a:solidFill>
+                    <a:latin typeface="Arial"/>
+                    <a:cs typeface="Arial"/>
+                  </a:rPr>
+                  <a:t>De forma satisfactoria se pudo lograr una optimización del programa. Se logró correr el programa localmente con 4 núcleos, y se pudo alcanzar un rendimiento más de 3 veces superior.</a:t>
+                </a:r>
+              </a:p>
+              <a:p>
+                <a:pPr marL="342900" indent="-342900" algn="just">
+                  <a:buFont typeface="Arial" panose="020B0604020202020204" pitchFamily="34" charset="0"/>
+                  <a:buChar char="•"/>
+                </a:pPr>
+                <a:endParaRPr lang="es-MX" sz="2000" dirty="0">
+                  <a:solidFill>
+                    <a:schemeClr val="dk1"/>
+                  </a:solidFill>
+                  <a:latin typeface="Arial"/>
+                  <a:cs typeface="Arial"/>
+                </a:endParaRPr>
+              </a:p>
+              <a:p>
+                <a:pPr marL="342900" indent="-342900" algn="just">
+                  <a:buFont typeface="Arial" panose="020B0604020202020204" pitchFamily="34" charset="0"/>
+                  <a:buChar char="•"/>
+                </a:pPr>
+                <a:r>
+                  <a:rPr lang="es-MX" sz="2000" dirty="0">
+                    <a:solidFill>
+                      <a:schemeClr val="dk1"/>
+                    </a:solidFill>
+                    <a:latin typeface="Arial"/>
+                    <a:cs typeface="Arial"/>
+                  </a:rPr>
+                  <a:t>La paralelización con </a:t>
+                </a:r>
+                <a:r>
+                  <a:rPr lang="es-MX" sz="2000" dirty="0" err="1">
+                    <a:solidFill>
+                      <a:schemeClr val="dk1"/>
+                    </a:solidFill>
+                    <a:latin typeface="Consolas" panose="020B0609020204030204" pitchFamily="49" charset="0"/>
+                    <a:cs typeface="Arial"/>
+                  </a:rPr>
+                  <a:t>multiprocessing</a:t>
+                </a:r>
+                <a:r>
+                  <a:rPr lang="es-MX" sz="2000" dirty="0">
+                    <a:solidFill>
+                      <a:schemeClr val="dk1"/>
+                    </a:solidFill>
+                    <a:latin typeface="Arial"/>
+                    <a:cs typeface="Arial"/>
+                  </a:rPr>
+                  <a:t> es una excelente alternativa para optimización a nivel de tareas, sin embargo, presenta algunas dificultades a la hora de hacer procesos en paralelo de forma anidada. </a:t>
+                </a:r>
+              </a:p>
+              <a:p>
+                <a:pPr marL="342900" indent="-342900" algn="just">
+                  <a:buFont typeface="Arial" panose="020B0604020202020204" pitchFamily="34" charset="0"/>
+                  <a:buChar char="•"/>
+                </a:pPr>
+                <a:endParaRPr lang="es-MX" sz="2000" dirty="0">
+                  <a:solidFill>
+                    <a:schemeClr val="dk1"/>
+                  </a:solidFill>
+                  <a:latin typeface="Arial"/>
+                  <a:cs typeface="Arial"/>
+                </a:endParaRPr>
+              </a:p>
+              <a:p>
+                <a:pPr marL="342900" indent="-342900" algn="just">
+                  <a:buFont typeface="Arial" panose="020B0604020202020204" pitchFamily="34" charset="0"/>
+                  <a:buChar char="•"/>
+                </a:pPr>
+                <a:endParaRPr lang="es-MX" sz="2000" dirty="0">
+                  <a:solidFill>
+                    <a:schemeClr val="dk1"/>
+                  </a:solidFill>
+                  <a:latin typeface="Arial"/>
+                  <a:cs typeface="Arial"/>
+                </a:endParaRPr>
+              </a:p>
+              <a:p>
+                <a:pPr marL="342900" indent="-342900" algn="just">
+                  <a:buFont typeface="Arial" panose="020B0604020202020204" pitchFamily="34" charset="0"/>
+                  <a:buChar char="•"/>
+                </a:pPr>
+                <a:r>
+                  <a:rPr lang="es-MX" sz="2000" dirty="0">
+                    <a:solidFill>
+                      <a:schemeClr val="dk1"/>
+                    </a:solidFill>
+                    <a:latin typeface="Arial"/>
+                    <a:cs typeface="Arial"/>
+                  </a:rPr>
+                  <a:t>EL uso de un </a:t>
+                </a:r>
+                <a:r>
+                  <a:rPr lang="es-MX" sz="2000" dirty="0" err="1">
+                    <a:solidFill>
+                      <a:schemeClr val="dk1"/>
+                    </a:solidFill>
+                    <a:latin typeface="Arial"/>
+                    <a:cs typeface="Arial"/>
+                  </a:rPr>
+                  <a:t>cluster</a:t>
+                </a:r>
+                <a:r>
+                  <a:rPr lang="es-MX" sz="2000" dirty="0">
+                    <a:solidFill>
+                      <a:schemeClr val="dk1"/>
+                    </a:solidFill>
+                    <a:latin typeface="Arial"/>
+                    <a:cs typeface="Arial"/>
+                  </a:rPr>
+                  <a:t> podría se una solución a lo anterior, La idea sería enviar como tareas individuales a los nodos del </a:t>
+                </a:r>
+                <a:r>
+                  <a:rPr lang="es-MX" sz="2000" dirty="0" err="1">
+                    <a:solidFill>
+                      <a:schemeClr val="dk1"/>
+                    </a:solidFill>
+                    <a:latin typeface="Arial"/>
+                    <a:cs typeface="Arial"/>
+                  </a:rPr>
+                  <a:t>cluster</a:t>
+                </a:r>
+                <a:r>
+                  <a:rPr lang="es-MX" sz="2000" dirty="0">
+                    <a:solidFill>
+                      <a:schemeClr val="dk1"/>
+                    </a:solidFill>
+                    <a:latin typeface="Arial"/>
+                    <a:cs typeface="Arial"/>
+                  </a:rPr>
+                  <a:t> cada simulación con un valor de </a:t>
+                </a:r>
+                <a14:m>
+                  <m:oMath xmlns:m="http://schemas.openxmlformats.org/officeDocument/2006/math">
+                    <m:r>
+                      <a:rPr lang="es-MX" sz="2000" i="1" dirty="0" smtClean="0">
+                        <a:solidFill>
+                          <a:schemeClr val="dk1"/>
+                        </a:solidFill>
+                        <a:latin typeface="Cambria Math" panose="02040503050406030204" pitchFamily="18" charset="0"/>
+                        <a:ea typeface="Cambria Math" panose="02040503050406030204" pitchFamily="18" charset="0"/>
+                        <a:cs typeface="Arial"/>
+                      </a:rPr>
+                      <m:t>𝛽</m:t>
+                    </m:r>
+                  </m:oMath>
+                </a14:m>
+                <a:r>
+                  <a:rPr lang="es-MX" sz="2000" dirty="0">
+                    <a:solidFill>
+                      <a:schemeClr val="dk1"/>
+                    </a:solidFill>
+                    <a:latin typeface="Arial"/>
+                    <a:cs typeface="Arial"/>
+                  </a:rPr>
+                  <a:t> diferente.</a:t>
+                </a:r>
+              </a:p>
+              <a:p>
+                <a:pPr marL="342900" indent="-342900">
+                  <a:buFont typeface="Arial" panose="020B0604020202020204" pitchFamily="34" charset="0"/>
+                  <a:buChar char="•"/>
+                </a:pPr>
+                <a:endParaRPr lang="es-CO" sz="2000" dirty="0">
+                  <a:solidFill>
+                    <a:schemeClr val="dk1"/>
+                  </a:solidFill>
+                  <a:latin typeface="Arial"/>
+                  <a:cs typeface="Arial"/>
+                </a:endParaRPr>
+              </a:p>
+            </p:txBody>
+          </p:sp>
+        </mc:Choice>
+        <mc:Fallback>
+          <p:sp>
+            <p:nvSpPr>
+              <p:cNvPr id="21" name="CuadroTexto 20">
+                <a:extLst>
+                  <a:ext uri="{FF2B5EF4-FFF2-40B4-BE49-F238E27FC236}">
+                    <a16:creationId xmlns:a16="http://schemas.microsoft.com/office/drawing/2014/main" id="{785755D8-20D0-4606-86C4-46E342D60864}"/>
+                  </a:ext>
+                </a:extLst>
+              </p:cNvPr>
+              <p:cNvSpPr txBox="1">
+                <a:spLocks noRot="1" noChangeAspect="1" noMove="1" noResize="1" noEditPoints="1" noAdjustHandles="1" noChangeArrowheads="1" noChangeShapeType="1" noTextEdit="1"/>
+              </p:cNvSpPr>
+              <p:nvPr/>
+            </p:nvSpPr>
+            <p:spPr>
+              <a:xfrm>
+                <a:off x="552449" y="1414373"/>
+                <a:ext cx="9896513" cy="4093428"/>
+              </a:xfrm>
+              <a:prstGeom prst="rect">
+                <a:avLst/>
+              </a:prstGeom>
+              <a:blipFill>
+                <a:blip r:embed="rId3"/>
+                <a:stretch>
+                  <a:fillRect l="-555" t="-595" r="-616"/>
+                </a:stretch>
+              </a:blipFill>
+            </p:spPr>
+            <p:txBody>
+              <a:bodyPr/>
+              <a:lstStyle/>
+              <a:p>
+                <a:r>
+                  <a:rPr lang="es-CO">
+                    <a:noFill/>
+                  </a:rPr>
+                  <a:t> </a:t>
+                </a:r>
+              </a:p>
+            </p:txBody>
+          </p:sp>
+        </mc:Fallback>
+      </mc:AlternateContent>
+    </p:spTree>
+    <p:extLst>
+      <p:ext uri="{BB962C8B-B14F-4D97-AF65-F5344CB8AC3E}">
+        <p14:creationId xmlns:p14="http://schemas.microsoft.com/office/powerpoint/2010/main" val="2075415102"/>
+      </p:ext>
+    </p:extLst>
+  </p:cSld>
+  <p:clrMapOvr>
+    <a:masterClrMapping/>
+  </p:clrMapOvr>
+</p:sld>
+</file>
+
+<file path=ppt/slides/slide11.xml><?xml version="1.0" encoding="utf-8"?>
+<p:sld xmlns:a="http://schemas.openxmlformats.org/drawingml/2006/main" xmlns:r="http://schemas.openxmlformats.org/officeDocument/2006/relationships" xmlns:p="http://schemas.openxmlformats.org/presentationml/2006/main">
+  <p:cSld>
+    <p:spTree>
+      <p:nvGrpSpPr>
+        <p:cNvPr id="1" name=""/>
+        <p:cNvGrpSpPr/>
+        <p:nvPr/>
+      </p:nvGrpSpPr>
+      <p:grpSpPr>
+        <a:xfrm>
+          <a:off x="0" y="0"/>
+          <a:ext cx="0" cy="0"/>
+          <a:chOff x="0" y="0"/>
+          <a:chExt cx="0" cy="0"/>
+        </a:xfrm>
+      </p:grpSpPr>
+      <p:sp>
+        <p:nvSpPr>
+          <p:cNvPr id="2" name="Google Shape;311;p13">
+            <a:extLst>
+              <a:ext uri="{FF2B5EF4-FFF2-40B4-BE49-F238E27FC236}">
+                <a16:creationId xmlns:a16="http://schemas.microsoft.com/office/drawing/2014/main" id="{75C24C95-3B06-4A08-A72D-7F4FD66E5C53}"/>
+              </a:ext>
+            </a:extLst>
+          </p:cNvPr>
+          <p:cNvSpPr txBox="1"/>
+          <p:nvPr/>
+        </p:nvSpPr>
+        <p:spPr>
+          <a:xfrm>
+            <a:off x="428667" y="1829157"/>
+            <a:ext cx="11182351" cy="3785611"/>
+          </a:xfrm>
+          <a:prstGeom prst="rect">
+            <a:avLst/>
+          </a:prstGeom>
+          <a:noFill/>
+          <a:ln>
+            <a:noFill/>
+          </a:ln>
+        </p:spPr>
+        <p:txBody>
+          <a:bodyPr spcFirstLastPara="1" wrap="square" lIns="91425" tIns="45700" rIns="91425" bIns="45700" anchor="t" anchorCtr="0">
+            <a:spAutoFit/>
+          </a:bodyPr>
+          <a:lstStyle/>
+          <a:p>
+            <a:pPr algn="l"/>
+            <a:r>
+              <a:rPr lang="es-MX" sz="1600" b="0" i="0" dirty="0">
+                <a:solidFill>
+                  <a:srgbClr val="000000"/>
+                </a:solidFill>
+                <a:effectLst/>
+                <a:latin typeface="Arial" panose="020B0604020202020204" pitchFamily="34" charset="0"/>
+              </a:rPr>
+              <a:t>[1]	Daniel Estrada. Proyecto # 1: Modelo de Ising 2D : Aplicación de los Métodos de Monte Carlo en física. Oct. De 2021.url: </a:t>
+            </a:r>
+            <a:r>
+              <a:rPr lang="es-MX" sz="1600" b="0" i="0" dirty="0">
+                <a:solidFill>
+                  <a:srgbClr val="000000"/>
+                </a:solidFill>
+                <a:effectLst/>
+                <a:latin typeface="Courier New" panose="02070309020205020404" pitchFamily="49" charset="0"/>
+                <a:hlinkClick r:id="rId2"/>
+              </a:rPr>
+              <a:t>https://github.com/DanielEstrada971102/2D_IsingSImulation/blob/main/Reporte_escrito.pdf</a:t>
+            </a:r>
+            <a:endParaRPr lang="es-MX" sz="1600" b="0" i="0" dirty="0">
+              <a:solidFill>
+                <a:srgbClr val="000000"/>
+              </a:solidFill>
+              <a:effectLst/>
+              <a:latin typeface="Arial" panose="020B0604020202020204" pitchFamily="34" charset="0"/>
+            </a:endParaRPr>
+          </a:p>
+          <a:p>
+            <a:pPr algn="l"/>
+            <a:endParaRPr lang="es-MX" sz="1600" b="0" i="0" dirty="0">
+              <a:solidFill>
+                <a:srgbClr val="000000"/>
+              </a:solidFill>
+              <a:effectLst/>
+              <a:latin typeface="Arial" panose="020B0604020202020204" pitchFamily="34" charset="0"/>
+            </a:endParaRPr>
+          </a:p>
+          <a:p>
+            <a:pPr algn="l"/>
+            <a:endParaRPr lang="es-MX" sz="1600" dirty="0">
+              <a:solidFill>
+                <a:srgbClr val="000000"/>
+              </a:solidFill>
+              <a:latin typeface="Arial" panose="020B0604020202020204" pitchFamily="34" charset="0"/>
+            </a:endParaRPr>
+          </a:p>
+          <a:p>
+            <a:pPr algn="l"/>
+            <a:r>
+              <a:rPr lang="es-MX" sz="1600" b="0" i="0" dirty="0">
+                <a:solidFill>
+                  <a:srgbClr val="000000"/>
+                </a:solidFill>
+                <a:effectLst/>
+                <a:latin typeface="Arial" panose="020B0604020202020204" pitchFamily="34" charset="0"/>
+              </a:rPr>
+              <a:t>[2] 	Manuel </a:t>
+            </a:r>
+            <a:r>
+              <a:rPr lang="es-MX" sz="1600" b="0" i="0" dirty="0" err="1">
+                <a:solidFill>
+                  <a:srgbClr val="000000"/>
+                </a:solidFill>
+                <a:effectLst/>
+                <a:latin typeface="Arial" panose="020B0604020202020204" pitchFamily="34" charset="0"/>
+              </a:rPr>
+              <a:t>Sanchez</a:t>
+            </a:r>
+            <a:r>
+              <a:rPr lang="es-MX" sz="1600" b="0" i="0" dirty="0">
+                <a:solidFill>
+                  <a:srgbClr val="000000"/>
+                </a:solidFill>
+                <a:effectLst/>
+                <a:latin typeface="Arial" panose="020B0604020202020204" pitchFamily="34" charset="0"/>
+              </a:rPr>
+              <a:t>, Cristian </a:t>
+            </a:r>
+            <a:r>
+              <a:rPr lang="es-MX" sz="1600" b="0" i="0" dirty="0" err="1">
+                <a:solidFill>
+                  <a:srgbClr val="000000"/>
+                </a:solidFill>
+                <a:effectLst/>
+                <a:latin typeface="Arial" panose="020B0604020202020204" pitchFamily="34" charset="0"/>
+              </a:rPr>
+              <a:t>Garcia</a:t>
+            </a:r>
+            <a:r>
+              <a:rPr lang="es-MX" sz="1600" b="0" i="0" dirty="0">
+                <a:solidFill>
+                  <a:srgbClr val="000000"/>
+                </a:solidFill>
+                <a:effectLst/>
+                <a:latin typeface="Arial" panose="020B0604020202020204" pitchFamily="34" charset="0"/>
+              </a:rPr>
+              <a:t> y Francisco Navarro. La computación paralela: alta capacidad de procesamiento - </a:t>
+            </a:r>
+            <a:r>
+              <a:rPr lang="es-MX" sz="1600" b="0" i="0" dirty="0" err="1">
+                <a:solidFill>
+                  <a:srgbClr val="000000"/>
+                </a:solidFill>
+                <a:effectLst/>
+                <a:latin typeface="Arial" panose="020B0604020202020204" pitchFamily="34" charset="0"/>
+              </a:rPr>
+              <a:t>Teldat</a:t>
+            </a:r>
+            <a:r>
+              <a:rPr lang="es-MX" sz="1600" b="0" i="0" dirty="0">
+                <a:solidFill>
+                  <a:srgbClr val="000000"/>
+                </a:solidFill>
+                <a:effectLst/>
+                <a:latin typeface="Arial" panose="020B0604020202020204" pitchFamily="34" charset="0"/>
+              </a:rPr>
+              <a:t> Blog - </a:t>
+            </a:r>
+            <a:r>
+              <a:rPr lang="es-MX" sz="1600" b="0" i="0" dirty="0" err="1">
+                <a:solidFill>
+                  <a:srgbClr val="000000"/>
+                </a:solidFill>
+                <a:effectLst/>
+                <a:latin typeface="Arial" panose="020B0604020202020204" pitchFamily="34" charset="0"/>
+              </a:rPr>
+              <a:t>Connectando</a:t>
+            </a:r>
+            <a:r>
+              <a:rPr lang="es-MX" sz="1600" b="0" i="0" dirty="0">
+                <a:solidFill>
+                  <a:srgbClr val="000000"/>
+                </a:solidFill>
+                <a:effectLst/>
+                <a:latin typeface="Arial" panose="020B0604020202020204" pitchFamily="34" charset="0"/>
+              </a:rPr>
+              <a:t> el mundo. Jul. De 2020.url: </a:t>
+            </a:r>
+            <a:r>
+              <a:rPr lang="es-MX" sz="1600" b="0" i="0" dirty="0">
+                <a:solidFill>
+                  <a:srgbClr val="000000"/>
+                </a:solidFill>
+                <a:effectLst/>
+                <a:latin typeface="Courier New" panose="02070309020205020404" pitchFamily="49" charset="0"/>
+                <a:hlinkClick r:id="rId3"/>
+              </a:rPr>
+              <a:t>https://www.teldat.com/blog/es/computacion-paralela-capacidad-procesamiento/</a:t>
+            </a:r>
+            <a:endParaRPr lang="es-MX" sz="1600" dirty="0">
+              <a:solidFill>
+                <a:srgbClr val="000000"/>
+              </a:solidFill>
+              <a:latin typeface="Arial" panose="020B0604020202020204" pitchFamily="34" charset="0"/>
+            </a:endParaRPr>
+          </a:p>
+          <a:p>
+            <a:pPr algn="l"/>
+            <a:endParaRPr lang="es-MX" sz="1600" b="0" i="0" dirty="0">
+              <a:solidFill>
+                <a:srgbClr val="000000"/>
+              </a:solidFill>
+              <a:effectLst/>
+              <a:latin typeface="Arial" panose="020B0604020202020204" pitchFamily="34" charset="0"/>
+            </a:endParaRPr>
+          </a:p>
+          <a:p>
+            <a:pPr algn="l"/>
+            <a:endParaRPr lang="es-MX" sz="1600" b="0" i="0" dirty="0">
+              <a:solidFill>
+                <a:srgbClr val="000000"/>
+              </a:solidFill>
+              <a:effectLst/>
+              <a:latin typeface="Arial" panose="020B0604020202020204" pitchFamily="34" charset="0"/>
+            </a:endParaRPr>
+          </a:p>
+          <a:p>
+            <a:pPr algn="l"/>
+            <a:r>
+              <a:rPr lang="es-MX" sz="1600" b="0" i="0" dirty="0">
+                <a:solidFill>
+                  <a:srgbClr val="000000"/>
+                </a:solidFill>
+                <a:effectLst/>
+                <a:latin typeface="Arial" panose="020B0604020202020204" pitchFamily="34" charset="0"/>
+              </a:rPr>
+              <a:t>[3] 	Wikipedia </a:t>
+            </a:r>
+            <a:r>
+              <a:rPr lang="es-MX" sz="1600" b="0" i="0" dirty="0" err="1">
+                <a:solidFill>
+                  <a:srgbClr val="000000"/>
+                </a:solidFill>
+                <a:effectLst/>
+                <a:latin typeface="Arial" panose="020B0604020202020204" pitchFamily="34" charset="0"/>
+              </a:rPr>
+              <a:t>contributors</a:t>
+            </a:r>
+            <a:r>
+              <a:rPr lang="es-MX" sz="1600" b="0" i="0" dirty="0">
+                <a:solidFill>
+                  <a:srgbClr val="000000"/>
+                </a:solidFill>
+                <a:effectLst/>
+                <a:latin typeface="Arial" panose="020B0604020202020204" pitchFamily="34" charset="0"/>
+              </a:rPr>
+              <a:t>. Ising </a:t>
+            </a:r>
+            <a:r>
+              <a:rPr lang="es-MX" sz="1600" b="0" i="0" dirty="0" err="1">
+                <a:solidFill>
+                  <a:srgbClr val="000000"/>
+                </a:solidFill>
+                <a:effectLst/>
+                <a:latin typeface="Arial" panose="020B0604020202020204" pitchFamily="34" charset="0"/>
+              </a:rPr>
+              <a:t>model</a:t>
+            </a:r>
+            <a:r>
+              <a:rPr lang="es-MX" sz="1600" b="0" i="0" dirty="0">
+                <a:solidFill>
+                  <a:srgbClr val="000000"/>
+                </a:solidFill>
+                <a:effectLst/>
+                <a:latin typeface="Arial" panose="020B0604020202020204" pitchFamily="34" charset="0"/>
+              </a:rPr>
+              <a:t> — Wikipedia, </a:t>
+            </a:r>
+            <a:r>
+              <a:rPr lang="es-MX" sz="1600" b="0" i="0" dirty="0" err="1">
+                <a:solidFill>
+                  <a:srgbClr val="000000"/>
+                </a:solidFill>
+                <a:effectLst/>
+                <a:latin typeface="Arial" panose="020B0604020202020204" pitchFamily="34" charset="0"/>
+              </a:rPr>
+              <a:t>The</a:t>
+            </a:r>
+            <a:r>
+              <a:rPr lang="es-MX" sz="1600" b="0" i="0" dirty="0">
+                <a:solidFill>
+                  <a:srgbClr val="000000"/>
+                </a:solidFill>
+                <a:effectLst/>
+                <a:latin typeface="Arial" panose="020B0604020202020204" pitchFamily="34" charset="0"/>
+              </a:rPr>
+              <a:t> Free </a:t>
+            </a:r>
+            <a:r>
+              <a:rPr lang="es-MX" sz="1600" b="0" i="0" dirty="0" err="1">
+                <a:solidFill>
+                  <a:srgbClr val="000000"/>
+                </a:solidFill>
+                <a:effectLst/>
+                <a:latin typeface="Arial" panose="020B0604020202020204" pitchFamily="34" charset="0"/>
+              </a:rPr>
+              <a:t>Encyclopedia</a:t>
+            </a:r>
+            <a:r>
+              <a:rPr lang="es-MX" sz="1600" b="0" i="0" dirty="0">
+                <a:solidFill>
+                  <a:srgbClr val="000000"/>
+                </a:solidFill>
+                <a:effectLst/>
+                <a:latin typeface="Arial" panose="020B0604020202020204" pitchFamily="34" charset="0"/>
+              </a:rPr>
+              <a:t>. [Online; </a:t>
+            </a:r>
+            <a:r>
+              <a:rPr lang="es-MX" sz="1600" b="0" i="0" dirty="0" err="1">
+                <a:solidFill>
+                  <a:srgbClr val="000000"/>
+                </a:solidFill>
+                <a:effectLst/>
+                <a:latin typeface="Arial" panose="020B0604020202020204" pitchFamily="34" charset="0"/>
+              </a:rPr>
+              <a:t>accessed</a:t>
+            </a:r>
+            <a:r>
+              <a:rPr lang="es-MX" sz="1600" b="0" i="0" dirty="0">
+                <a:solidFill>
+                  <a:srgbClr val="000000"/>
+                </a:solidFill>
+                <a:effectLst/>
+                <a:latin typeface="Arial" panose="020B0604020202020204" pitchFamily="34" charset="0"/>
+              </a:rPr>
+              <a:t> 19-October-2021]. 2021.url: </a:t>
+            </a:r>
+            <a:r>
+              <a:rPr lang="es-MX" sz="1600" b="0" i="0" dirty="0">
+                <a:solidFill>
+                  <a:srgbClr val="000000"/>
+                </a:solidFill>
+                <a:effectLst/>
+                <a:latin typeface="Courier New" panose="02070309020205020404" pitchFamily="49" charset="0"/>
+                <a:hlinkClick r:id="rId4"/>
+              </a:rPr>
+              <a:t>https://en.wikipedia.org/w/index.php?title=Ising_model&amp;oldid=1048384303</a:t>
+            </a:r>
+            <a:endParaRPr lang="es-MX" sz="1600" b="0" i="0" dirty="0">
+              <a:solidFill>
+                <a:srgbClr val="000000"/>
+              </a:solidFill>
+              <a:effectLst/>
+              <a:latin typeface="Courier New" panose="02070309020205020404" pitchFamily="49" charset="0"/>
+            </a:endParaRPr>
+          </a:p>
+          <a:p>
+            <a:pPr algn="l"/>
+            <a:endParaRPr lang="es-MX" sz="1600" b="0" i="0" dirty="0">
+              <a:solidFill>
+                <a:srgbClr val="000000"/>
+              </a:solidFill>
+              <a:effectLst/>
+              <a:latin typeface="Arial" panose="020B0604020202020204" pitchFamily="34" charset="0"/>
+            </a:endParaRPr>
+          </a:p>
+          <a:p>
+            <a:br>
+              <a:rPr lang="es-MX" sz="1600" dirty="0"/>
+            </a:br>
+            <a:endParaRPr sz="1600" dirty="0">
+              <a:solidFill>
+                <a:schemeClr val="dk1"/>
+              </a:solidFill>
+              <a:latin typeface="Calibri"/>
+              <a:ea typeface="Calibri"/>
+              <a:cs typeface="Calibri"/>
+              <a:sym typeface="Calibri"/>
+            </a:endParaRPr>
+          </a:p>
+        </p:txBody>
+      </p:sp>
+      <p:sp>
+        <p:nvSpPr>
+          <p:cNvPr id="3" name="Google Shape;107;p3">
+            <a:extLst>
+              <a:ext uri="{FF2B5EF4-FFF2-40B4-BE49-F238E27FC236}">
+                <a16:creationId xmlns:a16="http://schemas.microsoft.com/office/drawing/2014/main" id="{9B4F004E-6B2D-4D83-B45D-443FA4FF259C}"/>
+              </a:ext>
+            </a:extLst>
+          </p:cNvPr>
+          <p:cNvSpPr/>
+          <p:nvPr/>
+        </p:nvSpPr>
+        <p:spPr>
+          <a:xfrm>
+            <a:off x="-314324" y="-19050"/>
+            <a:ext cx="3596926" cy="1076325"/>
+          </a:xfrm>
+          <a:prstGeom prst="roundRect">
+            <a:avLst>
+              <a:gd name="adj" fmla="val 16667"/>
+            </a:avLst>
+          </a:prstGeom>
+          <a:solidFill>
+            <a:schemeClr val="accent5"/>
+          </a:solidFill>
+          <a:ln w="12700" cap="flat" cmpd="sng">
+            <a:solidFill>
+              <a:schemeClr val="accent1"/>
+            </a:solidFill>
+            <a:prstDash val="solid"/>
+            <a:miter lim="800000"/>
+            <a:headEnd type="none" w="sm" len="sm"/>
+            <a:tailEnd type="none" w="sm" len="sm"/>
+          </a:ln>
+        </p:spPr>
+        <p:txBody>
+          <a:bodyPr spcFirstLastPara="1" wrap="square" lIns="91425" tIns="45700" rIns="91425" bIns="45700" anchor="ctr" anchorCtr="0">
+            <a:noAutofit/>
+          </a:bodyPr>
+          <a:lstStyle/>
+          <a:p>
+            <a:pPr marL="0" marR="0" lvl="0" indent="0" algn="ctr" rtl="0">
+              <a:spcBef>
+                <a:spcPts val="0"/>
+              </a:spcBef>
+              <a:spcAft>
+                <a:spcPts val="0"/>
+              </a:spcAft>
+              <a:buNone/>
+            </a:pPr>
+            <a:endParaRPr sz="1800">
+              <a:solidFill>
+                <a:schemeClr val="lt1"/>
+              </a:solidFill>
+              <a:latin typeface="Calibri"/>
+              <a:ea typeface="Calibri"/>
+              <a:cs typeface="Calibri"/>
+              <a:sym typeface="Calibri"/>
+            </a:endParaRPr>
+          </a:p>
+        </p:txBody>
+      </p:sp>
+      <p:sp>
+        <p:nvSpPr>
+          <p:cNvPr id="4" name="Google Shape;108;p3">
+            <a:extLst>
+              <a:ext uri="{FF2B5EF4-FFF2-40B4-BE49-F238E27FC236}">
+                <a16:creationId xmlns:a16="http://schemas.microsoft.com/office/drawing/2014/main" id="{699ECA95-966B-4650-AB14-8FA094202594}"/>
+              </a:ext>
+            </a:extLst>
+          </p:cNvPr>
+          <p:cNvSpPr/>
+          <p:nvPr/>
+        </p:nvSpPr>
+        <p:spPr>
+          <a:xfrm>
+            <a:off x="-84240" y="106501"/>
+            <a:ext cx="3417990" cy="707846"/>
+          </a:xfrm>
+          <a:prstGeom prst="rect">
+            <a:avLst/>
+          </a:prstGeom>
+          <a:noFill/>
+          <a:ln>
+            <a:noFill/>
+          </a:ln>
+        </p:spPr>
+        <p:txBody>
+          <a:bodyPr spcFirstLastPara="1" wrap="square" lIns="91425" tIns="45700" rIns="91425" bIns="45700" anchor="t" anchorCtr="0">
+            <a:spAutoFit/>
+          </a:bodyPr>
+          <a:lstStyle/>
+          <a:p>
+            <a:pPr marL="0" marR="0" lvl="0" indent="0" algn="ctr" rtl="0">
+              <a:spcBef>
+                <a:spcPts val="0"/>
+              </a:spcBef>
+              <a:spcAft>
+                <a:spcPts val="0"/>
+              </a:spcAft>
+              <a:buNone/>
+            </a:pPr>
+            <a:r>
+              <a:rPr lang="es-CO" sz="4000" dirty="0">
+                <a:solidFill>
+                  <a:schemeClr val="bg1"/>
+                </a:solidFill>
+                <a:latin typeface="Calibri"/>
+                <a:cs typeface="Calibri"/>
+                <a:sym typeface="Calibri"/>
+              </a:rPr>
+              <a:t>Referencias</a:t>
+            </a:r>
+            <a:endParaRPr dirty="0">
+              <a:solidFill>
+                <a:schemeClr val="bg1"/>
+              </a:solidFill>
+            </a:endParaRPr>
+          </a:p>
+        </p:txBody>
+      </p:sp>
+      <p:pic>
+        <p:nvPicPr>
+          <p:cNvPr id="5" name="Google Shape;109;p3" descr="Imagen que contiene Patrón de fondo&#10;&#10;Descripción generada automáticamente">
+            <a:extLst>
+              <a:ext uri="{FF2B5EF4-FFF2-40B4-BE49-F238E27FC236}">
+                <a16:creationId xmlns:a16="http://schemas.microsoft.com/office/drawing/2014/main" id="{8D8C1FA7-3B2A-4111-85B6-229FA4B471FA}"/>
+              </a:ext>
+            </a:extLst>
+          </p:cNvPr>
+          <p:cNvPicPr preferRelativeResize="0"/>
+          <p:nvPr/>
+        </p:nvPicPr>
+        <p:blipFill rotWithShape="1">
+          <a:blip r:embed="rId5">
+            <a:alphaModFix/>
+          </a:blip>
+          <a:srcRect/>
+          <a:stretch/>
+        </p:blipFill>
+        <p:spPr>
+          <a:xfrm>
+            <a:off x="10448963" y="0"/>
+            <a:ext cx="1295320" cy="1602459"/>
+          </a:xfrm>
+          <a:prstGeom prst="rect">
+            <a:avLst/>
+          </a:prstGeom>
+          <a:noFill/>
+          <a:ln>
+            <a:noFill/>
+          </a:ln>
+        </p:spPr>
+      </p:pic>
+      <p:sp>
+        <p:nvSpPr>
+          <p:cNvPr id="6" name="Google Shape;110;p3">
+            <a:extLst>
+              <a:ext uri="{FF2B5EF4-FFF2-40B4-BE49-F238E27FC236}">
+                <a16:creationId xmlns:a16="http://schemas.microsoft.com/office/drawing/2014/main" id="{AB1E259F-E876-4838-849D-041A3B331C9A}"/>
+              </a:ext>
+            </a:extLst>
+          </p:cNvPr>
+          <p:cNvSpPr/>
+          <p:nvPr/>
+        </p:nvSpPr>
+        <p:spPr>
+          <a:xfrm>
+            <a:off x="8401050" y="6534150"/>
+            <a:ext cx="3914774" cy="323850"/>
+          </a:xfrm>
+          <a:prstGeom prst="roundRect">
+            <a:avLst>
+              <a:gd name="adj" fmla="val 16667"/>
+            </a:avLst>
+          </a:prstGeom>
+          <a:solidFill>
+            <a:schemeClr val="accent5"/>
+          </a:solidFill>
+          <a:ln w="12700" cap="flat" cmpd="sng">
+            <a:solidFill>
+              <a:schemeClr val="accent1"/>
+            </a:solidFill>
+            <a:prstDash val="solid"/>
+            <a:miter lim="800000"/>
+            <a:headEnd type="none" w="sm" len="sm"/>
+            <a:tailEnd type="none" w="sm" len="sm"/>
+          </a:ln>
+        </p:spPr>
+        <p:txBody>
+          <a:bodyPr spcFirstLastPara="1" wrap="square" lIns="91425" tIns="45700" rIns="91425" bIns="45700" anchor="ctr" anchorCtr="0">
+            <a:noAutofit/>
+          </a:bodyPr>
+          <a:lstStyle/>
+          <a:p>
+            <a:pPr marL="0" marR="0" lvl="0" indent="0" algn="l" rtl="0">
+              <a:spcBef>
+                <a:spcPts val="0"/>
+              </a:spcBef>
+              <a:spcAft>
+                <a:spcPts val="0"/>
+              </a:spcAft>
+              <a:buNone/>
+            </a:pPr>
+            <a:r>
+              <a:rPr lang="es-CO" sz="1400" dirty="0">
+                <a:solidFill>
+                  <a:schemeClr val="bg1">
+                    <a:lumMod val="95000"/>
+                  </a:schemeClr>
+                </a:solidFill>
+                <a:latin typeface="Calibri"/>
+                <a:ea typeface="Calibri"/>
+                <a:cs typeface="Calibri"/>
+                <a:sym typeface="Calibri"/>
+              </a:rPr>
+              <a:t>Daniel Estrada | Modelo de Ising 2D  	         .11/12</a:t>
+            </a:r>
+            <a:endParaRPr dirty="0">
+              <a:solidFill>
+                <a:schemeClr val="bg1">
+                  <a:lumMod val="95000"/>
+                </a:schemeClr>
+              </a:solidFill>
+            </a:endParaRPr>
+          </a:p>
+        </p:txBody>
+      </p:sp>
+    </p:spTree>
+    <p:extLst>
+      <p:ext uri="{BB962C8B-B14F-4D97-AF65-F5344CB8AC3E}">
+        <p14:creationId xmlns:p14="http://schemas.microsoft.com/office/powerpoint/2010/main" val="269684901"/>
+      </p:ext>
+    </p:extLst>
+  </p:cSld>
+  <p:clrMapOvr>
+    <a:masterClrMapping/>
+  </p:clrMapOvr>
+</p:sld>
+</file>
+
+<file path=ppt/slides/slide12.xml><?xml version="1.0" encoding="utf-8"?>
+<p:sld xmlns:a="http://schemas.openxmlformats.org/drawingml/2006/main" xmlns:r="http://schemas.openxmlformats.org/officeDocument/2006/relationships" xmlns:p="http://schemas.openxmlformats.org/presentationml/2006/main">
+  <p:cSld>
+    <p:spTree>
+      <p:nvGrpSpPr>
+        <p:cNvPr id="1" name=""/>
+        <p:cNvGrpSpPr/>
+        <p:nvPr/>
+      </p:nvGrpSpPr>
+      <p:grpSpPr>
+        <a:xfrm>
+          <a:off x="0" y="0"/>
+          <a:ext cx="0" cy="0"/>
+          <a:chOff x="0" y="0"/>
+          <a:chExt cx="0" cy="0"/>
+        </a:xfrm>
+      </p:grpSpPr>
+      <p:sp>
+        <p:nvSpPr>
+          <p:cNvPr id="2" name="Google Shape;311;p13">
+            <a:extLst>
+              <a:ext uri="{FF2B5EF4-FFF2-40B4-BE49-F238E27FC236}">
+                <a16:creationId xmlns:a16="http://schemas.microsoft.com/office/drawing/2014/main" id="{75C24C95-3B06-4A08-A72D-7F4FD66E5C53}"/>
+              </a:ext>
+            </a:extLst>
+          </p:cNvPr>
+          <p:cNvSpPr txBox="1"/>
+          <p:nvPr/>
+        </p:nvSpPr>
+        <p:spPr>
+          <a:xfrm>
+            <a:off x="409617" y="3305532"/>
+            <a:ext cx="11334666" cy="615513"/>
+          </a:xfrm>
+          <a:prstGeom prst="rect">
+            <a:avLst/>
+          </a:prstGeom>
+          <a:noFill/>
+          <a:ln>
+            <a:noFill/>
+          </a:ln>
+        </p:spPr>
+        <p:txBody>
+          <a:bodyPr spcFirstLastPara="1" wrap="square" lIns="91425" tIns="45700" rIns="91425" bIns="45700" anchor="t" anchorCtr="0">
+            <a:spAutoFit/>
+          </a:bodyPr>
+          <a:lstStyle/>
+          <a:p>
+            <a:pPr algn="ctr"/>
+            <a:r>
+              <a:rPr lang="es-MX" sz="2000" b="0" i="0" dirty="0">
+                <a:solidFill>
+                  <a:srgbClr val="000000"/>
+                </a:solidFill>
+                <a:effectLst/>
+                <a:latin typeface="Consolas" panose="020B0609020204030204" pitchFamily="49" charset="0"/>
+                <a:hlinkClick r:id="rId2"/>
+              </a:rPr>
+              <a:t>https://github.com/DanielEstrada971102/2D_IsingSImulation/tree/V2-opt</a:t>
+            </a:r>
+            <a:endParaRPr lang="es-MX" sz="2000" b="0" i="0" dirty="0">
+              <a:solidFill>
+                <a:srgbClr val="000000"/>
+              </a:solidFill>
+              <a:effectLst/>
+              <a:latin typeface="Consolas" panose="020B0609020204030204" pitchFamily="49" charset="0"/>
+            </a:endParaRPr>
+          </a:p>
+          <a:p>
+            <a:pPr algn="l"/>
+            <a:endParaRPr sz="1400" dirty="0">
+              <a:solidFill>
+                <a:schemeClr val="dk1"/>
+              </a:solidFill>
+              <a:latin typeface="Calibri"/>
+              <a:ea typeface="Calibri"/>
+              <a:cs typeface="Calibri"/>
+              <a:sym typeface="Calibri"/>
+            </a:endParaRPr>
+          </a:p>
+        </p:txBody>
+      </p:sp>
+      <p:sp>
+        <p:nvSpPr>
+          <p:cNvPr id="3" name="Google Shape;107;p3">
+            <a:extLst>
+              <a:ext uri="{FF2B5EF4-FFF2-40B4-BE49-F238E27FC236}">
+                <a16:creationId xmlns:a16="http://schemas.microsoft.com/office/drawing/2014/main" id="{9B4F004E-6B2D-4D83-B45D-443FA4FF259C}"/>
+              </a:ext>
+            </a:extLst>
+          </p:cNvPr>
+          <p:cNvSpPr/>
+          <p:nvPr/>
+        </p:nvSpPr>
+        <p:spPr>
+          <a:xfrm>
+            <a:off x="2728913" y="1915833"/>
+            <a:ext cx="6696074" cy="1076325"/>
+          </a:xfrm>
+          <a:prstGeom prst="roundRect">
+            <a:avLst>
+              <a:gd name="adj" fmla="val 16667"/>
+            </a:avLst>
+          </a:prstGeom>
+          <a:solidFill>
+            <a:schemeClr val="accent5"/>
+          </a:solidFill>
+          <a:ln w="12700" cap="flat" cmpd="sng">
+            <a:solidFill>
+              <a:schemeClr val="accent1"/>
+            </a:solidFill>
+            <a:prstDash val="solid"/>
+            <a:miter lim="800000"/>
+            <a:headEnd type="none" w="sm" len="sm"/>
+            <a:tailEnd type="none" w="sm" len="sm"/>
+          </a:ln>
+        </p:spPr>
+        <p:txBody>
+          <a:bodyPr spcFirstLastPara="1" wrap="square" lIns="91425" tIns="45700" rIns="91425" bIns="45700" anchor="ctr" anchorCtr="0">
+            <a:noAutofit/>
+          </a:bodyPr>
+          <a:lstStyle/>
+          <a:p>
+            <a:pPr marL="0" marR="0" lvl="0" indent="0" algn="ctr" rtl="0">
+              <a:spcBef>
+                <a:spcPts val="0"/>
+              </a:spcBef>
+              <a:spcAft>
+                <a:spcPts val="0"/>
+              </a:spcAft>
+              <a:buNone/>
+            </a:pPr>
+            <a:r>
+              <a:rPr lang="es-MX" sz="4000" dirty="0">
+                <a:solidFill>
+                  <a:schemeClr val="lt1"/>
+                </a:solidFill>
+                <a:ea typeface="Calibri"/>
+                <a:cs typeface="Calibri"/>
+                <a:sym typeface="Calibri"/>
+              </a:rPr>
+              <a:t>Repositorio de GitHub</a:t>
+            </a:r>
+            <a:endParaRPr sz="4000" dirty="0">
+              <a:solidFill>
+                <a:schemeClr val="lt1"/>
+              </a:solidFill>
+              <a:ea typeface="Calibri"/>
+              <a:cs typeface="Calibri"/>
+              <a:sym typeface="Calibri"/>
+            </a:endParaRPr>
+          </a:p>
+        </p:txBody>
+      </p:sp>
+      <p:sp>
+        <p:nvSpPr>
+          <p:cNvPr id="4" name="Google Shape;108;p3">
+            <a:extLst>
+              <a:ext uri="{FF2B5EF4-FFF2-40B4-BE49-F238E27FC236}">
+                <a16:creationId xmlns:a16="http://schemas.microsoft.com/office/drawing/2014/main" id="{699ECA95-966B-4650-AB14-8FA094202594}"/>
+              </a:ext>
+            </a:extLst>
+          </p:cNvPr>
+          <p:cNvSpPr/>
+          <p:nvPr/>
+        </p:nvSpPr>
+        <p:spPr>
+          <a:xfrm>
+            <a:off x="-84240" y="106501"/>
+            <a:ext cx="3417990" cy="707846"/>
+          </a:xfrm>
+          <a:prstGeom prst="rect">
+            <a:avLst/>
+          </a:prstGeom>
+          <a:noFill/>
+          <a:ln>
+            <a:noFill/>
+          </a:ln>
+        </p:spPr>
+        <p:txBody>
+          <a:bodyPr spcFirstLastPara="1" wrap="square" lIns="91425" tIns="45700" rIns="91425" bIns="45700" anchor="t" anchorCtr="0">
+            <a:spAutoFit/>
+          </a:bodyPr>
+          <a:lstStyle/>
+          <a:p>
+            <a:pPr marL="0" marR="0" lvl="0" indent="0" algn="ctr" rtl="0">
+              <a:spcBef>
+                <a:spcPts val="0"/>
+              </a:spcBef>
+              <a:spcAft>
+                <a:spcPts val="0"/>
+              </a:spcAft>
+              <a:buNone/>
+            </a:pPr>
+            <a:r>
+              <a:rPr lang="es-CO" sz="4000" dirty="0">
+                <a:solidFill>
+                  <a:schemeClr val="bg1"/>
+                </a:solidFill>
+                <a:latin typeface="Calibri"/>
+                <a:cs typeface="Calibri"/>
+                <a:sym typeface="Calibri"/>
+              </a:rPr>
+              <a:t>Referencias</a:t>
+            </a:r>
+            <a:endParaRPr dirty="0">
+              <a:solidFill>
+                <a:schemeClr val="bg1"/>
+              </a:solidFill>
+            </a:endParaRPr>
+          </a:p>
+        </p:txBody>
+      </p:sp>
+      <p:pic>
+        <p:nvPicPr>
+          <p:cNvPr id="5" name="Google Shape;109;p3" descr="Imagen que contiene Patrón de fondo&#10;&#10;Descripción generada automáticamente">
+            <a:extLst>
+              <a:ext uri="{FF2B5EF4-FFF2-40B4-BE49-F238E27FC236}">
+                <a16:creationId xmlns:a16="http://schemas.microsoft.com/office/drawing/2014/main" id="{8D8C1FA7-3B2A-4111-85B6-229FA4B471FA}"/>
+              </a:ext>
+            </a:extLst>
+          </p:cNvPr>
+          <p:cNvPicPr preferRelativeResize="0"/>
+          <p:nvPr/>
+        </p:nvPicPr>
+        <p:blipFill rotWithShape="1">
+          <a:blip r:embed="rId3">
+            <a:alphaModFix/>
+          </a:blip>
+          <a:srcRect/>
+          <a:stretch/>
+        </p:blipFill>
+        <p:spPr>
+          <a:xfrm>
+            <a:off x="10448963" y="0"/>
+            <a:ext cx="1295320" cy="1602459"/>
+          </a:xfrm>
+          <a:prstGeom prst="rect">
+            <a:avLst/>
+          </a:prstGeom>
+          <a:noFill/>
+          <a:ln>
+            <a:noFill/>
+          </a:ln>
+        </p:spPr>
+      </p:pic>
+      <p:sp>
+        <p:nvSpPr>
+          <p:cNvPr id="6" name="Google Shape;110;p3">
+            <a:extLst>
+              <a:ext uri="{FF2B5EF4-FFF2-40B4-BE49-F238E27FC236}">
+                <a16:creationId xmlns:a16="http://schemas.microsoft.com/office/drawing/2014/main" id="{AB1E259F-E876-4838-849D-041A3B331C9A}"/>
+              </a:ext>
+            </a:extLst>
+          </p:cNvPr>
+          <p:cNvSpPr/>
+          <p:nvPr/>
+        </p:nvSpPr>
+        <p:spPr>
+          <a:xfrm>
+            <a:off x="8401050" y="6534150"/>
+            <a:ext cx="3914774" cy="323850"/>
+          </a:xfrm>
+          <a:prstGeom prst="roundRect">
+            <a:avLst>
+              <a:gd name="adj" fmla="val 16667"/>
+            </a:avLst>
+          </a:prstGeom>
+          <a:solidFill>
+            <a:schemeClr val="accent5"/>
+          </a:solidFill>
+          <a:ln w="12700" cap="flat" cmpd="sng">
+            <a:solidFill>
+              <a:schemeClr val="accent1"/>
+            </a:solidFill>
+            <a:prstDash val="solid"/>
+            <a:miter lim="800000"/>
+            <a:headEnd type="none" w="sm" len="sm"/>
+            <a:tailEnd type="none" w="sm" len="sm"/>
+          </a:ln>
+        </p:spPr>
+        <p:txBody>
+          <a:bodyPr spcFirstLastPara="1" wrap="square" lIns="91425" tIns="45700" rIns="91425" bIns="45700" anchor="ctr" anchorCtr="0">
+            <a:noAutofit/>
+          </a:bodyPr>
+          <a:lstStyle/>
+          <a:p>
+            <a:pPr marL="0" marR="0" lvl="0" indent="0" algn="l" rtl="0">
+              <a:spcBef>
+                <a:spcPts val="0"/>
+              </a:spcBef>
+              <a:spcAft>
+                <a:spcPts val="0"/>
+              </a:spcAft>
+              <a:buNone/>
+            </a:pPr>
+            <a:r>
+              <a:rPr lang="es-CO" sz="1400" dirty="0">
+                <a:solidFill>
+                  <a:schemeClr val="bg1">
+                    <a:lumMod val="95000"/>
+                  </a:schemeClr>
+                </a:solidFill>
+                <a:latin typeface="Calibri"/>
+                <a:ea typeface="Calibri"/>
+                <a:cs typeface="Calibri"/>
+                <a:sym typeface="Calibri"/>
+              </a:rPr>
+              <a:t>Daniel Estrada | Modelo de Ising 2D  	         .12/12</a:t>
+            </a:r>
+            <a:endParaRPr dirty="0">
+              <a:solidFill>
+                <a:schemeClr val="bg1">
+                  <a:lumMod val="95000"/>
+                </a:schemeClr>
+              </a:solidFill>
+            </a:endParaRPr>
+          </a:p>
+        </p:txBody>
+      </p:sp>
+    </p:spTree>
+    <p:extLst>
+      <p:ext uri="{BB962C8B-B14F-4D97-AF65-F5344CB8AC3E}">
+        <p14:creationId xmlns:p14="http://schemas.microsoft.com/office/powerpoint/2010/main" val="550808871"/>
+      </p:ext>
+    </p:extLst>
+  </p:cSld>
+  <p:clrMapOvr>
+    <a:masterClrMapping/>
+  </p:clrMapOvr>
+</p:sld>
+</file>
+
+<file path=ppt/slides/slide2.xml><?xml version="1.0" encoding="utf-8"?>
+<p:sld xmlns:a="http://schemas.openxmlformats.org/drawingml/2006/main" xmlns:r="http://schemas.openxmlformats.org/officeDocument/2006/relationships" xmlns:p="http://schemas.openxmlformats.org/presentationml/2006/main">
+  <p:cSld>
+    <p:spTree>
+      <p:nvGrpSpPr>
+        <p:cNvPr id="1" name=""/>
+        <p:cNvGrpSpPr/>
+        <p:nvPr/>
+      </p:nvGrpSpPr>
+      <p:grpSpPr>
+        <a:xfrm>
+          <a:off x="0" y="0"/>
+          <a:ext cx="0" cy="0"/>
+          <a:chOff x="0" y="0"/>
+          <a:chExt cx="0" cy="0"/>
+        </a:xfrm>
+      </p:grpSpPr>
+      <p:sp>
+        <p:nvSpPr>
+          <p:cNvPr id="2" name="Google Shape;97;p2">
+            <a:extLst>
+              <a:ext uri="{FF2B5EF4-FFF2-40B4-BE49-F238E27FC236}">
+                <a16:creationId xmlns:a16="http://schemas.microsoft.com/office/drawing/2014/main" id="{D3E383B8-E881-4BAF-AD83-3F847FF78021}"/>
+              </a:ext>
+            </a:extLst>
+          </p:cNvPr>
+          <p:cNvSpPr/>
+          <p:nvPr/>
+        </p:nvSpPr>
+        <p:spPr>
+          <a:xfrm>
+            <a:off x="-314324" y="-19050"/>
+            <a:ext cx="3571874" cy="1076325"/>
+          </a:xfrm>
+          <a:prstGeom prst="roundRect">
+            <a:avLst>
+              <a:gd name="adj" fmla="val 16667"/>
+            </a:avLst>
+          </a:prstGeom>
+          <a:solidFill>
+            <a:schemeClr val="accent5"/>
+          </a:solidFill>
+          <a:ln w="12700" cap="flat" cmpd="sng">
+            <a:solidFill>
+              <a:schemeClr val="accent1"/>
+            </a:solidFill>
+            <a:prstDash val="solid"/>
+            <a:miter lim="800000"/>
+            <a:headEnd type="none" w="sm" len="sm"/>
+            <a:tailEnd type="none" w="sm" len="sm"/>
+          </a:ln>
+        </p:spPr>
+        <p:txBody>
+          <a:bodyPr spcFirstLastPara="1" wrap="square" lIns="91425" tIns="45700" rIns="91425" bIns="45700" anchor="ctr" anchorCtr="0">
+            <a:noAutofit/>
+          </a:bodyPr>
+          <a:lstStyle/>
+          <a:p>
+            <a:pPr marL="0" marR="0" lvl="0" indent="0" algn="ctr" rtl="0">
+              <a:spcBef>
+                <a:spcPts val="0"/>
+              </a:spcBef>
+              <a:spcAft>
+                <a:spcPts val="0"/>
+              </a:spcAft>
+              <a:buNone/>
+            </a:pPr>
+            <a:endParaRPr sz="1800" b="0" i="0" u="none" strike="noStrike" cap="none">
+              <a:solidFill>
+                <a:schemeClr val="lt1"/>
+              </a:solidFill>
+              <a:latin typeface="Calibri"/>
+              <a:ea typeface="Calibri"/>
+              <a:cs typeface="Calibri"/>
+              <a:sym typeface="Calibri"/>
+            </a:endParaRPr>
+          </a:p>
+        </p:txBody>
+      </p:sp>
+      <p:sp>
+        <p:nvSpPr>
+          <p:cNvPr id="3" name="Google Shape;98;p2">
+            <a:extLst>
+              <a:ext uri="{FF2B5EF4-FFF2-40B4-BE49-F238E27FC236}">
+                <a16:creationId xmlns:a16="http://schemas.microsoft.com/office/drawing/2014/main" id="{661C7EE3-AC77-40DB-95B7-145EC5B607CF}"/>
+              </a:ext>
+            </a:extLst>
+          </p:cNvPr>
+          <p:cNvSpPr/>
+          <p:nvPr/>
+        </p:nvSpPr>
+        <p:spPr>
+          <a:xfrm>
+            <a:off x="300779" y="165169"/>
+            <a:ext cx="2341667" cy="707886"/>
+          </a:xfrm>
+          <a:prstGeom prst="rect">
+            <a:avLst/>
+          </a:prstGeom>
+          <a:noFill/>
+          <a:ln>
+            <a:noFill/>
+          </a:ln>
+        </p:spPr>
+        <p:txBody>
+          <a:bodyPr spcFirstLastPara="1" wrap="square" lIns="91425" tIns="45700" rIns="91425" bIns="45700" anchor="t" anchorCtr="0">
+            <a:spAutoFit/>
+          </a:bodyPr>
+          <a:lstStyle/>
+          <a:p>
+            <a:pPr marL="0" marR="0" lvl="0" indent="0" algn="ctr" rtl="0">
+              <a:spcBef>
+                <a:spcPts val="0"/>
+              </a:spcBef>
+              <a:spcAft>
+                <a:spcPts val="0"/>
+              </a:spcAft>
+              <a:buNone/>
+            </a:pPr>
+            <a:r>
+              <a:rPr lang="es-CO" sz="4000" b="0" i="0" u="none" strike="noStrike" cap="none" dirty="0">
+                <a:solidFill>
+                  <a:schemeClr val="bg1"/>
+                </a:solidFill>
+                <a:latin typeface="Calibri"/>
+                <a:ea typeface="Calibri"/>
+                <a:cs typeface="Calibri"/>
+                <a:sym typeface="Calibri"/>
+              </a:rPr>
+              <a:t>Contenido</a:t>
+            </a:r>
+            <a:endParaRPr sz="5400" b="0" i="0" u="none" strike="noStrike" cap="none" dirty="0">
+              <a:solidFill>
+                <a:schemeClr val="bg1"/>
+              </a:solidFill>
+              <a:latin typeface="Calibri"/>
+              <a:ea typeface="Calibri"/>
+              <a:cs typeface="Calibri"/>
+              <a:sym typeface="Calibri"/>
+            </a:endParaRPr>
+          </a:p>
+        </p:txBody>
+      </p:sp>
+      <p:sp>
+        <p:nvSpPr>
+          <p:cNvPr id="4" name="Google Shape;99;p2">
+            <a:extLst>
+              <a:ext uri="{FF2B5EF4-FFF2-40B4-BE49-F238E27FC236}">
+                <a16:creationId xmlns:a16="http://schemas.microsoft.com/office/drawing/2014/main" id="{E15687F2-3C0D-4718-9BE0-A34A3574E257}"/>
+              </a:ext>
+            </a:extLst>
+          </p:cNvPr>
+          <p:cNvSpPr txBox="1"/>
+          <p:nvPr/>
+        </p:nvSpPr>
+        <p:spPr>
+          <a:xfrm>
+            <a:off x="3347587" y="1574325"/>
+            <a:ext cx="5496826" cy="3046948"/>
+          </a:xfrm>
+          <a:prstGeom prst="rect">
+            <a:avLst/>
+          </a:prstGeom>
+          <a:noFill/>
+          <a:ln>
+            <a:noFill/>
+          </a:ln>
+        </p:spPr>
+        <p:txBody>
+          <a:bodyPr spcFirstLastPara="1" wrap="square" lIns="91425" tIns="45700" rIns="91425" bIns="45700" anchor="t" anchorCtr="0">
+            <a:spAutoFit/>
+          </a:bodyPr>
+          <a:lstStyle/>
+          <a:p>
+            <a:pPr marL="285750" marR="0" lvl="0" indent="-285750" algn="l" rtl="0">
+              <a:lnSpc>
+                <a:spcPct val="150000"/>
+              </a:lnSpc>
+              <a:spcBef>
+                <a:spcPts val="0"/>
+              </a:spcBef>
+              <a:spcAft>
+                <a:spcPts val="0"/>
+              </a:spcAft>
+              <a:buClr>
+                <a:schemeClr val="dk1"/>
+              </a:buClr>
+              <a:buSzPts val="3200"/>
+              <a:buFont typeface="Noto Sans Symbols"/>
+              <a:buChar char="❑"/>
+            </a:pPr>
+            <a:r>
+              <a:rPr lang="es-CO" sz="3200" b="0" i="0" u="none" strike="noStrike" cap="none" dirty="0">
+                <a:solidFill>
+                  <a:schemeClr val="dk1"/>
+                </a:solidFill>
+                <a:latin typeface="Calibri"/>
+                <a:ea typeface="Calibri"/>
+                <a:cs typeface="Calibri"/>
+                <a:sym typeface="Calibri"/>
+              </a:rPr>
+              <a:t> </a:t>
+            </a:r>
+            <a:r>
+              <a:rPr lang="es-MX" sz="3200" b="0" i="0" u="none" strike="noStrike" cap="none" dirty="0">
+                <a:solidFill>
+                  <a:schemeClr val="dk1"/>
+                </a:solidFill>
+                <a:latin typeface="Calibri"/>
+                <a:ea typeface="Calibri"/>
+                <a:cs typeface="Calibri"/>
+                <a:sym typeface="Calibri"/>
+              </a:rPr>
+              <a:t>Motivaci</a:t>
+            </a:r>
+            <a:r>
+              <a:rPr lang="es-MX" sz="3200" dirty="0">
+                <a:solidFill>
+                  <a:schemeClr val="dk1"/>
+                </a:solidFill>
+                <a:latin typeface="Calibri"/>
+                <a:ea typeface="Calibri"/>
+                <a:cs typeface="Calibri"/>
+                <a:sym typeface="Calibri"/>
+              </a:rPr>
+              <a:t>ón</a:t>
+            </a:r>
+            <a:endParaRPr dirty="0"/>
+          </a:p>
+          <a:p>
+            <a:pPr marL="285750" marR="0" lvl="0" indent="-285750" algn="l" rtl="0">
+              <a:lnSpc>
+                <a:spcPct val="150000"/>
+              </a:lnSpc>
+              <a:spcBef>
+                <a:spcPts val="0"/>
+              </a:spcBef>
+              <a:spcAft>
+                <a:spcPts val="0"/>
+              </a:spcAft>
+              <a:buClr>
+                <a:schemeClr val="dk1"/>
+              </a:buClr>
+              <a:buSzPts val="3200"/>
+              <a:buFont typeface="Noto Sans Symbols"/>
+              <a:buChar char="❑"/>
+            </a:pPr>
+            <a:r>
+              <a:rPr lang="es-MX" sz="3200" b="0" i="0" u="none" strike="noStrike" cap="none" dirty="0">
+                <a:solidFill>
+                  <a:schemeClr val="dk1"/>
+                </a:solidFill>
+                <a:latin typeface="Calibri"/>
+                <a:ea typeface="Calibri"/>
+                <a:cs typeface="Calibri"/>
+                <a:sym typeface="Calibri"/>
+              </a:rPr>
+              <a:t>Metodología</a:t>
+            </a:r>
+            <a:endParaRPr dirty="0"/>
+          </a:p>
+          <a:p>
+            <a:pPr marL="285750" marR="0" lvl="0" indent="-285750" algn="l" rtl="0">
+              <a:lnSpc>
+                <a:spcPct val="150000"/>
+              </a:lnSpc>
+              <a:spcBef>
+                <a:spcPts val="0"/>
+              </a:spcBef>
+              <a:spcAft>
+                <a:spcPts val="0"/>
+              </a:spcAft>
+              <a:buClr>
+                <a:schemeClr val="dk1"/>
+              </a:buClr>
+              <a:buSzPts val="3200"/>
+              <a:buFont typeface="Noto Sans Symbols"/>
+              <a:buChar char="❑"/>
+            </a:pPr>
+            <a:r>
+              <a:rPr lang="es-CO" sz="3200" b="0" i="0" u="none" strike="noStrike" cap="none" dirty="0">
+                <a:solidFill>
+                  <a:schemeClr val="dk1"/>
+                </a:solidFill>
+                <a:latin typeface="Calibri"/>
+                <a:ea typeface="Calibri"/>
+                <a:cs typeface="Calibri"/>
+                <a:sym typeface="Calibri"/>
+              </a:rPr>
+              <a:t> Resultados.</a:t>
+            </a:r>
+            <a:endParaRPr dirty="0"/>
+          </a:p>
+          <a:p>
+            <a:pPr marL="285750" marR="0" lvl="0" indent="-285750" algn="l" rtl="0">
+              <a:lnSpc>
+                <a:spcPct val="150000"/>
+              </a:lnSpc>
+              <a:spcBef>
+                <a:spcPts val="0"/>
+              </a:spcBef>
+              <a:spcAft>
+                <a:spcPts val="0"/>
+              </a:spcAft>
+              <a:buClr>
+                <a:schemeClr val="dk1"/>
+              </a:buClr>
+              <a:buSzPts val="3200"/>
+              <a:buFont typeface="Noto Sans Symbols"/>
+              <a:buChar char="❑"/>
+            </a:pPr>
+            <a:r>
+              <a:rPr lang="es-CO" sz="3200" b="0" i="0" u="none" strike="noStrike" cap="none" dirty="0">
+                <a:solidFill>
+                  <a:schemeClr val="dk1"/>
+                </a:solidFill>
+                <a:latin typeface="Calibri"/>
+                <a:ea typeface="Calibri"/>
+                <a:cs typeface="Calibri"/>
+                <a:sym typeface="Calibri"/>
+              </a:rPr>
+              <a:t> Conclusiones y perspectivas. </a:t>
+            </a:r>
+            <a:endParaRPr dirty="0"/>
+          </a:p>
+        </p:txBody>
+      </p:sp>
+      <p:sp>
+        <p:nvSpPr>
+          <p:cNvPr id="5" name="Google Shape;100;p2">
+            <a:extLst>
+              <a:ext uri="{FF2B5EF4-FFF2-40B4-BE49-F238E27FC236}">
+                <a16:creationId xmlns:a16="http://schemas.microsoft.com/office/drawing/2014/main" id="{1F5B7B68-8AE3-4612-9C12-B79805ADBE65}"/>
+              </a:ext>
+            </a:extLst>
+          </p:cNvPr>
+          <p:cNvSpPr/>
+          <p:nvPr/>
+        </p:nvSpPr>
+        <p:spPr>
+          <a:xfrm>
+            <a:off x="8401050" y="6534150"/>
+            <a:ext cx="3914774" cy="323850"/>
+          </a:xfrm>
+          <a:prstGeom prst="roundRect">
+            <a:avLst>
+              <a:gd name="adj" fmla="val 16667"/>
+            </a:avLst>
+          </a:prstGeom>
+          <a:solidFill>
+            <a:schemeClr val="accent5"/>
+          </a:solidFill>
+          <a:ln w="12700" cap="flat" cmpd="sng">
+            <a:solidFill>
+              <a:schemeClr val="accent1"/>
+            </a:solidFill>
+            <a:prstDash val="solid"/>
+            <a:miter lim="800000"/>
+            <a:headEnd type="none" w="sm" len="sm"/>
+            <a:tailEnd type="none" w="sm" len="sm"/>
+          </a:ln>
+        </p:spPr>
+        <p:txBody>
+          <a:bodyPr spcFirstLastPara="1" wrap="square" lIns="91425" tIns="45700" rIns="91425" bIns="45700" anchor="ctr" anchorCtr="0">
+            <a:noAutofit/>
+          </a:bodyPr>
+          <a:lstStyle/>
+          <a:p>
+            <a:pPr marL="0" marR="0" lvl="0" indent="0" algn="l" rtl="0">
+              <a:spcBef>
+                <a:spcPts val="0"/>
+              </a:spcBef>
+              <a:spcAft>
+                <a:spcPts val="0"/>
+              </a:spcAft>
+              <a:buNone/>
+            </a:pPr>
+            <a:r>
+              <a:rPr lang="es-CO" sz="1400" b="0" i="0" u="none" strike="noStrike" cap="none" dirty="0">
+                <a:solidFill>
+                  <a:schemeClr val="bg1">
+                    <a:lumMod val="95000"/>
+                  </a:schemeClr>
+                </a:solidFill>
+                <a:latin typeface="Calibri"/>
+                <a:ea typeface="Calibri"/>
+                <a:cs typeface="Calibri"/>
+                <a:sym typeface="Calibri"/>
+              </a:rPr>
+              <a:t>Daniel Estrada | Modelo de Ising 2D  	         .2/12</a:t>
+            </a:r>
+            <a:endParaRPr dirty="0">
+              <a:solidFill>
+                <a:schemeClr val="bg1">
+                  <a:lumMod val="95000"/>
+                </a:schemeClr>
+              </a:solidFill>
+            </a:endParaRPr>
+          </a:p>
+        </p:txBody>
+      </p:sp>
+      <p:pic>
+        <p:nvPicPr>
+          <p:cNvPr id="6" name="Google Shape;101;p2" descr="Imagen que contiene Patrón de fondo&#10;&#10;Descripción generada automáticamente">
+            <a:extLst>
+              <a:ext uri="{FF2B5EF4-FFF2-40B4-BE49-F238E27FC236}">
+                <a16:creationId xmlns:a16="http://schemas.microsoft.com/office/drawing/2014/main" id="{76AB0AEE-4227-45C5-84BA-15D55E284AFD}"/>
+              </a:ext>
+            </a:extLst>
+          </p:cNvPr>
+          <p:cNvPicPr preferRelativeResize="0"/>
+          <p:nvPr/>
+        </p:nvPicPr>
+        <p:blipFill rotWithShape="1">
+          <a:blip r:embed="rId2">
+            <a:alphaModFix/>
+          </a:blip>
+          <a:srcRect/>
+          <a:stretch/>
+        </p:blipFill>
+        <p:spPr>
+          <a:xfrm>
+            <a:off x="10448963" y="0"/>
+            <a:ext cx="1295320" cy="1602459"/>
+          </a:xfrm>
+          <a:prstGeom prst="rect">
+            <a:avLst/>
+          </a:prstGeom>
+          <a:noFill/>
+          <a:ln>
+            <a:noFill/>
+          </a:ln>
+        </p:spPr>
+      </p:pic>
+    </p:spTree>
+    <p:extLst>
+      <p:ext uri="{BB962C8B-B14F-4D97-AF65-F5344CB8AC3E}">
+        <p14:creationId xmlns:p14="http://schemas.microsoft.com/office/powerpoint/2010/main" val="3663625616"/>
+      </p:ext>
+    </p:extLst>
+  </p:cSld>
+  <p:clrMapOvr>
+    <a:masterClrMapping/>
+  </p:clrMapOvr>
+</p:sld>
+</file>
+
+<file path=ppt/slides/slide3.xml><?xml version="1.0" encoding="utf-8"?>
+<p:sld xmlns:a="http://schemas.openxmlformats.org/drawingml/2006/main" xmlns:r="http://schemas.openxmlformats.org/officeDocument/2006/relationships" xmlns:p="http://schemas.openxmlformats.org/presentationml/2006/main">
+  <p:cSld>
+    <p:spTree>
+      <p:nvGrpSpPr>
+        <p:cNvPr id="1" name=""/>
+        <p:cNvGrpSpPr/>
+        <p:nvPr/>
+      </p:nvGrpSpPr>
+      <p:grpSpPr>
+        <a:xfrm>
+          <a:off x="0" y="0"/>
+          <a:ext cx="0" cy="0"/>
+          <a:chOff x="0" y="0"/>
+          <a:chExt cx="0" cy="0"/>
+        </a:xfrm>
+      </p:grpSpPr>
+      <p:sp>
+        <p:nvSpPr>
+          <p:cNvPr id="2" name="Google Shape;106;p3">
+            <a:extLst>
+              <a:ext uri="{FF2B5EF4-FFF2-40B4-BE49-F238E27FC236}">
+                <a16:creationId xmlns:a16="http://schemas.microsoft.com/office/drawing/2014/main" id="{BFD6DA23-A749-41B1-98EE-ADF1E03E59FB}"/>
+              </a:ext>
+            </a:extLst>
+          </p:cNvPr>
+          <p:cNvSpPr/>
+          <p:nvPr/>
+        </p:nvSpPr>
+        <p:spPr>
+          <a:xfrm>
+            <a:off x="782231" y="306185"/>
+            <a:ext cx="8714194" cy="889526"/>
+          </a:xfrm>
+          <a:prstGeom prst="roundRect">
+            <a:avLst>
+              <a:gd name="adj" fmla="val 16667"/>
+            </a:avLst>
+          </a:prstGeom>
+          <a:solidFill>
+            <a:schemeClr val="accent5">
+              <a:lumMod val="40000"/>
+              <a:lumOff val="60000"/>
+            </a:schemeClr>
+          </a:solidFill>
+          <a:ln w="12700" cap="flat" cmpd="sng">
+            <a:solidFill>
+              <a:schemeClr val="accent1"/>
+            </a:solidFill>
+            <a:prstDash val="solid"/>
+            <a:miter lim="800000"/>
+            <a:headEnd type="none" w="sm" len="sm"/>
+            <a:tailEnd type="none" w="sm" len="sm"/>
+          </a:ln>
+        </p:spPr>
+        <p:txBody>
+          <a:bodyPr spcFirstLastPara="1" wrap="square" lIns="91425" tIns="45700" rIns="91425" bIns="45700" anchor="ctr" anchorCtr="0">
+            <a:noAutofit/>
+          </a:bodyPr>
+          <a:lstStyle/>
+          <a:p>
+            <a:pPr marL="0" marR="0" lvl="0" indent="0" algn="ctr" rtl="0">
+              <a:spcBef>
+                <a:spcPts val="0"/>
+              </a:spcBef>
+              <a:spcAft>
+                <a:spcPts val="0"/>
+              </a:spcAft>
+              <a:buNone/>
+            </a:pPr>
+            <a:endParaRPr sz="1800">
+              <a:solidFill>
+                <a:schemeClr val="lt1"/>
+              </a:solidFill>
+              <a:latin typeface="Calibri"/>
+              <a:ea typeface="Calibri"/>
+              <a:cs typeface="Calibri"/>
+              <a:sym typeface="Calibri"/>
+            </a:endParaRPr>
+          </a:p>
+        </p:txBody>
+      </p:sp>
+      <p:sp>
+        <p:nvSpPr>
+          <p:cNvPr id="3" name="Google Shape;107;p3">
+            <a:extLst>
+              <a:ext uri="{FF2B5EF4-FFF2-40B4-BE49-F238E27FC236}">
+                <a16:creationId xmlns:a16="http://schemas.microsoft.com/office/drawing/2014/main" id="{BA1BC713-4036-4FD5-9EE6-C435AC6FFBA5}"/>
+              </a:ext>
+            </a:extLst>
+          </p:cNvPr>
+          <p:cNvSpPr/>
+          <p:nvPr/>
+        </p:nvSpPr>
+        <p:spPr>
+          <a:xfrm>
+            <a:off x="-314325" y="-19050"/>
+            <a:ext cx="4076709" cy="1076325"/>
+          </a:xfrm>
+          <a:prstGeom prst="roundRect">
+            <a:avLst>
+              <a:gd name="adj" fmla="val 16667"/>
+            </a:avLst>
+          </a:prstGeom>
+          <a:solidFill>
+            <a:schemeClr val="accent5"/>
+          </a:solidFill>
+          <a:ln w="12700" cap="flat" cmpd="sng">
+            <a:solidFill>
+              <a:schemeClr val="accent1"/>
+            </a:solidFill>
+            <a:prstDash val="solid"/>
+            <a:miter lim="800000"/>
+            <a:headEnd type="none" w="sm" len="sm"/>
+            <a:tailEnd type="none" w="sm" len="sm"/>
+          </a:ln>
+        </p:spPr>
+        <p:txBody>
+          <a:bodyPr spcFirstLastPara="1" wrap="square" lIns="91425" tIns="45700" rIns="91425" bIns="45700" anchor="ctr" anchorCtr="0">
+            <a:noAutofit/>
+          </a:bodyPr>
+          <a:lstStyle/>
+          <a:p>
+            <a:pPr marL="0" marR="0" lvl="0" indent="0" algn="ctr" rtl="0">
+              <a:spcBef>
+                <a:spcPts val="0"/>
+              </a:spcBef>
+              <a:spcAft>
+                <a:spcPts val="0"/>
+              </a:spcAft>
+              <a:buNone/>
+            </a:pPr>
+            <a:endParaRPr sz="1800">
+              <a:solidFill>
+                <a:schemeClr val="lt1"/>
+              </a:solidFill>
+              <a:latin typeface="Calibri"/>
+              <a:ea typeface="Calibri"/>
+              <a:cs typeface="Calibri"/>
+              <a:sym typeface="Calibri"/>
+            </a:endParaRPr>
+          </a:p>
+        </p:txBody>
+      </p:sp>
+      <p:sp>
+        <p:nvSpPr>
+          <p:cNvPr id="4" name="Google Shape;108;p3">
+            <a:extLst>
+              <a:ext uri="{FF2B5EF4-FFF2-40B4-BE49-F238E27FC236}">
+                <a16:creationId xmlns:a16="http://schemas.microsoft.com/office/drawing/2014/main" id="{F8828D22-BA15-412F-BB97-F405FDAD11C5}"/>
+              </a:ext>
+            </a:extLst>
+          </p:cNvPr>
+          <p:cNvSpPr/>
+          <p:nvPr/>
+        </p:nvSpPr>
+        <p:spPr>
+          <a:xfrm>
+            <a:off x="-84240" y="106501"/>
+            <a:ext cx="3610068" cy="707846"/>
+          </a:xfrm>
+          <a:prstGeom prst="rect">
+            <a:avLst/>
+          </a:prstGeom>
+          <a:noFill/>
+          <a:ln>
+            <a:noFill/>
+          </a:ln>
+        </p:spPr>
+        <p:txBody>
+          <a:bodyPr spcFirstLastPara="1" wrap="square" lIns="91425" tIns="45700" rIns="91425" bIns="45700" anchor="t" anchorCtr="0">
+            <a:spAutoFit/>
+          </a:bodyPr>
+          <a:lstStyle/>
+          <a:p>
+            <a:pPr marL="0" marR="0" lvl="0" indent="0" algn="ctr" rtl="0">
+              <a:spcBef>
+                <a:spcPts val="0"/>
+              </a:spcBef>
+              <a:spcAft>
+                <a:spcPts val="0"/>
+              </a:spcAft>
+              <a:buNone/>
+            </a:pPr>
+            <a:r>
+              <a:rPr lang="es-CO" sz="4000" dirty="0">
+                <a:solidFill>
+                  <a:schemeClr val="bg1"/>
+                </a:solidFill>
+                <a:latin typeface="Calibri"/>
+                <a:cs typeface="Calibri"/>
+                <a:sym typeface="Calibri"/>
+              </a:rPr>
+              <a:t>Motivación</a:t>
+            </a:r>
+            <a:endParaRPr dirty="0">
+              <a:solidFill>
+                <a:schemeClr val="bg1"/>
+              </a:solidFill>
+            </a:endParaRPr>
+          </a:p>
+        </p:txBody>
+      </p:sp>
+      <p:pic>
+        <p:nvPicPr>
+          <p:cNvPr id="5" name="Google Shape;109;p3" descr="Imagen que contiene Patrón de fondo&#10;&#10;Descripción generada automáticamente">
+            <a:extLst>
+              <a:ext uri="{FF2B5EF4-FFF2-40B4-BE49-F238E27FC236}">
+                <a16:creationId xmlns:a16="http://schemas.microsoft.com/office/drawing/2014/main" id="{A931CBAE-1CFF-4ACD-86A9-41E3F100158F}"/>
+              </a:ext>
+            </a:extLst>
+          </p:cNvPr>
+          <p:cNvPicPr preferRelativeResize="0"/>
+          <p:nvPr/>
+        </p:nvPicPr>
+        <p:blipFill rotWithShape="1">
+          <a:blip r:embed="rId2">
+            <a:alphaModFix/>
+          </a:blip>
+          <a:srcRect/>
+          <a:stretch/>
+        </p:blipFill>
+        <p:spPr>
+          <a:xfrm>
+            <a:off x="10448963" y="0"/>
+            <a:ext cx="1295320" cy="1602459"/>
+          </a:xfrm>
+          <a:prstGeom prst="rect">
+            <a:avLst/>
+          </a:prstGeom>
+          <a:noFill/>
+          <a:ln>
+            <a:noFill/>
+          </a:ln>
+        </p:spPr>
+      </p:pic>
+      <p:sp>
+        <p:nvSpPr>
+          <p:cNvPr id="6" name="Google Shape;110;p3">
+            <a:extLst>
+              <a:ext uri="{FF2B5EF4-FFF2-40B4-BE49-F238E27FC236}">
+                <a16:creationId xmlns:a16="http://schemas.microsoft.com/office/drawing/2014/main" id="{28664757-6615-4321-8E45-DD819ABF61A2}"/>
+              </a:ext>
+            </a:extLst>
+          </p:cNvPr>
+          <p:cNvSpPr/>
+          <p:nvPr/>
+        </p:nvSpPr>
+        <p:spPr>
+          <a:xfrm>
+            <a:off x="8401050" y="6534150"/>
+            <a:ext cx="3914774" cy="323850"/>
+          </a:xfrm>
+          <a:prstGeom prst="roundRect">
+            <a:avLst>
+              <a:gd name="adj" fmla="val 16667"/>
+            </a:avLst>
+          </a:prstGeom>
+          <a:solidFill>
+            <a:schemeClr val="accent5"/>
+          </a:solidFill>
+          <a:ln w="12700" cap="flat" cmpd="sng">
+            <a:solidFill>
+              <a:schemeClr val="accent1"/>
+            </a:solidFill>
+            <a:prstDash val="solid"/>
+            <a:miter lim="800000"/>
+            <a:headEnd type="none" w="sm" len="sm"/>
+            <a:tailEnd type="none" w="sm" len="sm"/>
+          </a:ln>
+        </p:spPr>
+        <p:txBody>
+          <a:bodyPr spcFirstLastPara="1" wrap="square" lIns="91425" tIns="45700" rIns="91425" bIns="45700" anchor="ctr" anchorCtr="0">
+            <a:noAutofit/>
+          </a:bodyPr>
+          <a:lstStyle/>
+          <a:p>
+            <a:pPr marL="0" marR="0" lvl="0" indent="0" algn="l" rtl="0">
+              <a:spcBef>
+                <a:spcPts val="0"/>
+              </a:spcBef>
+              <a:spcAft>
+                <a:spcPts val="0"/>
+              </a:spcAft>
+              <a:buNone/>
+            </a:pPr>
+            <a:r>
+              <a:rPr lang="es-CO" sz="1400" dirty="0">
+                <a:solidFill>
+                  <a:schemeClr val="bg1">
+                    <a:lumMod val="95000"/>
+                  </a:schemeClr>
+                </a:solidFill>
+                <a:latin typeface="Calibri"/>
+                <a:ea typeface="Calibri"/>
+                <a:cs typeface="Calibri"/>
+                <a:sym typeface="Calibri"/>
+              </a:rPr>
+              <a:t>Daniel Estrada | Modelo de Ising 2D  	         .3/12</a:t>
+            </a:r>
+            <a:endParaRPr dirty="0">
+              <a:solidFill>
+                <a:schemeClr val="bg1">
+                  <a:lumMod val="95000"/>
+                </a:schemeClr>
+              </a:solidFill>
+            </a:endParaRPr>
+          </a:p>
+        </p:txBody>
+      </p:sp>
+      <p:sp>
+        <p:nvSpPr>
+          <p:cNvPr id="17" name="Google Shape;121;p3">
+            <a:extLst>
+              <a:ext uri="{FF2B5EF4-FFF2-40B4-BE49-F238E27FC236}">
+                <a16:creationId xmlns:a16="http://schemas.microsoft.com/office/drawing/2014/main" id="{50E5C467-776E-4E94-AFA0-7309B6FD6C3B}"/>
+              </a:ext>
+            </a:extLst>
+          </p:cNvPr>
+          <p:cNvSpPr/>
+          <p:nvPr/>
+        </p:nvSpPr>
+        <p:spPr>
+          <a:xfrm>
+            <a:off x="3447689" y="452140"/>
+            <a:ext cx="5977320" cy="584735"/>
+          </a:xfrm>
+          <a:prstGeom prst="rect">
+            <a:avLst/>
+          </a:prstGeom>
+          <a:noFill/>
+          <a:ln>
+            <a:noFill/>
+          </a:ln>
+        </p:spPr>
+        <p:txBody>
+          <a:bodyPr spcFirstLastPara="1" wrap="square" lIns="91425" tIns="45700" rIns="91425" bIns="45700" anchor="t" anchorCtr="0">
+            <a:spAutoFit/>
+          </a:bodyPr>
+          <a:lstStyle/>
+          <a:p>
+            <a:pPr marL="0" marR="0" lvl="0" indent="0" algn="ctr" rtl="0">
+              <a:spcBef>
+                <a:spcPts val="0"/>
+              </a:spcBef>
+              <a:spcAft>
+                <a:spcPts val="0"/>
+              </a:spcAft>
+              <a:buNone/>
+            </a:pPr>
+            <a:r>
+              <a:rPr lang="es-CO" sz="3200" b="0" cap="none" dirty="0">
+                <a:latin typeface="Calibri"/>
+                <a:ea typeface="Calibri"/>
+                <a:cs typeface="Calibri"/>
+                <a:sym typeface="Calibri"/>
+              </a:rPr>
+              <a:t>Simulación del Modelo de Ising</a:t>
+            </a:r>
+            <a:endParaRPr dirty="0"/>
+          </a:p>
+        </p:txBody>
+      </p:sp>
+      <p:sp>
+        <p:nvSpPr>
+          <p:cNvPr id="20" name="Google Shape;124;p3">
+            <a:extLst>
+              <a:ext uri="{FF2B5EF4-FFF2-40B4-BE49-F238E27FC236}">
+                <a16:creationId xmlns:a16="http://schemas.microsoft.com/office/drawing/2014/main" id="{256939AF-C435-4448-A888-4BEB7056D31E}"/>
+              </a:ext>
+            </a:extLst>
+          </p:cNvPr>
+          <p:cNvSpPr txBox="1"/>
+          <p:nvPr/>
+        </p:nvSpPr>
+        <p:spPr>
+          <a:xfrm>
+            <a:off x="250799" y="6520696"/>
+            <a:ext cx="6319836" cy="307777"/>
+          </a:xfrm>
+          <a:prstGeom prst="rect">
+            <a:avLst/>
+          </a:prstGeom>
+          <a:noFill/>
+          <a:ln>
+            <a:noFill/>
+          </a:ln>
+        </p:spPr>
+        <p:txBody>
+          <a:bodyPr spcFirstLastPara="1" wrap="square" lIns="91425" tIns="45700" rIns="91425" bIns="45700" anchor="t" anchorCtr="0">
+            <a:spAutoFit/>
+          </a:bodyPr>
+          <a:lstStyle/>
+          <a:p>
+            <a:pPr marL="0" marR="0" lvl="0" indent="0" algn="l" rtl="0">
+              <a:spcBef>
+                <a:spcPts val="0"/>
+              </a:spcBef>
+              <a:spcAft>
+                <a:spcPts val="0"/>
+              </a:spcAft>
+              <a:buNone/>
+            </a:pPr>
+            <a:r>
+              <a:rPr lang="es-CO" sz="1400">
+                <a:solidFill>
+                  <a:srgbClr val="A5A5A5"/>
+                </a:solidFill>
+                <a:latin typeface="Calibri"/>
+                <a:ea typeface="Calibri"/>
+                <a:cs typeface="Calibri"/>
+                <a:sym typeface="Calibri"/>
+              </a:rPr>
+              <a:t>Imágenes tomadas y modificadas de [3]</a:t>
+            </a:r>
+            <a:endParaRPr/>
+          </a:p>
+        </p:txBody>
+      </p:sp>
+      <p:pic>
+        <p:nvPicPr>
+          <p:cNvPr id="24" name="Imagen 23">
+            <a:extLst>
+              <a:ext uri="{FF2B5EF4-FFF2-40B4-BE49-F238E27FC236}">
+                <a16:creationId xmlns:a16="http://schemas.microsoft.com/office/drawing/2014/main" id="{7B4DDA3E-9CF7-42F1-851B-5ABE622306EF}"/>
+              </a:ext>
+            </a:extLst>
+          </p:cNvPr>
+          <p:cNvPicPr>
+            <a:picLocks noChangeAspect="1"/>
+          </p:cNvPicPr>
+          <p:nvPr/>
+        </p:nvPicPr>
+        <p:blipFill rotWithShape="1">
+          <a:blip r:embed="rId3"/>
+          <a:srcRect l="24219" t="23366" r="28209" b="16528"/>
+          <a:stretch/>
+        </p:blipFill>
+        <p:spPr>
+          <a:xfrm>
+            <a:off x="499320" y="2104947"/>
+            <a:ext cx="4997062" cy="3551448"/>
+          </a:xfrm>
+          <a:prstGeom prst="rect">
+            <a:avLst/>
+          </a:prstGeom>
+          <a:ln>
+            <a:solidFill>
+              <a:schemeClr val="tx1"/>
+            </a:solidFill>
+          </a:ln>
+        </p:spPr>
+      </p:pic>
+      <p:pic>
+        <p:nvPicPr>
+          <p:cNvPr id="26" name="Imagen 25">
+            <a:extLst>
+              <a:ext uri="{FF2B5EF4-FFF2-40B4-BE49-F238E27FC236}">
+                <a16:creationId xmlns:a16="http://schemas.microsoft.com/office/drawing/2014/main" id="{C7031FE0-45D8-4EE9-B518-BA6CDDECB46E}"/>
+              </a:ext>
+            </a:extLst>
+          </p:cNvPr>
+          <p:cNvPicPr>
+            <a:picLocks noChangeAspect="1"/>
+          </p:cNvPicPr>
+          <p:nvPr/>
+        </p:nvPicPr>
+        <p:blipFill rotWithShape="1">
+          <a:blip r:embed="rId4"/>
+          <a:srcRect l="25781" t="33333" r="29922" b="21111"/>
+          <a:stretch/>
+        </p:blipFill>
+        <p:spPr>
+          <a:xfrm>
+            <a:off x="7116375" y="1739646"/>
+            <a:ext cx="4488050" cy="2596262"/>
+          </a:xfrm>
+          <a:prstGeom prst="rect">
+            <a:avLst/>
+          </a:prstGeom>
+        </p:spPr>
+      </p:pic>
+      <p:pic>
+        <p:nvPicPr>
+          <p:cNvPr id="28" name="Imagen 27">
+            <a:extLst>
+              <a:ext uri="{FF2B5EF4-FFF2-40B4-BE49-F238E27FC236}">
+                <a16:creationId xmlns:a16="http://schemas.microsoft.com/office/drawing/2014/main" id="{70C8E32C-6F12-4614-B650-D7A5B8D6C653}"/>
+              </a:ext>
+            </a:extLst>
+          </p:cNvPr>
+          <p:cNvPicPr>
+            <a:picLocks noChangeAspect="1"/>
+          </p:cNvPicPr>
+          <p:nvPr/>
+        </p:nvPicPr>
+        <p:blipFill rotWithShape="1">
+          <a:blip r:embed="rId5"/>
+          <a:srcRect l="27880" t="33741" r="58506" b="40883"/>
+          <a:stretch/>
+        </p:blipFill>
+        <p:spPr>
+          <a:xfrm>
+            <a:off x="7702161" y="4330080"/>
+            <a:ext cx="1659835" cy="1740257"/>
+          </a:xfrm>
+          <a:prstGeom prst="rect">
+            <a:avLst/>
+          </a:prstGeom>
+        </p:spPr>
+      </p:pic>
+      <p:pic>
+        <p:nvPicPr>
+          <p:cNvPr id="29" name="Imagen 28">
+            <a:extLst>
+              <a:ext uri="{FF2B5EF4-FFF2-40B4-BE49-F238E27FC236}">
+                <a16:creationId xmlns:a16="http://schemas.microsoft.com/office/drawing/2014/main" id="{09DE1F4F-44A1-4835-B51A-548CCFB59C34}"/>
+              </a:ext>
+            </a:extLst>
+          </p:cNvPr>
+          <p:cNvPicPr>
+            <a:picLocks noChangeAspect="1"/>
+          </p:cNvPicPr>
+          <p:nvPr/>
+        </p:nvPicPr>
+        <p:blipFill rotWithShape="1">
+          <a:blip r:embed="rId5"/>
+          <a:srcRect l="27880" t="59117" r="58506" b="15507"/>
+          <a:stretch/>
+        </p:blipFill>
+        <p:spPr>
+          <a:xfrm>
+            <a:off x="9550217" y="4387145"/>
+            <a:ext cx="1659835" cy="1740257"/>
+          </a:xfrm>
+          <a:prstGeom prst="rect">
+            <a:avLst/>
+          </a:prstGeom>
+        </p:spPr>
+      </p:pic>
+      <p:sp>
+        <p:nvSpPr>
+          <p:cNvPr id="30" name="Flecha: a la derecha 29">
+            <a:extLst>
+              <a:ext uri="{FF2B5EF4-FFF2-40B4-BE49-F238E27FC236}">
+                <a16:creationId xmlns:a16="http://schemas.microsoft.com/office/drawing/2014/main" id="{126ABFE0-B70B-4864-B32B-9D2548F685C2}"/>
+              </a:ext>
+            </a:extLst>
+          </p:cNvPr>
+          <p:cNvSpPr/>
+          <p:nvPr/>
+        </p:nvSpPr>
+        <p:spPr>
+          <a:xfrm>
+            <a:off x="5683526" y="3433969"/>
+            <a:ext cx="1252331" cy="586409"/>
+          </a:xfrm>
+          <a:prstGeom prst="rightArrow">
+            <a:avLst/>
+          </a:prstGeom>
+        </p:spPr>
+        <p:style>
+          <a:lnRef idx="2">
+            <a:schemeClr val="accent1">
+              <a:shade val="50000"/>
+            </a:schemeClr>
+          </a:lnRef>
+          <a:fillRef idx="1">
+            <a:schemeClr val="accent1"/>
+          </a:fillRef>
+          <a:effectRef idx="0">
+            <a:schemeClr val="accent1"/>
+          </a:effectRef>
+          <a:fontRef idx="minor">
+            <a:schemeClr val="lt1"/>
+          </a:fontRef>
+        </p:style>
+        <p:txBody>
+          <a:bodyPr rtlCol="0" anchor="ctr"/>
+          <a:lstStyle/>
+          <a:p>
+            <a:pPr algn="ctr"/>
+            <a:endParaRPr lang="es-CO"/>
+          </a:p>
+        </p:txBody>
+      </p:sp>
+      <p:cxnSp>
+        <p:nvCxnSpPr>
+          <p:cNvPr id="32" name="Conector recto de flecha 31">
+            <a:extLst>
+              <a:ext uri="{FF2B5EF4-FFF2-40B4-BE49-F238E27FC236}">
+                <a16:creationId xmlns:a16="http://schemas.microsoft.com/office/drawing/2014/main" id="{90215EE9-0C14-4B0B-8A72-0DE504FFDBE6}"/>
+              </a:ext>
+            </a:extLst>
+          </p:cNvPr>
+          <p:cNvCxnSpPr/>
+          <p:nvPr/>
+        </p:nvCxnSpPr>
+        <p:spPr>
+          <a:xfrm>
+            <a:off x="6309691" y="4094922"/>
+            <a:ext cx="0" cy="636104"/>
+          </a:xfrm>
+          <a:prstGeom prst="straightConnector1">
+            <a:avLst/>
+          </a:prstGeom>
+          <a:ln w="76200">
+            <a:solidFill>
+              <a:srgbClr val="FF0000"/>
+            </a:solidFill>
+            <a:tailEnd type="triangle"/>
+          </a:ln>
+        </p:spPr>
+        <p:style>
+          <a:lnRef idx="1">
+            <a:schemeClr val="accent1"/>
+          </a:lnRef>
+          <a:fillRef idx="0">
+            <a:schemeClr val="accent1"/>
+          </a:fillRef>
+          <a:effectRef idx="0">
+            <a:schemeClr val="accent1"/>
+          </a:effectRef>
+          <a:fontRef idx="minor">
+            <a:schemeClr val="tx1"/>
+          </a:fontRef>
+        </p:style>
+      </p:cxnSp>
+      <mc:AlternateContent xmlns:mc="http://schemas.openxmlformats.org/markup-compatibility/2006">
+        <mc:Choice xmlns:a14="http://schemas.microsoft.com/office/drawing/2010/main" Requires="a14">
+          <p:sp>
+            <p:nvSpPr>
+              <p:cNvPr id="33" name="CuadroTexto 32">
+                <a:extLst>
+                  <a:ext uri="{FF2B5EF4-FFF2-40B4-BE49-F238E27FC236}">
+                    <a16:creationId xmlns:a16="http://schemas.microsoft.com/office/drawing/2014/main" id="{6F4BC4F2-8CBD-4A57-B47D-CECB37E1BA7B}"/>
+                  </a:ext>
+                </a:extLst>
+              </p:cNvPr>
+              <p:cNvSpPr txBox="1"/>
+              <p:nvPr/>
+            </p:nvSpPr>
+            <p:spPr>
+              <a:xfrm>
+                <a:off x="5756323" y="4747317"/>
+                <a:ext cx="1360052" cy="523220"/>
+              </a:xfrm>
+              <a:prstGeom prst="rect">
+                <a:avLst/>
+              </a:prstGeom>
+              <a:noFill/>
+            </p:spPr>
+            <p:txBody>
+              <a:bodyPr wrap="none" rtlCol="0">
+                <a:spAutoFit/>
+              </a:bodyPr>
+              <a:lstStyle/>
+              <a:p>
+                <a14:m>
+                  <m:oMathPara xmlns:m="http://schemas.openxmlformats.org/officeDocument/2006/math">
+                    <m:oMathParaPr>
+                      <m:jc m:val="centerGroup"/>
+                    </m:oMathParaPr>
+                    <m:oMath xmlns:m="http://schemas.openxmlformats.org/officeDocument/2006/math">
+                      <m:r>
+                        <a:rPr lang="es-MX" sz="2800" b="0" i="1" smtClean="0">
+                          <a:solidFill>
+                            <a:srgbClr val="FF0000"/>
+                          </a:solidFill>
+                          <a:latin typeface="Cambria Math" panose="02040503050406030204" pitchFamily="18" charset="0"/>
+                        </a:rPr>
+                        <m:t>𝑇</m:t>
+                      </m:r>
+                      <m:r>
+                        <a:rPr lang="es-MX" sz="2800" b="0" i="1" smtClean="0">
+                          <a:solidFill>
+                            <a:srgbClr val="FF0000"/>
+                          </a:solidFill>
+                          <a:latin typeface="Cambria Math" panose="02040503050406030204" pitchFamily="18" charset="0"/>
+                        </a:rPr>
+                        <m:t>&gt;2</m:t>
+                      </m:r>
+                      <m:r>
+                        <a:rPr lang="es-MX" sz="2800" b="0" i="1" smtClean="0">
+                          <a:solidFill>
+                            <a:srgbClr val="FF0000"/>
+                          </a:solidFill>
+                          <a:latin typeface="Cambria Math" panose="02040503050406030204" pitchFamily="18" charset="0"/>
+                        </a:rPr>
+                        <m:t>h</m:t>
+                      </m:r>
+                    </m:oMath>
+                  </m:oMathPara>
+                </a14:m>
+                <a:endParaRPr lang="es-CO" sz="2800" dirty="0">
+                  <a:solidFill>
+                    <a:srgbClr val="FF0000"/>
+                  </a:solidFill>
+                </a:endParaRPr>
+              </a:p>
+            </p:txBody>
+          </p:sp>
+        </mc:Choice>
+        <mc:Fallback>
+          <p:sp>
+            <p:nvSpPr>
+              <p:cNvPr id="33" name="CuadroTexto 32">
+                <a:extLst>
+                  <a:ext uri="{FF2B5EF4-FFF2-40B4-BE49-F238E27FC236}">
+                    <a16:creationId xmlns:a16="http://schemas.microsoft.com/office/drawing/2014/main" id="{6F4BC4F2-8CBD-4A57-B47D-CECB37E1BA7B}"/>
+                  </a:ext>
+                </a:extLst>
+              </p:cNvPr>
+              <p:cNvSpPr txBox="1">
+                <a:spLocks noRot="1" noChangeAspect="1" noMove="1" noResize="1" noEditPoints="1" noAdjustHandles="1" noChangeArrowheads="1" noChangeShapeType="1" noTextEdit="1"/>
+              </p:cNvSpPr>
+              <p:nvPr/>
+            </p:nvSpPr>
+            <p:spPr>
+              <a:xfrm>
+                <a:off x="5756323" y="4747317"/>
+                <a:ext cx="1360052" cy="523220"/>
+              </a:xfrm>
+              <a:prstGeom prst="rect">
+                <a:avLst/>
+              </a:prstGeom>
+              <a:blipFill>
+                <a:blip r:embed="rId6"/>
+                <a:stretch>
+                  <a:fillRect/>
+                </a:stretch>
+              </a:blipFill>
+            </p:spPr>
+            <p:txBody>
+              <a:bodyPr/>
+              <a:lstStyle/>
+              <a:p>
+                <a:r>
+                  <a:rPr lang="es-CO">
+                    <a:noFill/>
+                  </a:rPr>
+                  <a:t> </a:t>
+                </a:r>
+              </a:p>
+            </p:txBody>
+          </p:sp>
+        </mc:Fallback>
+      </mc:AlternateContent>
+      <p:pic>
+        <p:nvPicPr>
+          <p:cNvPr id="34" name="Google Shape;111;p3">
+            <a:extLst>
+              <a:ext uri="{FF2B5EF4-FFF2-40B4-BE49-F238E27FC236}">
+                <a16:creationId xmlns:a16="http://schemas.microsoft.com/office/drawing/2014/main" id="{896B880C-8D07-488F-9A96-AC0F2B6F604D}"/>
+              </a:ext>
+            </a:extLst>
+          </p:cNvPr>
+          <p:cNvPicPr preferRelativeResize="0"/>
+          <p:nvPr/>
+        </p:nvPicPr>
+        <p:blipFill rotWithShape="1">
+          <a:blip r:embed="rId7">
+            <a:alphaModFix/>
+          </a:blip>
+          <a:srcRect l="39609" r="-5913"/>
+          <a:stretch/>
+        </p:blipFill>
+        <p:spPr>
+          <a:xfrm>
+            <a:off x="6608049" y="2793870"/>
+            <a:ext cx="4264343" cy="1805716"/>
+          </a:xfrm>
+          <a:prstGeom prst="parallelogram">
+            <a:avLst>
+              <a:gd name="adj" fmla="val 73508"/>
+            </a:avLst>
+          </a:prstGeom>
+          <a:noFill/>
+          <a:ln>
+            <a:noFill/>
+          </a:ln>
+        </p:spPr>
+      </p:pic>
+    </p:spTree>
+    <p:extLst>
+      <p:ext uri="{BB962C8B-B14F-4D97-AF65-F5344CB8AC3E}">
+        <p14:creationId xmlns:p14="http://schemas.microsoft.com/office/powerpoint/2010/main" val="19772077"/>
+      </p:ext>
+    </p:extLst>
+  </p:cSld>
+  <p:clrMapOvr>
+    <a:masterClrMapping/>
+  </p:clrMapOvr>
+  <p:timing>
+    <p:tnLst>
+      <p:par>
+        <p:cTn id="1" dur="indefinite" restart="never" nodeType="tmRoot">
+          <p:childTnLst>
+            <p:seq concurrent="1" nextAc="seek">
+              <p:cTn id="2" dur="indefinite" nodeType="mainSeq">
+                <p:childTnLst>
+                  <p:par>
+                    <p:cTn id="3" fill="hold">
+                      <p:stCondLst>
+                        <p:cond delay="indefinite"/>
+                      </p:stCondLst>
+                      <p:childTnLst>
+                        <p:par>
+                          <p:cTn id="4" fill="hold">
+                            <p:stCondLst>
+                              <p:cond delay="0"/>
+                            </p:stCondLst>
+                            <p:childTnLst>
+                              <p:par>
+                                <p:cTn id="5" presetID="1" presetClass="entr" presetSubtype="0" fill="hold" nodeType="clickEffect">
+                                  <p:stCondLst>
+                                    <p:cond delay="0"/>
+                                  </p:stCondLst>
+                                  <p:childTnLst>
+                                    <p:set>
+                                      <p:cBhvr>
+                                        <p:cTn id="6" dur="1" fill="hold">
+                                          <p:stCondLst>
+                                            <p:cond delay="0"/>
+                                          </p:stCondLst>
+                                        </p:cTn>
+                                        <p:tgtEl>
+                                          <p:spTgt spid="24"/>
+                                        </p:tgtEl>
+                                        <p:attrNameLst>
+                                          <p:attrName>style.visibility</p:attrName>
+                                        </p:attrNameLst>
+                                      </p:cBhvr>
+                                      <p:to>
+                                        <p:strVal val="visible"/>
+                                      </p:to>
+                                    </p:set>
+                                  </p:childTnLst>
+                                </p:cTn>
+                              </p:par>
+                            </p:childTnLst>
+                          </p:cTn>
+                        </p:par>
+                      </p:childTnLst>
+                    </p:cTn>
+                  </p:par>
+                  <p:par>
+                    <p:cTn id="7" fill="hold">
+                      <p:stCondLst>
+                        <p:cond delay="indefinite"/>
+                      </p:stCondLst>
+                      <p:childTnLst>
+                        <p:par>
+                          <p:cTn id="8" fill="hold">
+                            <p:stCondLst>
+                              <p:cond delay="0"/>
+                            </p:stCondLst>
+                            <p:childTnLst>
+                              <p:par>
+                                <p:cTn id="9" presetID="1" presetClass="entr" presetSubtype="0" fill="hold" nodeType="clickEffect">
+                                  <p:stCondLst>
+                                    <p:cond delay="0"/>
+                                  </p:stCondLst>
+                                  <p:childTnLst>
+                                    <p:set>
+                                      <p:cBhvr>
+                                        <p:cTn id="10" dur="1" fill="hold">
+                                          <p:stCondLst>
+                                            <p:cond delay="0"/>
+                                          </p:stCondLst>
+                                        </p:cTn>
+                                        <p:tgtEl>
+                                          <p:spTgt spid="34"/>
+                                        </p:tgtEl>
+                                        <p:attrNameLst>
+                                          <p:attrName>style.visibility</p:attrName>
+                                        </p:attrNameLst>
+                                      </p:cBhvr>
+                                      <p:to>
+                                        <p:strVal val="visible"/>
+                                      </p:to>
+                                    </p:set>
+                                  </p:childTnLst>
+                                </p:cTn>
+                              </p:par>
+                            </p:childTnLst>
+                          </p:cTn>
+                        </p:par>
+                      </p:childTnLst>
+                    </p:cTn>
+                  </p:par>
+                  <p:par>
+                    <p:cTn id="11" fill="hold">
+                      <p:stCondLst>
+                        <p:cond delay="indefinite"/>
+                      </p:stCondLst>
+                      <p:childTnLst>
+                        <p:par>
+                          <p:cTn id="12" fill="hold">
+                            <p:stCondLst>
+                              <p:cond delay="0"/>
+                            </p:stCondLst>
+                            <p:childTnLst>
+                              <p:par>
+                                <p:cTn id="13" presetID="1" presetClass="exit" presetSubtype="0" fill="hold" nodeType="clickEffect">
+                                  <p:stCondLst>
+                                    <p:cond delay="0"/>
+                                  </p:stCondLst>
+                                  <p:childTnLst>
+                                    <p:set>
+                                      <p:cBhvr>
+                                        <p:cTn id="14" dur="1" fill="hold">
+                                          <p:stCondLst>
+                                            <p:cond delay="0"/>
+                                          </p:stCondLst>
+                                        </p:cTn>
+                                        <p:tgtEl>
+                                          <p:spTgt spid="34"/>
+                                        </p:tgtEl>
+                                        <p:attrNameLst>
+                                          <p:attrName>style.visibility</p:attrName>
+                                        </p:attrNameLst>
+                                      </p:cBhvr>
+                                      <p:to>
+                                        <p:strVal val="hidden"/>
+                                      </p:to>
+                                    </p:set>
+                                  </p:childTnLst>
+                                </p:cTn>
+                              </p:par>
+                            </p:childTnLst>
+                          </p:cTn>
+                        </p:par>
+                      </p:childTnLst>
+                    </p:cTn>
+                  </p:par>
+                  <p:par>
+                    <p:cTn id="15" fill="hold">
+                      <p:stCondLst>
+                        <p:cond delay="indefinite"/>
+                      </p:stCondLst>
+                      <p:childTnLst>
+                        <p:par>
+                          <p:cTn id="16" fill="hold">
+                            <p:stCondLst>
+                              <p:cond delay="0"/>
+                            </p:stCondLst>
+                            <p:childTnLst>
+                              <p:par>
+                                <p:cTn id="17" presetID="1" presetClass="entr" presetSubtype="0" fill="hold" grpId="0" nodeType="clickEffect">
+                                  <p:stCondLst>
+                                    <p:cond delay="0"/>
+                                  </p:stCondLst>
+                                  <p:childTnLst>
+                                    <p:set>
+                                      <p:cBhvr>
+                                        <p:cTn id="18" dur="1" fill="hold">
+                                          <p:stCondLst>
+                                            <p:cond delay="0"/>
+                                          </p:stCondLst>
+                                        </p:cTn>
+                                        <p:tgtEl>
+                                          <p:spTgt spid="30"/>
+                                        </p:tgtEl>
+                                        <p:attrNameLst>
+                                          <p:attrName>style.visibility</p:attrName>
+                                        </p:attrNameLst>
+                                      </p:cBhvr>
+                                      <p:to>
+                                        <p:strVal val="visible"/>
+                                      </p:to>
+                                    </p:set>
+                                  </p:childTnLst>
+                                </p:cTn>
+                              </p:par>
+                              <p:par>
+                                <p:cTn id="19" presetID="1" presetClass="entr" presetSubtype="0" fill="hold" nodeType="withEffect">
+                                  <p:stCondLst>
+                                    <p:cond delay="0"/>
+                                  </p:stCondLst>
+                                  <p:childTnLst>
+                                    <p:set>
+                                      <p:cBhvr>
+                                        <p:cTn id="20" dur="1" fill="hold">
+                                          <p:stCondLst>
+                                            <p:cond delay="0"/>
+                                          </p:stCondLst>
+                                        </p:cTn>
+                                        <p:tgtEl>
+                                          <p:spTgt spid="26"/>
+                                        </p:tgtEl>
+                                        <p:attrNameLst>
+                                          <p:attrName>style.visibility</p:attrName>
+                                        </p:attrNameLst>
+                                      </p:cBhvr>
+                                      <p:to>
+                                        <p:strVal val="visible"/>
+                                      </p:to>
+                                    </p:set>
+                                  </p:childTnLst>
+                                </p:cTn>
+                              </p:par>
+                              <p:par>
+                                <p:cTn id="21" presetID="1" presetClass="entr" presetSubtype="0" fill="hold" nodeType="withEffect">
+                                  <p:stCondLst>
+                                    <p:cond delay="0"/>
+                                  </p:stCondLst>
+                                  <p:childTnLst>
+                                    <p:set>
+                                      <p:cBhvr>
+                                        <p:cTn id="22" dur="1" fill="hold">
+                                          <p:stCondLst>
+                                            <p:cond delay="0"/>
+                                          </p:stCondLst>
+                                        </p:cTn>
+                                        <p:tgtEl>
+                                          <p:spTgt spid="28"/>
+                                        </p:tgtEl>
+                                        <p:attrNameLst>
+                                          <p:attrName>style.visibility</p:attrName>
+                                        </p:attrNameLst>
+                                      </p:cBhvr>
+                                      <p:to>
+                                        <p:strVal val="visible"/>
+                                      </p:to>
+                                    </p:set>
+                                  </p:childTnLst>
+                                </p:cTn>
+                              </p:par>
+                              <p:par>
+                                <p:cTn id="23" presetID="1" presetClass="entr" presetSubtype="0" fill="hold" nodeType="withEffect">
+                                  <p:stCondLst>
+                                    <p:cond delay="0"/>
+                                  </p:stCondLst>
+                                  <p:childTnLst>
+                                    <p:set>
+                                      <p:cBhvr>
+                                        <p:cTn id="24" dur="1" fill="hold">
+                                          <p:stCondLst>
+                                            <p:cond delay="0"/>
+                                          </p:stCondLst>
+                                        </p:cTn>
+                                        <p:tgtEl>
+                                          <p:spTgt spid="29"/>
+                                        </p:tgtEl>
+                                        <p:attrNameLst>
+                                          <p:attrName>style.visibility</p:attrName>
+                                        </p:attrNameLst>
+                                      </p:cBhvr>
+                                      <p:to>
+                                        <p:strVal val="visible"/>
+                                      </p:to>
+                                    </p:set>
+                                  </p:childTnLst>
+                                </p:cTn>
+                              </p:par>
+                            </p:childTnLst>
+                          </p:cTn>
+                        </p:par>
+                      </p:childTnLst>
+                    </p:cTn>
+                  </p:par>
+                  <p:par>
+                    <p:cTn id="25" fill="hold">
+                      <p:stCondLst>
+                        <p:cond delay="indefinite"/>
+                      </p:stCondLst>
+                      <p:childTnLst>
+                        <p:par>
+                          <p:cTn id="26" fill="hold">
+                            <p:stCondLst>
+                              <p:cond delay="0"/>
+                            </p:stCondLst>
+                            <p:childTnLst>
+                              <p:par>
+                                <p:cTn id="27" presetID="1" presetClass="entr" presetSubtype="0" fill="hold" nodeType="clickEffect">
+                                  <p:stCondLst>
+                                    <p:cond delay="0"/>
+                                  </p:stCondLst>
+                                  <p:childTnLst>
+                                    <p:set>
+                                      <p:cBhvr>
+                                        <p:cTn id="28" dur="1" fill="hold">
+                                          <p:stCondLst>
+                                            <p:cond delay="0"/>
+                                          </p:stCondLst>
+                                        </p:cTn>
+                                        <p:tgtEl>
+                                          <p:spTgt spid="32"/>
+                                        </p:tgtEl>
+                                        <p:attrNameLst>
+                                          <p:attrName>style.visibility</p:attrName>
+                                        </p:attrNameLst>
+                                      </p:cBhvr>
+                                      <p:to>
+                                        <p:strVal val="visible"/>
+                                      </p:to>
+                                    </p:set>
+                                  </p:childTnLst>
+                                </p:cTn>
+                              </p:par>
+                              <p:par>
+                                <p:cTn id="29" presetID="1" presetClass="entr" presetSubtype="0" fill="hold" grpId="0" nodeType="withEffect">
+                                  <p:stCondLst>
+                                    <p:cond delay="0"/>
+                                  </p:stCondLst>
+                                  <p:childTnLst>
+                                    <p:set>
+                                      <p:cBhvr>
+                                        <p:cTn id="30" dur="1" fill="hold">
+                                          <p:stCondLst>
+                                            <p:cond delay="0"/>
+                                          </p:stCondLst>
+                                        </p:cTn>
+                                        <p:tgtEl>
+                                          <p:spTgt spid="33"/>
+                                        </p:tgtEl>
+                                        <p:attrNameLst>
+                                          <p:attrName>style.visibility</p:attrName>
+                                        </p:attrNameLst>
+                                      </p:cBhvr>
+                                      <p:to>
+                                        <p:strVal val="visible"/>
+                                      </p:to>
+                                    </p:set>
+                                  </p:childTnLst>
+                                </p:cTn>
+                              </p:par>
+                            </p:childTnLst>
+                          </p:cTn>
+                        </p:par>
+                      </p:childTnLst>
+                    </p:cTn>
+                  </p:par>
+                </p:childTnLst>
+              </p:cTn>
+              <p:prevCondLst>
+                <p:cond evt="onPrev" delay="0">
+                  <p:tgtEl>
+                    <p:sldTgt/>
+                  </p:tgtEl>
+                </p:cond>
+              </p:prevCondLst>
+              <p:nextCondLst>
+                <p:cond evt="onNext" delay="0">
+                  <p:tgtEl>
+                    <p:sldTgt/>
+                  </p:tgtEl>
+                </p:cond>
+              </p:nextCondLst>
+            </p:seq>
+          </p:childTnLst>
+        </p:cTn>
+      </p:par>
+    </p:tnLst>
+    <p:bldLst>
+      <p:bldP spid="30" grpId="0" animBg="1"/>
+      <p:bldP spid="33" grpId="0"/>
+    </p:bldLst>
+  </p:timing>
+</p:sld>
+</file>
+
+<file path=ppt/slides/slide4.xml><?xml version="1.0" encoding="utf-8"?>
+<p:sld xmlns:a="http://schemas.openxmlformats.org/drawingml/2006/main" xmlns:r="http://schemas.openxmlformats.org/officeDocument/2006/relationships" xmlns:p="http://schemas.openxmlformats.org/presentationml/2006/main">
+  <p:cSld>
+    <p:spTree>
+      <p:nvGrpSpPr>
+        <p:cNvPr id="1" name=""/>
+        <p:cNvGrpSpPr/>
+        <p:nvPr/>
+      </p:nvGrpSpPr>
+      <p:grpSpPr>
+        <a:xfrm>
+          <a:off x="0" y="0"/>
+          <a:ext cx="0" cy="0"/>
+          <a:chOff x="0" y="0"/>
+          <a:chExt cx="0" cy="0"/>
+        </a:xfrm>
+      </p:grpSpPr>
+      <p:sp>
+        <p:nvSpPr>
+          <p:cNvPr id="2" name="Google Shape;106;p3">
+            <a:extLst>
+              <a:ext uri="{FF2B5EF4-FFF2-40B4-BE49-F238E27FC236}">
+                <a16:creationId xmlns:a16="http://schemas.microsoft.com/office/drawing/2014/main" id="{BFD6DA23-A749-41B1-98EE-ADF1E03E59FB}"/>
+              </a:ext>
+            </a:extLst>
+          </p:cNvPr>
+          <p:cNvSpPr/>
+          <p:nvPr/>
+        </p:nvSpPr>
+        <p:spPr>
+          <a:xfrm>
+            <a:off x="782231" y="306185"/>
+            <a:ext cx="5542369" cy="889526"/>
+          </a:xfrm>
+          <a:prstGeom prst="roundRect">
+            <a:avLst>
+              <a:gd name="adj" fmla="val 16667"/>
+            </a:avLst>
+          </a:prstGeom>
+          <a:solidFill>
+            <a:schemeClr val="accent5">
+              <a:lumMod val="40000"/>
+              <a:lumOff val="60000"/>
+            </a:schemeClr>
+          </a:solidFill>
+          <a:ln w="12700" cap="flat" cmpd="sng">
+            <a:solidFill>
+              <a:schemeClr val="accent1"/>
+            </a:solidFill>
+            <a:prstDash val="solid"/>
+            <a:miter lim="800000"/>
+            <a:headEnd type="none" w="sm" len="sm"/>
+            <a:tailEnd type="none" w="sm" len="sm"/>
+          </a:ln>
+        </p:spPr>
+        <p:txBody>
+          <a:bodyPr spcFirstLastPara="1" wrap="square" lIns="91425" tIns="45700" rIns="91425" bIns="45700" anchor="ctr" anchorCtr="0">
+            <a:noAutofit/>
+          </a:bodyPr>
+          <a:lstStyle/>
+          <a:p>
+            <a:pPr marL="0" marR="0" lvl="0" indent="0" algn="ctr" rtl="0">
+              <a:spcBef>
+                <a:spcPts val="0"/>
+              </a:spcBef>
+              <a:spcAft>
+                <a:spcPts val="0"/>
+              </a:spcAft>
+              <a:buNone/>
+            </a:pPr>
+            <a:endParaRPr sz="1800">
+              <a:solidFill>
+                <a:schemeClr val="lt1"/>
+              </a:solidFill>
+              <a:latin typeface="Calibri"/>
+              <a:ea typeface="Calibri"/>
+              <a:cs typeface="Calibri"/>
+              <a:sym typeface="Calibri"/>
+            </a:endParaRPr>
+          </a:p>
+        </p:txBody>
+      </p:sp>
+      <p:sp>
+        <p:nvSpPr>
+          <p:cNvPr id="3" name="Google Shape;107;p3">
+            <a:extLst>
+              <a:ext uri="{FF2B5EF4-FFF2-40B4-BE49-F238E27FC236}">
+                <a16:creationId xmlns:a16="http://schemas.microsoft.com/office/drawing/2014/main" id="{BA1BC713-4036-4FD5-9EE6-C435AC6FFBA5}"/>
+              </a:ext>
+            </a:extLst>
+          </p:cNvPr>
+          <p:cNvSpPr/>
+          <p:nvPr/>
+        </p:nvSpPr>
+        <p:spPr>
+          <a:xfrm>
+            <a:off x="-314325" y="-19050"/>
+            <a:ext cx="4076709" cy="1076325"/>
+          </a:xfrm>
+          <a:prstGeom prst="roundRect">
+            <a:avLst>
+              <a:gd name="adj" fmla="val 16667"/>
+            </a:avLst>
+          </a:prstGeom>
+          <a:solidFill>
+            <a:schemeClr val="accent5"/>
+          </a:solidFill>
+          <a:ln w="12700" cap="flat" cmpd="sng">
+            <a:solidFill>
+              <a:schemeClr val="accent1"/>
+            </a:solidFill>
+            <a:prstDash val="solid"/>
+            <a:miter lim="800000"/>
+            <a:headEnd type="none" w="sm" len="sm"/>
+            <a:tailEnd type="none" w="sm" len="sm"/>
+          </a:ln>
+        </p:spPr>
+        <p:txBody>
+          <a:bodyPr spcFirstLastPara="1" wrap="square" lIns="91425" tIns="45700" rIns="91425" bIns="45700" anchor="ctr" anchorCtr="0">
+            <a:noAutofit/>
+          </a:bodyPr>
+          <a:lstStyle/>
+          <a:p>
+            <a:pPr marL="0" marR="0" lvl="0" indent="0" algn="ctr" rtl="0">
+              <a:spcBef>
+                <a:spcPts val="0"/>
+              </a:spcBef>
+              <a:spcAft>
+                <a:spcPts val="0"/>
+              </a:spcAft>
+              <a:buNone/>
+            </a:pPr>
+            <a:endParaRPr sz="1800">
+              <a:solidFill>
+                <a:schemeClr val="lt1"/>
+              </a:solidFill>
+              <a:latin typeface="Calibri"/>
+              <a:ea typeface="Calibri"/>
+              <a:cs typeface="Calibri"/>
+              <a:sym typeface="Calibri"/>
+            </a:endParaRPr>
+          </a:p>
+        </p:txBody>
+      </p:sp>
+      <p:sp>
+        <p:nvSpPr>
+          <p:cNvPr id="4" name="Google Shape;108;p3">
+            <a:extLst>
+              <a:ext uri="{FF2B5EF4-FFF2-40B4-BE49-F238E27FC236}">
+                <a16:creationId xmlns:a16="http://schemas.microsoft.com/office/drawing/2014/main" id="{F8828D22-BA15-412F-BB97-F405FDAD11C5}"/>
+              </a:ext>
+            </a:extLst>
+          </p:cNvPr>
+          <p:cNvSpPr/>
+          <p:nvPr/>
+        </p:nvSpPr>
+        <p:spPr>
+          <a:xfrm>
+            <a:off x="-84240" y="106501"/>
+            <a:ext cx="3610068" cy="707846"/>
+          </a:xfrm>
+          <a:prstGeom prst="rect">
+            <a:avLst/>
+          </a:prstGeom>
+          <a:noFill/>
+          <a:ln>
+            <a:noFill/>
+          </a:ln>
+        </p:spPr>
+        <p:txBody>
+          <a:bodyPr spcFirstLastPara="1" wrap="square" lIns="91425" tIns="45700" rIns="91425" bIns="45700" anchor="t" anchorCtr="0">
+            <a:spAutoFit/>
+          </a:bodyPr>
+          <a:lstStyle/>
+          <a:p>
+            <a:pPr marL="0" marR="0" lvl="0" indent="0" algn="ctr" rtl="0">
+              <a:spcBef>
+                <a:spcPts val="0"/>
+              </a:spcBef>
+              <a:spcAft>
+                <a:spcPts val="0"/>
+              </a:spcAft>
+              <a:buNone/>
+            </a:pPr>
+            <a:r>
+              <a:rPr lang="es-CO" sz="4000" dirty="0">
+                <a:solidFill>
+                  <a:schemeClr val="bg1"/>
+                </a:solidFill>
+                <a:latin typeface="Calibri"/>
+                <a:cs typeface="Calibri"/>
+                <a:sym typeface="Calibri"/>
+              </a:rPr>
+              <a:t>Motivación</a:t>
+            </a:r>
+            <a:endParaRPr dirty="0">
+              <a:solidFill>
+                <a:schemeClr val="bg1"/>
+              </a:solidFill>
+            </a:endParaRPr>
+          </a:p>
+        </p:txBody>
+      </p:sp>
+      <p:pic>
+        <p:nvPicPr>
+          <p:cNvPr id="5" name="Google Shape;109;p3" descr="Imagen que contiene Patrón de fondo&#10;&#10;Descripción generada automáticamente">
+            <a:extLst>
+              <a:ext uri="{FF2B5EF4-FFF2-40B4-BE49-F238E27FC236}">
+                <a16:creationId xmlns:a16="http://schemas.microsoft.com/office/drawing/2014/main" id="{A931CBAE-1CFF-4ACD-86A9-41E3F100158F}"/>
+              </a:ext>
+            </a:extLst>
+          </p:cNvPr>
+          <p:cNvPicPr preferRelativeResize="0"/>
+          <p:nvPr/>
+        </p:nvPicPr>
+        <p:blipFill rotWithShape="1">
+          <a:blip r:embed="rId2">
+            <a:alphaModFix/>
+          </a:blip>
+          <a:srcRect/>
+          <a:stretch/>
+        </p:blipFill>
+        <p:spPr>
+          <a:xfrm>
+            <a:off x="10448963" y="0"/>
+            <a:ext cx="1295320" cy="1602459"/>
+          </a:xfrm>
+          <a:prstGeom prst="rect">
+            <a:avLst/>
+          </a:prstGeom>
+          <a:noFill/>
+          <a:ln>
+            <a:noFill/>
+          </a:ln>
+        </p:spPr>
+      </p:pic>
+      <p:sp>
+        <p:nvSpPr>
+          <p:cNvPr id="6" name="Google Shape;110;p3">
+            <a:extLst>
+              <a:ext uri="{FF2B5EF4-FFF2-40B4-BE49-F238E27FC236}">
+                <a16:creationId xmlns:a16="http://schemas.microsoft.com/office/drawing/2014/main" id="{28664757-6615-4321-8E45-DD819ABF61A2}"/>
+              </a:ext>
+            </a:extLst>
+          </p:cNvPr>
+          <p:cNvSpPr/>
+          <p:nvPr/>
+        </p:nvSpPr>
+        <p:spPr>
+          <a:xfrm>
+            <a:off x="8401050" y="6534150"/>
+            <a:ext cx="3914774" cy="323850"/>
+          </a:xfrm>
+          <a:prstGeom prst="roundRect">
+            <a:avLst>
+              <a:gd name="adj" fmla="val 16667"/>
+            </a:avLst>
+          </a:prstGeom>
+          <a:solidFill>
+            <a:schemeClr val="accent5"/>
+          </a:solidFill>
+          <a:ln w="12700" cap="flat" cmpd="sng">
+            <a:solidFill>
+              <a:schemeClr val="accent1"/>
+            </a:solidFill>
+            <a:prstDash val="solid"/>
+            <a:miter lim="800000"/>
+            <a:headEnd type="none" w="sm" len="sm"/>
+            <a:tailEnd type="none" w="sm" len="sm"/>
+          </a:ln>
+        </p:spPr>
+        <p:txBody>
+          <a:bodyPr spcFirstLastPara="1" wrap="square" lIns="91425" tIns="45700" rIns="91425" bIns="45700" anchor="ctr" anchorCtr="0">
+            <a:noAutofit/>
+          </a:bodyPr>
+          <a:lstStyle/>
+          <a:p>
+            <a:pPr marL="0" marR="0" lvl="0" indent="0" algn="l" rtl="0">
+              <a:spcBef>
+                <a:spcPts val="0"/>
+              </a:spcBef>
+              <a:spcAft>
+                <a:spcPts val="0"/>
+              </a:spcAft>
+              <a:buNone/>
+            </a:pPr>
+            <a:r>
+              <a:rPr lang="es-CO" sz="1400" dirty="0">
+                <a:solidFill>
+                  <a:schemeClr val="bg1">
+                    <a:lumMod val="95000"/>
+                  </a:schemeClr>
+                </a:solidFill>
+                <a:latin typeface="Calibri"/>
+                <a:ea typeface="Calibri"/>
+                <a:cs typeface="Calibri"/>
+                <a:sym typeface="Calibri"/>
+              </a:rPr>
+              <a:t>Daniel Estrada | Modelo de Ising 2D  	         .4/12</a:t>
+            </a:r>
+            <a:endParaRPr dirty="0">
+              <a:solidFill>
+                <a:schemeClr val="bg1">
+                  <a:lumMod val="95000"/>
+                </a:schemeClr>
+              </a:solidFill>
+            </a:endParaRPr>
+          </a:p>
+        </p:txBody>
+      </p:sp>
+      <p:sp>
+        <p:nvSpPr>
+          <p:cNvPr id="17" name="Google Shape;121;p3">
+            <a:extLst>
+              <a:ext uri="{FF2B5EF4-FFF2-40B4-BE49-F238E27FC236}">
+                <a16:creationId xmlns:a16="http://schemas.microsoft.com/office/drawing/2014/main" id="{50E5C467-776E-4E94-AFA0-7309B6FD6C3B}"/>
+              </a:ext>
+            </a:extLst>
+          </p:cNvPr>
+          <p:cNvSpPr/>
+          <p:nvPr/>
+        </p:nvSpPr>
+        <p:spPr>
+          <a:xfrm>
+            <a:off x="3447689" y="452140"/>
+            <a:ext cx="3048361" cy="584735"/>
+          </a:xfrm>
+          <a:prstGeom prst="rect">
+            <a:avLst/>
+          </a:prstGeom>
+          <a:noFill/>
+          <a:ln>
+            <a:noFill/>
+          </a:ln>
+        </p:spPr>
+        <p:txBody>
+          <a:bodyPr spcFirstLastPara="1" wrap="square" lIns="91425" tIns="45700" rIns="91425" bIns="45700" anchor="t" anchorCtr="0">
+            <a:spAutoFit/>
+          </a:bodyPr>
+          <a:lstStyle/>
+          <a:p>
+            <a:pPr marL="0" marR="0" lvl="0" indent="0" algn="ctr" rtl="0">
+              <a:spcBef>
+                <a:spcPts val="0"/>
+              </a:spcBef>
+              <a:spcAft>
+                <a:spcPts val="0"/>
+              </a:spcAft>
+              <a:buNone/>
+            </a:pPr>
+            <a:r>
+              <a:rPr lang="es-CO" sz="3200" b="0" cap="none" dirty="0">
+                <a:latin typeface="Calibri"/>
+                <a:ea typeface="Calibri"/>
+                <a:cs typeface="Calibri"/>
+                <a:sym typeface="Calibri"/>
+              </a:rPr>
+              <a:t>Objetivo</a:t>
+            </a:r>
+            <a:endParaRPr dirty="0"/>
+          </a:p>
+        </p:txBody>
+      </p:sp>
+      <p:sp>
+        <p:nvSpPr>
+          <p:cNvPr id="16" name="Google Shape;113;p3">
+            <a:extLst>
+              <a:ext uri="{FF2B5EF4-FFF2-40B4-BE49-F238E27FC236}">
+                <a16:creationId xmlns:a16="http://schemas.microsoft.com/office/drawing/2014/main" id="{4710FD75-63E9-4666-A008-8ACB76DCF78D}"/>
+              </a:ext>
+            </a:extLst>
+          </p:cNvPr>
+          <p:cNvSpPr txBox="1"/>
+          <p:nvPr/>
+        </p:nvSpPr>
+        <p:spPr>
+          <a:xfrm>
+            <a:off x="619167" y="1885356"/>
+            <a:ext cx="10953666" cy="3785611"/>
+          </a:xfrm>
+          <a:prstGeom prst="rect">
+            <a:avLst/>
+          </a:prstGeom>
+          <a:noFill/>
+          <a:ln>
+            <a:noFill/>
+          </a:ln>
+        </p:spPr>
+        <p:txBody>
+          <a:bodyPr spcFirstLastPara="1" wrap="square" lIns="91425" tIns="45700" rIns="91425" bIns="45700" anchor="t" anchorCtr="0">
+            <a:spAutoFit/>
+          </a:bodyPr>
+          <a:lstStyle/>
+          <a:p>
+            <a:pPr marL="0" marR="0" lvl="0" indent="0" algn="just" rtl="0">
+              <a:spcBef>
+                <a:spcPts val="0"/>
+              </a:spcBef>
+              <a:spcAft>
+                <a:spcPts val="0"/>
+              </a:spcAft>
+              <a:buNone/>
+            </a:pPr>
+            <a:r>
+              <a:rPr lang="es-CO" sz="2000" dirty="0">
+                <a:solidFill>
+                  <a:schemeClr val="dk1"/>
+                </a:solidFill>
+                <a:latin typeface="Arial"/>
+                <a:ea typeface="Arial"/>
+                <a:cs typeface="Arial"/>
+                <a:sym typeface="Arial"/>
+              </a:rPr>
+              <a:t>Con el </a:t>
+            </a:r>
+            <a:r>
+              <a:rPr lang="es-CO" sz="2000" u="sng" dirty="0">
+                <a:solidFill>
+                  <a:schemeClr val="dk1"/>
+                </a:solidFill>
+                <a:latin typeface="Arial"/>
+                <a:ea typeface="Arial"/>
+                <a:cs typeface="Arial"/>
+                <a:sym typeface="Arial"/>
+              </a:rPr>
+              <a:t>objetivo</a:t>
+            </a:r>
+            <a:r>
+              <a:rPr lang="es-CO" sz="2000" dirty="0">
+                <a:solidFill>
+                  <a:schemeClr val="dk1"/>
+                </a:solidFill>
+                <a:latin typeface="Arial"/>
+                <a:ea typeface="Arial"/>
+                <a:cs typeface="Arial"/>
+                <a:sym typeface="Arial"/>
+              </a:rPr>
+              <a:t> de:</a:t>
+            </a:r>
+          </a:p>
+          <a:p>
+            <a:pPr marL="0" marR="0" lvl="0" indent="0" algn="just" rtl="0">
+              <a:spcBef>
+                <a:spcPts val="0"/>
+              </a:spcBef>
+              <a:spcAft>
+                <a:spcPts val="0"/>
+              </a:spcAft>
+              <a:buNone/>
+            </a:pPr>
+            <a:endParaRPr lang="es-CO" sz="2000" dirty="0">
+              <a:solidFill>
+                <a:schemeClr val="dk1"/>
+              </a:solidFill>
+              <a:latin typeface="Arial"/>
+              <a:ea typeface="Arial"/>
+              <a:cs typeface="Arial"/>
+              <a:sym typeface="Arial"/>
+            </a:endParaRPr>
+          </a:p>
+          <a:p>
+            <a:pPr marL="0" marR="0" lvl="0" indent="0" algn="just" rtl="0">
+              <a:spcBef>
+                <a:spcPts val="0"/>
+              </a:spcBef>
+              <a:spcAft>
+                <a:spcPts val="0"/>
+              </a:spcAft>
+              <a:buNone/>
+            </a:pPr>
+            <a:endParaRPr lang="es-CO" sz="2000" dirty="0">
+              <a:solidFill>
+                <a:schemeClr val="dk1"/>
+              </a:solidFill>
+              <a:latin typeface="Arial"/>
+              <a:ea typeface="Arial"/>
+              <a:cs typeface="Arial"/>
+              <a:sym typeface="Arial"/>
+            </a:endParaRPr>
+          </a:p>
+          <a:p>
+            <a:pPr marL="285750" marR="0" lvl="0" indent="-285750" algn="just" rtl="0">
+              <a:spcBef>
+                <a:spcPts val="0"/>
+              </a:spcBef>
+              <a:spcAft>
+                <a:spcPts val="0"/>
+              </a:spcAft>
+              <a:buFont typeface="Arial" panose="020B0604020202020204" pitchFamily="34" charset="0"/>
+              <a:buChar char="•"/>
+            </a:pPr>
+            <a:r>
+              <a:rPr lang="es-CO" sz="2000" dirty="0">
+                <a:solidFill>
+                  <a:schemeClr val="dk1"/>
+                </a:solidFill>
+                <a:latin typeface="Arial"/>
+                <a:ea typeface="Arial"/>
+                <a:cs typeface="Arial"/>
+                <a:sym typeface="Arial"/>
+              </a:rPr>
+              <a:t>Aplicar las herramientas de paralelización aprendidas en el curso.</a:t>
+            </a:r>
+          </a:p>
+          <a:p>
+            <a:pPr marL="285750" marR="0" lvl="0" indent="-285750" algn="just" rtl="0">
+              <a:spcBef>
+                <a:spcPts val="0"/>
+              </a:spcBef>
+              <a:spcAft>
+                <a:spcPts val="0"/>
+              </a:spcAft>
+              <a:buFont typeface="Arial" panose="020B0604020202020204" pitchFamily="34" charset="0"/>
+              <a:buChar char="•"/>
+            </a:pPr>
+            <a:endParaRPr lang="es-CO" sz="2000" dirty="0">
+              <a:solidFill>
+                <a:schemeClr val="dk1"/>
+              </a:solidFill>
+              <a:latin typeface="Arial"/>
+              <a:ea typeface="Arial"/>
+              <a:cs typeface="Arial"/>
+              <a:sym typeface="Arial"/>
+            </a:endParaRPr>
+          </a:p>
+          <a:p>
+            <a:pPr marL="285750" marR="0" lvl="0" indent="-285750" algn="just" rtl="0">
+              <a:spcBef>
+                <a:spcPts val="0"/>
+              </a:spcBef>
+              <a:spcAft>
+                <a:spcPts val="0"/>
+              </a:spcAft>
+              <a:buFont typeface="Arial" panose="020B0604020202020204" pitchFamily="34" charset="0"/>
+              <a:buChar char="•"/>
+            </a:pPr>
+            <a:r>
+              <a:rPr lang="es-CO" sz="2000" dirty="0">
+                <a:solidFill>
+                  <a:schemeClr val="dk1"/>
+                </a:solidFill>
+                <a:latin typeface="Arial"/>
+                <a:ea typeface="Arial"/>
+                <a:cs typeface="Arial"/>
+                <a:sym typeface="Arial"/>
+              </a:rPr>
+              <a:t>Mejorar le rendimiento de la simulación de Ising.</a:t>
+            </a:r>
+          </a:p>
+          <a:p>
+            <a:pPr marL="0" marR="0" lvl="0" indent="0" algn="just" rtl="0">
+              <a:spcBef>
+                <a:spcPts val="0"/>
+              </a:spcBef>
+              <a:spcAft>
+                <a:spcPts val="0"/>
+              </a:spcAft>
+              <a:buNone/>
+            </a:pPr>
+            <a:endParaRPr lang="es-CO" sz="2000" dirty="0">
+              <a:solidFill>
+                <a:schemeClr val="dk1"/>
+              </a:solidFill>
+              <a:latin typeface="Arial"/>
+              <a:ea typeface="Arial"/>
+              <a:cs typeface="Arial"/>
+              <a:sym typeface="Arial"/>
+            </a:endParaRPr>
+          </a:p>
+          <a:p>
+            <a:pPr marL="0" marR="0" lvl="0" indent="0" algn="just" rtl="0">
+              <a:spcBef>
+                <a:spcPts val="0"/>
+              </a:spcBef>
+              <a:spcAft>
+                <a:spcPts val="0"/>
+              </a:spcAft>
+              <a:buNone/>
+            </a:pPr>
+            <a:endParaRPr lang="es-CO" sz="2000" dirty="0">
+              <a:solidFill>
+                <a:schemeClr val="dk1"/>
+              </a:solidFill>
+              <a:latin typeface="Arial"/>
+              <a:ea typeface="Arial"/>
+              <a:cs typeface="Arial"/>
+              <a:sym typeface="Arial"/>
+            </a:endParaRPr>
+          </a:p>
+          <a:p>
+            <a:pPr marL="0" marR="0" lvl="0" indent="0" algn="just" rtl="0">
+              <a:spcBef>
+                <a:spcPts val="0"/>
+              </a:spcBef>
+              <a:spcAft>
+                <a:spcPts val="0"/>
+              </a:spcAft>
+              <a:buNone/>
+            </a:pPr>
+            <a:r>
+              <a:rPr lang="es-CO" sz="2000" dirty="0">
+                <a:solidFill>
+                  <a:schemeClr val="dk1"/>
+                </a:solidFill>
+                <a:latin typeface="Arial"/>
+                <a:ea typeface="Arial"/>
+                <a:cs typeface="Arial"/>
+                <a:sym typeface="Arial"/>
+              </a:rPr>
+              <a:t>Se plantea como proyecto para la segunda unidad </a:t>
+            </a:r>
+            <a:r>
+              <a:rPr lang="es-CO" sz="2000" dirty="0">
+                <a:solidFill>
+                  <a:schemeClr val="accent1"/>
+                </a:solidFill>
+                <a:latin typeface="Arial"/>
+                <a:ea typeface="Arial"/>
+                <a:cs typeface="Arial"/>
+                <a:sym typeface="Arial"/>
+              </a:rPr>
+              <a:t>la paralización del programa usando</a:t>
+            </a:r>
+            <a:r>
+              <a:rPr lang="es-CO" sz="2000" dirty="0">
+                <a:solidFill>
+                  <a:schemeClr val="dk1"/>
+                </a:solidFill>
+                <a:latin typeface="Arial"/>
+                <a:ea typeface="Arial"/>
+                <a:cs typeface="Arial"/>
+                <a:sym typeface="Arial"/>
+              </a:rPr>
+              <a:t> el módulo de Python </a:t>
+            </a:r>
+            <a:r>
+              <a:rPr lang="es-CO" sz="2000" dirty="0" err="1">
+                <a:solidFill>
+                  <a:schemeClr val="accent6"/>
+                </a:solidFill>
+                <a:latin typeface="Consolas" panose="020B0609020204030204" pitchFamily="49" charset="0"/>
+                <a:ea typeface="Arial"/>
+                <a:cs typeface="Arial"/>
+                <a:sym typeface="Arial"/>
+              </a:rPr>
+              <a:t>multiprocessing</a:t>
+            </a:r>
+            <a:r>
+              <a:rPr lang="es-CO" sz="2000" dirty="0">
+                <a:solidFill>
+                  <a:schemeClr val="dk1"/>
+                </a:solidFill>
+                <a:latin typeface="Arial"/>
+                <a:ea typeface="Arial"/>
+                <a:cs typeface="Arial"/>
+                <a:sym typeface="Arial"/>
+              </a:rPr>
+              <a:t>. Con esto, se comparará el rendimiento del nuevo programa con el anterior por medio de una gráfica T vs L.</a:t>
+            </a:r>
+          </a:p>
+          <a:p>
+            <a:pPr marL="0" marR="0" lvl="0" indent="0" algn="just" rtl="0">
+              <a:spcBef>
+                <a:spcPts val="0"/>
+              </a:spcBef>
+              <a:spcAft>
+                <a:spcPts val="0"/>
+              </a:spcAft>
+              <a:buNone/>
+            </a:pPr>
+            <a:endParaRPr sz="2000" dirty="0">
+              <a:solidFill>
+                <a:srgbClr val="7F7F7F"/>
+              </a:solidFill>
+              <a:latin typeface="Calibri"/>
+              <a:ea typeface="Calibri"/>
+              <a:cs typeface="Calibri"/>
+              <a:sym typeface="Calibri"/>
+            </a:endParaRPr>
+          </a:p>
+        </p:txBody>
+      </p:sp>
+    </p:spTree>
+    <p:extLst>
+      <p:ext uri="{BB962C8B-B14F-4D97-AF65-F5344CB8AC3E}">
+        <p14:creationId xmlns:p14="http://schemas.microsoft.com/office/powerpoint/2010/main" val="1116015053"/>
+      </p:ext>
+    </p:extLst>
+  </p:cSld>
+  <p:clrMapOvr>
+    <a:masterClrMapping/>
+  </p:clrMapOvr>
+</p:sld>
+</file>
+
+<file path=ppt/slides/slide5.xml><?xml version="1.0" encoding="utf-8"?>
+<p:sld xmlns:a="http://schemas.openxmlformats.org/drawingml/2006/main" xmlns:r="http://schemas.openxmlformats.org/officeDocument/2006/relationships" xmlns:p="http://schemas.openxmlformats.org/presentationml/2006/main">
+  <p:cSld>
+    <p:spTree>
+      <p:nvGrpSpPr>
+        <p:cNvPr id="1" name=""/>
+        <p:cNvGrpSpPr/>
+        <p:nvPr/>
+      </p:nvGrpSpPr>
+      <p:grpSpPr>
+        <a:xfrm>
+          <a:off x="0" y="0"/>
+          <a:ext cx="0" cy="0"/>
+          <a:chOff x="0" y="0"/>
+          <a:chExt cx="0" cy="0"/>
+        </a:xfrm>
+      </p:grpSpPr>
+      <p:sp>
+        <p:nvSpPr>
+          <p:cNvPr id="2" name="Google Shape;106;p3">
+            <a:extLst>
+              <a:ext uri="{FF2B5EF4-FFF2-40B4-BE49-F238E27FC236}">
+                <a16:creationId xmlns:a16="http://schemas.microsoft.com/office/drawing/2014/main" id="{BFD6DA23-A749-41B1-98EE-ADF1E03E59FB}"/>
+              </a:ext>
+            </a:extLst>
+          </p:cNvPr>
+          <p:cNvSpPr/>
+          <p:nvPr/>
+        </p:nvSpPr>
+        <p:spPr>
+          <a:xfrm>
+            <a:off x="782231" y="306185"/>
+            <a:ext cx="9430176" cy="889526"/>
+          </a:xfrm>
+          <a:prstGeom prst="roundRect">
+            <a:avLst>
+              <a:gd name="adj" fmla="val 16667"/>
+            </a:avLst>
+          </a:prstGeom>
+          <a:solidFill>
+            <a:schemeClr val="accent5">
+              <a:lumMod val="40000"/>
+              <a:lumOff val="60000"/>
+            </a:schemeClr>
+          </a:solidFill>
+          <a:ln w="12700" cap="flat" cmpd="sng">
+            <a:solidFill>
+              <a:schemeClr val="accent1"/>
+            </a:solidFill>
+            <a:prstDash val="solid"/>
+            <a:miter lim="800000"/>
+            <a:headEnd type="none" w="sm" len="sm"/>
+            <a:tailEnd type="none" w="sm" len="sm"/>
+          </a:ln>
+        </p:spPr>
+        <p:txBody>
+          <a:bodyPr spcFirstLastPara="1" wrap="square" lIns="91425" tIns="45700" rIns="91425" bIns="45700" anchor="ctr" anchorCtr="0">
+            <a:noAutofit/>
+          </a:bodyPr>
+          <a:lstStyle/>
+          <a:p>
+            <a:pPr marL="0" marR="0" lvl="0" indent="0" algn="ctr" rtl="0">
+              <a:spcBef>
+                <a:spcPts val="0"/>
+              </a:spcBef>
+              <a:spcAft>
+                <a:spcPts val="0"/>
+              </a:spcAft>
+              <a:buNone/>
+            </a:pPr>
+            <a:endParaRPr sz="1800">
+              <a:solidFill>
+                <a:schemeClr val="lt1"/>
+              </a:solidFill>
+              <a:latin typeface="Calibri"/>
+              <a:ea typeface="Calibri"/>
+              <a:cs typeface="Calibri"/>
+              <a:sym typeface="Calibri"/>
+            </a:endParaRPr>
+          </a:p>
+        </p:txBody>
+      </p:sp>
+      <p:sp>
+        <p:nvSpPr>
+          <p:cNvPr id="3" name="Google Shape;107;p3">
+            <a:extLst>
+              <a:ext uri="{FF2B5EF4-FFF2-40B4-BE49-F238E27FC236}">
+                <a16:creationId xmlns:a16="http://schemas.microsoft.com/office/drawing/2014/main" id="{BA1BC713-4036-4FD5-9EE6-C435AC6FFBA5}"/>
+              </a:ext>
+            </a:extLst>
+          </p:cNvPr>
+          <p:cNvSpPr/>
+          <p:nvPr/>
+        </p:nvSpPr>
+        <p:spPr>
+          <a:xfrm>
+            <a:off x="-314325" y="-19050"/>
+            <a:ext cx="4076709" cy="1076325"/>
+          </a:xfrm>
+          <a:prstGeom prst="roundRect">
+            <a:avLst>
+              <a:gd name="adj" fmla="val 16667"/>
+            </a:avLst>
+          </a:prstGeom>
+          <a:solidFill>
+            <a:schemeClr val="accent5"/>
+          </a:solidFill>
+          <a:ln w="12700" cap="flat" cmpd="sng">
+            <a:solidFill>
+              <a:schemeClr val="accent1"/>
+            </a:solidFill>
+            <a:prstDash val="solid"/>
+            <a:miter lim="800000"/>
+            <a:headEnd type="none" w="sm" len="sm"/>
+            <a:tailEnd type="none" w="sm" len="sm"/>
+          </a:ln>
+        </p:spPr>
+        <p:txBody>
+          <a:bodyPr spcFirstLastPara="1" wrap="square" lIns="91425" tIns="45700" rIns="91425" bIns="45700" anchor="ctr" anchorCtr="0">
+            <a:noAutofit/>
+          </a:bodyPr>
+          <a:lstStyle/>
+          <a:p>
+            <a:pPr marL="0" marR="0" lvl="0" indent="0" algn="ctr" rtl="0">
+              <a:spcBef>
+                <a:spcPts val="0"/>
+              </a:spcBef>
+              <a:spcAft>
+                <a:spcPts val="0"/>
+              </a:spcAft>
+              <a:buNone/>
+            </a:pPr>
+            <a:endParaRPr sz="1800">
+              <a:solidFill>
+                <a:schemeClr val="lt1"/>
+              </a:solidFill>
+              <a:latin typeface="Calibri"/>
+              <a:ea typeface="Calibri"/>
+              <a:cs typeface="Calibri"/>
+              <a:sym typeface="Calibri"/>
+            </a:endParaRPr>
+          </a:p>
+        </p:txBody>
+      </p:sp>
+      <p:sp>
+        <p:nvSpPr>
+          <p:cNvPr id="4" name="Google Shape;108;p3">
+            <a:extLst>
+              <a:ext uri="{FF2B5EF4-FFF2-40B4-BE49-F238E27FC236}">
+                <a16:creationId xmlns:a16="http://schemas.microsoft.com/office/drawing/2014/main" id="{F8828D22-BA15-412F-BB97-F405FDAD11C5}"/>
+              </a:ext>
+            </a:extLst>
+          </p:cNvPr>
+          <p:cNvSpPr/>
+          <p:nvPr/>
+        </p:nvSpPr>
+        <p:spPr>
+          <a:xfrm>
+            <a:off x="-84240" y="106501"/>
+            <a:ext cx="3610068" cy="707846"/>
+          </a:xfrm>
+          <a:prstGeom prst="rect">
+            <a:avLst/>
+          </a:prstGeom>
+          <a:noFill/>
+          <a:ln>
+            <a:noFill/>
+          </a:ln>
+        </p:spPr>
+        <p:txBody>
+          <a:bodyPr spcFirstLastPara="1" wrap="square" lIns="91425" tIns="45700" rIns="91425" bIns="45700" anchor="t" anchorCtr="0">
+            <a:spAutoFit/>
+          </a:bodyPr>
+          <a:lstStyle/>
+          <a:p>
+            <a:pPr marL="0" marR="0" lvl="0" indent="0" algn="ctr" rtl="0">
+              <a:spcBef>
+                <a:spcPts val="0"/>
+              </a:spcBef>
+              <a:spcAft>
+                <a:spcPts val="0"/>
+              </a:spcAft>
+              <a:buNone/>
+            </a:pPr>
+            <a:r>
+              <a:rPr lang="es-CO" sz="4000" dirty="0">
+                <a:solidFill>
+                  <a:schemeClr val="bg1"/>
+                </a:solidFill>
+                <a:latin typeface="Calibri"/>
+                <a:cs typeface="Calibri"/>
+                <a:sym typeface="Calibri"/>
+              </a:rPr>
+              <a:t>Metodología</a:t>
+            </a:r>
+            <a:endParaRPr dirty="0">
+              <a:solidFill>
+                <a:schemeClr val="bg1"/>
+              </a:solidFill>
+            </a:endParaRPr>
+          </a:p>
+        </p:txBody>
+      </p:sp>
+      <p:pic>
+        <p:nvPicPr>
+          <p:cNvPr id="5" name="Google Shape;109;p3" descr="Imagen que contiene Patrón de fondo&#10;&#10;Descripción generada automáticamente">
+            <a:extLst>
+              <a:ext uri="{FF2B5EF4-FFF2-40B4-BE49-F238E27FC236}">
+                <a16:creationId xmlns:a16="http://schemas.microsoft.com/office/drawing/2014/main" id="{A931CBAE-1CFF-4ACD-86A9-41E3F100158F}"/>
+              </a:ext>
+            </a:extLst>
+          </p:cNvPr>
+          <p:cNvPicPr preferRelativeResize="0"/>
+          <p:nvPr/>
+        </p:nvPicPr>
+        <p:blipFill rotWithShape="1">
+          <a:blip r:embed="rId2">
+            <a:alphaModFix/>
+          </a:blip>
+          <a:srcRect/>
+          <a:stretch/>
+        </p:blipFill>
+        <p:spPr>
+          <a:xfrm>
+            <a:off x="10448963" y="0"/>
+            <a:ext cx="1295320" cy="1602459"/>
+          </a:xfrm>
+          <a:prstGeom prst="rect">
+            <a:avLst/>
+          </a:prstGeom>
+          <a:noFill/>
+          <a:ln>
+            <a:noFill/>
+          </a:ln>
+        </p:spPr>
+      </p:pic>
+      <p:sp>
+        <p:nvSpPr>
+          <p:cNvPr id="6" name="Google Shape;110;p3">
+            <a:extLst>
+              <a:ext uri="{FF2B5EF4-FFF2-40B4-BE49-F238E27FC236}">
+                <a16:creationId xmlns:a16="http://schemas.microsoft.com/office/drawing/2014/main" id="{28664757-6615-4321-8E45-DD819ABF61A2}"/>
+              </a:ext>
+            </a:extLst>
+          </p:cNvPr>
+          <p:cNvSpPr/>
+          <p:nvPr/>
+        </p:nvSpPr>
+        <p:spPr>
+          <a:xfrm>
+            <a:off x="8401050" y="6534150"/>
+            <a:ext cx="3914774" cy="323850"/>
+          </a:xfrm>
+          <a:prstGeom prst="roundRect">
+            <a:avLst>
+              <a:gd name="adj" fmla="val 16667"/>
+            </a:avLst>
+          </a:prstGeom>
+          <a:solidFill>
+            <a:schemeClr val="accent5"/>
+          </a:solidFill>
+          <a:ln w="12700" cap="flat" cmpd="sng">
+            <a:solidFill>
+              <a:schemeClr val="accent1"/>
+            </a:solidFill>
+            <a:prstDash val="solid"/>
+            <a:miter lim="800000"/>
+            <a:headEnd type="none" w="sm" len="sm"/>
+            <a:tailEnd type="none" w="sm" len="sm"/>
+          </a:ln>
+        </p:spPr>
+        <p:txBody>
+          <a:bodyPr spcFirstLastPara="1" wrap="square" lIns="91425" tIns="45700" rIns="91425" bIns="45700" anchor="ctr" anchorCtr="0">
+            <a:noAutofit/>
+          </a:bodyPr>
+          <a:lstStyle/>
+          <a:p>
+            <a:pPr marL="0" marR="0" lvl="0" indent="0" algn="l" rtl="0">
+              <a:spcBef>
+                <a:spcPts val="0"/>
+              </a:spcBef>
+              <a:spcAft>
+                <a:spcPts val="0"/>
+              </a:spcAft>
+              <a:buNone/>
+            </a:pPr>
+            <a:r>
+              <a:rPr lang="es-CO" sz="1400" dirty="0">
+                <a:solidFill>
+                  <a:schemeClr val="bg1">
+                    <a:lumMod val="95000"/>
+                  </a:schemeClr>
+                </a:solidFill>
+                <a:latin typeface="Calibri"/>
+                <a:ea typeface="Calibri"/>
+                <a:cs typeface="Calibri"/>
+                <a:sym typeface="Calibri"/>
+              </a:rPr>
+              <a:t>Daniel Estrada | Modelo de Ising 2D  	         .5/12</a:t>
+            </a:r>
+            <a:endParaRPr dirty="0">
+              <a:solidFill>
+                <a:schemeClr val="bg1">
+                  <a:lumMod val="95000"/>
+                </a:schemeClr>
+              </a:solidFill>
+            </a:endParaRPr>
+          </a:p>
+        </p:txBody>
+      </p:sp>
+      <p:sp>
+        <p:nvSpPr>
+          <p:cNvPr id="17" name="Google Shape;121;p3">
+            <a:extLst>
+              <a:ext uri="{FF2B5EF4-FFF2-40B4-BE49-F238E27FC236}">
+                <a16:creationId xmlns:a16="http://schemas.microsoft.com/office/drawing/2014/main" id="{50E5C467-776E-4E94-AFA0-7309B6FD6C3B}"/>
+              </a:ext>
+            </a:extLst>
+          </p:cNvPr>
+          <p:cNvSpPr/>
+          <p:nvPr/>
+        </p:nvSpPr>
+        <p:spPr>
+          <a:xfrm>
+            <a:off x="3447688" y="452140"/>
+            <a:ext cx="6915207" cy="584735"/>
+          </a:xfrm>
+          <a:prstGeom prst="rect">
+            <a:avLst/>
+          </a:prstGeom>
+          <a:noFill/>
+          <a:ln>
+            <a:noFill/>
+          </a:ln>
+        </p:spPr>
+        <p:txBody>
+          <a:bodyPr spcFirstLastPara="1" wrap="square" lIns="91425" tIns="45700" rIns="91425" bIns="45700" anchor="t" anchorCtr="0">
+            <a:spAutoFit/>
+          </a:bodyPr>
+          <a:lstStyle/>
+          <a:p>
+            <a:pPr marL="0" marR="0" lvl="0" indent="0" algn="ctr" rtl="0">
+              <a:spcBef>
+                <a:spcPts val="0"/>
+              </a:spcBef>
+              <a:spcAft>
+                <a:spcPts val="0"/>
+              </a:spcAft>
+              <a:buNone/>
+            </a:pPr>
+            <a:r>
+              <a:rPr lang="es-CO" sz="3200" dirty="0">
+                <a:latin typeface="Calibri"/>
+                <a:cs typeface="Calibri"/>
+                <a:sym typeface="Calibri"/>
+              </a:rPr>
+              <a:t>Tareas realizadas por la simulación</a:t>
+            </a:r>
+            <a:endParaRPr dirty="0"/>
+          </a:p>
+        </p:txBody>
+      </p:sp>
       <p:grpSp>
         <p:nvGrpSpPr>
-          <p:cNvPr id="2" name="Grupo 1">
+          <p:cNvPr id="19" name="Grupo 18">
             <a:extLst>
               <a:ext uri="{FF2B5EF4-FFF2-40B4-BE49-F238E27FC236}">
-                <a16:creationId xmlns:a16="http://schemas.microsoft.com/office/drawing/2014/main" id="{C8DA6F28-FE6F-4322-889B-6F86B6B5E03D}"/>
+                <a16:creationId xmlns:a16="http://schemas.microsoft.com/office/drawing/2014/main" id="{FFAE16C9-6553-4A37-9337-6F458E35C3B2}"/>
               </a:ext>
             </a:extLst>
           </p:cNvPr>
@@ -3363,10 +7900,10 @@
         </p:nvGrpSpPr>
         <p:grpSpPr>
           <a:xfrm>
-            <a:off x="1176618" y="204363"/>
-            <a:ext cx="9306053" cy="6449273"/>
+            <a:off x="2250523" y="1382510"/>
+            <a:ext cx="7961884" cy="5329977"/>
             <a:chOff x="814668" y="283315"/>
-            <a:chExt cx="9306053" cy="6449273"/>
+            <a:chExt cx="9633879" cy="6449273"/>
           </a:xfrm>
         </p:grpSpPr>
         <p:sp>
@@ -3374,7 +7911,7 @@
             <p:cNvPr id="21" name="Rectángulo 20">
               <a:extLst>
                 <a:ext uri="{FF2B5EF4-FFF2-40B4-BE49-F238E27FC236}">
-                  <a16:creationId xmlns:a16="http://schemas.microsoft.com/office/drawing/2014/main" id="{6F8DD211-DF7F-4198-ADCD-1E9CBC97B172}"/>
+                  <a16:creationId xmlns:a16="http://schemas.microsoft.com/office/drawing/2014/main" id="{BB7BB12E-EE04-481C-BD68-0F35AC7FEB48}"/>
                 </a:ext>
               </a:extLst>
             </p:cNvPr>
@@ -3430,10 +7967,10 @@
         </p:sp>
         <p:sp>
           <p:nvSpPr>
-            <p:cNvPr id="4" name="Rectángulo: esquinas redondeadas 3">
+            <p:cNvPr id="22" name="Rectángulo: esquinas redondeadas 21">
               <a:extLst>
                 <a:ext uri="{FF2B5EF4-FFF2-40B4-BE49-F238E27FC236}">
-                  <a16:creationId xmlns:a16="http://schemas.microsoft.com/office/drawing/2014/main" id="{1B1DE91F-8D05-4B81-B9D2-80DF52A6F663}"/>
+                  <a16:creationId xmlns:a16="http://schemas.microsoft.com/office/drawing/2014/main" id="{A289C056-43E0-4058-9AB9-A24DC406EE6F}"/>
                 </a:ext>
               </a:extLst>
             </p:cNvPr>
@@ -3492,14 +8029,14 @@
             </a:p>
           </p:txBody>
         </p:sp>
-        <mc:AlternateContent xmlns:mc="http://schemas.openxmlformats.org/markup-compatibility/2006">
-          <mc:Choice xmlns:a14="http://schemas.microsoft.com/office/drawing/2010/main" Requires="a14">
+        <mc:AlternateContent xmlns:mc="http://schemas.openxmlformats.org/markup-compatibility/2006" xmlns:a14="http://schemas.microsoft.com/office/drawing/2010/main">
+          <mc:Choice Requires="a14">
             <p:sp>
               <p:nvSpPr>
-                <p:cNvPr id="5" name="Rectángulo: esquinas redondeadas 4">
+                <p:cNvPr id="23" name="Rectángulo: esquinas redondeadas 22">
                   <a:extLst>
                     <a:ext uri="{FF2B5EF4-FFF2-40B4-BE49-F238E27FC236}">
-                      <a16:creationId xmlns:a16="http://schemas.microsoft.com/office/drawing/2014/main" id="{B2245B9C-B8D3-4DFE-B79D-6CAC5733F7B8}"/>
+                      <a16:creationId xmlns:a16="http://schemas.microsoft.com/office/drawing/2014/main" id="{AE8F85DA-5D04-43DD-B0F5-050D42639BD8}"/>
                     </a:ext>
                   </a:extLst>
                 </p:cNvPr>
@@ -3575,7 +8112,7 @@
               </p:txBody>
             </p:sp>
           </mc:Choice>
-          <mc:Fallback>
+          <mc:Fallback xmlns="">
             <p:sp>
               <p:nvSpPr>
                 <p:cNvPr id="5" name="Rectángulo: esquinas redondeadas 4">
@@ -3599,7 +8136,7 @@
                   <a:avLst/>
                 </a:prstGeom>
                 <a:blipFill>
-                  <a:blip r:embed="rId2"/>
+                  <a:blip r:embed="rId3"/>
                   <a:stretch>
                     <a:fillRect/>
                   </a:stretch>
@@ -3625,14 +8162,14 @@
             </p:sp>
           </mc:Fallback>
         </mc:AlternateContent>
-        <mc:AlternateContent xmlns:mc="http://schemas.openxmlformats.org/markup-compatibility/2006">
-          <mc:Choice xmlns:a14="http://schemas.microsoft.com/office/drawing/2010/main" Requires="a14">
+        <mc:AlternateContent xmlns:mc="http://schemas.openxmlformats.org/markup-compatibility/2006" xmlns:a14="http://schemas.microsoft.com/office/drawing/2010/main">
+          <mc:Choice Requires="a14">
             <p:sp>
               <p:nvSpPr>
-                <p:cNvPr id="6" name="Rectángulo: esquinas redondeadas 5">
+                <p:cNvPr id="25" name="Rectángulo: esquinas redondeadas 24">
                   <a:extLst>
                     <a:ext uri="{FF2B5EF4-FFF2-40B4-BE49-F238E27FC236}">
-                      <a16:creationId xmlns:a16="http://schemas.microsoft.com/office/drawing/2014/main" id="{07983BB0-026D-4CC1-8961-95C87D94CE15}"/>
+                      <a16:creationId xmlns:a16="http://schemas.microsoft.com/office/drawing/2014/main" id="{2A5130B1-41BF-49F9-A1F0-79DA3B55EDDA}"/>
                     </a:ext>
                   </a:extLst>
                 </p:cNvPr>
@@ -3708,7 +8245,7 @@
               </p:txBody>
             </p:sp>
           </mc:Choice>
-          <mc:Fallback>
+          <mc:Fallback xmlns="">
             <p:sp>
               <p:nvSpPr>
                 <p:cNvPr id="6" name="Rectángulo: esquinas redondeadas 5">
@@ -3732,7 +8269,7 @@
                   <a:avLst/>
                 </a:prstGeom>
                 <a:blipFill>
-                  <a:blip r:embed="rId3"/>
+                  <a:blip r:embed="rId4"/>
                   <a:stretch>
                     <a:fillRect/>
                   </a:stretch>
@@ -3760,10 +8297,10 @@
         </mc:AlternateContent>
         <p:sp>
           <p:nvSpPr>
-            <p:cNvPr id="7" name="Rectángulo: esquinas redondeadas 6">
+            <p:cNvPr id="27" name="Rectángulo: esquinas redondeadas 26">
               <a:extLst>
                 <a:ext uri="{FF2B5EF4-FFF2-40B4-BE49-F238E27FC236}">
-                  <a16:creationId xmlns:a16="http://schemas.microsoft.com/office/drawing/2014/main" id="{E0B9FAC5-9F19-43E0-9BFD-DB0E6575A3BA}"/>
+                  <a16:creationId xmlns:a16="http://schemas.microsoft.com/office/drawing/2014/main" id="{CFF6A12A-E62E-4D65-838D-024DB1BA06E5}"/>
                 </a:ext>
               </a:extLst>
             </p:cNvPr>
@@ -3837,10 +8374,10 @@
         </p:sp>
         <p:sp>
           <p:nvSpPr>
-            <p:cNvPr id="9" name="Rectángulo: esquinas redondeadas 8">
+            <p:cNvPr id="31" name="Rectángulo: esquinas redondeadas 30">
               <a:extLst>
                 <a:ext uri="{FF2B5EF4-FFF2-40B4-BE49-F238E27FC236}">
-                  <a16:creationId xmlns:a16="http://schemas.microsoft.com/office/drawing/2014/main" id="{E2ACF144-7446-4EE5-8DD4-BA5B88BDC244}"/>
+                  <a16:creationId xmlns:a16="http://schemas.microsoft.com/office/drawing/2014/main" id="{AFB67F69-1571-42B3-AF72-6F7832C2B4C7}"/>
                 </a:ext>
               </a:extLst>
             </p:cNvPr>
@@ -3906,10 +8443,10 @@
         </p:sp>
         <p:sp>
           <p:nvSpPr>
-            <p:cNvPr id="11" name="CuadroTexto 10">
+            <p:cNvPr id="35" name="CuadroTexto 34">
               <a:extLst>
                 <a:ext uri="{FF2B5EF4-FFF2-40B4-BE49-F238E27FC236}">
-                  <a16:creationId xmlns:a16="http://schemas.microsoft.com/office/drawing/2014/main" id="{29BB2A72-EE69-4935-A2E5-C6FE0BF3D93D}"/>
+                  <a16:creationId xmlns:a16="http://schemas.microsoft.com/office/drawing/2014/main" id="{E198F021-B859-4192-A9C2-15306FB5860A}"/>
                 </a:ext>
               </a:extLst>
             </p:cNvPr>
@@ -3941,10 +8478,10 @@
         </p:sp>
         <p:sp>
           <p:nvSpPr>
-            <p:cNvPr id="14" name="Rectángulo: esquinas redondeadas 13">
+            <p:cNvPr id="36" name="Rectángulo: esquinas redondeadas 35">
               <a:extLst>
                 <a:ext uri="{FF2B5EF4-FFF2-40B4-BE49-F238E27FC236}">
-                  <a16:creationId xmlns:a16="http://schemas.microsoft.com/office/drawing/2014/main" id="{A6C268A0-AAD3-484C-B85E-799000D8C9A9}"/>
+                  <a16:creationId xmlns:a16="http://schemas.microsoft.com/office/drawing/2014/main" id="{67F1F370-FF6F-400F-B592-F03E9973633E}"/>
                 </a:ext>
               </a:extLst>
             </p:cNvPr>
@@ -4010,10 +8547,10 @@
         </p:sp>
         <p:sp>
           <p:nvSpPr>
-            <p:cNvPr id="17" name="Abrir llave 16">
+            <p:cNvPr id="37" name="Abrir llave 36">
               <a:extLst>
                 <a:ext uri="{FF2B5EF4-FFF2-40B4-BE49-F238E27FC236}">
-                  <a16:creationId xmlns:a16="http://schemas.microsoft.com/office/drawing/2014/main" id="{0A506325-20B1-4EA6-8CCB-EEA33FE349DD}"/>
+                  <a16:creationId xmlns:a16="http://schemas.microsoft.com/office/drawing/2014/main" id="{EA197C16-ACB8-408F-B8B9-770B98B9F632}"/>
                 </a:ext>
               </a:extLst>
             </p:cNvPr>
@@ -4062,10 +8599,10 @@
         </p:sp>
         <p:grpSp>
           <p:nvGrpSpPr>
-            <p:cNvPr id="44" name="Grupo 43">
+            <p:cNvPr id="38" name="Grupo 37">
               <a:extLst>
                 <a:ext uri="{FF2B5EF4-FFF2-40B4-BE49-F238E27FC236}">
-                  <a16:creationId xmlns:a16="http://schemas.microsoft.com/office/drawing/2014/main" id="{D765E4B8-4651-4A27-A9CA-B072510F4B1E}"/>
+                  <a16:creationId xmlns:a16="http://schemas.microsoft.com/office/drawing/2014/main" id="{2277763B-BB66-4541-9ADE-15B1FDDF0861}"/>
                 </a:ext>
               </a:extLst>
             </p:cNvPr>
@@ -4082,10 +8619,10 @@
           </p:grpSpPr>
           <p:sp>
             <p:nvSpPr>
-              <p:cNvPr id="10" name="Rectángulo: esquinas redondeadas 9">
+              <p:cNvPr id="51" name="Rectángulo: esquinas redondeadas 50">
                 <a:extLst>
                   <a:ext uri="{FF2B5EF4-FFF2-40B4-BE49-F238E27FC236}">
-                    <a16:creationId xmlns:a16="http://schemas.microsoft.com/office/drawing/2014/main" id="{E4BDF0C8-7238-4E9B-B8FB-ACF38E332EEC}"/>
+                    <a16:creationId xmlns:a16="http://schemas.microsoft.com/office/drawing/2014/main" id="{290482F5-614F-405B-B9FB-600D0FB04332}"/>
                   </a:ext>
                 </a:extLst>
               </p:cNvPr>
@@ -4146,10 +8683,10 @@
           </p:sp>
           <p:sp>
             <p:nvSpPr>
-              <p:cNvPr id="12" name="Rectángulo: esquinas redondeadas 11">
+              <p:cNvPr id="52" name="Rectángulo: esquinas redondeadas 51">
                 <a:extLst>
                   <a:ext uri="{FF2B5EF4-FFF2-40B4-BE49-F238E27FC236}">
-                    <a16:creationId xmlns:a16="http://schemas.microsoft.com/office/drawing/2014/main" id="{6CB0A127-5C5D-4450-A941-5E040455BBB3}"/>
+                    <a16:creationId xmlns:a16="http://schemas.microsoft.com/office/drawing/2014/main" id="{2C3C6B66-E7C5-4902-BED0-CFE31CA8E442}"/>
                   </a:ext>
                 </a:extLst>
               </p:cNvPr>
@@ -4210,10 +8747,10 @@
           </p:sp>
           <p:sp>
             <p:nvSpPr>
-              <p:cNvPr id="13" name="Rectángulo: esquinas redondeadas 12">
+              <p:cNvPr id="53" name="Rectángulo: esquinas redondeadas 52">
                 <a:extLst>
                   <a:ext uri="{FF2B5EF4-FFF2-40B4-BE49-F238E27FC236}">
-                    <a16:creationId xmlns:a16="http://schemas.microsoft.com/office/drawing/2014/main" id="{E5B62F62-5290-4278-8FD1-D4B3A3035809}"/>
+                    <a16:creationId xmlns:a16="http://schemas.microsoft.com/office/drawing/2014/main" id="{C4990CC4-DAAC-4B8B-A78F-80485CDA3FB4}"/>
                   </a:ext>
                 </a:extLst>
               </p:cNvPr>
@@ -4274,10 +8811,10 @@
           </p:sp>
           <p:sp>
             <p:nvSpPr>
-              <p:cNvPr id="15" name="Abrir llave 14">
+              <p:cNvPr id="54" name="Abrir llave 53">
                 <a:extLst>
                   <a:ext uri="{FF2B5EF4-FFF2-40B4-BE49-F238E27FC236}">
-                    <a16:creationId xmlns:a16="http://schemas.microsoft.com/office/drawing/2014/main" id="{C8246543-7461-48A6-850F-E15A010C9C21}"/>
+                    <a16:creationId xmlns:a16="http://schemas.microsoft.com/office/drawing/2014/main" id="{AFDF5C0A-B069-47D7-BBD7-905511EC40F1}"/>
                   </a:ext>
                 </a:extLst>
               </p:cNvPr>
@@ -4326,10 +8863,10 @@
           </p:sp>
           <p:sp>
             <p:nvSpPr>
-              <p:cNvPr id="16" name="CuadroTexto 15">
+              <p:cNvPr id="55" name="CuadroTexto 54">
                 <a:extLst>
                   <a:ext uri="{FF2B5EF4-FFF2-40B4-BE49-F238E27FC236}">
-                    <a16:creationId xmlns:a16="http://schemas.microsoft.com/office/drawing/2014/main" id="{BF1E0C8F-7129-437C-9B8E-D5A8A1BAF063}"/>
+                    <a16:creationId xmlns:a16="http://schemas.microsoft.com/office/drawing/2014/main" id="{CAC146E7-3B7E-49CB-B62C-91D9AB3DDA2D}"/>
                   </a:ext>
                 </a:extLst>
               </p:cNvPr>
@@ -4363,10 +8900,10 @@
             <mc:Choice Requires="a14">
               <p:sp>
                 <p:nvSpPr>
-                  <p:cNvPr id="18" name="CuadroTexto 17">
+                  <p:cNvPr id="56" name="CuadroTexto 55">
                     <a:extLst>
                       <a:ext uri="{FF2B5EF4-FFF2-40B4-BE49-F238E27FC236}">
-                        <a16:creationId xmlns:a16="http://schemas.microsoft.com/office/drawing/2014/main" id="{B9090FC2-27D5-446A-A91E-6D0C3B7E46DC}"/>
+                        <a16:creationId xmlns:a16="http://schemas.microsoft.com/office/drawing/2014/main" id="{E8FAD57C-9C05-47E7-AC82-5B5DBAB8FB0C}"/>
                       </a:ext>
                     </a:extLst>
                   </p:cNvPr>
@@ -4441,7 +8978,7 @@
                     <a:avLst/>
                   </a:prstGeom>
                   <a:blipFill>
-                    <a:blip r:embed="rId4"/>
+                    <a:blip r:embed="rId5"/>
                     <a:stretch>
                       <a:fillRect/>
                     </a:stretch>
@@ -4463,14 +9000,14 @@
             </mc:Fallback>
           </mc:AlternateContent>
         </p:grpSp>
-        <mc:AlternateContent xmlns:mc="http://schemas.openxmlformats.org/markup-compatibility/2006">
-          <mc:Choice xmlns:a14="http://schemas.microsoft.com/office/drawing/2010/main" Requires="a14">
+        <mc:AlternateContent xmlns:mc="http://schemas.openxmlformats.org/markup-compatibility/2006" xmlns:a14="http://schemas.microsoft.com/office/drawing/2010/main">
+          <mc:Choice Requires="a14">
             <p:sp>
               <p:nvSpPr>
-                <p:cNvPr id="19" name="CuadroTexto 18">
+                <p:cNvPr id="39" name="CuadroTexto 38">
                   <a:extLst>
                     <a:ext uri="{FF2B5EF4-FFF2-40B4-BE49-F238E27FC236}">
-                      <a16:creationId xmlns:a16="http://schemas.microsoft.com/office/drawing/2014/main" id="{82BD948C-82C0-4552-99C1-4190681DE1FC}"/>
+                      <a16:creationId xmlns:a16="http://schemas.microsoft.com/office/drawing/2014/main" id="{77BC8D60-B6F2-4F59-B620-B614A0A19EEA}"/>
                     </a:ext>
                   </a:extLst>
                 </p:cNvPr>
@@ -4521,7 +9058,7 @@
               </p:txBody>
             </p:sp>
           </mc:Choice>
-          <mc:Fallback>
+          <mc:Fallback xmlns="">
             <p:sp>
               <p:nvSpPr>
                 <p:cNvPr id="19" name="CuadroTexto 18">
@@ -4545,7 +9082,7 @@
                   <a:avLst/>
                 </a:prstGeom>
                 <a:blipFill>
-                  <a:blip r:embed="rId5"/>
+                  <a:blip r:embed="rId6"/>
                   <a:stretch>
                     <a:fillRect/>
                   </a:stretch>
@@ -4568,10 +9105,10 @@
         </mc:AlternateContent>
         <p:sp>
           <p:nvSpPr>
-            <p:cNvPr id="20" name="CuadroTexto 19">
+            <p:cNvPr id="40" name="CuadroTexto 39">
               <a:extLst>
                 <a:ext uri="{FF2B5EF4-FFF2-40B4-BE49-F238E27FC236}">
-                  <a16:creationId xmlns:a16="http://schemas.microsoft.com/office/drawing/2014/main" id="{AC9E8CF9-15D0-4998-963B-97FDDD427AB5}"/>
+                  <a16:creationId xmlns:a16="http://schemas.microsoft.com/office/drawing/2014/main" id="{03561E41-973E-4355-9411-B06A317BD63E}"/>
                 </a:ext>
               </a:extLst>
             </p:cNvPr>
@@ -4603,10 +9140,10 @@
         </p:sp>
         <p:cxnSp>
           <p:nvCxnSpPr>
-            <p:cNvPr id="23" name="Conector recto de flecha 22">
+            <p:cNvPr id="41" name="Conector recto de flecha 40">
               <a:extLst>
                 <a:ext uri="{FF2B5EF4-FFF2-40B4-BE49-F238E27FC236}">
-                  <a16:creationId xmlns:a16="http://schemas.microsoft.com/office/drawing/2014/main" id="{DB4570E6-C056-4BE0-BE3B-AEA11F7FBF03}"/>
+                  <a16:creationId xmlns:a16="http://schemas.microsoft.com/office/drawing/2014/main" id="{E592320F-8C58-4242-9CB9-DCD16D4293DA}"/>
                 </a:ext>
               </a:extLst>
             </p:cNvPr>
@@ -4649,10 +9186,10 @@
           <mc:Choice xmlns:a14="http://schemas.microsoft.com/office/drawing/2010/main" Requires="a14">
             <p:sp>
               <p:nvSpPr>
-                <p:cNvPr id="25" name="Rectángulo: esquinas redondeadas 24">
+                <p:cNvPr id="42" name="Rectángulo: esquinas redondeadas 41">
                   <a:extLst>
                     <a:ext uri="{FF2B5EF4-FFF2-40B4-BE49-F238E27FC236}">
-                      <a16:creationId xmlns:a16="http://schemas.microsoft.com/office/drawing/2014/main" id="{FEC29060-E137-46D3-9889-AD4813C67EC7}"/>
+                      <a16:creationId xmlns:a16="http://schemas.microsoft.com/office/drawing/2014/main" id="{9EBDEAD0-D88A-4030-B003-4805BE6A9DD0}"/>
                     </a:ext>
                   </a:extLst>
                 </p:cNvPr>
@@ -4662,7 +9199,7 @@
               <p:spPr>
                 <a:xfrm>
                   <a:off x="7402157" y="1860420"/>
-                  <a:ext cx="2718564" cy="776147"/>
+                  <a:ext cx="3046390" cy="776147"/>
                 </a:xfrm>
                 <a:prstGeom prst="roundRect">
                   <a:avLst/>
@@ -4787,10 +9324,10 @@
           <mc:Fallback>
             <p:sp>
               <p:nvSpPr>
-                <p:cNvPr id="25" name="Rectángulo: esquinas redondeadas 24">
+                <p:cNvPr id="42" name="Rectángulo: esquinas redondeadas 41">
                   <a:extLst>
                     <a:ext uri="{FF2B5EF4-FFF2-40B4-BE49-F238E27FC236}">
-                      <a16:creationId xmlns:a16="http://schemas.microsoft.com/office/drawing/2014/main" id="{FEC29060-E137-46D3-9889-AD4813C67EC7}"/>
+                      <a16:creationId xmlns:a16="http://schemas.microsoft.com/office/drawing/2014/main" id="{9EBDEAD0-D88A-4030-B003-4805BE6A9DD0}"/>
                     </a:ext>
                   </a:extLst>
                 </p:cNvPr>
@@ -4802,13 +9339,13 @@
               <p:spPr>
                 <a:xfrm>
                   <a:off x="7402157" y="1860420"/>
-                  <a:ext cx="2718564" cy="776147"/>
+                  <a:ext cx="3046390" cy="776147"/>
                 </a:xfrm>
                 <a:prstGeom prst="roundRect">
                   <a:avLst/>
                 </a:prstGeom>
                 <a:blipFill>
-                  <a:blip r:embed="rId6"/>
+                  <a:blip r:embed="rId7"/>
                   <a:stretch>
                     <a:fillRect/>
                   </a:stretch>
@@ -4838,10 +9375,10 @@
           <mc:Choice xmlns:a14="http://schemas.microsoft.com/office/drawing/2010/main" Requires="a14">
             <p:sp>
               <p:nvSpPr>
-                <p:cNvPr id="26" name="Rectángulo: esquinas redondeadas 25">
+                <p:cNvPr id="43" name="Rectángulo: esquinas redondeadas 42">
                   <a:extLst>
                     <a:ext uri="{FF2B5EF4-FFF2-40B4-BE49-F238E27FC236}">
-                      <a16:creationId xmlns:a16="http://schemas.microsoft.com/office/drawing/2014/main" id="{FC52B9AF-DF31-41C4-B9C9-E8BB3B04F879}"/>
+                      <a16:creationId xmlns:a16="http://schemas.microsoft.com/office/drawing/2014/main" id="{90E8A770-E02F-4AD8-B188-75598150703A}"/>
                     </a:ext>
                   </a:extLst>
                 </p:cNvPr>
@@ -4850,8 +9387,8 @@
               </p:nvSpPr>
               <p:spPr>
                 <a:xfrm>
-                  <a:off x="7402157" y="3365370"/>
-                  <a:ext cx="2718564" cy="776147"/>
+                  <a:off x="7402157" y="3365371"/>
+                  <a:ext cx="3046390" cy="776147"/>
                 </a:xfrm>
                 <a:prstGeom prst="roundRect">
                   <a:avLst/>
@@ -4976,10 +9513,10 @@
           <mc:Fallback>
             <p:sp>
               <p:nvSpPr>
-                <p:cNvPr id="26" name="Rectángulo: esquinas redondeadas 25">
+                <p:cNvPr id="43" name="Rectángulo: esquinas redondeadas 42">
                   <a:extLst>
                     <a:ext uri="{FF2B5EF4-FFF2-40B4-BE49-F238E27FC236}">
-                      <a16:creationId xmlns:a16="http://schemas.microsoft.com/office/drawing/2014/main" id="{FC52B9AF-DF31-41C4-B9C9-E8BB3B04F879}"/>
+                      <a16:creationId xmlns:a16="http://schemas.microsoft.com/office/drawing/2014/main" id="{90E8A770-E02F-4AD8-B188-75598150703A}"/>
                     </a:ext>
                   </a:extLst>
                 </p:cNvPr>
@@ -4990,14 +9527,14 @@
               </p:nvSpPr>
               <p:spPr>
                 <a:xfrm>
-                  <a:off x="7402157" y="3365370"/>
-                  <a:ext cx="2718564" cy="776147"/>
+                  <a:off x="7402157" y="3365371"/>
+                  <a:ext cx="3046390" cy="776147"/>
                 </a:xfrm>
                 <a:prstGeom prst="roundRect">
                   <a:avLst/>
                 </a:prstGeom>
                 <a:blipFill>
-                  <a:blip r:embed="rId7"/>
+                  <a:blip r:embed="rId8"/>
                   <a:stretch>
                     <a:fillRect/>
                   </a:stretch>
@@ -5027,10 +9564,10 @@
           <mc:Choice xmlns:a14="http://schemas.microsoft.com/office/drawing/2010/main" Requires="a14">
             <p:sp>
               <p:nvSpPr>
-                <p:cNvPr id="27" name="Rectángulo: esquinas redondeadas 26">
+                <p:cNvPr id="44" name="Rectángulo: esquinas redondeadas 43">
                   <a:extLst>
                     <a:ext uri="{FF2B5EF4-FFF2-40B4-BE49-F238E27FC236}">
-                      <a16:creationId xmlns:a16="http://schemas.microsoft.com/office/drawing/2014/main" id="{9F36A3E5-30C1-42F3-B645-12C75B814880}"/>
+                      <a16:creationId xmlns:a16="http://schemas.microsoft.com/office/drawing/2014/main" id="{9FFA5809-0823-4BEA-8362-E2A6A379BC3A}"/>
                     </a:ext>
                   </a:extLst>
                 </p:cNvPr>
@@ -5040,7 +9577,7 @@
               <p:spPr>
                 <a:xfrm>
                   <a:off x="7402157" y="4713256"/>
-                  <a:ext cx="2718564" cy="776147"/>
+                  <a:ext cx="3046390" cy="776147"/>
                 </a:xfrm>
                 <a:prstGeom prst="roundRect">
                   <a:avLst/>
@@ -5165,10 +9702,10 @@
           <mc:Fallback>
             <p:sp>
               <p:nvSpPr>
-                <p:cNvPr id="27" name="Rectángulo: esquinas redondeadas 26">
+                <p:cNvPr id="44" name="Rectángulo: esquinas redondeadas 43">
                   <a:extLst>
                     <a:ext uri="{FF2B5EF4-FFF2-40B4-BE49-F238E27FC236}">
-                      <a16:creationId xmlns:a16="http://schemas.microsoft.com/office/drawing/2014/main" id="{9F36A3E5-30C1-42F3-B645-12C75B814880}"/>
+                      <a16:creationId xmlns:a16="http://schemas.microsoft.com/office/drawing/2014/main" id="{9FFA5809-0823-4BEA-8362-E2A6A379BC3A}"/>
                     </a:ext>
                   </a:extLst>
                 </p:cNvPr>
@@ -5180,13 +9717,13 @@
               <p:spPr>
                 <a:xfrm>
                   <a:off x="7402157" y="4713256"/>
-                  <a:ext cx="2718564" cy="776147"/>
+                  <a:ext cx="3046390" cy="776147"/>
                 </a:xfrm>
                 <a:prstGeom prst="roundRect">
                   <a:avLst/>
                 </a:prstGeom>
                 <a:blipFill>
-                  <a:blip r:embed="rId8"/>
+                  <a:blip r:embed="rId9"/>
                   <a:stretch>
                     <a:fillRect/>
                   </a:stretch>
@@ -5214,10 +9751,10 @@
         </mc:AlternateContent>
         <p:sp>
           <p:nvSpPr>
-            <p:cNvPr id="28" name="CuadroTexto 27">
+            <p:cNvPr id="45" name="CuadroTexto 44">
               <a:extLst>
                 <a:ext uri="{FF2B5EF4-FFF2-40B4-BE49-F238E27FC236}">
-                  <a16:creationId xmlns:a16="http://schemas.microsoft.com/office/drawing/2014/main" id="{E632E0D2-374A-497F-B775-F125F60BA43C}"/>
+                  <a16:creationId xmlns:a16="http://schemas.microsoft.com/office/drawing/2014/main" id="{E27329B4-BA16-4925-A32F-4F04F9B4B008}"/>
                 </a:ext>
               </a:extLst>
             </p:cNvPr>
@@ -5249,23 +9786,23 @@
         </p:sp>
         <p:cxnSp>
           <p:nvCxnSpPr>
-            <p:cNvPr id="30" name="Conector recto 29">
+            <p:cNvPr id="46" name="Conector recto 45">
               <a:extLst>
                 <a:ext uri="{FF2B5EF4-FFF2-40B4-BE49-F238E27FC236}">
-                  <a16:creationId xmlns:a16="http://schemas.microsoft.com/office/drawing/2014/main" id="{B18149D4-BDAA-4CEA-B465-4C078F0817CF}"/>
+                  <a16:creationId xmlns:a16="http://schemas.microsoft.com/office/drawing/2014/main" id="{30B6C1D5-1269-40BB-AC81-80B124FBE180}"/>
                 </a:ext>
               </a:extLst>
             </p:cNvPr>
             <p:cNvCxnSpPr>
               <a:cxnSpLocks/>
-              <a:stCxn id="26" idx="1"/>
+              <a:stCxn id="43" idx="1"/>
             </p:cNvCxnSpPr>
             <p:nvPr/>
           </p:nvCxnSpPr>
           <p:spPr>
             <a:xfrm flipH="1" flipV="1">
-              <a:off x="5663407" y="513485"/>
-              <a:ext cx="1738750" cy="3239959"/>
+              <a:off x="5663409" y="513485"/>
+              <a:ext cx="1738748" cy="3239959"/>
             </a:xfrm>
             <a:prstGeom prst="line">
               <a:avLst/>
@@ -5293,16 +9830,16 @@
         </p:cxnSp>
         <p:cxnSp>
           <p:nvCxnSpPr>
-            <p:cNvPr id="32" name="Conector recto 31">
+            <p:cNvPr id="47" name="Conector recto 46">
               <a:extLst>
                 <a:ext uri="{FF2B5EF4-FFF2-40B4-BE49-F238E27FC236}">
-                  <a16:creationId xmlns:a16="http://schemas.microsoft.com/office/drawing/2014/main" id="{3EF4123C-7028-430D-A2EE-EA4C8476F46B}"/>
+                  <a16:creationId xmlns:a16="http://schemas.microsoft.com/office/drawing/2014/main" id="{2BA50A3A-F389-41E8-991E-3D8727B2C90F}"/>
                 </a:ext>
               </a:extLst>
             </p:cNvPr>
             <p:cNvCxnSpPr>
               <a:cxnSpLocks/>
-              <a:stCxn id="26" idx="1"/>
+              <a:stCxn id="43" idx="1"/>
             </p:cNvCxnSpPr>
             <p:nvPr/>
           </p:nvCxnSpPr>
@@ -5337,10 +9874,10 @@
         </p:cxnSp>
         <p:sp>
           <p:nvSpPr>
-            <p:cNvPr id="43" name="CuadroTexto 42">
+            <p:cNvPr id="48" name="CuadroTexto 47">
               <a:extLst>
                 <a:ext uri="{FF2B5EF4-FFF2-40B4-BE49-F238E27FC236}">
-                  <a16:creationId xmlns:a16="http://schemas.microsoft.com/office/drawing/2014/main" id="{67A195EF-D864-4860-A5A7-5296BDB7CEBE}"/>
+                  <a16:creationId xmlns:a16="http://schemas.microsoft.com/office/drawing/2014/main" id="{10DEAA25-8F64-43E6-A3C0-6637A03007A3}"/>
                 </a:ext>
               </a:extLst>
             </p:cNvPr>
@@ -5370,14 +9907,14 @@
             </a:p>
           </p:txBody>
         </p:sp>
-        <mc:AlternateContent xmlns:mc="http://schemas.openxmlformats.org/markup-compatibility/2006">
-          <mc:Choice xmlns:a14="http://schemas.microsoft.com/office/drawing/2010/main" Requires="a14">
+        <mc:AlternateContent xmlns:mc="http://schemas.openxmlformats.org/markup-compatibility/2006" xmlns:a14="http://schemas.microsoft.com/office/drawing/2010/main">
+          <mc:Choice Requires="a14">
             <p:sp>
               <p:nvSpPr>
-                <p:cNvPr id="45" name="Rectángulo: esquinas redondeadas 44">
+                <p:cNvPr id="49" name="Rectángulo: esquinas redondeadas 48">
                   <a:extLst>
                     <a:ext uri="{FF2B5EF4-FFF2-40B4-BE49-F238E27FC236}">
-                      <a16:creationId xmlns:a16="http://schemas.microsoft.com/office/drawing/2014/main" id="{10286741-8CF1-4E4B-A160-40AADED077ED}"/>
+                      <a16:creationId xmlns:a16="http://schemas.microsoft.com/office/drawing/2014/main" id="{EA9DC6CB-C960-4D9E-A479-F6F9693340DB}"/>
                     </a:ext>
                   </a:extLst>
                 </p:cNvPr>
@@ -5630,7 +10167,7 @@
               </p:txBody>
             </p:sp>
           </mc:Choice>
-          <mc:Fallback>
+          <mc:Fallback xmlns="">
             <p:sp>
               <p:nvSpPr>
                 <p:cNvPr id="45" name="Rectángulo: esquinas redondeadas 44">
@@ -5654,7 +10191,7 @@
                   <a:avLst/>
                 </a:prstGeom>
                 <a:blipFill>
-                  <a:blip r:embed="rId9"/>
+                  <a:blip r:embed="rId10"/>
                   <a:stretch>
                     <a:fillRect/>
                   </a:stretch>
@@ -5682,10 +10219,10 @@
         </mc:AlternateContent>
         <p:cxnSp>
           <p:nvCxnSpPr>
-            <p:cNvPr id="48" name="Conector recto de flecha 47">
+            <p:cNvPr id="50" name="Conector recto de flecha 49">
               <a:extLst>
                 <a:ext uri="{FF2B5EF4-FFF2-40B4-BE49-F238E27FC236}">
-                  <a16:creationId xmlns:a16="http://schemas.microsoft.com/office/drawing/2014/main" id="{64D3AB92-9660-426D-A50A-4D25EA7B5156}"/>
+                  <a16:creationId xmlns:a16="http://schemas.microsoft.com/office/drawing/2014/main" id="{613F4215-501B-4CB1-9784-482869B7F700}"/>
                 </a:ext>
               </a:extLst>
             </p:cNvPr>
@@ -5725,20 +10262,694 @@
           </p:style>
         </p:cxnSp>
       </p:grpSp>
+      <mc:AlternateContent xmlns:mc="http://schemas.openxmlformats.org/markup-compatibility/2006">
+        <mc:Choice xmlns:a14="http://schemas.microsoft.com/office/drawing/2010/main" Requires="a14">
+          <p:sp>
+            <p:nvSpPr>
+              <p:cNvPr id="57" name="CuadroTexto 56">
+                <a:extLst>
+                  <a:ext uri="{FF2B5EF4-FFF2-40B4-BE49-F238E27FC236}">
+                    <a16:creationId xmlns:a16="http://schemas.microsoft.com/office/drawing/2014/main" id="{3A3DE414-465F-455A-90E2-C603D5F3B5AD}"/>
+                  </a:ext>
+                </a:extLst>
+              </p:cNvPr>
+              <p:cNvSpPr txBox="1"/>
+              <p:nvPr/>
+            </p:nvSpPr>
+            <p:spPr>
+              <a:xfrm>
+                <a:off x="10339186" y="2745014"/>
+                <a:ext cx="1225207" cy="523220"/>
+              </a:xfrm>
+              <a:prstGeom prst="rect">
+                <a:avLst/>
+              </a:prstGeom>
+              <a:noFill/>
+            </p:spPr>
+            <p:txBody>
+              <a:bodyPr wrap="none" rtlCol="0">
+                <a:spAutoFit/>
+              </a:bodyPr>
+              <a:lstStyle/>
+              <a:p>
+                <a14:m>
+                  <m:oMathPara xmlns:m="http://schemas.openxmlformats.org/officeDocument/2006/math">
+                    <m:oMathParaPr>
+                      <m:jc m:val="centerGroup"/>
+                    </m:oMathParaPr>
+                    <m:oMath xmlns:m="http://schemas.openxmlformats.org/officeDocument/2006/math">
+                      <m:sSub>
+                        <m:sSubPr>
+                          <m:ctrlPr>
+                            <a:rPr lang="es-MX" sz="2800" b="0" i="1" smtClean="0">
+                              <a:solidFill>
+                                <a:srgbClr val="FF0000"/>
+                              </a:solidFill>
+                              <a:latin typeface="Cambria Math" panose="02040503050406030204" pitchFamily="18" charset="0"/>
+                            </a:rPr>
+                          </m:ctrlPr>
+                        </m:sSubPr>
+                        <m:e>
+                          <m:r>
+                            <a:rPr lang="es-MX" sz="2800" b="0" i="1" smtClean="0">
+                              <a:solidFill>
+                                <a:srgbClr val="FF0000"/>
+                              </a:solidFill>
+                              <a:latin typeface="Cambria Math" panose="02040503050406030204" pitchFamily="18" charset="0"/>
+                            </a:rPr>
+                            <m:t>𝑇</m:t>
+                          </m:r>
+                        </m:e>
+                        <m:sub>
+                          <m:r>
+                            <a:rPr lang="es-MX" sz="2800" b="0" i="1" smtClean="0">
+                              <a:solidFill>
+                                <a:srgbClr val="FF0000"/>
+                              </a:solidFill>
+                              <a:latin typeface="Cambria Math" panose="02040503050406030204" pitchFamily="18" charset="0"/>
+                            </a:rPr>
+                            <m:t>𝑠</m:t>
+                          </m:r>
+                        </m:sub>
+                      </m:sSub>
+                      <m:r>
+                        <a:rPr lang="es-MX" sz="2800" b="0" i="1" smtClean="0">
+                          <a:solidFill>
+                            <a:srgbClr val="FF0000"/>
+                          </a:solidFill>
+                          <a:latin typeface="Cambria Math" panose="02040503050406030204" pitchFamily="18" charset="0"/>
+                        </a:rPr>
+                        <m:t>(</m:t>
+                      </m:r>
+                      <m:sSub>
+                        <m:sSubPr>
+                          <m:ctrlPr>
+                            <a:rPr lang="es-MX" sz="2800" b="0" i="1" smtClean="0">
+                              <a:solidFill>
+                                <a:srgbClr val="FF0000"/>
+                              </a:solidFill>
+                              <a:latin typeface="Cambria Math" panose="02040503050406030204" pitchFamily="18" charset="0"/>
+                            </a:rPr>
+                          </m:ctrlPr>
+                        </m:sSubPr>
+                        <m:e>
+                          <m:r>
+                            <a:rPr lang="es-MX" sz="2800" b="0" i="1" smtClean="0">
+                              <a:solidFill>
+                                <a:srgbClr val="FF0000"/>
+                              </a:solidFill>
+                              <a:latin typeface="Cambria Math" panose="02040503050406030204" pitchFamily="18" charset="0"/>
+                            </a:rPr>
+                            <m:t>𝐿</m:t>
+                          </m:r>
+                        </m:e>
+                        <m:sub>
+                          <m:r>
+                            <a:rPr lang="es-MX" sz="2800" b="0" i="1" smtClean="0">
+                              <a:solidFill>
+                                <a:srgbClr val="FF0000"/>
+                              </a:solidFill>
+                              <a:latin typeface="Cambria Math" panose="02040503050406030204" pitchFamily="18" charset="0"/>
+                            </a:rPr>
+                            <m:t>1</m:t>
+                          </m:r>
+                        </m:sub>
+                      </m:sSub>
+                      <m:r>
+                        <a:rPr lang="es-MX" sz="2800" b="0" i="1" smtClean="0">
+                          <a:solidFill>
+                            <a:srgbClr val="FF0000"/>
+                          </a:solidFill>
+                          <a:latin typeface="Cambria Math" panose="02040503050406030204" pitchFamily="18" charset="0"/>
+                        </a:rPr>
+                        <m:t>)</m:t>
+                      </m:r>
+                    </m:oMath>
+                  </m:oMathPara>
+                </a14:m>
+                <a:endParaRPr lang="es-CO" sz="2800" dirty="0">
+                  <a:solidFill>
+                    <a:srgbClr val="FF0000"/>
+                  </a:solidFill>
+                </a:endParaRPr>
+              </a:p>
+            </p:txBody>
+          </p:sp>
+        </mc:Choice>
+        <mc:Fallback>
+          <p:sp>
+            <p:nvSpPr>
+              <p:cNvPr id="57" name="CuadroTexto 56">
+                <a:extLst>
+                  <a:ext uri="{FF2B5EF4-FFF2-40B4-BE49-F238E27FC236}">
+                    <a16:creationId xmlns:a16="http://schemas.microsoft.com/office/drawing/2014/main" id="{3A3DE414-465F-455A-90E2-C603D5F3B5AD}"/>
+                  </a:ext>
+                </a:extLst>
+              </p:cNvPr>
+              <p:cNvSpPr txBox="1">
+                <a:spLocks noRot="1" noChangeAspect="1" noMove="1" noResize="1" noEditPoints="1" noAdjustHandles="1" noChangeArrowheads="1" noChangeShapeType="1" noTextEdit="1"/>
+              </p:cNvSpPr>
+              <p:nvPr/>
+            </p:nvSpPr>
+            <p:spPr>
+              <a:xfrm>
+                <a:off x="10339186" y="2745014"/>
+                <a:ext cx="1225207" cy="523220"/>
+              </a:xfrm>
+              <a:prstGeom prst="rect">
+                <a:avLst/>
+              </a:prstGeom>
+              <a:blipFill>
+                <a:blip r:embed="rId11"/>
+                <a:stretch>
+                  <a:fillRect/>
+                </a:stretch>
+              </a:blipFill>
+            </p:spPr>
+            <p:txBody>
+              <a:bodyPr/>
+              <a:lstStyle/>
+              <a:p>
+                <a:r>
+                  <a:rPr lang="es-CO">
+                    <a:noFill/>
+                  </a:rPr>
+                  <a:t> </a:t>
+                </a:r>
+              </a:p>
+            </p:txBody>
+          </p:sp>
+        </mc:Fallback>
+      </mc:AlternateContent>
+      <mc:AlternateContent xmlns:mc="http://schemas.openxmlformats.org/markup-compatibility/2006">
+        <mc:Choice xmlns:a14="http://schemas.microsoft.com/office/drawing/2010/main" Requires="a14">
+          <p:sp>
+            <p:nvSpPr>
+              <p:cNvPr id="58" name="CuadroTexto 57">
+                <a:extLst>
+                  <a:ext uri="{FF2B5EF4-FFF2-40B4-BE49-F238E27FC236}">
+                    <a16:creationId xmlns:a16="http://schemas.microsoft.com/office/drawing/2014/main" id="{575B37EF-C82B-4B42-B575-C258A8E7ECC0}"/>
+                  </a:ext>
+                </a:extLst>
+              </p:cNvPr>
+              <p:cNvSpPr txBox="1"/>
+              <p:nvPr/>
+            </p:nvSpPr>
+            <p:spPr>
+              <a:xfrm>
+                <a:off x="10339185" y="4034429"/>
+                <a:ext cx="1181477" cy="523220"/>
+              </a:xfrm>
+              <a:prstGeom prst="rect">
+                <a:avLst/>
+              </a:prstGeom>
+              <a:noFill/>
+            </p:spPr>
+            <p:txBody>
+              <a:bodyPr wrap="none" rtlCol="0">
+                <a:spAutoFit/>
+              </a:bodyPr>
+              <a:lstStyle/>
+              <a:p>
+                <a14:m>
+                  <m:oMathPara xmlns:m="http://schemas.openxmlformats.org/officeDocument/2006/math">
+                    <m:oMathParaPr>
+                      <m:jc m:val="centerGroup"/>
+                    </m:oMathParaPr>
+                    <m:oMath xmlns:m="http://schemas.openxmlformats.org/officeDocument/2006/math">
+                      <m:sSub>
+                        <m:sSubPr>
+                          <m:ctrlPr>
+                            <a:rPr lang="es-MX" sz="2800" b="0" i="1" smtClean="0">
+                              <a:solidFill>
+                                <a:srgbClr val="FF0000"/>
+                              </a:solidFill>
+                              <a:latin typeface="Cambria Math" panose="02040503050406030204" pitchFamily="18" charset="0"/>
+                            </a:rPr>
+                          </m:ctrlPr>
+                        </m:sSubPr>
+                        <m:e>
+                          <m:r>
+                            <a:rPr lang="es-MX" sz="2800" b="0" i="1" smtClean="0">
+                              <a:solidFill>
+                                <a:srgbClr val="FF0000"/>
+                              </a:solidFill>
+                              <a:latin typeface="Cambria Math" panose="02040503050406030204" pitchFamily="18" charset="0"/>
+                            </a:rPr>
+                            <m:t>𝑇</m:t>
+                          </m:r>
+                        </m:e>
+                        <m:sub>
+                          <m:r>
+                            <a:rPr lang="es-MX" sz="2800" b="0" i="1" smtClean="0">
+                              <a:solidFill>
+                                <a:srgbClr val="FF0000"/>
+                              </a:solidFill>
+                              <a:latin typeface="Cambria Math" panose="02040503050406030204" pitchFamily="18" charset="0"/>
+                            </a:rPr>
+                            <m:t>𝑠</m:t>
+                          </m:r>
+                        </m:sub>
+                      </m:sSub>
+                      <m:r>
+                        <a:rPr lang="es-MX" sz="2800" b="0" i="1" smtClean="0">
+                          <a:solidFill>
+                            <a:srgbClr val="FF0000"/>
+                          </a:solidFill>
+                          <a:latin typeface="Cambria Math" panose="02040503050406030204" pitchFamily="18" charset="0"/>
+                        </a:rPr>
+                        <m:t>(</m:t>
+                      </m:r>
+                      <m:sSub>
+                        <m:sSubPr>
+                          <m:ctrlPr>
+                            <a:rPr lang="es-MX" sz="2800" b="0" i="1" smtClean="0">
+                              <a:solidFill>
+                                <a:srgbClr val="FF0000"/>
+                              </a:solidFill>
+                              <a:latin typeface="Cambria Math" panose="02040503050406030204" pitchFamily="18" charset="0"/>
+                            </a:rPr>
+                          </m:ctrlPr>
+                        </m:sSubPr>
+                        <m:e>
+                          <m:r>
+                            <a:rPr lang="es-MX" sz="2800" b="0" i="1" smtClean="0">
+                              <a:solidFill>
+                                <a:srgbClr val="FF0000"/>
+                              </a:solidFill>
+                              <a:latin typeface="Cambria Math" panose="02040503050406030204" pitchFamily="18" charset="0"/>
+                            </a:rPr>
+                            <m:t>𝐿</m:t>
+                          </m:r>
+                        </m:e>
+                        <m:sub>
+                          <m:r>
+                            <a:rPr lang="es-MX" sz="2800" b="0" i="1" smtClean="0">
+                              <a:solidFill>
+                                <a:srgbClr val="FF0000"/>
+                              </a:solidFill>
+                              <a:latin typeface="Cambria Math" panose="02040503050406030204" pitchFamily="18" charset="0"/>
+                            </a:rPr>
+                            <m:t>𝑖</m:t>
+                          </m:r>
+                        </m:sub>
+                      </m:sSub>
+                      <m:r>
+                        <a:rPr lang="es-MX" sz="2800" b="0" i="1" smtClean="0">
+                          <a:solidFill>
+                            <a:srgbClr val="FF0000"/>
+                          </a:solidFill>
+                          <a:latin typeface="Cambria Math" panose="02040503050406030204" pitchFamily="18" charset="0"/>
+                        </a:rPr>
+                        <m:t>)</m:t>
+                      </m:r>
+                    </m:oMath>
+                  </m:oMathPara>
+                </a14:m>
+                <a:endParaRPr lang="es-CO" sz="2800" dirty="0">
+                  <a:solidFill>
+                    <a:srgbClr val="FF0000"/>
+                  </a:solidFill>
+                </a:endParaRPr>
+              </a:p>
+            </p:txBody>
+          </p:sp>
+        </mc:Choice>
+        <mc:Fallback>
+          <p:sp>
+            <p:nvSpPr>
+              <p:cNvPr id="58" name="CuadroTexto 57">
+                <a:extLst>
+                  <a:ext uri="{FF2B5EF4-FFF2-40B4-BE49-F238E27FC236}">
+                    <a16:creationId xmlns:a16="http://schemas.microsoft.com/office/drawing/2014/main" id="{575B37EF-C82B-4B42-B575-C258A8E7ECC0}"/>
+                  </a:ext>
+                </a:extLst>
+              </p:cNvPr>
+              <p:cNvSpPr txBox="1">
+                <a:spLocks noRot="1" noChangeAspect="1" noMove="1" noResize="1" noEditPoints="1" noAdjustHandles="1" noChangeArrowheads="1" noChangeShapeType="1" noTextEdit="1"/>
+              </p:cNvSpPr>
+              <p:nvPr/>
+            </p:nvSpPr>
+            <p:spPr>
+              <a:xfrm>
+                <a:off x="10339185" y="4034429"/>
+                <a:ext cx="1181477" cy="523220"/>
+              </a:xfrm>
+              <a:prstGeom prst="rect">
+                <a:avLst/>
+              </a:prstGeom>
+              <a:blipFill>
+                <a:blip r:embed="rId12"/>
+                <a:stretch>
+                  <a:fillRect/>
+                </a:stretch>
+              </a:blipFill>
+            </p:spPr>
+            <p:txBody>
+              <a:bodyPr/>
+              <a:lstStyle/>
+              <a:p>
+                <a:r>
+                  <a:rPr lang="es-CO">
+                    <a:noFill/>
+                  </a:rPr>
+                  <a:t> </a:t>
+                </a:r>
+              </a:p>
+            </p:txBody>
+          </p:sp>
+        </mc:Fallback>
+      </mc:AlternateContent>
+      <mc:AlternateContent xmlns:mc="http://schemas.openxmlformats.org/markup-compatibility/2006">
+        <mc:Choice xmlns:a14="http://schemas.microsoft.com/office/drawing/2010/main" Requires="a14">
+          <p:sp>
+            <p:nvSpPr>
+              <p:cNvPr id="59" name="CuadroTexto 58">
+                <a:extLst>
+                  <a:ext uri="{FF2B5EF4-FFF2-40B4-BE49-F238E27FC236}">
+                    <a16:creationId xmlns:a16="http://schemas.microsoft.com/office/drawing/2014/main" id="{58DBF877-4AF8-4017-9BF3-53D627B034E0}"/>
+                  </a:ext>
+                </a:extLst>
+              </p:cNvPr>
+              <p:cNvSpPr txBox="1"/>
+              <p:nvPr/>
+            </p:nvSpPr>
+            <p:spPr>
+              <a:xfrm>
+                <a:off x="10339185" y="5102730"/>
+                <a:ext cx="1247585" cy="523220"/>
+              </a:xfrm>
+              <a:prstGeom prst="rect">
+                <a:avLst/>
+              </a:prstGeom>
+              <a:noFill/>
+            </p:spPr>
+            <p:txBody>
+              <a:bodyPr wrap="none" rtlCol="0">
+                <a:spAutoFit/>
+              </a:bodyPr>
+              <a:lstStyle/>
+              <a:p>
+                <a14:m>
+                  <m:oMathPara xmlns:m="http://schemas.openxmlformats.org/officeDocument/2006/math">
+                    <m:oMathParaPr>
+                      <m:jc m:val="centerGroup"/>
+                    </m:oMathParaPr>
+                    <m:oMath xmlns:m="http://schemas.openxmlformats.org/officeDocument/2006/math">
+                      <m:sSub>
+                        <m:sSubPr>
+                          <m:ctrlPr>
+                            <a:rPr lang="es-MX" sz="2800" b="0" i="1" smtClean="0">
+                              <a:solidFill>
+                                <a:srgbClr val="FF0000"/>
+                              </a:solidFill>
+                              <a:latin typeface="Cambria Math" panose="02040503050406030204" pitchFamily="18" charset="0"/>
+                            </a:rPr>
+                          </m:ctrlPr>
+                        </m:sSubPr>
+                        <m:e>
+                          <m:r>
+                            <a:rPr lang="es-MX" sz="2800" b="0" i="1" smtClean="0">
+                              <a:solidFill>
+                                <a:srgbClr val="FF0000"/>
+                              </a:solidFill>
+                              <a:latin typeface="Cambria Math" panose="02040503050406030204" pitchFamily="18" charset="0"/>
+                            </a:rPr>
+                            <m:t>𝑇</m:t>
+                          </m:r>
+                        </m:e>
+                        <m:sub>
+                          <m:r>
+                            <a:rPr lang="es-MX" sz="2800" b="0" i="1" smtClean="0">
+                              <a:solidFill>
+                                <a:srgbClr val="FF0000"/>
+                              </a:solidFill>
+                              <a:latin typeface="Cambria Math" panose="02040503050406030204" pitchFamily="18" charset="0"/>
+                            </a:rPr>
+                            <m:t>𝑠</m:t>
+                          </m:r>
+                        </m:sub>
+                      </m:sSub>
+                      <m:r>
+                        <a:rPr lang="es-MX" sz="2800" b="0" i="1" smtClean="0">
+                          <a:solidFill>
+                            <a:srgbClr val="FF0000"/>
+                          </a:solidFill>
+                          <a:latin typeface="Cambria Math" panose="02040503050406030204" pitchFamily="18" charset="0"/>
+                        </a:rPr>
+                        <m:t>(</m:t>
+                      </m:r>
+                      <m:sSub>
+                        <m:sSubPr>
+                          <m:ctrlPr>
+                            <a:rPr lang="es-MX" sz="2800" b="0" i="1" smtClean="0">
+                              <a:solidFill>
+                                <a:srgbClr val="FF0000"/>
+                              </a:solidFill>
+                              <a:latin typeface="Cambria Math" panose="02040503050406030204" pitchFamily="18" charset="0"/>
+                            </a:rPr>
+                          </m:ctrlPr>
+                        </m:sSubPr>
+                        <m:e>
+                          <m:r>
+                            <a:rPr lang="es-MX" sz="2800" b="0" i="1" smtClean="0">
+                              <a:solidFill>
+                                <a:srgbClr val="FF0000"/>
+                              </a:solidFill>
+                              <a:latin typeface="Cambria Math" panose="02040503050406030204" pitchFamily="18" charset="0"/>
+                            </a:rPr>
+                            <m:t>𝐿</m:t>
+                          </m:r>
+                        </m:e>
+                        <m:sub>
+                          <m:r>
+                            <a:rPr lang="es-MX" sz="2800" b="0" i="1" smtClean="0">
+                              <a:solidFill>
+                                <a:srgbClr val="FF0000"/>
+                              </a:solidFill>
+                              <a:latin typeface="Cambria Math" panose="02040503050406030204" pitchFamily="18" charset="0"/>
+                            </a:rPr>
+                            <m:t>𝑘</m:t>
+                          </m:r>
+                        </m:sub>
+                      </m:sSub>
+                      <m:r>
+                        <a:rPr lang="es-MX" sz="2800" b="0" i="1" smtClean="0">
+                          <a:solidFill>
+                            <a:srgbClr val="FF0000"/>
+                          </a:solidFill>
+                          <a:latin typeface="Cambria Math" panose="02040503050406030204" pitchFamily="18" charset="0"/>
+                        </a:rPr>
+                        <m:t>)</m:t>
+                      </m:r>
+                    </m:oMath>
+                  </m:oMathPara>
+                </a14:m>
+                <a:endParaRPr lang="es-CO" sz="2800" dirty="0">
+                  <a:solidFill>
+                    <a:srgbClr val="FF0000"/>
+                  </a:solidFill>
+                </a:endParaRPr>
+              </a:p>
+            </p:txBody>
+          </p:sp>
+        </mc:Choice>
+        <mc:Fallback>
+          <p:sp>
+            <p:nvSpPr>
+              <p:cNvPr id="59" name="CuadroTexto 58">
+                <a:extLst>
+                  <a:ext uri="{FF2B5EF4-FFF2-40B4-BE49-F238E27FC236}">
+                    <a16:creationId xmlns:a16="http://schemas.microsoft.com/office/drawing/2014/main" id="{58DBF877-4AF8-4017-9BF3-53D627B034E0}"/>
+                  </a:ext>
+                </a:extLst>
+              </p:cNvPr>
+              <p:cNvSpPr txBox="1">
+                <a:spLocks noRot="1" noChangeAspect="1" noMove="1" noResize="1" noEditPoints="1" noAdjustHandles="1" noChangeArrowheads="1" noChangeShapeType="1" noTextEdit="1"/>
+              </p:cNvSpPr>
+              <p:nvPr/>
+            </p:nvSpPr>
+            <p:spPr>
+              <a:xfrm>
+                <a:off x="10339185" y="5102730"/>
+                <a:ext cx="1247585" cy="523220"/>
+              </a:xfrm>
+              <a:prstGeom prst="rect">
+                <a:avLst/>
+              </a:prstGeom>
+              <a:blipFill>
+                <a:blip r:embed="rId13"/>
+                <a:stretch>
+                  <a:fillRect/>
+                </a:stretch>
+              </a:blipFill>
+            </p:spPr>
+            <p:txBody>
+              <a:bodyPr/>
+              <a:lstStyle/>
+              <a:p>
+                <a:r>
+                  <a:rPr lang="es-CO">
+                    <a:noFill/>
+                  </a:rPr>
+                  <a:t> </a:t>
+                </a:r>
+              </a:p>
+            </p:txBody>
+          </p:sp>
+        </mc:Fallback>
+      </mc:AlternateContent>
     </p:spTree>
     <p:extLst>
       <p:ext uri="{BB962C8B-B14F-4D97-AF65-F5344CB8AC3E}">
-        <p14:creationId xmlns:p14="http://schemas.microsoft.com/office/powerpoint/2010/main" val="858537241"/>
+        <p14:creationId xmlns:p14="http://schemas.microsoft.com/office/powerpoint/2010/main" val="2634342772"/>
       </p:ext>
     </p:extLst>
   </p:cSld>
   <p:clrMapOvr>
     <a:masterClrMapping/>
   </p:clrMapOvr>
+  <p:timing>
+    <p:tnLst>
+      <p:par>
+        <p:cTn id="1" dur="indefinite" restart="never" nodeType="tmRoot">
+          <p:childTnLst>
+            <p:seq concurrent="1" nextAc="seek">
+              <p:cTn id="2" dur="indefinite" nodeType="mainSeq">
+                <p:childTnLst>
+                  <p:par>
+                    <p:cTn id="3" fill="hold">
+                      <p:stCondLst>
+                        <p:cond delay="indefinite"/>
+                        <p:cond evt="onBegin" delay="0">
+                          <p:tn val="2"/>
+                        </p:cond>
+                      </p:stCondLst>
+                      <p:childTnLst>
+                        <p:par>
+                          <p:cTn id="4" fill="hold">
+                            <p:stCondLst>
+                              <p:cond delay="0"/>
+                            </p:stCondLst>
+                            <p:childTnLst>
+                              <p:par>
+                                <p:cTn id="5" presetID="1" presetClass="entr" presetSubtype="0" fill="hold" grpId="0" nodeType="withEffect">
+                                  <p:stCondLst>
+                                    <p:cond delay="0"/>
+                                  </p:stCondLst>
+                                  <p:childTnLst>
+                                    <p:set>
+                                      <p:cBhvr>
+                                        <p:cTn id="6" dur="1" fill="hold">
+                                          <p:stCondLst>
+                                            <p:cond delay="0"/>
+                                          </p:stCondLst>
+                                        </p:cTn>
+                                        <p:tgtEl>
+                                          <p:spTgt spid="57"/>
+                                        </p:tgtEl>
+                                        <p:attrNameLst>
+                                          <p:attrName>style.visibility</p:attrName>
+                                        </p:attrNameLst>
+                                      </p:cBhvr>
+                                      <p:to>
+                                        <p:strVal val="visible"/>
+                                      </p:to>
+                                    </p:set>
+                                  </p:childTnLst>
+                                </p:cTn>
+                              </p:par>
+                              <p:par>
+                                <p:cTn id="7" presetID="1" presetClass="entr" presetSubtype="0" fill="hold" grpId="0" nodeType="withEffect">
+                                  <p:stCondLst>
+                                    <p:cond delay="0"/>
+                                  </p:stCondLst>
+                                  <p:childTnLst>
+                                    <p:set>
+                                      <p:cBhvr>
+                                        <p:cTn id="8" dur="1" fill="hold">
+                                          <p:stCondLst>
+                                            <p:cond delay="0"/>
+                                          </p:stCondLst>
+                                        </p:cTn>
+                                        <p:tgtEl>
+                                          <p:spTgt spid="58"/>
+                                        </p:tgtEl>
+                                        <p:attrNameLst>
+                                          <p:attrName>style.visibility</p:attrName>
+                                        </p:attrNameLst>
+                                      </p:cBhvr>
+                                      <p:to>
+                                        <p:strVal val="visible"/>
+                                      </p:to>
+                                    </p:set>
+                                  </p:childTnLst>
+                                </p:cTn>
+                              </p:par>
+                              <p:par>
+                                <p:cTn id="9" presetID="1" presetClass="entr" presetSubtype="0" fill="hold" grpId="0" nodeType="withEffect">
+                                  <p:stCondLst>
+                                    <p:cond delay="0"/>
+                                  </p:stCondLst>
+                                  <p:childTnLst>
+                                    <p:set>
+                                      <p:cBhvr>
+                                        <p:cTn id="10" dur="1" fill="hold">
+                                          <p:stCondLst>
+                                            <p:cond delay="0"/>
+                                          </p:stCondLst>
+                                        </p:cTn>
+                                        <p:tgtEl>
+                                          <p:spTgt spid="59"/>
+                                        </p:tgtEl>
+                                        <p:attrNameLst>
+                                          <p:attrName>style.visibility</p:attrName>
+                                        </p:attrNameLst>
+                                      </p:cBhvr>
+                                      <p:to>
+                                        <p:strVal val="visible"/>
+                                      </p:to>
+                                    </p:set>
+                                  </p:childTnLst>
+                                </p:cTn>
+                              </p:par>
+                            </p:childTnLst>
+                          </p:cTn>
+                        </p:par>
+                      </p:childTnLst>
+                    </p:cTn>
+                  </p:par>
+                </p:childTnLst>
+              </p:cTn>
+              <p:prevCondLst>
+                <p:cond evt="onPrev" delay="0">
+                  <p:tgtEl>
+                    <p:sldTgt/>
+                  </p:tgtEl>
+                </p:cond>
+              </p:prevCondLst>
+              <p:nextCondLst>
+                <p:cond evt="onNext" delay="0">
+                  <p:tgtEl>
+                    <p:sldTgt/>
+                  </p:tgtEl>
+                </p:cond>
+              </p:nextCondLst>
+            </p:seq>
+          </p:childTnLst>
+        </p:cTn>
+      </p:par>
+    </p:tnLst>
+    <p:bldLst>
+      <p:bldP spid="57" grpId="0"/>
+      <p:bldP spid="58" grpId="0"/>
+      <p:bldP spid="59" grpId="0"/>
+    </p:bldLst>
+  </p:timing>
 </p:sld>
 </file>
 
-<file path=ppt/slides/slide2.xml><?xml version="1.0" encoding="utf-8"?>
+<file path=ppt/slides/slide6.xml><?xml version="1.0" encoding="utf-8"?>
 <p:sld xmlns:a="http://schemas.openxmlformats.org/drawingml/2006/main" xmlns:r="http://schemas.openxmlformats.org/officeDocument/2006/relationships" xmlns:p="http://schemas.openxmlformats.org/presentationml/2006/main">
   <p:cSld>
     <p:spTree>
@@ -5755,12 +10966,897 @@
           <a:chExt cx="0" cy="0"/>
         </a:xfrm>
       </p:grpSpPr>
+      <p:sp>
+        <p:nvSpPr>
+          <p:cNvPr id="2" name="Google Shape;106;p3">
+            <a:extLst>
+              <a:ext uri="{FF2B5EF4-FFF2-40B4-BE49-F238E27FC236}">
+                <a16:creationId xmlns:a16="http://schemas.microsoft.com/office/drawing/2014/main" id="{BFD6DA23-A749-41B1-98EE-ADF1E03E59FB}"/>
+              </a:ext>
+            </a:extLst>
+          </p:cNvPr>
+          <p:cNvSpPr/>
+          <p:nvPr/>
+        </p:nvSpPr>
+        <p:spPr>
+          <a:xfrm>
+            <a:off x="782231" y="306185"/>
+            <a:ext cx="8590369" cy="889526"/>
+          </a:xfrm>
+          <a:prstGeom prst="roundRect">
+            <a:avLst>
+              <a:gd name="adj" fmla="val 16667"/>
+            </a:avLst>
+          </a:prstGeom>
+          <a:solidFill>
+            <a:schemeClr val="accent5">
+              <a:lumMod val="40000"/>
+              <a:lumOff val="60000"/>
+            </a:schemeClr>
+          </a:solidFill>
+          <a:ln w="12700" cap="flat" cmpd="sng">
+            <a:solidFill>
+              <a:schemeClr val="accent1"/>
+            </a:solidFill>
+            <a:prstDash val="solid"/>
+            <a:miter lim="800000"/>
+            <a:headEnd type="none" w="sm" len="sm"/>
+            <a:tailEnd type="none" w="sm" len="sm"/>
+          </a:ln>
+        </p:spPr>
+        <p:txBody>
+          <a:bodyPr spcFirstLastPara="1" wrap="square" lIns="91425" tIns="45700" rIns="91425" bIns="45700" anchor="ctr" anchorCtr="0">
+            <a:noAutofit/>
+          </a:bodyPr>
+          <a:lstStyle/>
+          <a:p>
+            <a:pPr marL="0" marR="0" lvl="0" indent="0" algn="ctr" rtl="0">
+              <a:spcBef>
+                <a:spcPts val="0"/>
+              </a:spcBef>
+              <a:spcAft>
+                <a:spcPts val="0"/>
+              </a:spcAft>
+              <a:buNone/>
+            </a:pPr>
+            <a:endParaRPr sz="1800">
+              <a:solidFill>
+                <a:schemeClr val="lt1"/>
+              </a:solidFill>
+              <a:latin typeface="Calibri"/>
+              <a:ea typeface="Calibri"/>
+              <a:cs typeface="Calibri"/>
+              <a:sym typeface="Calibri"/>
+            </a:endParaRPr>
+          </a:p>
+        </p:txBody>
+      </p:sp>
+      <p:sp>
+        <p:nvSpPr>
+          <p:cNvPr id="3" name="Google Shape;107;p3">
+            <a:extLst>
+              <a:ext uri="{FF2B5EF4-FFF2-40B4-BE49-F238E27FC236}">
+                <a16:creationId xmlns:a16="http://schemas.microsoft.com/office/drawing/2014/main" id="{BA1BC713-4036-4FD5-9EE6-C435AC6FFBA5}"/>
+              </a:ext>
+            </a:extLst>
+          </p:cNvPr>
+          <p:cNvSpPr/>
+          <p:nvPr/>
+        </p:nvSpPr>
+        <p:spPr>
+          <a:xfrm>
+            <a:off x="-314325" y="-19050"/>
+            <a:ext cx="4076709" cy="1076325"/>
+          </a:xfrm>
+          <a:prstGeom prst="roundRect">
+            <a:avLst>
+              <a:gd name="adj" fmla="val 16667"/>
+            </a:avLst>
+          </a:prstGeom>
+          <a:solidFill>
+            <a:schemeClr val="accent5"/>
+          </a:solidFill>
+          <a:ln w="12700" cap="flat" cmpd="sng">
+            <a:solidFill>
+              <a:schemeClr val="accent1"/>
+            </a:solidFill>
+            <a:prstDash val="solid"/>
+            <a:miter lim="800000"/>
+            <a:headEnd type="none" w="sm" len="sm"/>
+            <a:tailEnd type="none" w="sm" len="sm"/>
+          </a:ln>
+        </p:spPr>
+        <p:txBody>
+          <a:bodyPr spcFirstLastPara="1" wrap="square" lIns="91425" tIns="45700" rIns="91425" bIns="45700" anchor="ctr" anchorCtr="0">
+            <a:noAutofit/>
+          </a:bodyPr>
+          <a:lstStyle/>
+          <a:p>
+            <a:pPr marL="0" marR="0" lvl="0" indent="0" algn="ctr" rtl="0">
+              <a:spcBef>
+                <a:spcPts val="0"/>
+              </a:spcBef>
+              <a:spcAft>
+                <a:spcPts val="0"/>
+              </a:spcAft>
+              <a:buNone/>
+            </a:pPr>
+            <a:endParaRPr sz="1800">
+              <a:solidFill>
+                <a:schemeClr val="lt1"/>
+              </a:solidFill>
+              <a:latin typeface="Calibri"/>
+              <a:ea typeface="Calibri"/>
+              <a:cs typeface="Calibri"/>
+              <a:sym typeface="Calibri"/>
+            </a:endParaRPr>
+          </a:p>
+        </p:txBody>
+      </p:sp>
+      <p:sp>
+        <p:nvSpPr>
+          <p:cNvPr id="4" name="Google Shape;108;p3">
+            <a:extLst>
+              <a:ext uri="{FF2B5EF4-FFF2-40B4-BE49-F238E27FC236}">
+                <a16:creationId xmlns:a16="http://schemas.microsoft.com/office/drawing/2014/main" id="{F8828D22-BA15-412F-BB97-F405FDAD11C5}"/>
+              </a:ext>
+            </a:extLst>
+          </p:cNvPr>
+          <p:cNvSpPr/>
+          <p:nvPr/>
+        </p:nvSpPr>
+        <p:spPr>
+          <a:xfrm>
+            <a:off x="-84240" y="106501"/>
+            <a:ext cx="3610068" cy="707846"/>
+          </a:xfrm>
+          <a:prstGeom prst="rect">
+            <a:avLst/>
+          </a:prstGeom>
+          <a:noFill/>
+          <a:ln>
+            <a:noFill/>
+          </a:ln>
+        </p:spPr>
+        <p:txBody>
+          <a:bodyPr spcFirstLastPara="1" wrap="square" lIns="91425" tIns="45700" rIns="91425" bIns="45700" anchor="t" anchorCtr="0">
+            <a:spAutoFit/>
+          </a:bodyPr>
+          <a:lstStyle/>
+          <a:p>
+            <a:pPr marL="0" marR="0" lvl="0" indent="0" algn="ctr" rtl="0">
+              <a:spcBef>
+                <a:spcPts val="0"/>
+              </a:spcBef>
+              <a:spcAft>
+                <a:spcPts val="0"/>
+              </a:spcAft>
+              <a:buNone/>
+            </a:pPr>
+            <a:r>
+              <a:rPr lang="es-CO" sz="4000" dirty="0">
+                <a:solidFill>
+                  <a:schemeClr val="bg1"/>
+                </a:solidFill>
+                <a:latin typeface="Calibri"/>
+                <a:cs typeface="Calibri"/>
+                <a:sym typeface="Calibri"/>
+              </a:rPr>
+              <a:t>Metodología</a:t>
+            </a:r>
+            <a:endParaRPr dirty="0">
+              <a:solidFill>
+                <a:schemeClr val="bg1"/>
+              </a:solidFill>
+            </a:endParaRPr>
+          </a:p>
+        </p:txBody>
+      </p:sp>
+      <p:pic>
+        <p:nvPicPr>
+          <p:cNvPr id="5" name="Google Shape;109;p3" descr="Imagen que contiene Patrón de fondo&#10;&#10;Descripción generada automáticamente">
+            <a:extLst>
+              <a:ext uri="{FF2B5EF4-FFF2-40B4-BE49-F238E27FC236}">
+                <a16:creationId xmlns:a16="http://schemas.microsoft.com/office/drawing/2014/main" id="{A931CBAE-1CFF-4ACD-86A9-41E3F100158F}"/>
+              </a:ext>
+            </a:extLst>
+          </p:cNvPr>
+          <p:cNvPicPr preferRelativeResize="0"/>
+          <p:nvPr/>
+        </p:nvPicPr>
+        <p:blipFill rotWithShape="1">
+          <a:blip r:embed="rId2">
+            <a:alphaModFix/>
+          </a:blip>
+          <a:srcRect/>
+          <a:stretch/>
+        </p:blipFill>
+        <p:spPr>
+          <a:xfrm>
+            <a:off x="10448963" y="0"/>
+            <a:ext cx="1295320" cy="1602459"/>
+          </a:xfrm>
+          <a:prstGeom prst="rect">
+            <a:avLst/>
+          </a:prstGeom>
+          <a:noFill/>
+          <a:ln>
+            <a:noFill/>
+          </a:ln>
+        </p:spPr>
+      </p:pic>
+      <p:sp>
+        <p:nvSpPr>
+          <p:cNvPr id="6" name="Google Shape;110;p3">
+            <a:extLst>
+              <a:ext uri="{FF2B5EF4-FFF2-40B4-BE49-F238E27FC236}">
+                <a16:creationId xmlns:a16="http://schemas.microsoft.com/office/drawing/2014/main" id="{28664757-6615-4321-8E45-DD819ABF61A2}"/>
+              </a:ext>
+            </a:extLst>
+          </p:cNvPr>
+          <p:cNvSpPr/>
+          <p:nvPr/>
+        </p:nvSpPr>
+        <p:spPr>
+          <a:xfrm>
+            <a:off x="8401050" y="6534150"/>
+            <a:ext cx="3914774" cy="323850"/>
+          </a:xfrm>
+          <a:prstGeom prst="roundRect">
+            <a:avLst>
+              <a:gd name="adj" fmla="val 16667"/>
+            </a:avLst>
+          </a:prstGeom>
+          <a:solidFill>
+            <a:schemeClr val="accent5"/>
+          </a:solidFill>
+          <a:ln w="12700" cap="flat" cmpd="sng">
+            <a:solidFill>
+              <a:schemeClr val="accent1"/>
+            </a:solidFill>
+            <a:prstDash val="solid"/>
+            <a:miter lim="800000"/>
+            <a:headEnd type="none" w="sm" len="sm"/>
+            <a:tailEnd type="none" w="sm" len="sm"/>
+          </a:ln>
+        </p:spPr>
+        <p:txBody>
+          <a:bodyPr spcFirstLastPara="1" wrap="square" lIns="91425" tIns="45700" rIns="91425" bIns="45700" anchor="ctr" anchorCtr="0">
+            <a:noAutofit/>
+          </a:bodyPr>
+          <a:lstStyle/>
+          <a:p>
+            <a:pPr marL="0" marR="0" lvl="0" indent="0" algn="l" rtl="0">
+              <a:spcBef>
+                <a:spcPts val="0"/>
+              </a:spcBef>
+              <a:spcAft>
+                <a:spcPts val="0"/>
+              </a:spcAft>
+              <a:buNone/>
+            </a:pPr>
+            <a:r>
+              <a:rPr lang="es-CO" sz="1400" dirty="0">
+                <a:solidFill>
+                  <a:schemeClr val="bg1">
+                    <a:lumMod val="95000"/>
+                  </a:schemeClr>
+                </a:solidFill>
+                <a:latin typeface="Calibri"/>
+                <a:ea typeface="Calibri"/>
+                <a:cs typeface="Calibri"/>
+                <a:sym typeface="Calibri"/>
+              </a:rPr>
+              <a:t>Daniel Estrada | Modelo de Ising 2D  	         .6/12</a:t>
+            </a:r>
+            <a:endParaRPr dirty="0">
+              <a:solidFill>
+                <a:schemeClr val="bg1">
+                  <a:lumMod val="95000"/>
+                </a:schemeClr>
+              </a:solidFill>
+            </a:endParaRPr>
+          </a:p>
+        </p:txBody>
+      </p:sp>
+      <p:sp>
+        <p:nvSpPr>
+          <p:cNvPr id="17" name="Google Shape;121;p3">
+            <a:extLst>
+              <a:ext uri="{FF2B5EF4-FFF2-40B4-BE49-F238E27FC236}">
+                <a16:creationId xmlns:a16="http://schemas.microsoft.com/office/drawing/2014/main" id="{50E5C467-776E-4E94-AFA0-7309B6FD6C3B}"/>
+              </a:ext>
+            </a:extLst>
+          </p:cNvPr>
+          <p:cNvSpPr/>
+          <p:nvPr/>
+        </p:nvSpPr>
+        <p:spPr>
+          <a:xfrm>
+            <a:off x="3447689" y="452140"/>
+            <a:ext cx="6191612" cy="584735"/>
+          </a:xfrm>
+          <a:prstGeom prst="rect">
+            <a:avLst/>
+          </a:prstGeom>
+          <a:noFill/>
+          <a:ln>
+            <a:noFill/>
+          </a:ln>
+        </p:spPr>
+        <p:txBody>
+          <a:bodyPr spcFirstLastPara="1" wrap="square" lIns="91425" tIns="45700" rIns="91425" bIns="45700" anchor="t" anchorCtr="0">
+            <a:spAutoFit/>
+          </a:bodyPr>
+          <a:lstStyle/>
+          <a:p>
+            <a:pPr marL="0" marR="0" lvl="0" indent="0" algn="ctr" rtl="0">
+              <a:spcBef>
+                <a:spcPts val="0"/>
+              </a:spcBef>
+              <a:spcAft>
+                <a:spcPts val="0"/>
+              </a:spcAft>
+              <a:buNone/>
+            </a:pPr>
+            <a:r>
+              <a:rPr lang="es-CO" sz="3200" dirty="0">
+                <a:latin typeface="Calibri"/>
+                <a:cs typeface="Calibri"/>
+                <a:sym typeface="Calibri"/>
+              </a:rPr>
+              <a:t>Paralelización del programa</a:t>
+            </a:r>
+            <a:endParaRPr dirty="0"/>
+          </a:p>
+        </p:txBody>
+      </p:sp>
+      <mc:AlternateContent xmlns:mc="http://schemas.openxmlformats.org/markup-compatibility/2006">
+        <mc:Choice xmlns:a14="http://schemas.microsoft.com/office/drawing/2010/main" Requires="a14">
+          <p:sp>
+            <p:nvSpPr>
+              <p:cNvPr id="57" name="CuadroTexto 56">
+                <a:extLst>
+                  <a:ext uri="{FF2B5EF4-FFF2-40B4-BE49-F238E27FC236}">
+                    <a16:creationId xmlns:a16="http://schemas.microsoft.com/office/drawing/2014/main" id="{3A3DE414-465F-455A-90E2-C603D5F3B5AD}"/>
+                  </a:ext>
+                </a:extLst>
+              </p:cNvPr>
+              <p:cNvSpPr txBox="1"/>
+              <p:nvPr/>
+            </p:nvSpPr>
+            <p:spPr>
+              <a:xfrm>
+                <a:off x="10015336" y="3183164"/>
+                <a:ext cx="1261499" cy="556434"/>
+              </a:xfrm>
+              <a:prstGeom prst="rect">
+                <a:avLst/>
+              </a:prstGeom>
+              <a:noFill/>
+            </p:spPr>
+            <p:txBody>
+              <a:bodyPr wrap="none" rtlCol="0">
+                <a:spAutoFit/>
+              </a:bodyPr>
+              <a:lstStyle/>
+              <a:p>
+                <a:pPr/>
+                <a14:m>
+                  <m:oMathPara xmlns:m="http://schemas.openxmlformats.org/officeDocument/2006/math">
+                    <m:oMathParaPr>
+                      <m:jc m:val="centerGroup"/>
+                    </m:oMathParaPr>
+                    <m:oMath xmlns:m="http://schemas.openxmlformats.org/officeDocument/2006/math">
+                      <m:sSub>
+                        <m:sSubPr>
+                          <m:ctrlPr>
+                            <a:rPr lang="es-MX" sz="2800" b="0" i="1" smtClean="0">
+                              <a:solidFill>
+                                <a:srgbClr val="FF0000"/>
+                              </a:solidFill>
+                              <a:latin typeface="Cambria Math" panose="02040503050406030204" pitchFamily="18" charset="0"/>
+                            </a:rPr>
+                          </m:ctrlPr>
+                        </m:sSubPr>
+                        <m:e>
+                          <m:r>
+                            <a:rPr lang="es-MX" sz="2800" b="0" i="1" smtClean="0">
+                              <a:solidFill>
+                                <a:srgbClr val="FF0000"/>
+                              </a:solidFill>
+                              <a:latin typeface="Cambria Math" panose="02040503050406030204" pitchFamily="18" charset="0"/>
+                            </a:rPr>
+                            <m:t>𝑇</m:t>
+                          </m:r>
+                        </m:e>
+                        <m:sub>
+                          <m:r>
+                            <a:rPr lang="es-MX" sz="2800" b="0" i="1" smtClean="0">
+                              <a:solidFill>
+                                <a:srgbClr val="FF0000"/>
+                              </a:solidFill>
+                              <a:latin typeface="Cambria Math" panose="02040503050406030204" pitchFamily="18" charset="0"/>
+                            </a:rPr>
+                            <m:t>𝑝</m:t>
+                          </m:r>
+                        </m:sub>
+                      </m:sSub>
+                      <m:r>
+                        <a:rPr lang="es-MX" sz="2800" b="0" i="1" smtClean="0">
+                          <a:solidFill>
+                            <a:srgbClr val="FF0000"/>
+                          </a:solidFill>
+                          <a:latin typeface="Cambria Math" panose="02040503050406030204" pitchFamily="18" charset="0"/>
+                        </a:rPr>
+                        <m:t>(</m:t>
+                      </m:r>
+                      <m:sSub>
+                        <m:sSubPr>
+                          <m:ctrlPr>
+                            <a:rPr lang="es-MX" sz="2800" b="0" i="1" smtClean="0">
+                              <a:solidFill>
+                                <a:srgbClr val="FF0000"/>
+                              </a:solidFill>
+                              <a:latin typeface="Cambria Math" panose="02040503050406030204" pitchFamily="18" charset="0"/>
+                            </a:rPr>
+                          </m:ctrlPr>
+                        </m:sSubPr>
+                        <m:e>
+                          <m:r>
+                            <a:rPr lang="es-MX" sz="2800" b="0" i="1" smtClean="0">
+                              <a:solidFill>
+                                <a:srgbClr val="FF0000"/>
+                              </a:solidFill>
+                              <a:latin typeface="Cambria Math" panose="02040503050406030204" pitchFamily="18" charset="0"/>
+                            </a:rPr>
+                            <m:t>𝐿</m:t>
+                          </m:r>
+                        </m:e>
+                        <m:sub>
+                          <m:r>
+                            <a:rPr lang="es-MX" sz="2800" b="0" i="1" smtClean="0">
+                              <a:solidFill>
+                                <a:srgbClr val="FF0000"/>
+                              </a:solidFill>
+                              <a:latin typeface="Cambria Math" panose="02040503050406030204" pitchFamily="18" charset="0"/>
+                            </a:rPr>
+                            <m:t>1</m:t>
+                          </m:r>
+                        </m:sub>
+                      </m:sSub>
+                      <m:r>
+                        <a:rPr lang="es-MX" sz="2800" b="0" i="1" smtClean="0">
+                          <a:solidFill>
+                            <a:srgbClr val="FF0000"/>
+                          </a:solidFill>
+                          <a:latin typeface="Cambria Math" panose="02040503050406030204" pitchFamily="18" charset="0"/>
+                        </a:rPr>
+                        <m:t>)</m:t>
+                      </m:r>
+                    </m:oMath>
+                  </m:oMathPara>
+                </a14:m>
+                <a:endParaRPr lang="es-CO" sz="2800" dirty="0">
+                  <a:solidFill>
+                    <a:srgbClr val="FF0000"/>
+                  </a:solidFill>
+                </a:endParaRPr>
+              </a:p>
+            </p:txBody>
+          </p:sp>
+        </mc:Choice>
+        <mc:Fallback>
+          <p:sp>
+            <p:nvSpPr>
+              <p:cNvPr id="57" name="CuadroTexto 56">
+                <a:extLst>
+                  <a:ext uri="{FF2B5EF4-FFF2-40B4-BE49-F238E27FC236}">
+                    <a16:creationId xmlns:a16="http://schemas.microsoft.com/office/drawing/2014/main" id="{3A3DE414-465F-455A-90E2-C603D5F3B5AD}"/>
+                  </a:ext>
+                </a:extLst>
+              </p:cNvPr>
+              <p:cNvSpPr txBox="1">
+                <a:spLocks noRot="1" noChangeAspect="1" noMove="1" noResize="1" noEditPoints="1" noAdjustHandles="1" noChangeArrowheads="1" noChangeShapeType="1" noTextEdit="1"/>
+              </p:cNvSpPr>
+              <p:nvPr/>
+            </p:nvSpPr>
+            <p:spPr>
+              <a:xfrm>
+                <a:off x="10015336" y="3183164"/>
+                <a:ext cx="1261499" cy="556434"/>
+              </a:xfrm>
+              <a:prstGeom prst="rect">
+                <a:avLst/>
+              </a:prstGeom>
+              <a:blipFill>
+                <a:blip r:embed="rId3"/>
+                <a:stretch>
+                  <a:fillRect/>
+                </a:stretch>
+              </a:blipFill>
+            </p:spPr>
+            <p:txBody>
+              <a:bodyPr/>
+              <a:lstStyle/>
+              <a:p>
+                <a:r>
+                  <a:rPr lang="es-CO">
+                    <a:noFill/>
+                  </a:rPr>
+                  <a:t> </a:t>
+                </a:r>
+              </a:p>
+            </p:txBody>
+          </p:sp>
+        </mc:Fallback>
+      </mc:AlternateContent>
+      <mc:AlternateContent xmlns:mc="http://schemas.openxmlformats.org/markup-compatibility/2006">
+        <mc:Choice xmlns:a14="http://schemas.microsoft.com/office/drawing/2010/main" Requires="a14">
+          <p:sp>
+            <p:nvSpPr>
+              <p:cNvPr id="58" name="CuadroTexto 57">
+                <a:extLst>
+                  <a:ext uri="{FF2B5EF4-FFF2-40B4-BE49-F238E27FC236}">
+                    <a16:creationId xmlns:a16="http://schemas.microsoft.com/office/drawing/2014/main" id="{575B37EF-C82B-4B42-B575-C258A8E7ECC0}"/>
+                  </a:ext>
+                </a:extLst>
+              </p:cNvPr>
+              <p:cNvSpPr txBox="1"/>
+              <p:nvPr/>
+            </p:nvSpPr>
+            <p:spPr>
+              <a:xfrm>
+                <a:off x="10015335" y="4472579"/>
+                <a:ext cx="1217769" cy="556434"/>
+              </a:xfrm>
+              <a:prstGeom prst="rect">
+                <a:avLst/>
+              </a:prstGeom>
+              <a:noFill/>
+            </p:spPr>
+            <p:txBody>
+              <a:bodyPr wrap="none" rtlCol="0">
+                <a:spAutoFit/>
+              </a:bodyPr>
+              <a:lstStyle/>
+              <a:p>
+                <a:pPr/>
+                <a14:m>
+                  <m:oMathPara xmlns:m="http://schemas.openxmlformats.org/officeDocument/2006/math">
+                    <m:oMathParaPr>
+                      <m:jc m:val="centerGroup"/>
+                    </m:oMathParaPr>
+                    <m:oMath xmlns:m="http://schemas.openxmlformats.org/officeDocument/2006/math">
+                      <m:sSub>
+                        <m:sSubPr>
+                          <m:ctrlPr>
+                            <a:rPr lang="es-MX" sz="2800" b="0" i="1" smtClean="0">
+                              <a:solidFill>
+                                <a:srgbClr val="FF0000"/>
+                              </a:solidFill>
+                              <a:latin typeface="Cambria Math" panose="02040503050406030204" pitchFamily="18" charset="0"/>
+                            </a:rPr>
+                          </m:ctrlPr>
+                        </m:sSubPr>
+                        <m:e>
+                          <m:r>
+                            <a:rPr lang="es-MX" sz="2800" b="0" i="1" smtClean="0">
+                              <a:solidFill>
+                                <a:srgbClr val="FF0000"/>
+                              </a:solidFill>
+                              <a:latin typeface="Cambria Math" panose="02040503050406030204" pitchFamily="18" charset="0"/>
+                            </a:rPr>
+                            <m:t>𝑇</m:t>
+                          </m:r>
+                        </m:e>
+                        <m:sub>
+                          <m:r>
+                            <a:rPr lang="es-MX" sz="2800" b="0" i="1" smtClean="0">
+                              <a:solidFill>
+                                <a:srgbClr val="FF0000"/>
+                              </a:solidFill>
+                              <a:latin typeface="Cambria Math" panose="02040503050406030204" pitchFamily="18" charset="0"/>
+                            </a:rPr>
+                            <m:t>𝑝</m:t>
+                          </m:r>
+                        </m:sub>
+                      </m:sSub>
+                      <m:r>
+                        <a:rPr lang="es-MX" sz="2800" b="0" i="1" smtClean="0">
+                          <a:solidFill>
+                            <a:srgbClr val="FF0000"/>
+                          </a:solidFill>
+                          <a:latin typeface="Cambria Math" panose="02040503050406030204" pitchFamily="18" charset="0"/>
+                        </a:rPr>
+                        <m:t>(</m:t>
+                      </m:r>
+                      <m:sSub>
+                        <m:sSubPr>
+                          <m:ctrlPr>
+                            <a:rPr lang="es-MX" sz="2800" b="0" i="1" smtClean="0">
+                              <a:solidFill>
+                                <a:srgbClr val="FF0000"/>
+                              </a:solidFill>
+                              <a:latin typeface="Cambria Math" panose="02040503050406030204" pitchFamily="18" charset="0"/>
+                            </a:rPr>
+                          </m:ctrlPr>
+                        </m:sSubPr>
+                        <m:e>
+                          <m:r>
+                            <a:rPr lang="es-MX" sz="2800" b="0" i="1" smtClean="0">
+                              <a:solidFill>
+                                <a:srgbClr val="FF0000"/>
+                              </a:solidFill>
+                              <a:latin typeface="Cambria Math" panose="02040503050406030204" pitchFamily="18" charset="0"/>
+                            </a:rPr>
+                            <m:t>𝐿</m:t>
+                          </m:r>
+                        </m:e>
+                        <m:sub>
+                          <m:r>
+                            <a:rPr lang="es-MX" sz="2800" b="0" i="1" smtClean="0">
+                              <a:solidFill>
+                                <a:srgbClr val="FF0000"/>
+                              </a:solidFill>
+                              <a:latin typeface="Cambria Math" panose="02040503050406030204" pitchFamily="18" charset="0"/>
+                            </a:rPr>
+                            <m:t>𝑖</m:t>
+                          </m:r>
+                        </m:sub>
+                      </m:sSub>
+                      <m:r>
+                        <a:rPr lang="es-MX" sz="2800" b="0" i="1" smtClean="0">
+                          <a:solidFill>
+                            <a:srgbClr val="FF0000"/>
+                          </a:solidFill>
+                          <a:latin typeface="Cambria Math" panose="02040503050406030204" pitchFamily="18" charset="0"/>
+                        </a:rPr>
+                        <m:t>)</m:t>
+                      </m:r>
+                    </m:oMath>
+                  </m:oMathPara>
+                </a14:m>
+                <a:endParaRPr lang="es-CO" sz="2800" dirty="0">
+                  <a:solidFill>
+                    <a:srgbClr val="FF0000"/>
+                  </a:solidFill>
+                </a:endParaRPr>
+              </a:p>
+            </p:txBody>
+          </p:sp>
+        </mc:Choice>
+        <mc:Fallback>
+          <p:sp>
+            <p:nvSpPr>
+              <p:cNvPr id="58" name="CuadroTexto 57">
+                <a:extLst>
+                  <a:ext uri="{FF2B5EF4-FFF2-40B4-BE49-F238E27FC236}">
+                    <a16:creationId xmlns:a16="http://schemas.microsoft.com/office/drawing/2014/main" id="{575B37EF-C82B-4B42-B575-C258A8E7ECC0}"/>
+                  </a:ext>
+                </a:extLst>
+              </p:cNvPr>
+              <p:cNvSpPr txBox="1">
+                <a:spLocks noRot="1" noChangeAspect="1" noMove="1" noResize="1" noEditPoints="1" noAdjustHandles="1" noChangeArrowheads="1" noChangeShapeType="1" noTextEdit="1"/>
+              </p:cNvSpPr>
+              <p:nvPr/>
+            </p:nvSpPr>
+            <p:spPr>
+              <a:xfrm>
+                <a:off x="10015335" y="4472579"/>
+                <a:ext cx="1217769" cy="556434"/>
+              </a:xfrm>
+              <a:prstGeom prst="rect">
+                <a:avLst/>
+              </a:prstGeom>
+              <a:blipFill>
+                <a:blip r:embed="rId4"/>
+                <a:stretch>
+                  <a:fillRect/>
+                </a:stretch>
+              </a:blipFill>
+            </p:spPr>
+            <p:txBody>
+              <a:bodyPr/>
+              <a:lstStyle/>
+              <a:p>
+                <a:r>
+                  <a:rPr lang="es-CO">
+                    <a:noFill/>
+                  </a:rPr>
+                  <a:t> </a:t>
+                </a:r>
+              </a:p>
+            </p:txBody>
+          </p:sp>
+        </mc:Fallback>
+      </mc:AlternateContent>
+      <mc:AlternateContent xmlns:mc="http://schemas.openxmlformats.org/markup-compatibility/2006">
+        <mc:Choice xmlns:a14="http://schemas.microsoft.com/office/drawing/2010/main" Requires="a14">
+          <p:sp>
+            <p:nvSpPr>
+              <p:cNvPr id="59" name="CuadroTexto 58">
+                <a:extLst>
+                  <a:ext uri="{FF2B5EF4-FFF2-40B4-BE49-F238E27FC236}">
+                    <a16:creationId xmlns:a16="http://schemas.microsoft.com/office/drawing/2014/main" id="{58DBF877-4AF8-4017-9BF3-53D627B034E0}"/>
+                  </a:ext>
+                </a:extLst>
+              </p:cNvPr>
+              <p:cNvSpPr txBox="1"/>
+              <p:nvPr/>
+            </p:nvSpPr>
+            <p:spPr>
+              <a:xfrm>
+                <a:off x="10015335" y="5627498"/>
+                <a:ext cx="1283878" cy="556434"/>
+              </a:xfrm>
+              <a:prstGeom prst="rect">
+                <a:avLst/>
+              </a:prstGeom>
+              <a:noFill/>
+            </p:spPr>
+            <p:txBody>
+              <a:bodyPr wrap="none" rtlCol="0">
+                <a:spAutoFit/>
+              </a:bodyPr>
+              <a:lstStyle/>
+              <a:p>
+                <a:pPr/>
+                <a14:m>
+                  <m:oMathPara xmlns:m="http://schemas.openxmlformats.org/officeDocument/2006/math">
+                    <m:oMathParaPr>
+                      <m:jc m:val="centerGroup"/>
+                    </m:oMathParaPr>
+                    <m:oMath xmlns:m="http://schemas.openxmlformats.org/officeDocument/2006/math">
+                      <m:sSub>
+                        <m:sSubPr>
+                          <m:ctrlPr>
+                            <a:rPr lang="es-MX" sz="2800" b="0" i="1" smtClean="0">
+                              <a:solidFill>
+                                <a:srgbClr val="FF0000"/>
+                              </a:solidFill>
+                              <a:latin typeface="Cambria Math" panose="02040503050406030204" pitchFamily="18" charset="0"/>
+                            </a:rPr>
+                          </m:ctrlPr>
+                        </m:sSubPr>
+                        <m:e>
+                          <m:r>
+                            <a:rPr lang="es-MX" sz="2800" b="0" i="1" smtClean="0">
+                              <a:solidFill>
+                                <a:srgbClr val="FF0000"/>
+                              </a:solidFill>
+                              <a:latin typeface="Cambria Math" panose="02040503050406030204" pitchFamily="18" charset="0"/>
+                            </a:rPr>
+                            <m:t>𝑇</m:t>
+                          </m:r>
+                        </m:e>
+                        <m:sub>
+                          <m:r>
+                            <a:rPr lang="es-MX" sz="2800" b="0" i="1" smtClean="0">
+                              <a:solidFill>
+                                <a:srgbClr val="FF0000"/>
+                              </a:solidFill>
+                              <a:latin typeface="Cambria Math" panose="02040503050406030204" pitchFamily="18" charset="0"/>
+                            </a:rPr>
+                            <m:t>𝑝</m:t>
+                          </m:r>
+                        </m:sub>
+                      </m:sSub>
+                      <m:r>
+                        <a:rPr lang="es-MX" sz="2800" b="0" i="1" smtClean="0">
+                          <a:solidFill>
+                            <a:srgbClr val="FF0000"/>
+                          </a:solidFill>
+                          <a:latin typeface="Cambria Math" panose="02040503050406030204" pitchFamily="18" charset="0"/>
+                        </a:rPr>
+                        <m:t>(</m:t>
+                      </m:r>
+                      <m:sSub>
+                        <m:sSubPr>
+                          <m:ctrlPr>
+                            <a:rPr lang="es-MX" sz="2800" b="0" i="1" smtClean="0">
+                              <a:solidFill>
+                                <a:srgbClr val="FF0000"/>
+                              </a:solidFill>
+                              <a:latin typeface="Cambria Math" panose="02040503050406030204" pitchFamily="18" charset="0"/>
+                            </a:rPr>
+                          </m:ctrlPr>
+                        </m:sSubPr>
+                        <m:e>
+                          <m:r>
+                            <a:rPr lang="es-MX" sz="2800" b="0" i="1" smtClean="0">
+                              <a:solidFill>
+                                <a:srgbClr val="FF0000"/>
+                              </a:solidFill>
+                              <a:latin typeface="Cambria Math" panose="02040503050406030204" pitchFamily="18" charset="0"/>
+                            </a:rPr>
+                            <m:t>𝐿</m:t>
+                          </m:r>
+                        </m:e>
+                        <m:sub>
+                          <m:r>
+                            <a:rPr lang="es-MX" sz="2800" b="0" i="1" smtClean="0">
+                              <a:solidFill>
+                                <a:srgbClr val="FF0000"/>
+                              </a:solidFill>
+                              <a:latin typeface="Cambria Math" panose="02040503050406030204" pitchFamily="18" charset="0"/>
+                            </a:rPr>
+                            <m:t>𝑘</m:t>
+                          </m:r>
+                        </m:sub>
+                      </m:sSub>
+                      <m:r>
+                        <a:rPr lang="es-MX" sz="2800" b="0" i="1" smtClean="0">
+                          <a:solidFill>
+                            <a:srgbClr val="FF0000"/>
+                          </a:solidFill>
+                          <a:latin typeface="Cambria Math" panose="02040503050406030204" pitchFamily="18" charset="0"/>
+                        </a:rPr>
+                        <m:t>)</m:t>
+                      </m:r>
+                    </m:oMath>
+                  </m:oMathPara>
+                </a14:m>
+                <a:endParaRPr lang="es-CO" sz="2800" dirty="0">
+                  <a:solidFill>
+                    <a:srgbClr val="FF0000"/>
+                  </a:solidFill>
+                </a:endParaRPr>
+              </a:p>
+            </p:txBody>
+          </p:sp>
+        </mc:Choice>
+        <mc:Fallback>
+          <p:sp>
+            <p:nvSpPr>
+              <p:cNvPr id="59" name="CuadroTexto 58">
+                <a:extLst>
+                  <a:ext uri="{FF2B5EF4-FFF2-40B4-BE49-F238E27FC236}">
+                    <a16:creationId xmlns:a16="http://schemas.microsoft.com/office/drawing/2014/main" id="{58DBF877-4AF8-4017-9BF3-53D627B034E0}"/>
+                  </a:ext>
+                </a:extLst>
+              </p:cNvPr>
+              <p:cNvSpPr txBox="1">
+                <a:spLocks noRot="1" noChangeAspect="1" noMove="1" noResize="1" noEditPoints="1" noAdjustHandles="1" noChangeArrowheads="1" noChangeShapeType="1" noTextEdit="1"/>
+              </p:cNvSpPr>
+              <p:nvPr/>
+            </p:nvSpPr>
+            <p:spPr>
+              <a:xfrm>
+                <a:off x="10015335" y="5627498"/>
+                <a:ext cx="1283878" cy="556434"/>
+              </a:xfrm>
+              <a:prstGeom prst="rect">
+                <a:avLst/>
+              </a:prstGeom>
+              <a:blipFill>
+                <a:blip r:embed="rId5"/>
+                <a:stretch>
+                  <a:fillRect/>
+                </a:stretch>
+              </a:blipFill>
+            </p:spPr>
+            <p:txBody>
+              <a:bodyPr/>
+              <a:lstStyle/>
+              <a:p>
+                <a:r>
+                  <a:rPr lang="es-CO">
+                    <a:noFill/>
+                  </a:rPr>
+                  <a:t> </a:t>
+                </a:r>
+              </a:p>
+            </p:txBody>
+          </p:sp>
+        </mc:Fallback>
+      </mc:AlternateContent>
       <p:grpSp>
         <p:nvGrpSpPr>
-          <p:cNvPr id="2" name="Grupo 1">
+          <p:cNvPr id="60" name="Grupo 59">
             <a:extLst>
               <a:ext uri="{FF2B5EF4-FFF2-40B4-BE49-F238E27FC236}">
-                <a16:creationId xmlns:a16="http://schemas.microsoft.com/office/drawing/2014/main" id="{EFEB5C11-3085-4B85-BF86-A24F663EBAC6}"/>
+                <a16:creationId xmlns:a16="http://schemas.microsoft.com/office/drawing/2014/main" id="{40B8A6C2-A9E7-41EC-9050-7AF427ACC3AF}"/>
               </a:ext>
             </a:extLst>
           </p:cNvPr>
@@ -5769,18 +11865,18 @@
         </p:nvGrpSpPr>
         <p:grpSpPr>
           <a:xfrm>
-            <a:off x="814668" y="283315"/>
-            <a:ext cx="9306053" cy="5253592"/>
+            <a:off x="1267294" y="1513791"/>
+            <a:ext cx="8709941" cy="4775993"/>
             <a:chOff x="814668" y="283315"/>
-            <a:chExt cx="9306053" cy="5253592"/>
+            <a:chExt cx="9580935" cy="5253592"/>
           </a:xfrm>
         </p:grpSpPr>
         <p:sp>
           <p:nvSpPr>
-            <p:cNvPr id="21" name="Rectángulo 20">
+            <p:cNvPr id="61" name="Rectángulo 60">
               <a:extLst>
                 <a:ext uri="{FF2B5EF4-FFF2-40B4-BE49-F238E27FC236}">
-                  <a16:creationId xmlns:a16="http://schemas.microsoft.com/office/drawing/2014/main" id="{6F8DD211-DF7F-4198-ADCD-1E9CBC97B172}"/>
+                  <a16:creationId xmlns:a16="http://schemas.microsoft.com/office/drawing/2014/main" id="{36293E77-776F-496B-9B36-CD1F49BAF399}"/>
                 </a:ext>
               </a:extLst>
             </p:cNvPr>
@@ -5836,10 +11932,10 @@
         </p:sp>
         <p:sp>
           <p:nvSpPr>
-            <p:cNvPr id="4" name="Rectángulo: esquinas redondeadas 3">
+            <p:cNvPr id="62" name="Rectángulo: esquinas redondeadas 61">
               <a:extLst>
                 <a:ext uri="{FF2B5EF4-FFF2-40B4-BE49-F238E27FC236}">
-                  <a16:creationId xmlns:a16="http://schemas.microsoft.com/office/drawing/2014/main" id="{1B1DE91F-8D05-4B81-B9D2-80DF52A6F663}"/>
+                  <a16:creationId xmlns:a16="http://schemas.microsoft.com/office/drawing/2014/main" id="{969DBE77-7A3F-4E5E-9670-8AA63B38001F}"/>
                 </a:ext>
               </a:extLst>
             </p:cNvPr>
@@ -5898,14 +11994,14 @@
             </a:p>
           </p:txBody>
         </p:sp>
-        <mc:AlternateContent xmlns:mc="http://schemas.openxmlformats.org/markup-compatibility/2006">
-          <mc:Choice xmlns:a14="http://schemas.microsoft.com/office/drawing/2010/main" Requires="a14">
+        <mc:AlternateContent xmlns:mc="http://schemas.openxmlformats.org/markup-compatibility/2006" xmlns:a14="http://schemas.microsoft.com/office/drawing/2010/main">
+          <mc:Choice Requires="a14">
             <p:sp>
               <p:nvSpPr>
-                <p:cNvPr id="5" name="Rectángulo: esquinas redondeadas 4">
+                <p:cNvPr id="63" name="Rectángulo: esquinas redondeadas 62">
                   <a:extLst>
                     <a:ext uri="{FF2B5EF4-FFF2-40B4-BE49-F238E27FC236}">
-                      <a16:creationId xmlns:a16="http://schemas.microsoft.com/office/drawing/2014/main" id="{B2245B9C-B8D3-4DFE-B79D-6CAC5733F7B8}"/>
+                      <a16:creationId xmlns:a16="http://schemas.microsoft.com/office/drawing/2014/main" id="{6EE6E3BA-E9E8-4A8A-82F5-15EE2C2E5E66}"/>
                     </a:ext>
                   </a:extLst>
                 </p:cNvPr>
@@ -5981,7 +12077,7 @@
               </p:txBody>
             </p:sp>
           </mc:Choice>
-          <mc:Fallback>
+          <mc:Fallback xmlns="">
             <p:sp>
               <p:nvSpPr>
                 <p:cNvPr id="5" name="Rectángulo: esquinas redondeadas 4">
@@ -6005,7 +12101,7 @@
                   <a:avLst/>
                 </a:prstGeom>
                 <a:blipFill>
-                  <a:blip r:embed="rId2"/>
+                  <a:blip r:embed="rId6"/>
                   <a:stretch>
                     <a:fillRect/>
                   </a:stretch>
@@ -6031,14 +12127,14 @@
             </p:sp>
           </mc:Fallback>
         </mc:AlternateContent>
-        <mc:AlternateContent xmlns:mc="http://schemas.openxmlformats.org/markup-compatibility/2006">
-          <mc:Choice xmlns:a14="http://schemas.microsoft.com/office/drawing/2010/main" Requires="a14">
+        <mc:AlternateContent xmlns:mc="http://schemas.openxmlformats.org/markup-compatibility/2006" xmlns:a14="http://schemas.microsoft.com/office/drawing/2010/main">
+          <mc:Choice Requires="a14">
             <p:sp>
               <p:nvSpPr>
-                <p:cNvPr id="6" name="Rectángulo: esquinas redondeadas 5">
+                <p:cNvPr id="64" name="Rectángulo: esquinas redondeadas 63">
                   <a:extLst>
                     <a:ext uri="{FF2B5EF4-FFF2-40B4-BE49-F238E27FC236}">
-                      <a16:creationId xmlns:a16="http://schemas.microsoft.com/office/drawing/2014/main" id="{07983BB0-026D-4CC1-8961-95C87D94CE15}"/>
+                      <a16:creationId xmlns:a16="http://schemas.microsoft.com/office/drawing/2014/main" id="{613C9C84-E040-409F-B174-B6000FD7043D}"/>
                     </a:ext>
                   </a:extLst>
                 </p:cNvPr>
@@ -6114,7 +12210,7 @@
               </p:txBody>
             </p:sp>
           </mc:Choice>
-          <mc:Fallback>
+          <mc:Fallback xmlns="">
             <p:sp>
               <p:nvSpPr>
                 <p:cNvPr id="6" name="Rectángulo: esquinas redondeadas 5">
@@ -6138,7 +12234,7 @@
                   <a:avLst/>
                 </a:prstGeom>
                 <a:blipFill>
-                  <a:blip r:embed="rId3"/>
+                  <a:blip r:embed="rId7"/>
                   <a:stretch>
                     <a:fillRect/>
                   </a:stretch>
@@ -6166,10 +12262,10 @@
         </mc:AlternateContent>
         <p:sp>
           <p:nvSpPr>
-            <p:cNvPr id="9" name="Rectángulo: esquinas redondeadas 8">
+            <p:cNvPr id="65" name="Rectángulo: esquinas redondeadas 64">
               <a:extLst>
                 <a:ext uri="{FF2B5EF4-FFF2-40B4-BE49-F238E27FC236}">
-                  <a16:creationId xmlns:a16="http://schemas.microsoft.com/office/drawing/2014/main" id="{E2ACF144-7446-4EE5-8DD4-BA5B88BDC244}"/>
+                  <a16:creationId xmlns:a16="http://schemas.microsoft.com/office/drawing/2014/main" id="{A502183B-DB58-427B-ADF7-FB9F248F0EAC}"/>
                 </a:ext>
               </a:extLst>
             </p:cNvPr>
@@ -6235,10 +12331,10 @@
         </p:sp>
         <p:sp>
           <p:nvSpPr>
-            <p:cNvPr id="14" name="Rectángulo: esquinas redondeadas 13">
+            <p:cNvPr id="66" name="Rectángulo: esquinas redondeadas 65">
               <a:extLst>
                 <a:ext uri="{FF2B5EF4-FFF2-40B4-BE49-F238E27FC236}">
-                  <a16:creationId xmlns:a16="http://schemas.microsoft.com/office/drawing/2014/main" id="{A6C268A0-AAD3-484C-B85E-799000D8C9A9}"/>
+                  <a16:creationId xmlns:a16="http://schemas.microsoft.com/office/drawing/2014/main" id="{E0524A3E-9F98-4F48-8FC1-EEC0844643E8}"/>
                 </a:ext>
               </a:extLst>
             </p:cNvPr>
@@ -6304,10 +12400,10 @@
         </p:sp>
         <p:sp>
           <p:nvSpPr>
-            <p:cNvPr id="17" name="Abrir llave 16">
+            <p:cNvPr id="67" name="Abrir llave 66">
               <a:extLst>
                 <a:ext uri="{FF2B5EF4-FFF2-40B4-BE49-F238E27FC236}">
-                  <a16:creationId xmlns:a16="http://schemas.microsoft.com/office/drawing/2014/main" id="{0A506325-20B1-4EA6-8CCB-EEA33FE349DD}"/>
+                  <a16:creationId xmlns:a16="http://schemas.microsoft.com/office/drawing/2014/main" id="{8EB94561-C823-46D9-A963-F4EAA2BBF0B9}"/>
                 </a:ext>
               </a:extLst>
             </p:cNvPr>
@@ -6354,14 +12450,14 @@
             </a:p>
           </p:txBody>
         </p:sp>
-        <mc:AlternateContent xmlns:mc="http://schemas.openxmlformats.org/markup-compatibility/2006">
-          <mc:Choice xmlns:a14="http://schemas.microsoft.com/office/drawing/2010/main" Requires="a14">
+        <mc:AlternateContent xmlns:mc="http://schemas.openxmlformats.org/markup-compatibility/2006" xmlns:a14="http://schemas.microsoft.com/office/drawing/2010/main">
+          <mc:Choice Requires="a14">
             <p:sp>
               <p:nvSpPr>
-                <p:cNvPr id="19" name="CuadroTexto 18">
+                <p:cNvPr id="68" name="CuadroTexto 67">
                   <a:extLst>
                     <a:ext uri="{FF2B5EF4-FFF2-40B4-BE49-F238E27FC236}">
-                      <a16:creationId xmlns:a16="http://schemas.microsoft.com/office/drawing/2014/main" id="{82BD948C-82C0-4552-99C1-4190681DE1FC}"/>
+                      <a16:creationId xmlns:a16="http://schemas.microsoft.com/office/drawing/2014/main" id="{9201ED23-5999-443B-ACB3-FA67CC6555BA}"/>
                     </a:ext>
                   </a:extLst>
                 </p:cNvPr>
@@ -6412,7 +12508,7 @@
               </p:txBody>
             </p:sp>
           </mc:Choice>
-          <mc:Fallback>
+          <mc:Fallback xmlns="">
             <p:sp>
               <p:nvSpPr>
                 <p:cNvPr id="19" name="CuadroTexto 18">
@@ -6436,7 +12532,7 @@
                   <a:avLst/>
                 </a:prstGeom>
                 <a:blipFill>
-                  <a:blip r:embed="rId4"/>
+                  <a:blip r:embed="rId8"/>
                   <a:stretch>
                     <a:fillRect/>
                   </a:stretch>
@@ -6459,10 +12555,10 @@
         </mc:AlternateContent>
         <p:sp>
           <p:nvSpPr>
-            <p:cNvPr id="20" name="CuadroTexto 19">
+            <p:cNvPr id="69" name="CuadroTexto 68">
               <a:extLst>
                 <a:ext uri="{FF2B5EF4-FFF2-40B4-BE49-F238E27FC236}">
-                  <a16:creationId xmlns:a16="http://schemas.microsoft.com/office/drawing/2014/main" id="{AC9E8CF9-15D0-4998-963B-97FDDD427AB5}"/>
+                  <a16:creationId xmlns:a16="http://schemas.microsoft.com/office/drawing/2014/main" id="{F3575DB2-F02E-4AD7-8B7F-C5F938B15580}"/>
                 </a:ext>
               </a:extLst>
             </p:cNvPr>
@@ -6494,10 +12590,10 @@
         </p:sp>
         <p:cxnSp>
           <p:nvCxnSpPr>
-            <p:cNvPr id="23" name="Conector recto de flecha 22">
+            <p:cNvPr id="70" name="Conector recto de flecha 69">
               <a:extLst>
                 <a:ext uri="{FF2B5EF4-FFF2-40B4-BE49-F238E27FC236}">
-                  <a16:creationId xmlns:a16="http://schemas.microsoft.com/office/drawing/2014/main" id="{DB4570E6-C056-4BE0-BE3B-AEA11F7FBF03}"/>
+                  <a16:creationId xmlns:a16="http://schemas.microsoft.com/office/drawing/2014/main" id="{FA7902C9-A51F-4644-B187-0C16E1A315A5}"/>
                 </a:ext>
               </a:extLst>
             </p:cNvPr>
@@ -6536,14 +12632,14 @@
             </a:fontRef>
           </p:style>
         </p:cxnSp>
-        <mc:AlternateContent xmlns:mc="http://schemas.openxmlformats.org/markup-compatibility/2006">
-          <mc:Choice xmlns:a14="http://schemas.microsoft.com/office/drawing/2010/main" Requires="a14">
+        <mc:AlternateContent xmlns:mc="http://schemas.openxmlformats.org/markup-compatibility/2006" xmlns:a14="http://schemas.microsoft.com/office/drawing/2010/main">
+          <mc:Choice Requires="a14">
             <p:sp>
               <p:nvSpPr>
-                <p:cNvPr id="25" name="Rectángulo: esquinas redondeadas 24">
+                <p:cNvPr id="71" name="Rectángulo: esquinas redondeadas 70">
                   <a:extLst>
                     <a:ext uri="{FF2B5EF4-FFF2-40B4-BE49-F238E27FC236}">
-                      <a16:creationId xmlns:a16="http://schemas.microsoft.com/office/drawing/2014/main" id="{FEC29060-E137-46D3-9889-AD4813C67EC7}"/>
+                      <a16:creationId xmlns:a16="http://schemas.microsoft.com/office/drawing/2014/main" id="{537D39A2-29A9-49F2-B7B9-A8FA12C63DB3}"/>
                     </a:ext>
                   </a:extLst>
                 </p:cNvPr>
@@ -6675,7 +12771,7 @@
               </p:txBody>
             </p:sp>
           </mc:Choice>
-          <mc:Fallback>
+          <mc:Fallback xmlns="">
             <p:sp>
               <p:nvSpPr>
                 <p:cNvPr id="25" name="Rectángulo: esquinas redondeadas 24">
@@ -6699,7 +12795,7 @@
                   <a:avLst/>
                 </a:prstGeom>
                 <a:blipFill>
-                  <a:blip r:embed="rId5"/>
+                  <a:blip r:embed="rId9"/>
                   <a:stretch>
                     <a:fillRect/>
                   </a:stretch>
@@ -6725,14 +12821,14 @@
             </p:sp>
           </mc:Fallback>
         </mc:AlternateContent>
-        <mc:AlternateContent xmlns:mc="http://schemas.openxmlformats.org/markup-compatibility/2006">
-          <mc:Choice xmlns:a14="http://schemas.microsoft.com/office/drawing/2010/main" Requires="a14">
+        <mc:AlternateContent xmlns:mc="http://schemas.openxmlformats.org/markup-compatibility/2006" xmlns:a14="http://schemas.microsoft.com/office/drawing/2010/main">
+          <mc:Choice Requires="a14">
             <p:sp>
               <p:nvSpPr>
-                <p:cNvPr id="26" name="Rectángulo: esquinas redondeadas 25">
+                <p:cNvPr id="72" name="Rectángulo: esquinas redondeadas 71">
                   <a:extLst>
                     <a:ext uri="{FF2B5EF4-FFF2-40B4-BE49-F238E27FC236}">
-                      <a16:creationId xmlns:a16="http://schemas.microsoft.com/office/drawing/2014/main" id="{FC52B9AF-DF31-41C4-B9C9-E8BB3B04F879}"/>
+                      <a16:creationId xmlns:a16="http://schemas.microsoft.com/office/drawing/2014/main" id="{EDD69C2E-14D2-4B85-AFAF-AD6BEA587B47}"/>
                     </a:ext>
                   </a:extLst>
                 </p:cNvPr>
@@ -6864,7 +12960,7 @@
               </p:txBody>
             </p:sp>
           </mc:Choice>
-          <mc:Fallback>
+          <mc:Fallback xmlns="">
             <p:sp>
               <p:nvSpPr>
                 <p:cNvPr id="26" name="Rectángulo: esquinas redondeadas 25">
@@ -6888,7 +12984,7 @@
                   <a:avLst/>
                 </a:prstGeom>
                 <a:blipFill>
-                  <a:blip r:embed="rId6"/>
+                  <a:blip r:embed="rId10"/>
                   <a:stretch>
                     <a:fillRect/>
                   </a:stretch>
@@ -6918,10 +13014,10 @@
           <mc:Choice xmlns:a14="http://schemas.microsoft.com/office/drawing/2010/main" Requires="a14">
             <p:sp>
               <p:nvSpPr>
-                <p:cNvPr id="27" name="Rectángulo: esquinas redondeadas 26">
+                <p:cNvPr id="73" name="Rectángulo: esquinas redondeadas 72">
                   <a:extLst>
                     <a:ext uri="{FF2B5EF4-FFF2-40B4-BE49-F238E27FC236}">
-                      <a16:creationId xmlns:a16="http://schemas.microsoft.com/office/drawing/2014/main" id="{9F36A3E5-30C1-42F3-B645-12C75B814880}"/>
+                      <a16:creationId xmlns:a16="http://schemas.microsoft.com/office/drawing/2014/main" id="{C5594CD2-8A81-4949-B5B5-058BF6A05C57}"/>
                     </a:ext>
                   </a:extLst>
                 </p:cNvPr>
@@ -6930,8 +13026,8 @@
               </p:nvSpPr>
               <p:spPr>
                 <a:xfrm>
-                  <a:off x="7402157" y="4760760"/>
-                  <a:ext cx="2718564" cy="776147"/>
+                  <a:off x="7402156" y="4760760"/>
+                  <a:ext cx="2993447" cy="776147"/>
                 </a:xfrm>
                 <a:prstGeom prst="roundRect">
                   <a:avLst/>
@@ -7056,10 +13152,10 @@
           <mc:Fallback>
             <p:sp>
               <p:nvSpPr>
-                <p:cNvPr id="27" name="Rectángulo: esquinas redondeadas 26">
+                <p:cNvPr id="73" name="Rectángulo: esquinas redondeadas 72">
                   <a:extLst>
                     <a:ext uri="{FF2B5EF4-FFF2-40B4-BE49-F238E27FC236}">
-                      <a16:creationId xmlns:a16="http://schemas.microsoft.com/office/drawing/2014/main" id="{9F36A3E5-30C1-42F3-B645-12C75B814880}"/>
+                      <a16:creationId xmlns:a16="http://schemas.microsoft.com/office/drawing/2014/main" id="{C5594CD2-8A81-4949-B5B5-058BF6A05C57}"/>
                     </a:ext>
                   </a:extLst>
                 </p:cNvPr>
@@ -7070,14 +13166,14 @@
               </p:nvSpPr>
               <p:spPr>
                 <a:xfrm>
-                  <a:off x="7402157" y="4760760"/>
-                  <a:ext cx="2718564" cy="776147"/>
+                  <a:off x="7402156" y="4760760"/>
+                  <a:ext cx="2993447" cy="776147"/>
                 </a:xfrm>
                 <a:prstGeom prst="roundRect">
                   <a:avLst/>
                 </a:prstGeom>
                 <a:blipFill>
-                  <a:blip r:embed="rId7"/>
+                  <a:blip r:embed="rId11"/>
                   <a:stretch>
                     <a:fillRect/>
                   </a:stretch>
@@ -7105,10 +13201,10 @@
         </mc:AlternateContent>
         <p:sp>
           <p:nvSpPr>
-            <p:cNvPr id="28" name="CuadroTexto 27">
+            <p:cNvPr id="74" name="CuadroTexto 73">
               <a:extLst>
                 <a:ext uri="{FF2B5EF4-FFF2-40B4-BE49-F238E27FC236}">
-                  <a16:creationId xmlns:a16="http://schemas.microsoft.com/office/drawing/2014/main" id="{E632E0D2-374A-497F-B775-F125F60BA43C}"/>
+                  <a16:creationId xmlns:a16="http://schemas.microsoft.com/office/drawing/2014/main" id="{41B44FFF-5B86-4730-A469-60C33351067D}"/>
                 </a:ext>
               </a:extLst>
             </p:cNvPr>
@@ -7140,16 +13236,16 @@
         </p:sp>
         <p:cxnSp>
           <p:nvCxnSpPr>
-            <p:cNvPr id="30" name="Conector recto 29">
+            <p:cNvPr id="75" name="Conector recto 74">
               <a:extLst>
                 <a:ext uri="{FF2B5EF4-FFF2-40B4-BE49-F238E27FC236}">
-                  <a16:creationId xmlns:a16="http://schemas.microsoft.com/office/drawing/2014/main" id="{B18149D4-BDAA-4CEA-B465-4C078F0817CF}"/>
+                  <a16:creationId xmlns:a16="http://schemas.microsoft.com/office/drawing/2014/main" id="{5AF1656F-B910-4A6C-9B72-47CEE57F9495}"/>
                 </a:ext>
               </a:extLst>
             </p:cNvPr>
             <p:cNvCxnSpPr>
               <a:cxnSpLocks/>
-              <a:stCxn id="26" idx="1"/>
+              <a:stCxn id="72" idx="1"/>
             </p:cNvCxnSpPr>
             <p:nvPr/>
           </p:nvCxnSpPr>
@@ -7184,16 +13280,16 @@
         </p:cxnSp>
         <p:cxnSp>
           <p:nvCxnSpPr>
-            <p:cNvPr id="32" name="Conector recto 31">
+            <p:cNvPr id="76" name="Conector recto 75">
               <a:extLst>
                 <a:ext uri="{FF2B5EF4-FFF2-40B4-BE49-F238E27FC236}">
-                  <a16:creationId xmlns:a16="http://schemas.microsoft.com/office/drawing/2014/main" id="{3EF4123C-7028-430D-A2EE-EA4C8476F46B}"/>
+                  <a16:creationId xmlns:a16="http://schemas.microsoft.com/office/drawing/2014/main" id="{8AFC392B-9E10-42B3-9C1A-C7E1390E8F95}"/>
                 </a:ext>
               </a:extLst>
             </p:cNvPr>
             <p:cNvCxnSpPr>
               <a:cxnSpLocks/>
-              <a:stCxn id="26" idx="1"/>
+              <a:stCxn id="72" idx="1"/>
             </p:cNvCxnSpPr>
             <p:nvPr/>
           </p:nvCxnSpPr>
@@ -7228,10 +13324,10 @@
         </p:cxnSp>
         <p:sp>
           <p:nvSpPr>
-            <p:cNvPr id="43" name="CuadroTexto 42">
+            <p:cNvPr id="77" name="CuadroTexto 76">
               <a:extLst>
                 <a:ext uri="{FF2B5EF4-FFF2-40B4-BE49-F238E27FC236}">
-                  <a16:creationId xmlns:a16="http://schemas.microsoft.com/office/drawing/2014/main" id="{67A195EF-D864-4860-A5A7-5296BDB7CEBE}"/>
+                  <a16:creationId xmlns:a16="http://schemas.microsoft.com/office/drawing/2014/main" id="{2D1F60E7-EA77-4E77-8090-7C4D91172FF9}"/>
                 </a:ext>
               </a:extLst>
             </p:cNvPr>
@@ -7263,10 +13359,10 @@
         </p:sp>
         <p:sp>
           <p:nvSpPr>
-            <p:cNvPr id="38" name="Rectángulo: esquinas redondeadas 37">
+            <p:cNvPr id="78" name="Rectángulo: esquinas redondeadas 77">
               <a:extLst>
                 <a:ext uri="{FF2B5EF4-FFF2-40B4-BE49-F238E27FC236}">
-                  <a16:creationId xmlns:a16="http://schemas.microsoft.com/office/drawing/2014/main" id="{E0E749E9-901B-49DD-9057-8AC264D03341}"/>
+                  <a16:creationId xmlns:a16="http://schemas.microsoft.com/office/drawing/2014/main" id="{69DEA569-D8B1-43E2-A43C-CE8138BDE5F6}"/>
                 </a:ext>
               </a:extLst>
             </p:cNvPr>
@@ -7330,14 +13426,14 @@
             </a:p>
           </p:txBody>
         </p:sp>
-        <mc:AlternateContent xmlns:mc="http://schemas.openxmlformats.org/markup-compatibility/2006">
-          <mc:Choice xmlns:a14="http://schemas.microsoft.com/office/drawing/2010/main" Requires="a14">
+        <mc:AlternateContent xmlns:mc="http://schemas.openxmlformats.org/markup-compatibility/2006" xmlns:a14="http://schemas.microsoft.com/office/drawing/2010/main">
+          <mc:Choice Requires="a14">
             <p:sp>
               <p:nvSpPr>
-                <p:cNvPr id="40" name="Rectángulo: esquinas redondeadas 39">
+                <p:cNvPr id="79" name="Rectángulo: esquinas redondeadas 78">
                   <a:extLst>
                     <a:ext uri="{FF2B5EF4-FFF2-40B4-BE49-F238E27FC236}">
-                      <a16:creationId xmlns:a16="http://schemas.microsoft.com/office/drawing/2014/main" id="{054B252B-1BCC-400D-B6A2-BBEB84EBC503}"/>
+                      <a16:creationId xmlns:a16="http://schemas.microsoft.com/office/drawing/2014/main" id="{C1722577-05AD-4CD4-822C-A3FF29F95F01}"/>
                     </a:ext>
                   </a:extLst>
                 </p:cNvPr>
@@ -7590,7 +13686,7 @@
               </p:txBody>
             </p:sp>
           </mc:Choice>
-          <mc:Fallback>
+          <mc:Fallback xmlns="">
             <p:sp>
               <p:nvSpPr>
                 <p:cNvPr id="40" name="Rectángulo: esquinas redondeadas 39">
@@ -7614,7 +13710,7 @@
                   <a:avLst/>
                 </a:prstGeom>
                 <a:blipFill>
-                  <a:blip r:embed="rId8"/>
+                  <a:blip r:embed="rId12"/>
                   <a:stretch>
                     <a:fillRect/>
                   </a:stretch>
@@ -7642,10 +13738,10 @@
         </mc:AlternateContent>
         <p:cxnSp>
           <p:nvCxnSpPr>
-            <p:cNvPr id="41" name="Conector recto de flecha 40">
+            <p:cNvPr id="80" name="Conector recto de flecha 79">
               <a:extLst>
                 <a:ext uri="{FF2B5EF4-FFF2-40B4-BE49-F238E27FC236}">
-                  <a16:creationId xmlns:a16="http://schemas.microsoft.com/office/drawing/2014/main" id="{A089632C-E4B7-46DD-8FAD-CC323470D066}"/>
+                  <a16:creationId xmlns:a16="http://schemas.microsoft.com/office/drawing/2014/main" id="{CE17DEFC-1C55-4E44-8D73-9542D297FCD3}"/>
                 </a:ext>
               </a:extLst>
             </p:cNvPr>
@@ -7688,17 +13784,154 @@
     </p:spTree>
     <p:extLst>
       <p:ext uri="{BB962C8B-B14F-4D97-AF65-F5344CB8AC3E}">
-        <p14:creationId xmlns:p14="http://schemas.microsoft.com/office/powerpoint/2010/main" val="3442638553"/>
+        <p14:creationId xmlns:p14="http://schemas.microsoft.com/office/powerpoint/2010/main" val="3682734642"/>
       </p:ext>
     </p:extLst>
   </p:cSld>
   <p:clrMapOvr>
     <a:masterClrMapping/>
   </p:clrMapOvr>
+  <p:timing>
+    <p:tnLst>
+      <p:par>
+        <p:cTn id="1" dur="indefinite" restart="never" nodeType="tmRoot">
+          <p:childTnLst>
+            <p:seq concurrent="1" nextAc="seek">
+              <p:cTn id="2" dur="indefinite" nodeType="mainSeq">
+                <p:childTnLst>
+                  <p:par>
+                    <p:cTn id="3" fill="hold">
+                      <p:stCondLst>
+                        <p:cond delay="indefinite"/>
+                        <p:cond evt="onBegin" delay="0">
+                          <p:tn val="2"/>
+                        </p:cond>
+                      </p:stCondLst>
+                      <p:childTnLst>
+                        <p:par>
+                          <p:cTn id="4" fill="hold">
+                            <p:stCondLst>
+                              <p:cond delay="0"/>
+                            </p:stCondLst>
+                            <p:childTnLst>
+                              <p:par>
+                                <p:cTn id="5" presetID="1" presetClass="entr" presetSubtype="0" fill="hold" grpId="0" nodeType="withEffect">
+                                  <p:stCondLst>
+                                    <p:cond delay="0"/>
+                                  </p:stCondLst>
+                                  <p:childTnLst>
+                                    <p:set>
+                                      <p:cBhvr>
+                                        <p:cTn id="6" dur="1" fill="hold">
+                                          <p:stCondLst>
+                                            <p:cond delay="0"/>
+                                          </p:stCondLst>
+                                        </p:cTn>
+                                        <p:tgtEl>
+                                          <p:spTgt spid="57"/>
+                                        </p:tgtEl>
+                                        <p:attrNameLst>
+                                          <p:attrName>style.visibility</p:attrName>
+                                        </p:attrNameLst>
+                                      </p:cBhvr>
+                                      <p:to>
+                                        <p:strVal val="visible"/>
+                                      </p:to>
+                                    </p:set>
+                                  </p:childTnLst>
+                                </p:cTn>
+                              </p:par>
+                              <p:par>
+                                <p:cTn id="7" presetID="1" presetClass="entr" presetSubtype="0" fill="hold" grpId="0" nodeType="withEffect">
+                                  <p:stCondLst>
+                                    <p:cond delay="0"/>
+                                  </p:stCondLst>
+                                  <p:childTnLst>
+                                    <p:set>
+                                      <p:cBhvr>
+                                        <p:cTn id="8" dur="1" fill="hold">
+                                          <p:stCondLst>
+                                            <p:cond delay="0"/>
+                                          </p:stCondLst>
+                                        </p:cTn>
+                                        <p:tgtEl>
+                                          <p:spTgt spid="58"/>
+                                        </p:tgtEl>
+                                        <p:attrNameLst>
+                                          <p:attrName>style.visibility</p:attrName>
+                                        </p:attrNameLst>
+                                      </p:cBhvr>
+                                      <p:to>
+                                        <p:strVal val="visible"/>
+                                      </p:to>
+                                    </p:set>
+                                  </p:childTnLst>
+                                </p:cTn>
+                              </p:par>
+                              <p:par>
+                                <p:cTn id="9" presetID="1" presetClass="entr" presetSubtype="0" fill="hold" grpId="0" nodeType="withEffect">
+                                  <p:stCondLst>
+                                    <p:cond delay="0"/>
+                                  </p:stCondLst>
+                                  <p:childTnLst>
+                                    <p:set>
+                                      <p:cBhvr>
+                                        <p:cTn id="10" dur="1" fill="hold">
+                                          <p:stCondLst>
+                                            <p:cond delay="0"/>
+                                          </p:stCondLst>
+                                        </p:cTn>
+                                        <p:tgtEl>
+                                          <p:spTgt spid="59"/>
+                                        </p:tgtEl>
+                                        <p:attrNameLst>
+                                          <p:attrName>style.visibility</p:attrName>
+                                        </p:attrNameLst>
+                                      </p:cBhvr>
+                                      <p:to>
+                                        <p:strVal val="visible"/>
+                                      </p:to>
+                                    </p:set>
+                                  </p:childTnLst>
+                                </p:cTn>
+                              </p:par>
+                            </p:childTnLst>
+                          </p:cTn>
+                        </p:par>
+                      </p:childTnLst>
+                    </p:cTn>
+                  </p:par>
+                </p:childTnLst>
+              </p:cTn>
+              <p:prevCondLst>
+                <p:cond evt="onPrev" delay="0">
+                  <p:tgtEl>
+                    <p:sldTgt/>
+                  </p:tgtEl>
+                </p:cond>
+              </p:prevCondLst>
+              <p:nextCondLst>
+                <p:cond evt="onNext" delay="0">
+                  <p:tgtEl>
+                    <p:sldTgt/>
+                  </p:tgtEl>
+                </p:cond>
+              </p:nextCondLst>
+            </p:seq>
+          </p:childTnLst>
+        </p:cTn>
+      </p:par>
+    </p:tnLst>
+    <p:bldLst>
+      <p:bldP spid="57" grpId="0"/>
+      <p:bldP spid="58" grpId="0"/>
+      <p:bldP spid="59" grpId="0"/>
+    </p:bldLst>
+  </p:timing>
 </p:sld>
 </file>
 
-<file path=ppt/slides/slide3.xml><?xml version="1.0" encoding="utf-8"?>
+<file path=ppt/slides/slide7.xml><?xml version="1.0" encoding="utf-8"?>
 <p:sld xmlns:a="http://schemas.openxmlformats.org/drawingml/2006/main" xmlns:r="http://schemas.openxmlformats.org/officeDocument/2006/relationships" xmlns:p="http://schemas.openxmlformats.org/presentationml/2006/main">
   <p:cSld>
     <p:spTree>
@@ -7715,12 +13948,357 @@
           <a:chExt cx="0" cy="0"/>
         </a:xfrm>
       </p:grpSpPr>
+      <p:sp>
+        <p:nvSpPr>
+          <p:cNvPr id="2" name="Google Shape;106;p3">
+            <a:extLst>
+              <a:ext uri="{FF2B5EF4-FFF2-40B4-BE49-F238E27FC236}">
+                <a16:creationId xmlns:a16="http://schemas.microsoft.com/office/drawing/2014/main" id="{BFD6DA23-A749-41B1-98EE-ADF1E03E59FB}"/>
+              </a:ext>
+            </a:extLst>
+          </p:cNvPr>
+          <p:cNvSpPr/>
+          <p:nvPr/>
+        </p:nvSpPr>
+        <p:spPr>
+          <a:xfrm>
+            <a:off x="782231" y="306184"/>
+            <a:ext cx="8590369" cy="1217419"/>
+          </a:xfrm>
+          <a:prstGeom prst="roundRect">
+            <a:avLst>
+              <a:gd name="adj" fmla="val 16667"/>
+            </a:avLst>
+          </a:prstGeom>
+          <a:solidFill>
+            <a:schemeClr val="accent5">
+              <a:lumMod val="40000"/>
+              <a:lumOff val="60000"/>
+            </a:schemeClr>
+          </a:solidFill>
+          <a:ln w="12700" cap="flat" cmpd="sng">
+            <a:solidFill>
+              <a:schemeClr val="accent1"/>
+            </a:solidFill>
+            <a:prstDash val="solid"/>
+            <a:miter lim="800000"/>
+            <a:headEnd type="none" w="sm" len="sm"/>
+            <a:tailEnd type="none" w="sm" len="sm"/>
+          </a:ln>
+        </p:spPr>
+        <p:txBody>
+          <a:bodyPr spcFirstLastPara="1" wrap="square" lIns="91425" tIns="45700" rIns="91425" bIns="45700" anchor="ctr" anchorCtr="0">
+            <a:noAutofit/>
+          </a:bodyPr>
+          <a:lstStyle/>
+          <a:p>
+            <a:pPr marL="0" marR="0" lvl="0" indent="0" algn="ctr" rtl="0">
+              <a:spcBef>
+                <a:spcPts val="0"/>
+              </a:spcBef>
+              <a:spcAft>
+                <a:spcPts val="0"/>
+              </a:spcAft>
+              <a:buNone/>
+            </a:pPr>
+            <a:endParaRPr sz="1800">
+              <a:solidFill>
+                <a:schemeClr val="lt1"/>
+              </a:solidFill>
+              <a:latin typeface="Calibri"/>
+              <a:ea typeface="Calibri"/>
+              <a:cs typeface="Calibri"/>
+              <a:sym typeface="Calibri"/>
+            </a:endParaRPr>
+          </a:p>
+        </p:txBody>
+      </p:sp>
+      <p:sp>
+        <p:nvSpPr>
+          <p:cNvPr id="3" name="Google Shape;107;p3">
+            <a:extLst>
+              <a:ext uri="{FF2B5EF4-FFF2-40B4-BE49-F238E27FC236}">
+                <a16:creationId xmlns:a16="http://schemas.microsoft.com/office/drawing/2014/main" id="{BA1BC713-4036-4FD5-9EE6-C435AC6FFBA5}"/>
+              </a:ext>
+            </a:extLst>
+          </p:cNvPr>
+          <p:cNvSpPr/>
+          <p:nvPr/>
+        </p:nvSpPr>
+        <p:spPr>
+          <a:xfrm>
+            <a:off x="-314325" y="-19050"/>
+            <a:ext cx="4076709" cy="1076325"/>
+          </a:xfrm>
+          <a:prstGeom prst="roundRect">
+            <a:avLst>
+              <a:gd name="adj" fmla="val 16667"/>
+            </a:avLst>
+          </a:prstGeom>
+          <a:solidFill>
+            <a:schemeClr val="accent5"/>
+          </a:solidFill>
+          <a:ln w="12700" cap="flat" cmpd="sng">
+            <a:solidFill>
+              <a:schemeClr val="accent1"/>
+            </a:solidFill>
+            <a:prstDash val="solid"/>
+            <a:miter lim="800000"/>
+            <a:headEnd type="none" w="sm" len="sm"/>
+            <a:tailEnd type="none" w="sm" len="sm"/>
+          </a:ln>
+        </p:spPr>
+        <p:txBody>
+          <a:bodyPr spcFirstLastPara="1" wrap="square" lIns="91425" tIns="45700" rIns="91425" bIns="45700" anchor="ctr" anchorCtr="0">
+            <a:noAutofit/>
+          </a:bodyPr>
+          <a:lstStyle/>
+          <a:p>
+            <a:pPr marL="0" marR="0" lvl="0" indent="0" algn="ctr" rtl="0">
+              <a:spcBef>
+                <a:spcPts val="0"/>
+              </a:spcBef>
+              <a:spcAft>
+                <a:spcPts val="0"/>
+              </a:spcAft>
+              <a:buNone/>
+            </a:pPr>
+            <a:endParaRPr sz="1800">
+              <a:solidFill>
+                <a:schemeClr val="lt1"/>
+              </a:solidFill>
+              <a:latin typeface="Calibri"/>
+              <a:ea typeface="Calibri"/>
+              <a:cs typeface="Calibri"/>
+              <a:sym typeface="Calibri"/>
+            </a:endParaRPr>
+          </a:p>
+        </p:txBody>
+      </p:sp>
+      <p:sp>
+        <p:nvSpPr>
+          <p:cNvPr id="4" name="Google Shape;108;p3">
+            <a:extLst>
+              <a:ext uri="{FF2B5EF4-FFF2-40B4-BE49-F238E27FC236}">
+                <a16:creationId xmlns:a16="http://schemas.microsoft.com/office/drawing/2014/main" id="{F8828D22-BA15-412F-BB97-F405FDAD11C5}"/>
+              </a:ext>
+            </a:extLst>
+          </p:cNvPr>
+          <p:cNvSpPr/>
+          <p:nvPr/>
+        </p:nvSpPr>
+        <p:spPr>
+          <a:xfrm>
+            <a:off x="-84240" y="106501"/>
+            <a:ext cx="3610068" cy="707846"/>
+          </a:xfrm>
+          <a:prstGeom prst="rect">
+            <a:avLst/>
+          </a:prstGeom>
+          <a:noFill/>
+          <a:ln>
+            <a:noFill/>
+          </a:ln>
+        </p:spPr>
+        <p:txBody>
+          <a:bodyPr spcFirstLastPara="1" wrap="square" lIns="91425" tIns="45700" rIns="91425" bIns="45700" anchor="t" anchorCtr="0">
+            <a:spAutoFit/>
+          </a:bodyPr>
+          <a:lstStyle/>
+          <a:p>
+            <a:pPr marL="0" marR="0" lvl="0" indent="0" algn="ctr" rtl="0">
+              <a:spcBef>
+                <a:spcPts val="0"/>
+              </a:spcBef>
+              <a:spcAft>
+                <a:spcPts val="0"/>
+              </a:spcAft>
+              <a:buNone/>
+            </a:pPr>
+            <a:r>
+              <a:rPr lang="es-CO" sz="4000" dirty="0">
+                <a:solidFill>
+                  <a:schemeClr val="bg1"/>
+                </a:solidFill>
+                <a:latin typeface="Calibri"/>
+                <a:cs typeface="Calibri"/>
+                <a:sym typeface="Calibri"/>
+              </a:rPr>
+              <a:t>Metodología</a:t>
+            </a:r>
+            <a:endParaRPr dirty="0">
+              <a:solidFill>
+                <a:schemeClr val="bg1"/>
+              </a:solidFill>
+            </a:endParaRPr>
+          </a:p>
+        </p:txBody>
+      </p:sp>
+      <p:pic>
+        <p:nvPicPr>
+          <p:cNvPr id="5" name="Google Shape;109;p3" descr="Imagen que contiene Patrón de fondo&#10;&#10;Descripción generada automáticamente">
+            <a:extLst>
+              <a:ext uri="{FF2B5EF4-FFF2-40B4-BE49-F238E27FC236}">
+                <a16:creationId xmlns:a16="http://schemas.microsoft.com/office/drawing/2014/main" id="{A931CBAE-1CFF-4ACD-86A9-41E3F100158F}"/>
+              </a:ext>
+            </a:extLst>
+          </p:cNvPr>
+          <p:cNvPicPr preferRelativeResize="0"/>
+          <p:nvPr/>
+        </p:nvPicPr>
+        <p:blipFill rotWithShape="1">
+          <a:blip r:embed="rId2">
+            <a:alphaModFix/>
+          </a:blip>
+          <a:srcRect/>
+          <a:stretch/>
+        </p:blipFill>
+        <p:spPr>
+          <a:xfrm>
+            <a:off x="10448963" y="0"/>
+            <a:ext cx="1295320" cy="1602459"/>
+          </a:xfrm>
+          <a:prstGeom prst="rect">
+            <a:avLst/>
+          </a:prstGeom>
+          <a:noFill/>
+          <a:ln>
+            <a:noFill/>
+          </a:ln>
+        </p:spPr>
+      </p:pic>
+      <p:sp>
+        <p:nvSpPr>
+          <p:cNvPr id="6" name="Google Shape;110;p3">
+            <a:extLst>
+              <a:ext uri="{FF2B5EF4-FFF2-40B4-BE49-F238E27FC236}">
+                <a16:creationId xmlns:a16="http://schemas.microsoft.com/office/drawing/2014/main" id="{28664757-6615-4321-8E45-DD819ABF61A2}"/>
+              </a:ext>
+            </a:extLst>
+          </p:cNvPr>
+          <p:cNvSpPr/>
+          <p:nvPr/>
+        </p:nvSpPr>
+        <p:spPr>
+          <a:xfrm>
+            <a:off x="8401050" y="6534150"/>
+            <a:ext cx="3914774" cy="323850"/>
+          </a:xfrm>
+          <a:prstGeom prst="roundRect">
+            <a:avLst>
+              <a:gd name="adj" fmla="val 16667"/>
+            </a:avLst>
+          </a:prstGeom>
+          <a:solidFill>
+            <a:schemeClr val="accent5"/>
+          </a:solidFill>
+          <a:ln w="12700" cap="flat" cmpd="sng">
+            <a:solidFill>
+              <a:schemeClr val="accent1"/>
+            </a:solidFill>
+            <a:prstDash val="solid"/>
+            <a:miter lim="800000"/>
+            <a:headEnd type="none" w="sm" len="sm"/>
+            <a:tailEnd type="none" w="sm" len="sm"/>
+          </a:ln>
+        </p:spPr>
+        <p:txBody>
+          <a:bodyPr spcFirstLastPara="1" wrap="square" lIns="91425" tIns="45700" rIns="91425" bIns="45700" anchor="ctr" anchorCtr="0">
+            <a:noAutofit/>
+          </a:bodyPr>
+          <a:lstStyle/>
+          <a:p>
+            <a:pPr marL="0" marR="0" lvl="0" indent="0" algn="l" rtl="0">
+              <a:spcBef>
+                <a:spcPts val="0"/>
+              </a:spcBef>
+              <a:spcAft>
+                <a:spcPts val="0"/>
+              </a:spcAft>
+              <a:buNone/>
+            </a:pPr>
+            <a:r>
+              <a:rPr lang="es-CO" sz="1400" dirty="0">
+                <a:solidFill>
+                  <a:schemeClr val="bg1">
+                    <a:lumMod val="95000"/>
+                  </a:schemeClr>
+                </a:solidFill>
+                <a:latin typeface="Calibri"/>
+                <a:ea typeface="Calibri"/>
+                <a:cs typeface="Calibri"/>
+                <a:sym typeface="Calibri"/>
+              </a:rPr>
+              <a:t>Daniel Estrada | Modelo de Ising 2D  	         .7/12</a:t>
+            </a:r>
+            <a:endParaRPr dirty="0">
+              <a:solidFill>
+                <a:schemeClr val="bg1">
+                  <a:lumMod val="95000"/>
+                </a:schemeClr>
+              </a:solidFill>
+            </a:endParaRPr>
+          </a:p>
+        </p:txBody>
+      </p:sp>
+      <p:sp>
+        <p:nvSpPr>
+          <p:cNvPr id="17" name="Google Shape;121;p3">
+            <a:extLst>
+              <a:ext uri="{FF2B5EF4-FFF2-40B4-BE49-F238E27FC236}">
+                <a16:creationId xmlns:a16="http://schemas.microsoft.com/office/drawing/2014/main" id="{50E5C467-776E-4E94-AFA0-7309B6FD6C3B}"/>
+              </a:ext>
+            </a:extLst>
+          </p:cNvPr>
+          <p:cNvSpPr/>
+          <p:nvPr/>
+        </p:nvSpPr>
+        <p:spPr>
+          <a:xfrm>
+            <a:off x="3447689" y="452140"/>
+            <a:ext cx="6191612" cy="1077178"/>
+          </a:xfrm>
+          <a:prstGeom prst="rect">
+            <a:avLst/>
+          </a:prstGeom>
+          <a:noFill/>
+          <a:ln>
+            <a:noFill/>
+          </a:ln>
+        </p:spPr>
+        <p:txBody>
+          <a:bodyPr spcFirstLastPara="1" wrap="square" lIns="91425" tIns="45700" rIns="91425" bIns="45700" anchor="t" anchorCtr="0">
+            <a:spAutoFit/>
+          </a:bodyPr>
+          <a:lstStyle/>
+          <a:p>
+            <a:pPr marL="0" marR="0" lvl="0" indent="0" algn="ctr" rtl="0">
+              <a:spcBef>
+                <a:spcPts val="0"/>
+              </a:spcBef>
+              <a:spcAft>
+                <a:spcPts val="0"/>
+              </a:spcAft>
+              <a:buNone/>
+            </a:pPr>
+            <a:r>
+              <a:rPr lang="es-CO" sz="3200" dirty="0">
+                <a:latin typeface="Calibri"/>
+                <a:cs typeface="Calibri"/>
+                <a:sym typeface="Calibri"/>
+              </a:rPr>
+              <a:t>Paralelización de las medidas de magnetización</a:t>
+            </a:r>
+            <a:endParaRPr dirty="0"/>
+          </a:p>
+        </p:txBody>
+      </p:sp>
       <p:grpSp>
         <p:nvGrpSpPr>
-          <p:cNvPr id="2" name="Grupo 1">
+          <p:cNvPr id="32" name="Grupo 31">
             <a:extLst>
               <a:ext uri="{FF2B5EF4-FFF2-40B4-BE49-F238E27FC236}">
-                <a16:creationId xmlns:a16="http://schemas.microsoft.com/office/drawing/2014/main" id="{B590CCE6-142A-43AD-B3A6-526E7C4711C5}"/>
+                <a16:creationId xmlns:a16="http://schemas.microsoft.com/office/drawing/2014/main" id="{DF8DD700-20F9-47D9-9C7C-8F15CE6C4B0A}"/>
               </a:ext>
             </a:extLst>
           </p:cNvPr>
@@ -7729,20 +14307,20 @@
         </p:nvGrpSpPr>
         <p:grpSpPr>
           <a:xfrm>
-            <a:off x="951771" y="888028"/>
+            <a:off x="3609737" y="1840807"/>
             <a:ext cx="4972525" cy="4565053"/>
             <a:chOff x="951771" y="888028"/>
             <a:chExt cx="4972525" cy="4565053"/>
           </a:xfrm>
         </p:grpSpPr>
-        <mc:AlternateContent xmlns:mc="http://schemas.openxmlformats.org/markup-compatibility/2006">
-          <mc:Choice xmlns:a14="http://schemas.microsoft.com/office/drawing/2010/main" Requires="a14">
+        <mc:AlternateContent xmlns:mc="http://schemas.openxmlformats.org/markup-compatibility/2006" xmlns:a14="http://schemas.microsoft.com/office/drawing/2010/main">
+          <mc:Choice Requires="a14">
             <p:sp>
               <p:nvSpPr>
-                <p:cNvPr id="25" name="Rectángulo: esquinas redondeadas 24">
+                <p:cNvPr id="33" name="Rectángulo: esquinas redondeadas 32">
                   <a:extLst>
                     <a:ext uri="{FF2B5EF4-FFF2-40B4-BE49-F238E27FC236}">
-                      <a16:creationId xmlns:a16="http://schemas.microsoft.com/office/drawing/2014/main" id="{FEC29060-E137-46D3-9889-AD4813C67EC7}"/>
+                      <a16:creationId xmlns:a16="http://schemas.microsoft.com/office/drawing/2014/main" id="{FE94B253-EE0A-4A4D-BBA4-CC6A731379EE}"/>
                     </a:ext>
                   </a:extLst>
                 </p:cNvPr>
@@ -7874,7 +14452,7 @@
               </p:txBody>
             </p:sp>
           </mc:Choice>
-          <mc:Fallback>
+          <mc:Fallback xmlns="">
             <p:sp>
               <p:nvSpPr>
                 <p:cNvPr id="25" name="Rectángulo: esquinas redondeadas 24">
@@ -7898,7 +14476,7 @@
                   <a:avLst/>
                 </a:prstGeom>
                 <a:blipFill>
-                  <a:blip r:embed="rId2"/>
+                  <a:blip r:embed="rId3"/>
                   <a:stretch>
                     <a:fillRect/>
                   </a:stretch>
@@ -7924,14 +14502,14 @@
             </p:sp>
           </mc:Fallback>
         </mc:AlternateContent>
-        <mc:AlternateContent xmlns:mc="http://schemas.openxmlformats.org/markup-compatibility/2006">
-          <mc:Choice xmlns:a14="http://schemas.microsoft.com/office/drawing/2010/main" Requires="a14">
+        <mc:AlternateContent xmlns:mc="http://schemas.openxmlformats.org/markup-compatibility/2006" xmlns:a14="http://schemas.microsoft.com/office/drawing/2010/main">
+          <mc:Choice Requires="a14">
             <p:sp>
               <p:nvSpPr>
-                <p:cNvPr id="26" name="Rectángulo: esquinas redondeadas 25">
+                <p:cNvPr id="34" name="Rectángulo: esquinas redondeadas 33">
                   <a:extLst>
                     <a:ext uri="{FF2B5EF4-FFF2-40B4-BE49-F238E27FC236}">
-                      <a16:creationId xmlns:a16="http://schemas.microsoft.com/office/drawing/2014/main" id="{FC52B9AF-DF31-41C4-B9C9-E8BB3B04F879}"/>
+                      <a16:creationId xmlns:a16="http://schemas.microsoft.com/office/drawing/2014/main" id="{268C6D50-4243-41B4-A2D8-FB2EDF66A7A2}"/>
                     </a:ext>
                   </a:extLst>
                 </p:cNvPr>
@@ -8063,7 +14641,7 @@
               </p:txBody>
             </p:sp>
           </mc:Choice>
-          <mc:Fallback>
+          <mc:Fallback xmlns="">
             <p:sp>
               <p:nvSpPr>
                 <p:cNvPr id="26" name="Rectángulo: esquinas redondeadas 25">
@@ -8087,7 +14665,7 @@
                   <a:avLst/>
                 </a:prstGeom>
                 <a:blipFill>
-                  <a:blip r:embed="rId3"/>
+                  <a:blip r:embed="rId4"/>
                   <a:stretch>
                     <a:fillRect/>
                   </a:stretch>
@@ -8117,10 +14695,10 @@
           <mc:Choice xmlns:a14="http://schemas.microsoft.com/office/drawing/2010/main" Requires="a14">
             <p:sp>
               <p:nvSpPr>
-                <p:cNvPr id="27" name="Rectángulo: esquinas redondeadas 26">
+                <p:cNvPr id="35" name="Rectángulo: esquinas redondeadas 34">
                   <a:extLst>
                     <a:ext uri="{FF2B5EF4-FFF2-40B4-BE49-F238E27FC236}">
-                      <a16:creationId xmlns:a16="http://schemas.microsoft.com/office/drawing/2014/main" id="{9F36A3E5-30C1-42F3-B645-12C75B814880}"/>
+                      <a16:creationId xmlns:a16="http://schemas.microsoft.com/office/drawing/2014/main" id="{A37BAD4F-BE31-46E3-964D-C7039307F850}"/>
                     </a:ext>
                   </a:extLst>
                 </p:cNvPr>
@@ -8255,10 +14833,10 @@
           <mc:Fallback>
             <p:sp>
               <p:nvSpPr>
-                <p:cNvPr id="27" name="Rectángulo: esquinas redondeadas 26">
+                <p:cNvPr id="35" name="Rectángulo: esquinas redondeadas 34">
                   <a:extLst>
                     <a:ext uri="{FF2B5EF4-FFF2-40B4-BE49-F238E27FC236}">
-                      <a16:creationId xmlns:a16="http://schemas.microsoft.com/office/drawing/2014/main" id="{9F36A3E5-30C1-42F3-B645-12C75B814880}"/>
+                      <a16:creationId xmlns:a16="http://schemas.microsoft.com/office/drawing/2014/main" id="{A37BAD4F-BE31-46E3-964D-C7039307F850}"/>
                     </a:ext>
                   </a:extLst>
                 </p:cNvPr>
@@ -8276,7 +14854,7 @@
                   <a:avLst/>
                 </a:prstGeom>
                 <a:blipFill>
-                  <a:blip r:embed="rId4"/>
+                  <a:blip r:embed="rId5"/>
                   <a:stretch>
                     <a:fillRect/>
                   </a:stretch>
@@ -8304,10 +14882,10 @@
         </mc:AlternateContent>
         <p:sp>
           <p:nvSpPr>
-            <p:cNvPr id="28" name="CuadroTexto 27">
+            <p:cNvPr id="36" name="CuadroTexto 35">
               <a:extLst>
                 <a:ext uri="{FF2B5EF4-FFF2-40B4-BE49-F238E27FC236}">
-                  <a16:creationId xmlns:a16="http://schemas.microsoft.com/office/drawing/2014/main" id="{E632E0D2-374A-497F-B775-F125F60BA43C}"/>
+                  <a16:creationId xmlns:a16="http://schemas.microsoft.com/office/drawing/2014/main" id="{CF4B55FD-5B55-4475-BF84-57FDDEA55462}"/>
                 </a:ext>
               </a:extLst>
             </p:cNvPr>
@@ -8339,10 +14917,10 @@
         </p:sp>
         <p:sp>
           <p:nvSpPr>
-            <p:cNvPr id="43" name="CuadroTexto 42">
+            <p:cNvPr id="37" name="CuadroTexto 36">
               <a:extLst>
                 <a:ext uri="{FF2B5EF4-FFF2-40B4-BE49-F238E27FC236}">
-                  <a16:creationId xmlns:a16="http://schemas.microsoft.com/office/drawing/2014/main" id="{67A195EF-D864-4860-A5A7-5296BDB7CEBE}"/>
+                  <a16:creationId xmlns:a16="http://schemas.microsoft.com/office/drawing/2014/main" id="{184177CF-76D3-46E3-BA8F-A4A39D0047E8}"/>
                 </a:ext>
               </a:extLst>
             </p:cNvPr>
@@ -8372,14 +14950,14 @@
             </a:p>
           </p:txBody>
         </p:sp>
-        <mc:AlternateContent xmlns:mc="http://schemas.openxmlformats.org/markup-compatibility/2006">
-          <mc:Choice xmlns:a14="http://schemas.microsoft.com/office/drawing/2010/main" Requires="a14">
+        <mc:AlternateContent xmlns:mc="http://schemas.openxmlformats.org/markup-compatibility/2006" xmlns:a14="http://schemas.microsoft.com/office/drawing/2010/main">
+          <mc:Choice Requires="a14">
             <p:sp>
               <p:nvSpPr>
-                <p:cNvPr id="22" name="Rectángulo: esquinas redondeadas 21">
+                <p:cNvPr id="38" name="Rectángulo: esquinas redondeadas 37">
                   <a:extLst>
                     <a:ext uri="{FF2B5EF4-FFF2-40B4-BE49-F238E27FC236}">
-                      <a16:creationId xmlns:a16="http://schemas.microsoft.com/office/drawing/2014/main" id="{10482BDD-11A7-450D-A6A3-0FCD4CC0B307}"/>
+                      <a16:creationId xmlns:a16="http://schemas.microsoft.com/office/drawing/2014/main" id="{A981C404-B65F-47DF-AC5D-879342AA475B}"/>
                     </a:ext>
                   </a:extLst>
                 </p:cNvPr>
@@ -8644,7 +15222,7 @@
               </p:txBody>
             </p:sp>
           </mc:Choice>
-          <mc:Fallback>
+          <mc:Fallback xmlns="">
             <p:sp>
               <p:nvSpPr>
                 <p:cNvPr id="22" name="Rectángulo: esquinas redondeadas 21">
@@ -8668,7 +15246,7 @@
                   <a:avLst/>
                 </a:prstGeom>
                 <a:blipFill>
-                  <a:blip r:embed="rId5"/>
+                  <a:blip r:embed="rId6"/>
                   <a:stretch>
                     <a:fillRect/>
                   </a:stretch>
@@ -8696,10 +15274,10 @@
         </mc:AlternateContent>
         <p:cxnSp>
           <p:nvCxnSpPr>
-            <p:cNvPr id="24" name="Conector recto de flecha 23">
+            <p:cNvPr id="39" name="Conector recto de flecha 38">
               <a:extLst>
                 <a:ext uri="{FF2B5EF4-FFF2-40B4-BE49-F238E27FC236}">
-                  <a16:creationId xmlns:a16="http://schemas.microsoft.com/office/drawing/2014/main" id="{BF5EB277-17A5-49F7-82A6-A79E1F3533D8}"/>
+                  <a16:creationId xmlns:a16="http://schemas.microsoft.com/office/drawing/2014/main" id="{2850D385-F1AD-4069-91B5-7FA7676BF4C5}"/>
                 </a:ext>
               </a:extLst>
             </p:cNvPr>
@@ -8740,10 +15318,10 @@
         </p:cxnSp>
         <p:cxnSp>
           <p:nvCxnSpPr>
-            <p:cNvPr id="29" name="Conector recto de flecha 28">
+            <p:cNvPr id="40" name="Conector recto de flecha 39">
               <a:extLst>
                 <a:ext uri="{FF2B5EF4-FFF2-40B4-BE49-F238E27FC236}">
-                  <a16:creationId xmlns:a16="http://schemas.microsoft.com/office/drawing/2014/main" id="{CF5CD3D5-F1ED-4A9F-956A-2AF1B89DBDD0}"/>
+                  <a16:creationId xmlns:a16="http://schemas.microsoft.com/office/drawing/2014/main" id="{1CBF6DCB-3184-4C49-89DB-3EEBFE899262}"/>
                 </a:ext>
               </a:extLst>
             </p:cNvPr>
@@ -8784,10 +15362,10 @@
         </p:cxnSp>
         <p:cxnSp>
           <p:nvCxnSpPr>
-            <p:cNvPr id="31" name="Conector recto de flecha 30">
+            <p:cNvPr id="41" name="Conector recto de flecha 40">
               <a:extLst>
                 <a:ext uri="{FF2B5EF4-FFF2-40B4-BE49-F238E27FC236}">
-                  <a16:creationId xmlns:a16="http://schemas.microsoft.com/office/drawing/2014/main" id="{A31EB4D6-ECF3-41CF-A17E-86FC68D78F28}"/>
+                  <a16:creationId xmlns:a16="http://schemas.microsoft.com/office/drawing/2014/main" id="{617231F2-BB4F-4261-B81C-981A4E6DF2D4}"/>
                 </a:ext>
               </a:extLst>
             </p:cNvPr>
@@ -8828,10 +15406,10 @@
         </p:cxnSp>
         <p:cxnSp>
           <p:nvCxnSpPr>
-            <p:cNvPr id="7" name="Conector recto 6">
+            <p:cNvPr id="42" name="Conector recto 41">
               <a:extLst>
                 <a:ext uri="{FF2B5EF4-FFF2-40B4-BE49-F238E27FC236}">
-                  <a16:creationId xmlns:a16="http://schemas.microsoft.com/office/drawing/2014/main" id="{F26FCF4C-959D-4195-8C6E-B1CA01E49C2F}"/>
+                  <a16:creationId xmlns:a16="http://schemas.microsoft.com/office/drawing/2014/main" id="{A224FD7E-0EB4-42F6-A0C7-939185515D78}"/>
                 </a:ext>
               </a:extLst>
             </p:cNvPr>
@@ -8871,16 +15449,16 @@
         </p:cxnSp>
         <p:cxnSp>
           <p:nvCxnSpPr>
-            <p:cNvPr id="36" name="Conector recto 35">
+            <p:cNvPr id="43" name="Conector recto 42">
               <a:extLst>
                 <a:ext uri="{FF2B5EF4-FFF2-40B4-BE49-F238E27FC236}">
-                  <a16:creationId xmlns:a16="http://schemas.microsoft.com/office/drawing/2014/main" id="{3FD0A22D-5EDA-4699-8D5B-6D444DCEF172}"/>
+                  <a16:creationId xmlns:a16="http://schemas.microsoft.com/office/drawing/2014/main" id="{AC2AB05D-073C-4E2B-BEBB-11050B2C4841}"/>
                 </a:ext>
               </a:extLst>
             </p:cNvPr>
             <p:cNvCxnSpPr>
               <a:cxnSpLocks/>
-              <a:stCxn id="22" idx="2"/>
+              <a:stCxn id="38" idx="2"/>
             </p:cNvCxnSpPr>
             <p:nvPr/>
           </p:nvCxnSpPr>
@@ -8917,13 +15495,1657 @@
     </p:spTree>
     <p:extLst>
       <p:ext uri="{BB962C8B-B14F-4D97-AF65-F5344CB8AC3E}">
-        <p14:creationId xmlns:p14="http://schemas.microsoft.com/office/powerpoint/2010/main" val="4171122969"/>
+        <p14:creationId xmlns:p14="http://schemas.microsoft.com/office/powerpoint/2010/main" val="3659123759"/>
       </p:ext>
     </p:extLst>
   </p:cSld>
   <p:clrMapOvr>
     <a:masterClrMapping/>
   </p:clrMapOvr>
+</p:sld>
+</file>
+
+<file path=ppt/slides/slide8.xml><?xml version="1.0" encoding="utf-8"?>
+<p:sld xmlns:a="http://schemas.openxmlformats.org/drawingml/2006/main" xmlns:r="http://schemas.openxmlformats.org/officeDocument/2006/relationships" xmlns:p="http://schemas.openxmlformats.org/presentationml/2006/main">
+  <p:cSld>
+    <p:spTree>
+      <p:nvGrpSpPr>
+        <p:cNvPr id="1" name=""/>
+        <p:cNvGrpSpPr/>
+        <p:nvPr/>
+      </p:nvGrpSpPr>
+      <p:grpSpPr>
+        <a:xfrm>
+          <a:off x="0" y="0"/>
+          <a:ext cx="0" cy="0"/>
+          <a:chOff x="0" y="0"/>
+          <a:chExt cx="0" cy="0"/>
+        </a:xfrm>
+      </p:grpSpPr>
+      <p:pic>
+        <p:nvPicPr>
+          <p:cNvPr id="8" name="Imagen 7" descr="Gráfico, Gráfico de líneas&#10;&#10;Descripción generada automáticamente">
+            <a:extLst>
+              <a:ext uri="{FF2B5EF4-FFF2-40B4-BE49-F238E27FC236}">
+                <a16:creationId xmlns:a16="http://schemas.microsoft.com/office/drawing/2014/main" id="{70228467-F7B7-49CE-8EE8-3B61CBCF074D}"/>
+              </a:ext>
+            </a:extLst>
+          </p:cNvPr>
+          <p:cNvPicPr>
+            <a:picLocks noChangeAspect="1"/>
+          </p:cNvPicPr>
+          <p:nvPr/>
+        </p:nvPicPr>
+        <p:blipFill>
+          <a:blip r:embed="rId2">
+            <a:extLst>
+              <a:ext uri="{28A0092B-C50C-407E-A947-70E740481C1C}">
+                <a14:useLocalDpi xmlns:a14="http://schemas.microsoft.com/office/drawing/2010/main" val="0"/>
+              </a:ext>
+            </a:extLst>
+          </a:blip>
+          <a:stretch>
+            <a:fillRect/>
+          </a:stretch>
+        </p:blipFill>
+        <p:spPr>
+          <a:xfrm>
+            <a:off x="2223252" y="909597"/>
+            <a:ext cx="7745495" cy="5809121"/>
+          </a:xfrm>
+          <a:prstGeom prst="rect">
+            <a:avLst/>
+          </a:prstGeom>
+        </p:spPr>
+      </p:pic>
+      <p:sp>
+        <p:nvSpPr>
+          <p:cNvPr id="34" name="Google Shape;106;p3">
+            <a:extLst>
+              <a:ext uri="{FF2B5EF4-FFF2-40B4-BE49-F238E27FC236}">
+                <a16:creationId xmlns:a16="http://schemas.microsoft.com/office/drawing/2014/main" id="{AD7E381F-B94F-4BF4-A98F-606DFCCCA23F}"/>
+              </a:ext>
+            </a:extLst>
+          </p:cNvPr>
+          <p:cNvSpPr/>
+          <p:nvPr/>
+        </p:nvSpPr>
+        <p:spPr>
+          <a:xfrm>
+            <a:off x="782231" y="306185"/>
+            <a:ext cx="7390219" cy="836815"/>
+          </a:xfrm>
+          <a:prstGeom prst="roundRect">
+            <a:avLst>
+              <a:gd name="adj" fmla="val 16667"/>
+            </a:avLst>
+          </a:prstGeom>
+          <a:solidFill>
+            <a:schemeClr val="accent5">
+              <a:lumMod val="40000"/>
+              <a:lumOff val="60000"/>
+            </a:schemeClr>
+          </a:solidFill>
+          <a:ln w="12700" cap="flat" cmpd="sng">
+            <a:solidFill>
+              <a:schemeClr val="accent1"/>
+            </a:solidFill>
+            <a:prstDash val="solid"/>
+            <a:miter lim="800000"/>
+            <a:headEnd type="none" w="sm" len="sm"/>
+            <a:tailEnd type="none" w="sm" len="sm"/>
+          </a:ln>
+        </p:spPr>
+        <p:txBody>
+          <a:bodyPr spcFirstLastPara="1" wrap="square" lIns="91425" tIns="45700" rIns="91425" bIns="45700" anchor="ctr" anchorCtr="0">
+            <a:noAutofit/>
+          </a:bodyPr>
+          <a:lstStyle/>
+          <a:p>
+            <a:pPr marL="0" marR="0" lvl="0" indent="0" algn="ctr" rtl="0">
+              <a:spcBef>
+                <a:spcPts val="0"/>
+              </a:spcBef>
+              <a:spcAft>
+                <a:spcPts val="0"/>
+              </a:spcAft>
+              <a:buNone/>
+            </a:pPr>
+            <a:endParaRPr sz="1800" dirty="0">
+              <a:solidFill>
+                <a:schemeClr val="lt1"/>
+              </a:solidFill>
+              <a:latin typeface="Calibri"/>
+              <a:ea typeface="Calibri"/>
+              <a:cs typeface="Calibri"/>
+              <a:sym typeface="Calibri"/>
+            </a:endParaRPr>
+          </a:p>
+        </p:txBody>
+      </p:sp>
+      <p:sp>
+        <p:nvSpPr>
+          <p:cNvPr id="3" name="Google Shape;107;p3">
+            <a:extLst>
+              <a:ext uri="{FF2B5EF4-FFF2-40B4-BE49-F238E27FC236}">
+                <a16:creationId xmlns:a16="http://schemas.microsoft.com/office/drawing/2014/main" id="{BA1BC713-4036-4FD5-9EE6-C435AC6FFBA5}"/>
+              </a:ext>
+            </a:extLst>
+          </p:cNvPr>
+          <p:cNvSpPr/>
+          <p:nvPr/>
+        </p:nvSpPr>
+        <p:spPr>
+          <a:xfrm>
+            <a:off x="-314325" y="-19050"/>
+            <a:ext cx="4076709" cy="1076325"/>
+          </a:xfrm>
+          <a:prstGeom prst="roundRect">
+            <a:avLst>
+              <a:gd name="adj" fmla="val 16667"/>
+            </a:avLst>
+          </a:prstGeom>
+          <a:solidFill>
+            <a:schemeClr val="accent5"/>
+          </a:solidFill>
+          <a:ln w="12700" cap="flat" cmpd="sng">
+            <a:solidFill>
+              <a:schemeClr val="accent1"/>
+            </a:solidFill>
+            <a:prstDash val="solid"/>
+            <a:miter lim="800000"/>
+            <a:headEnd type="none" w="sm" len="sm"/>
+            <a:tailEnd type="none" w="sm" len="sm"/>
+          </a:ln>
+        </p:spPr>
+        <p:txBody>
+          <a:bodyPr spcFirstLastPara="1" wrap="square" lIns="91425" tIns="45700" rIns="91425" bIns="45700" anchor="ctr" anchorCtr="0">
+            <a:noAutofit/>
+          </a:bodyPr>
+          <a:lstStyle/>
+          <a:p>
+            <a:pPr marL="0" marR="0" lvl="0" indent="0" algn="ctr" rtl="0">
+              <a:spcBef>
+                <a:spcPts val="0"/>
+              </a:spcBef>
+              <a:spcAft>
+                <a:spcPts val="0"/>
+              </a:spcAft>
+              <a:buNone/>
+            </a:pPr>
+            <a:endParaRPr sz="1800">
+              <a:solidFill>
+                <a:schemeClr val="lt1"/>
+              </a:solidFill>
+              <a:latin typeface="Calibri"/>
+              <a:ea typeface="Calibri"/>
+              <a:cs typeface="Calibri"/>
+              <a:sym typeface="Calibri"/>
+            </a:endParaRPr>
+          </a:p>
+        </p:txBody>
+      </p:sp>
+      <p:sp>
+        <p:nvSpPr>
+          <p:cNvPr id="4" name="Google Shape;108;p3">
+            <a:extLst>
+              <a:ext uri="{FF2B5EF4-FFF2-40B4-BE49-F238E27FC236}">
+                <a16:creationId xmlns:a16="http://schemas.microsoft.com/office/drawing/2014/main" id="{F8828D22-BA15-412F-BB97-F405FDAD11C5}"/>
+              </a:ext>
+            </a:extLst>
+          </p:cNvPr>
+          <p:cNvSpPr/>
+          <p:nvPr/>
+        </p:nvSpPr>
+        <p:spPr>
+          <a:xfrm>
+            <a:off x="-84240" y="106501"/>
+            <a:ext cx="3610068" cy="707846"/>
+          </a:xfrm>
+          <a:prstGeom prst="rect">
+            <a:avLst/>
+          </a:prstGeom>
+          <a:noFill/>
+          <a:ln>
+            <a:noFill/>
+          </a:ln>
+        </p:spPr>
+        <p:txBody>
+          <a:bodyPr spcFirstLastPara="1" wrap="square" lIns="91425" tIns="45700" rIns="91425" bIns="45700" anchor="t" anchorCtr="0">
+            <a:spAutoFit/>
+          </a:bodyPr>
+          <a:lstStyle/>
+          <a:p>
+            <a:pPr marL="0" marR="0" lvl="0" indent="0" algn="ctr" rtl="0">
+              <a:spcBef>
+                <a:spcPts val="0"/>
+              </a:spcBef>
+              <a:spcAft>
+                <a:spcPts val="0"/>
+              </a:spcAft>
+              <a:buNone/>
+            </a:pPr>
+            <a:r>
+              <a:rPr lang="es-CO" sz="4000" dirty="0">
+                <a:solidFill>
+                  <a:schemeClr val="bg1"/>
+                </a:solidFill>
+                <a:latin typeface="Calibri"/>
+                <a:cs typeface="Calibri"/>
+                <a:sym typeface="Calibri"/>
+              </a:rPr>
+              <a:t>Resultados</a:t>
+            </a:r>
+            <a:endParaRPr dirty="0">
+              <a:solidFill>
+                <a:schemeClr val="bg1"/>
+              </a:solidFill>
+            </a:endParaRPr>
+          </a:p>
+        </p:txBody>
+      </p:sp>
+      <p:pic>
+        <p:nvPicPr>
+          <p:cNvPr id="5" name="Google Shape;109;p3" descr="Imagen que contiene Patrón de fondo&#10;&#10;Descripción generada automáticamente">
+            <a:extLst>
+              <a:ext uri="{FF2B5EF4-FFF2-40B4-BE49-F238E27FC236}">
+                <a16:creationId xmlns:a16="http://schemas.microsoft.com/office/drawing/2014/main" id="{A931CBAE-1CFF-4ACD-86A9-41E3F100158F}"/>
+              </a:ext>
+            </a:extLst>
+          </p:cNvPr>
+          <p:cNvPicPr preferRelativeResize="0"/>
+          <p:nvPr/>
+        </p:nvPicPr>
+        <p:blipFill rotWithShape="1">
+          <a:blip r:embed="rId3">
+            <a:alphaModFix/>
+          </a:blip>
+          <a:srcRect/>
+          <a:stretch/>
+        </p:blipFill>
+        <p:spPr>
+          <a:xfrm>
+            <a:off x="10448963" y="0"/>
+            <a:ext cx="1295320" cy="1602459"/>
+          </a:xfrm>
+          <a:prstGeom prst="rect">
+            <a:avLst/>
+          </a:prstGeom>
+          <a:noFill/>
+          <a:ln>
+            <a:noFill/>
+          </a:ln>
+        </p:spPr>
+      </p:pic>
+      <p:sp>
+        <p:nvSpPr>
+          <p:cNvPr id="6" name="Google Shape;110;p3">
+            <a:extLst>
+              <a:ext uri="{FF2B5EF4-FFF2-40B4-BE49-F238E27FC236}">
+                <a16:creationId xmlns:a16="http://schemas.microsoft.com/office/drawing/2014/main" id="{28664757-6615-4321-8E45-DD819ABF61A2}"/>
+              </a:ext>
+            </a:extLst>
+          </p:cNvPr>
+          <p:cNvSpPr/>
+          <p:nvPr/>
+        </p:nvSpPr>
+        <p:spPr>
+          <a:xfrm>
+            <a:off x="8401050" y="6534150"/>
+            <a:ext cx="3914774" cy="323850"/>
+          </a:xfrm>
+          <a:prstGeom prst="roundRect">
+            <a:avLst>
+              <a:gd name="adj" fmla="val 16667"/>
+            </a:avLst>
+          </a:prstGeom>
+          <a:solidFill>
+            <a:schemeClr val="accent5"/>
+          </a:solidFill>
+          <a:ln w="12700" cap="flat" cmpd="sng">
+            <a:solidFill>
+              <a:schemeClr val="accent1"/>
+            </a:solidFill>
+            <a:prstDash val="solid"/>
+            <a:miter lim="800000"/>
+            <a:headEnd type="none" w="sm" len="sm"/>
+            <a:tailEnd type="none" w="sm" len="sm"/>
+          </a:ln>
+        </p:spPr>
+        <p:txBody>
+          <a:bodyPr spcFirstLastPara="1" wrap="square" lIns="91425" tIns="45700" rIns="91425" bIns="45700" anchor="ctr" anchorCtr="0">
+            <a:noAutofit/>
+          </a:bodyPr>
+          <a:lstStyle/>
+          <a:p>
+            <a:pPr marL="0" marR="0" lvl="0" indent="0" algn="l" rtl="0">
+              <a:spcBef>
+                <a:spcPts val="0"/>
+              </a:spcBef>
+              <a:spcAft>
+                <a:spcPts val="0"/>
+              </a:spcAft>
+              <a:buNone/>
+            </a:pPr>
+            <a:r>
+              <a:rPr lang="es-CO" sz="1400" dirty="0">
+                <a:solidFill>
+                  <a:schemeClr val="bg1">
+                    <a:lumMod val="95000"/>
+                  </a:schemeClr>
+                </a:solidFill>
+                <a:latin typeface="Calibri"/>
+                <a:ea typeface="Calibri"/>
+                <a:cs typeface="Calibri"/>
+                <a:sym typeface="Calibri"/>
+              </a:rPr>
+              <a:t>Daniel Estrada | Modelo de Ising 2D  	         .8/12</a:t>
+            </a:r>
+            <a:endParaRPr dirty="0">
+              <a:solidFill>
+                <a:schemeClr val="bg1">
+                  <a:lumMod val="95000"/>
+                </a:schemeClr>
+              </a:solidFill>
+            </a:endParaRPr>
+          </a:p>
+        </p:txBody>
+      </p:sp>
+      <p:sp>
+        <p:nvSpPr>
+          <p:cNvPr id="35" name="Google Shape;121;p3">
+            <a:extLst>
+              <a:ext uri="{FF2B5EF4-FFF2-40B4-BE49-F238E27FC236}">
+                <a16:creationId xmlns:a16="http://schemas.microsoft.com/office/drawing/2014/main" id="{E001DBB3-5704-402E-A2BB-E85DA80D0939}"/>
+              </a:ext>
+            </a:extLst>
+          </p:cNvPr>
+          <p:cNvSpPr/>
+          <p:nvPr/>
+        </p:nvSpPr>
+        <p:spPr>
+          <a:xfrm>
+            <a:off x="3447689" y="452140"/>
+            <a:ext cx="5086711" cy="584735"/>
+          </a:xfrm>
+          <a:prstGeom prst="rect">
+            <a:avLst/>
+          </a:prstGeom>
+          <a:noFill/>
+          <a:ln>
+            <a:noFill/>
+          </a:ln>
+        </p:spPr>
+        <p:txBody>
+          <a:bodyPr spcFirstLastPara="1" wrap="square" lIns="91425" tIns="45700" rIns="91425" bIns="45700" anchor="t" anchorCtr="0">
+            <a:spAutoFit/>
+          </a:bodyPr>
+          <a:lstStyle/>
+          <a:p>
+            <a:pPr marL="0" marR="0" lvl="0" indent="0" algn="ctr" rtl="0">
+              <a:spcBef>
+                <a:spcPts val="0"/>
+              </a:spcBef>
+              <a:spcAft>
+                <a:spcPts val="0"/>
+              </a:spcAft>
+              <a:buNone/>
+            </a:pPr>
+            <a:r>
+              <a:rPr lang="es-CO" sz="3200" dirty="0">
+                <a:latin typeface="Calibri"/>
+                <a:cs typeface="Calibri"/>
+                <a:sym typeface="Calibri"/>
+              </a:rPr>
+              <a:t>Aceleración observada</a:t>
+            </a:r>
+            <a:endParaRPr dirty="0"/>
+          </a:p>
+        </p:txBody>
+      </p:sp>
+    </p:spTree>
+    <p:extLst>
+      <p:ext uri="{BB962C8B-B14F-4D97-AF65-F5344CB8AC3E}">
+        <p14:creationId xmlns:p14="http://schemas.microsoft.com/office/powerpoint/2010/main" val="2499920824"/>
+      </p:ext>
+    </p:extLst>
+  </p:cSld>
+  <p:clrMapOvr>
+    <a:masterClrMapping/>
+  </p:clrMapOvr>
+</p:sld>
+</file>
+
+<file path=ppt/slides/slide9.xml><?xml version="1.0" encoding="utf-8"?>
+<p:sld xmlns:a="http://schemas.openxmlformats.org/drawingml/2006/main" xmlns:r="http://schemas.openxmlformats.org/officeDocument/2006/relationships" xmlns:p="http://schemas.openxmlformats.org/presentationml/2006/main">
+  <p:cSld>
+    <p:spTree>
+      <p:nvGrpSpPr>
+        <p:cNvPr id="1" name=""/>
+        <p:cNvGrpSpPr/>
+        <p:nvPr/>
+      </p:nvGrpSpPr>
+      <p:grpSpPr>
+        <a:xfrm>
+          <a:off x="0" y="0"/>
+          <a:ext cx="0" cy="0"/>
+          <a:chOff x="0" y="0"/>
+          <a:chExt cx="0" cy="0"/>
+        </a:xfrm>
+      </p:grpSpPr>
+      <p:sp>
+        <p:nvSpPr>
+          <p:cNvPr id="34" name="Google Shape;106;p3">
+            <a:extLst>
+              <a:ext uri="{FF2B5EF4-FFF2-40B4-BE49-F238E27FC236}">
+                <a16:creationId xmlns:a16="http://schemas.microsoft.com/office/drawing/2014/main" id="{AD7E381F-B94F-4BF4-A98F-606DFCCCA23F}"/>
+              </a:ext>
+            </a:extLst>
+          </p:cNvPr>
+          <p:cNvSpPr/>
+          <p:nvPr/>
+        </p:nvSpPr>
+        <p:spPr>
+          <a:xfrm>
+            <a:off x="782231" y="306185"/>
+            <a:ext cx="6742167" cy="836815"/>
+          </a:xfrm>
+          <a:prstGeom prst="roundRect">
+            <a:avLst>
+              <a:gd name="adj" fmla="val 16667"/>
+            </a:avLst>
+          </a:prstGeom>
+          <a:solidFill>
+            <a:schemeClr val="accent5">
+              <a:lumMod val="40000"/>
+              <a:lumOff val="60000"/>
+            </a:schemeClr>
+          </a:solidFill>
+          <a:ln w="12700" cap="flat" cmpd="sng">
+            <a:solidFill>
+              <a:schemeClr val="accent1"/>
+            </a:solidFill>
+            <a:prstDash val="solid"/>
+            <a:miter lim="800000"/>
+            <a:headEnd type="none" w="sm" len="sm"/>
+            <a:tailEnd type="none" w="sm" len="sm"/>
+          </a:ln>
+        </p:spPr>
+        <p:txBody>
+          <a:bodyPr spcFirstLastPara="1" wrap="square" lIns="91425" tIns="45700" rIns="91425" bIns="45700" anchor="ctr" anchorCtr="0">
+            <a:noAutofit/>
+          </a:bodyPr>
+          <a:lstStyle/>
+          <a:p>
+            <a:pPr marL="0" marR="0" lvl="0" indent="0" algn="ctr" rtl="0">
+              <a:spcBef>
+                <a:spcPts val="0"/>
+              </a:spcBef>
+              <a:spcAft>
+                <a:spcPts val="0"/>
+              </a:spcAft>
+              <a:buNone/>
+            </a:pPr>
+            <a:endParaRPr sz="1800" dirty="0">
+              <a:solidFill>
+                <a:schemeClr val="lt1"/>
+              </a:solidFill>
+              <a:latin typeface="Calibri"/>
+              <a:ea typeface="Calibri"/>
+              <a:cs typeface="Calibri"/>
+              <a:sym typeface="Calibri"/>
+            </a:endParaRPr>
+          </a:p>
+        </p:txBody>
+      </p:sp>
+      <p:sp>
+        <p:nvSpPr>
+          <p:cNvPr id="3" name="Google Shape;107;p3">
+            <a:extLst>
+              <a:ext uri="{FF2B5EF4-FFF2-40B4-BE49-F238E27FC236}">
+                <a16:creationId xmlns:a16="http://schemas.microsoft.com/office/drawing/2014/main" id="{BA1BC713-4036-4FD5-9EE6-C435AC6FFBA5}"/>
+              </a:ext>
+            </a:extLst>
+          </p:cNvPr>
+          <p:cNvSpPr/>
+          <p:nvPr/>
+        </p:nvSpPr>
+        <p:spPr>
+          <a:xfrm>
+            <a:off x="-314325" y="-19050"/>
+            <a:ext cx="4076709" cy="1076325"/>
+          </a:xfrm>
+          <a:prstGeom prst="roundRect">
+            <a:avLst>
+              <a:gd name="adj" fmla="val 16667"/>
+            </a:avLst>
+          </a:prstGeom>
+          <a:solidFill>
+            <a:schemeClr val="accent5"/>
+          </a:solidFill>
+          <a:ln w="12700" cap="flat" cmpd="sng">
+            <a:solidFill>
+              <a:schemeClr val="accent1"/>
+            </a:solidFill>
+            <a:prstDash val="solid"/>
+            <a:miter lim="800000"/>
+            <a:headEnd type="none" w="sm" len="sm"/>
+            <a:tailEnd type="none" w="sm" len="sm"/>
+          </a:ln>
+        </p:spPr>
+        <p:txBody>
+          <a:bodyPr spcFirstLastPara="1" wrap="square" lIns="91425" tIns="45700" rIns="91425" bIns="45700" anchor="ctr" anchorCtr="0">
+            <a:noAutofit/>
+          </a:bodyPr>
+          <a:lstStyle/>
+          <a:p>
+            <a:pPr marL="0" marR="0" lvl="0" indent="0" algn="ctr" rtl="0">
+              <a:spcBef>
+                <a:spcPts val="0"/>
+              </a:spcBef>
+              <a:spcAft>
+                <a:spcPts val="0"/>
+              </a:spcAft>
+              <a:buNone/>
+            </a:pPr>
+            <a:endParaRPr sz="1800">
+              <a:solidFill>
+                <a:schemeClr val="lt1"/>
+              </a:solidFill>
+              <a:latin typeface="Calibri"/>
+              <a:ea typeface="Calibri"/>
+              <a:cs typeface="Calibri"/>
+              <a:sym typeface="Calibri"/>
+            </a:endParaRPr>
+          </a:p>
+        </p:txBody>
+      </p:sp>
+      <p:sp>
+        <p:nvSpPr>
+          <p:cNvPr id="4" name="Google Shape;108;p3">
+            <a:extLst>
+              <a:ext uri="{FF2B5EF4-FFF2-40B4-BE49-F238E27FC236}">
+                <a16:creationId xmlns:a16="http://schemas.microsoft.com/office/drawing/2014/main" id="{F8828D22-BA15-412F-BB97-F405FDAD11C5}"/>
+              </a:ext>
+            </a:extLst>
+          </p:cNvPr>
+          <p:cNvSpPr/>
+          <p:nvPr/>
+        </p:nvSpPr>
+        <p:spPr>
+          <a:xfrm>
+            <a:off x="-84240" y="106501"/>
+            <a:ext cx="3610068" cy="707846"/>
+          </a:xfrm>
+          <a:prstGeom prst="rect">
+            <a:avLst/>
+          </a:prstGeom>
+          <a:noFill/>
+          <a:ln>
+            <a:noFill/>
+          </a:ln>
+        </p:spPr>
+        <p:txBody>
+          <a:bodyPr spcFirstLastPara="1" wrap="square" lIns="91425" tIns="45700" rIns="91425" bIns="45700" anchor="t" anchorCtr="0">
+            <a:spAutoFit/>
+          </a:bodyPr>
+          <a:lstStyle/>
+          <a:p>
+            <a:pPr marL="0" marR="0" lvl="0" indent="0" algn="ctr" rtl="0">
+              <a:spcBef>
+                <a:spcPts val="0"/>
+              </a:spcBef>
+              <a:spcAft>
+                <a:spcPts val="0"/>
+              </a:spcAft>
+              <a:buNone/>
+            </a:pPr>
+            <a:r>
+              <a:rPr lang="es-CO" sz="4000" dirty="0">
+                <a:solidFill>
+                  <a:schemeClr val="bg1"/>
+                </a:solidFill>
+                <a:latin typeface="Calibri"/>
+                <a:cs typeface="Calibri"/>
+                <a:sym typeface="Calibri"/>
+              </a:rPr>
+              <a:t>Resultados</a:t>
+            </a:r>
+            <a:endParaRPr dirty="0">
+              <a:solidFill>
+                <a:schemeClr val="bg1"/>
+              </a:solidFill>
+            </a:endParaRPr>
+          </a:p>
+        </p:txBody>
+      </p:sp>
+      <p:pic>
+        <p:nvPicPr>
+          <p:cNvPr id="5" name="Google Shape;109;p3" descr="Imagen que contiene Patrón de fondo&#10;&#10;Descripción generada automáticamente">
+            <a:extLst>
+              <a:ext uri="{FF2B5EF4-FFF2-40B4-BE49-F238E27FC236}">
+                <a16:creationId xmlns:a16="http://schemas.microsoft.com/office/drawing/2014/main" id="{A931CBAE-1CFF-4ACD-86A9-41E3F100158F}"/>
+              </a:ext>
+            </a:extLst>
+          </p:cNvPr>
+          <p:cNvPicPr preferRelativeResize="0"/>
+          <p:nvPr/>
+        </p:nvPicPr>
+        <p:blipFill rotWithShape="1">
+          <a:blip r:embed="rId2">
+            <a:alphaModFix/>
+          </a:blip>
+          <a:srcRect/>
+          <a:stretch/>
+        </p:blipFill>
+        <p:spPr>
+          <a:xfrm>
+            <a:off x="10448963" y="0"/>
+            <a:ext cx="1295320" cy="1602459"/>
+          </a:xfrm>
+          <a:prstGeom prst="rect">
+            <a:avLst/>
+          </a:prstGeom>
+          <a:noFill/>
+          <a:ln>
+            <a:noFill/>
+          </a:ln>
+        </p:spPr>
+      </p:pic>
+      <p:sp>
+        <p:nvSpPr>
+          <p:cNvPr id="6" name="Google Shape;110;p3">
+            <a:extLst>
+              <a:ext uri="{FF2B5EF4-FFF2-40B4-BE49-F238E27FC236}">
+                <a16:creationId xmlns:a16="http://schemas.microsoft.com/office/drawing/2014/main" id="{28664757-6615-4321-8E45-DD819ABF61A2}"/>
+              </a:ext>
+            </a:extLst>
+          </p:cNvPr>
+          <p:cNvSpPr/>
+          <p:nvPr/>
+        </p:nvSpPr>
+        <p:spPr>
+          <a:xfrm>
+            <a:off x="8401050" y="6534150"/>
+            <a:ext cx="3914774" cy="323850"/>
+          </a:xfrm>
+          <a:prstGeom prst="roundRect">
+            <a:avLst>
+              <a:gd name="adj" fmla="val 16667"/>
+            </a:avLst>
+          </a:prstGeom>
+          <a:solidFill>
+            <a:schemeClr val="accent5"/>
+          </a:solidFill>
+          <a:ln w="12700" cap="flat" cmpd="sng">
+            <a:solidFill>
+              <a:schemeClr val="accent1"/>
+            </a:solidFill>
+            <a:prstDash val="solid"/>
+            <a:miter lim="800000"/>
+            <a:headEnd type="none" w="sm" len="sm"/>
+            <a:tailEnd type="none" w="sm" len="sm"/>
+          </a:ln>
+        </p:spPr>
+        <p:txBody>
+          <a:bodyPr spcFirstLastPara="1" wrap="square" lIns="91425" tIns="45700" rIns="91425" bIns="45700" anchor="ctr" anchorCtr="0">
+            <a:noAutofit/>
+          </a:bodyPr>
+          <a:lstStyle/>
+          <a:p>
+            <a:pPr marL="0" marR="0" lvl="0" indent="0" algn="l" rtl="0">
+              <a:spcBef>
+                <a:spcPts val="0"/>
+              </a:spcBef>
+              <a:spcAft>
+                <a:spcPts val="0"/>
+              </a:spcAft>
+              <a:buNone/>
+            </a:pPr>
+            <a:r>
+              <a:rPr lang="es-CO" sz="1400" dirty="0">
+                <a:solidFill>
+                  <a:schemeClr val="bg1">
+                    <a:lumMod val="95000"/>
+                  </a:schemeClr>
+                </a:solidFill>
+                <a:latin typeface="Calibri"/>
+                <a:ea typeface="Calibri"/>
+                <a:cs typeface="Calibri"/>
+                <a:sym typeface="Calibri"/>
+              </a:rPr>
+              <a:t>Daniel Estrada | Modelo de Ising 2D  	         .9/12</a:t>
+            </a:r>
+            <a:endParaRPr dirty="0">
+              <a:solidFill>
+                <a:schemeClr val="bg1">
+                  <a:lumMod val="95000"/>
+                </a:schemeClr>
+              </a:solidFill>
+            </a:endParaRPr>
+          </a:p>
+        </p:txBody>
+      </p:sp>
+      <p:sp>
+        <p:nvSpPr>
+          <p:cNvPr id="35" name="Google Shape;121;p3">
+            <a:extLst>
+              <a:ext uri="{FF2B5EF4-FFF2-40B4-BE49-F238E27FC236}">
+                <a16:creationId xmlns:a16="http://schemas.microsoft.com/office/drawing/2014/main" id="{E001DBB3-5704-402E-A2BB-E85DA80D0939}"/>
+              </a:ext>
+            </a:extLst>
+          </p:cNvPr>
+          <p:cNvSpPr/>
+          <p:nvPr/>
+        </p:nvSpPr>
+        <p:spPr>
+          <a:xfrm>
+            <a:off x="3447689" y="452140"/>
+            <a:ext cx="4305661" cy="584735"/>
+          </a:xfrm>
+          <a:prstGeom prst="rect">
+            <a:avLst/>
+          </a:prstGeom>
+          <a:noFill/>
+          <a:ln>
+            <a:noFill/>
+          </a:ln>
+        </p:spPr>
+        <p:txBody>
+          <a:bodyPr spcFirstLastPara="1" wrap="square" lIns="91425" tIns="45700" rIns="91425" bIns="45700" anchor="t" anchorCtr="0">
+            <a:spAutoFit/>
+          </a:bodyPr>
+          <a:lstStyle/>
+          <a:p>
+            <a:pPr marL="0" marR="0" lvl="0" indent="0" algn="ctr" rtl="0">
+              <a:spcBef>
+                <a:spcPts val="0"/>
+              </a:spcBef>
+              <a:spcAft>
+                <a:spcPts val="0"/>
+              </a:spcAft>
+              <a:buNone/>
+            </a:pPr>
+            <a:r>
+              <a:rPr lang="es-CO" sz="3200" dirty="0">
+                <a:latin typeface="Calibri"/>
+                <a:cs typeface="Calibri"/>
+                <a:sym typeface="Calibri"/>
+              </a:rPr>
+              <a:t>Transición de Fase</a:t>
+            </a:r>
+            <a:endParaRPr dirty="0"/>
+          </a:p>
+        </p:txBody>
+      </p:sp>
+      <p:pic>
+        <p:nvPicPr>
+          <p:cNvPr id="7" name="Imagen 6" descr="Gráfico, Gráfico de dispersión&#10;&#10;Descripción generada automáticamente">
+            <a:extLst>
+              <a:ext uri="{FF2B5EF4-FFF2-40B4-BE49-F238E27FC236}">
+                <a16:creationId xmlns:a16="http://schemas.microsoft.com/office/drawing/2014/main" id="{412EDC80-5603-4D75-80B3-15164257D6C8}"/>
+              </a:ext>
+            </a:extLst>
+          </p:cNvPr>
+          <p:cNvPicPr>
+            <a:picLocks noChangeAspect="1"/>
+          </p:cNvPicPr>
+          <p:nvPr/>
+        </p:nvPicPr>
+        <p:blipFill>
+          <a:blip r:embed="rId3">
+            <a:extLst>
+              <a:ext uri="{28A0092B-C50C-407E-A947-70E740481C1C}">
+                <a14:useLocalDpi xmlns:a14="http://schemas.microsoft.com/office/drawing/2010/main" val="0"/>
+              </a:ext>
+            </a:extLst>
+          </a:blip>
+          <a:stretch>
+            <a:fillRect/>
+          </a:stretch>
+        </p:blipFill>
+        <p:spPr>
+          <a:xfrm>
+            <a:off x="1190628" y="1748414"/>
+            <a:ext cx="4396823" cy="3297617"/>
+          </a:xfrm>
+          <a:prstGeom prst="rect">
+            <a:avLst/>
+          </a:prstGeom>
+        </p:spPr>
+      </p:pic>
+      <p:pic>
+        <p:nvPicPr>
+          <p:cNvPr id="10" name="Imagen 9" descr="Gráfico, Gráfico de líneas, Gráfico de dispersión&#10;&#10;Descripción generada automáticamente">
+            <a:extLst>
+              <a:ext uri="{FF2B5EF4-FFF2-40B4-BE49-F238E27FC236}">
+                <a16:creationId xmlns:a16="http://schemas.microsoft.com/office/drawing/2014/main" id="{3E1FF573-1BBC-43B8-B8B8-41F49BFC0299}"/>
+              </a:ext>
+            </a:extLst>
+          </p:cNvPr>
+          <p:cNvPicPr>
+            <a:picLocks noChangeAspect="1"/>
+          </p:cNvPicPr>
+          <p:nvPr/>
+        </p:nvPicPr>
+        <p:blipFill>
+          <a:blip r:embed="rId4">
+            <a:extLst>
+              <a:ext uri="{28A0092B-C50C-407E-A947-70E740481C1C}">
+                <a14:useLocalDpi xmlns:a14="http://schemas.microsoft.com/office/drawing/2010/main" val="0"/>
+              </a:ext>
+            </a:extLst>
+          </a:blip>
+          <a:stretch>
+            <a:fillRect/>
+          </a:stretch>
+        </p:blipFill>
+        <p:spPr>
+          <a:xfrm>
+            <a:off x="6566450" y="1748414"/>
+            <a:ext cx="4396823" cy="3297617"/>
+          </a:xfrm>
+          <a:prstGeom prst="rect">
+            <a:avLst/>
+          </a:prstGeom>
+        </p:spPr>
+      </p:pic>
+      <mc:AlternateContent xmlns:mc="http://schemas.openxmlformats.org/markup-compatibility/2006">
+        <mc:Choice xmlns:a14="http://schemas.microsoft.com/office/drawing/2010/main" Requires="a14">
+          <p:sp>
+            <p:nvSpPr>
+              <p:cNvPr id="13" name="CuadroTexto 12">
+                <a:extLst>
+                  <a:ext uri="{FF2B5EF4-FFF2-40B4-BE49-F238E27FC236}">
+                    <a16:creationId xmlns:a16="http://schemas.microsoft.com/office/drawing/2014/main" id="{02DA3500-B337-4137-BB13-A7951B4CE140}"/>
+                  </a:ext>
+                </a:extLst>
+              </p:cNvPr>
+              <p:cNvSpPr txBox="1"/>
+              <p:nvPr/>
+            </p:nvSpPr>
+            <p:spPr>
+              <a:xfrm>
+                <a:off x="2758289" y="5373228"/>
+                <a:ext cx="1751954" cy="523220"/>
+              </a:xfrm>
+              <a:prstGeom prst="rect">
+                <a:avLst/>
+              </a:prstGeom>
+              <a:noFill/>
+            </p:spPr>
+            <p:txBody>
+              <a:bodyPr wrap="none" rtlCol="0">
+                <a:spAutoFit/>
+              </a:bodyPr>
+              <a:lstStyle/>
+              <a:p>
+                <a:pPr/>
+                <a14:m>
+                  <m:oMathPara xmlns:m="http://schemas.openxmlformats.org/officeDocument/2006/math">
+                    <m:oMathParaPr>
+                      <m:jc m:val="centerGroup"/>
+                    </m:oMathParaPr>
+                    <m:oMath xmlns:m="http://schemas.openxmlformats.org/officeDocument/2006/math">
+                      <m:sSub>
+                        <m:sSubPr>
+                          <m:ctrlPr>
+                            <a:rPr lang="es-MX" sz="2800" b="0" i="1" smtClean="0">
+                              <a:solidFill>
+                                <a:srgbClr val="FF0000"/>
+                              </a:solidFill>
+                              <a:latin typeface="Cambria Math" panose="02040503050406030204" pitchFamily="18" charset="0"/>
+                            </a:rPr>
+                          </m:ctrlPr>
+                        </m:sSubPr>
+                        <m:e>
+                          <m:r>
+                            <a:rPr lang="es-MX" sz="2800" b="0" i="1" smtClean="0">
+                              <a:solidFill>
+                                <a:srgbClr val="FF0000"/>
+                              </a:solidFill>
+                              <a:latin typeface="Cambria Math" panose="02040503050406030204" pitchFamily="18" charset="0"/>
+                              <a:ea typeface="Cambria Math" panose="02040503050406030204" pitchFamily="18" charset="0"/>
+                            </a:rPr>
+                            <m:t>𝛽</m:t>
+                          </m:r>
+                        </m:e>
+                        <m:sub>
+                          <m:r>
+                            <a:rPr lang="es-MX" sz="2800" b="0" i="1" smtClean="0">
+                              <a:solidFill>
+                                <a:srgbClr val="FF0000"/>
+                              </a:solidFill>
+                              <a:latin typeface="Cambria Math" panose="02040503050406030204" pitchFamily="18" charset="0"/>
+                            </a:rPr>
+                            <m:t>𝑐</m:t>
+                          </m:r>
+                        </m:sub>
+                      </m:sSub>
+                      <m:r>
+                        <a:rPr lang="es-MX" sz="2800" i="1">
+                          <a:solidFill>
+                            <a:srgbClr val="FF0000"/>
+                          </a:solidFill>
+                          <a:latin typeface="Cambria Math" panose="02040503050406030204" pitchFamily="18" charset="0"/>
+                          <a:ea typeface="Cambria Math" panose="02040503050406030204" pitchFamily="18" charset="0"/>
+                        </a:rPr>
+                        <m:t>≈</m:t>
+                      </m:r>
+                      <m:r>
+                        <a:rPr lang="es-MX" sz="2800" b="0" i="1" smtClean="0">
+                          <a:solidFill>
+                            <a:srgbClr val="FF0000"/>
+                          </a:solidFill>
+                          <a:latin typeface="Cambria Math" panose="02040503050406030204" pitchFamily="18" charset="0"/>
+                        </a:rPr>
+                        <m:t>0.59</m:t>
+                      </m:r>
+                    </m:oMath>
+                  </m:oMathPara>
+                </a14:m>
+                <a:endParaRPr lang="es-CO" sz="2800" dirty="0">
+                  <a:solidFill>
+                    <a:srgbClr val="FF0000"/>
+                  </a:solidFill>
+                </a:endParaRPr>
+              </a:p>
+            </p:txBody>
+          </p:sp>
+        </mc:Choice>
+        <mc:Fallback>
+          <p:sp>
+            <p:nvSpPr>
+              <p:cNvPr id="13" name="CuadroTexto 12">
+                <a:extLst>
+                  <a:ext uri="{FF2B5EF4-FFF2-40B4-BE49-F238E27FC236}">
+                    <a16:creationId xmlns:a16="http://schemas.microsoft.com/office/drawing/2014/main" id="{02DA3500-B337-4137-BB13-A7951B4CE140}"/>
+                  </a:ext>
+                </a:extLst>
+              </p:cNvPr>
+              <p:cNvSpPr txBox="1">
+                <a:spLocks noRot="1" noChangeAspect="1" noMove="1" noResize="1" noEditPoints="1" noAdjustHandles="1" noChangeArrowheads="1" noChangeShapeType="1" noTextEdit="1"/>
+              </p:cNvSpPr>
+              <p:nvPr/>
+            </p:nvSpPr>
+            <p:spPr>
+              <a:xfrm>
+                <a:off x="2758289" y="5373228"/>
+                <a:ext cx="1751954" cy="523220"/>
+              </a:xfrm>
+              <a:prstGeom prst="rect">
+                <a:avLst/>
+              </a:prstGeom>
+              <a:blipFill>
+                <a:blip r:embed="rId5"/>
+                <a:stretch>
+                  <a:fillRect/>
+                </a:stretch>
+              </a:blipFill>
+            </p:spPr>
+            <p:txBody>
+              <a:bodyPr/>
+              <a:lstStyle/>
+              <a:p>
+                <a:r>
+                  <a:rPr lang="es-CO">
+                    <a:noFill/>
+                  </a:rPr>
+                  <a:t> </a:t>
+                </a:r>
+              </a:p>
+            </p:txBody>
+          </p:sp>
+        </mc:Fallback>
+      </mc:AlternateContent>
+      <mc:AlternateContent xmlns:mc="http://schemas.openxmlformats.org/markup-compatibility/2006">
+        <mc:Choice xmlns:a14="http://schemas.microsoft.com/office/drawing/2010/main" Requires="a14">
+          <p:sp>
+            <p:nvSpPr>
+              <p:cNvPr id="14" name="CuadroTexto 13">
+                <a:extLst>
+                  <a:ext uri="{FF2B5EF4-FFF2-40B4-BE49-F238E27FC236}">
+                    <a16:creationId xmlns:a16="http://schemas.microsoft.com/office/drawing/2014/main" id="{522C1459-AE22-4494-B7D0-A970C08EDD2E}"/>
+                  </a:ext>
+                </a:extLst>
+              </p:cNvPr>
+              <p:cNvSpPr txBox="1"/>
+              <p:nvPr/>
+            </p:nvSpPr>
+            <p:spPr>
+              <a:xfrm>
+                <a:off x="7888884" y="5389835"/>
+                <a:ext cx="1751954" cy="523220"/>
+              </a:xfrm>
+              <a:prstGeom prst="rect">
+                <a:avLst/>
+              </a:prstGeom>
+              <a:noFill/>
+            </p:spPr>
+            <p:txBody>
+              <a:bodyPr wrap="none" rtlCol="0">
+                <a:spAutoFit/>
+              </a:bodyPr>
+              <a:lstStyle/>
+              <a:p>
+                <a:pPr/>
+                <a14:m>
+                  <m:oMathPara xmlns:m="http://schemas.openxmlformats.org/officeDocument/2006/math">
+                    <m:oMathParaPr>
+                      <m:jc m:val="centerGroup"/>
+                    </m:oMathParaPr>
+                    <m:oMath xmlns:m="http://schemas.openxmlformats.org/officeDocument/2006/math">
+                      <m:sSub>
+                        <m:sSubPr>
+                          <m:ctrlPr>
+                            <a:rPr lang="es-MX" sz="2800" b="0" i="1" smtClean="0">
+                              <a:solidFill>
+                                <a:srgbClr val="FF0000"/>
+                              </a:solidFill>
+                              <a:latin typeface="Cambria Math" panose="02040503050406030204" pitchFamily="18" charset="0"/>
+                            </a:rPr>
+                          </m:ctrlPr>
+                        </m:sSubPr>
+                        <m:e>
+                          <m:r>
+                            <a:rPr lang="es-MX" sz="2800" b="0" i="1" smtClean="0">
+                              <a:solidFill>
+                                <a:srgbClr val="FF0000"/>
+                              </a:solidFill>
+                              <a:latin typeface="Cambria Math" panose="02040503050406030204" pitchFamily="18" charset="0"/>
+                              <a:ea typeface="Cambria Math" panose="02040503050406030204" pitchFamily="18" charset="0"/>
+                            </a:rPr>
+                            <m:t>𝛽</m:t>
+                          </m:r>
+                        </m:e>
+                        <m:sub>
+                          <m:r>
+                            <a:rPr lang="es-MX" sz="2800" b="0" i="1" smtClean="0">
+                              <a:solidFill>
+                                <a:srgbClr val="FF0000"/>
+                              </a:solidFill>
+                              <a:latin typeface="Cambria Math" panose="02040503050406030204" pitchFamily="18" charset="0"/>
+                            </a:rPr>
+                            <m:t>𝑐</m:t>
+                          </m:r>
+                        </m:sub>
+                      </m:sSub>
+                      <m:r>
+                        <a:rPr lang="es-MX" sz="2800" i="1">
+                          <a:solidFill>
+                            <a:srgbClr val="FF0000"/>
+                          </a:solidFill>
+                          <a:latin typeface="Cambria Math" panose="02040503050406030204" pitchFamily="18" charset="0"/>
+                          <a:ea typeface="Cambria Math" panose="02040503050406030204" pitchFamily="18" charset="0"/>
+                        </a:rPr>
+                        <m:t>≈</m:t>
+                      </m:r>
+                      <m:r>
+                        <a:rPr lang="es-MX" sz="2800" b="0" i="1" smtClean="0">
+                          <a:solidFill>
+                            <a:srgbClr val="FF0000"/>
+                          </a:solidFill>
+                          <a:latin typeface="Cambria Math" panose="02040503050406030204" pitchFamily="18" charset="0"/>
+                        </a:rPr>
+                        <m:t>0.66</m:t>
+                      </m:r>
+                    </m:oMath>
+                  </m:oMathPara>
+                </a14:m>
+                <a:endParaRPr lang="es-CO" sz="2800" dirty="0">
+                  <a:solidFill>
+                    <a:srgbClr val="FF0000"/>
+                  </a:solidFill>
+                </a:endParaRPr>
+              </a:p>
+            </p:txBody>
+          </p:sp>
+        </mc:Choice>
+        <mc:Fallback>
+          <p:sp>
+            <p:nvSpPr>
+              <p:cNvPr id="14" name="CuadroTexto 13">
+                <a:extLst>
+                  <a:ext uri="{FF2B5EF4-FFF2-40B4-BE49-F238E27FC236}">
+                    <a16:creationId xmlns:a16="http://schemas.microsoft.com/office/drawing/2014/main" id="{522C1459-AE22-4494-B7D0-A970C08EDD2E}"/>
+                  </a:ext>
+                </a:extLst>
+              </p:cNvPr>
+              <p:cNvSpPr txBox="1">
+                <a:spLocks noRot="1" noChangeAspect="1" noMove="1" noResize="1" noEditPoints="1" noAdjustHandles="1" noChangeArrowheads="1" noChangeShapeType="1" noTextEdit="1"/>
+              </p:cNvSpPr>
+              <p:nvPr/>
+            </p:nvSpPr>
+            <p:spPr>
+              <a:xfrm>
+                <a:off x="7888884" y="5389835"/>
+                <a:ext cx="1751954" cy="523220"/>
+              </a:xfrm>
+              <a:prstGeom prst="rect">
+                <a:avLst/>
+              </a:prstGeom>
+              <a:blipFill>
+                <a:blip r:embed="rId6"/>
+                <a:stretch>
+                  <a:fillRect/>
+                </a:stretch>
+              </a:blipFill>
+            </p:spPr>
+            <p:txBody>
+              <a:bodyPr/>
+              <a:lstStyle/>
+              <a:p>
+                <a:r>
+                  <a:rPr lang="es-CO">
+                    <a:noFill/>
+                  </a:rPr>
+                  <a:t> </a:t>
+                </a:r>
+              </a:p>
+            </p:txBody>
+          </p:sp>
+        </mc:Fallback>
+      </mc:AlternateContent>
+      <p:sp>
+        <p:nvSpPr>
+          <p:cNvPr id="11" name="Elipse 10">
+            <a:extLst>
+              <a:ext uri="{FF2B5EF4-FFF2-40B4-BE49-F238E27FC236}">
+                <a16:creationId xmlns:a16="http://schemas.microsoft.com/office/drawing/2014/main" id="{F738BC2D-C0D8-4CF4-8CC7-57B4150035FD}"/>
+              </a:ext>
+            </a:extLst>
+          </p:cNvPr>
+          <p:cNvSpPr/>
+          <p:nvPr/>
+        </p:nvSpPr>
+        <p:spPr>
+          <a:xfrm>
+            <a:off x="2723268" y="5041566"/>
+            <a:ext cx="1886831" cy="1225884"/>
+          </a:xfrm>
+          <a:custGeom>
+            <a:avLst/>
+            <a:gdLst>
+              <a:gd name="connsiteX0" fmla="*/ 0 w 1886831"/>
+              <a:gd name="connsiteY0" fmla="*/ 612942 h 1225884"/>
+              <a:gd name="connsiteX1" fmla="*/ 943416 w 1886831"/>
+              <a:gd name="connsiteY1" fmla="*/ 0 h 1225884"/>
+              <a:gd name="connsiteX2" fmla="*/ 1886832 w 1886831"/>
+              <a:gd name="connsiteY2" fmla="*/ 612942 h 1225884"/>
+              <a:gd name="connsiteX3" fmla="*/ 943416 w 1886831"/>
+              <a:gd name="connsiteY3" fmla="*/ 1225884 h 1225884"/>
+              <a:gd name="connsiteX4" fmla="*/ 0 w 1886831"/>
+              <a:gd name="connsiteY4" fmla="*/ 612942 h 1225884"/>
+            </a:gdLst>
+            <a:ahLst/>
+            <a:cxnLst>
+              <a:cxn ang="0">
+                <a:pos x="connsiteX0" y="connsiteY0"/>
+              </a:cxn>
+              <a:cxn ang="0">
+                <a:pos x="connsiteX1" y="connsiteY1"/>
+              </a:cxn>
+              <a:cxn ang="0">
+                <a:pos x="connsiteX2" y="connsiteY2"/>
+              </a:cxn>
+              <a:cxn ang="0">
+                <a:pos x="connsiteX3" y="connsiteY3"/>
+              </a:cxn>
+              <a:cxn ang="0">
+                <a:pos x="connsiteX4" y="connsiteY4"/>
+              </a:cxn>
+            </a:cxnLst>
+            <a:rect l="l" t="t" r="r" b="b"/>
+            <a:pathLst>
+              <a:path w="1886831" h="1225884" extrusionOk="0">
+                <a:moveTo>
+                  <a:pt x="0" y="612942"/>
+                </a:moveTo>
+                <a:cubicBezTo>
+                  <a:pt x="-42275" y="224711"/>
+                  <a:pt x="483641" y="-22241"/>
+                  <a:pt x="943416" y="0"/>
+                </a:cubicBezTo>
+                <a:cubicBezTo>
+                  <a:pt x="1452832" y="6527"/>
+                  <a:pt x="1938018" y="259149"/>
+                  <a:pt x="1886832" y="612942"/>
+                </a:cubicBezTo>
+                <a:cubicBezTo>
+                  <a:pt x="1847936" y="873913"/>
+                  <a:pt x="1459784" y="1240403"/>
+                  <a:pt x="943416" y="1225884"/>
+                </a:cubicBezTo>
+                <a:cubicBezTo>
+                  <a:pt x="458817" y="1175621"/>
+                  <a:pt x="32249" y="948807"/>
+                  <a:pt x="0" y="612942"/>
+                </a:cubicBezTo>
+                <a:close/>
+              </a:path>
+            </a:pathLst>
+          </a:custGeom>
+          <a:noFill/>
+          <a:ln w="38100">
+            <a:solidFill>
+              <a:srgbClr val="FF0000"/>
+            </a:solidFill>
+            <a:extLst>
+              <a:ext uri="{C807C97D-BFC1-408E-A445-0C87EB9F89A2}">
+                <ask:lineSketchStyleProps xmlns:ask="http://schemas.microsoft.com/office/drawing/2018/sketchyshapes" sd="879248734">
+                  <a:prstGeom prst="ellipse">
+                    <a:avLst/>
+                  </a:prstGeom>
+                  <ask:type>
+                    <ask:lineSketchFreehand/>
+                  </ask:type>
+                </ask:lineSketchStyleProps>
+              </a:ext>
+            </a:extLst>
+          </a:ln>
+        </p:spPr>
+        <p:style>
+          <a:lnRef idx="2">
+            <a:schemeClr val="accent1">
+              <a:shade val="50000"/>
+            </a:schemeClr>
+          </a:lnRef>
+          <a:fillRef idx="1">
+            <a:schemeClr val="accent1"/>
+          </a:fillRef>
+          <a:effectRef idx="0">
+            <a:schemeClr val="accent1"/>
+          </a:effectRef>
+          <a:fontRef idx="minor">
+            <a:schemeClr val="lt1"/>
+          </a:fontRef>
+        </p:style>
+        <p:txBody>
+          <a:bodyPr rtlCol="0" anchor="ctr"/>
+          <a:lstStyle/>
+          <a:p>
+            <a:pPr algn="ctr"/>
+            <a:endParaRPr lang="es-CO"/>
+          </a:p>
+        </p:txBody>
+      </p:sp>
+      <p:cxnSp>
+        <p:nvCxnSpPr>
+          <p:cNvPr id="15" name="Conector recto de flecha 14">
+            <a:extLst>
+              <a:ext uri="{FF2B5EF4-FFF2-40B4-BE49-F238E27FC236}">
+                <a16:creationId xmlns:a16="http://schemas.microsoft.com/office/drawing/2014/main" id="{2B6561A9-4616-43BE-A8C1-7DEB255B48EF}"/>
+              </a:ext>
+            </a:extLst>
+          </p:cNvPr>
+          <p:cNvCxnSpPr>
+            <a:stCxn id="11" idx="6"/>
+          </p:cNvCxnSpPr>
+          <p:nvPr/>
+        </p:nvCxnSpPr>
+        <p:spPr>
+          <a:xfrm>
+            <a:off x="4610099" y="5654508"/>
+            <a:ext cx="371476" cy="365292"/>
+          </a:xfrm>
+          <a:prstGeom prst="straightConnector1">
+            <a:avLst/>
+          </a:prstGeom>
+          <a:ln w="28575">
+            <a:solidFill>
+              <a:srgbClr val="FF0000"/>
+            </a:solidFill>
+            <a:tailEnd type="triangle"/>
+          </a:ln>
+        </p:spPr>
+        <p:style>
+          <a:lnRef idx="1">
+            <a:schemeClr val="accent1"/>
+          </a:lnRef>
+          <a:fillRef idx="0">
+            <a:schemeClr val="accent1"/>
+          </a:fillRef>
+          <a:effectRef idx="0">
+            <a:schemeClr val="accent1"/>
+          </a:effectRef>
+          <a:fontRef idx="minor">
+            <a:schemeClr val="tx1"/>
+          </a:fontRef>
+        </p:style>
+      </p:cxnSp>
+      <mc:AlternateContent xmlns:mc="http://schemas.openxmlformats.org/markup-compatibility/2006">
+        <mc:Choice xmlns:a14="http://schemas.microsoft.com/office/drawing/2010/main" Requires="a14">
+          <p:sp>
+            <p:nvSpPr>
+              <p:cNvPr id="18" name="CuadroTexto 17">
+                <a:extLst>
+                  <a:ext uri="{FF2B5EF4-FFF2-40B4-BE49-F238E27FC236}">
+                    <a16:creationId xmlns:a16="http://schemas.microsoft.com/office/drawing/2014/main" id="{01B52B73-5652-4213-B2CE-E99501DA53FA}"/>
+                  </a:ext>
+                </a:extLst>
+              </p:cNvPr>
+              <p:cNvSpPr txBox="1"/>
+              <p:nvPr/>
+            </p:nvSpPr>
+            <p:spPr>
+              <a:xfrm>
+                <a:off x="4950817" y="5846679"/>
+                <a:ext cx="1239442" cy="523220"/>
+              </a:xfrm>
+              <a:prstGeom prst="rect">
+                <a:avLst/>
+              </a:prstGeom>
+              <a:noFill/>
+            </p:spPr>
+            <p:txBody>
+              <a:bodyPr wrap="none" rtlCol="0">
+                <a:spAutoFit/>
+              </a:bodyPr>
+              <a:lstStyle/>
+              <a:p>
+                <a:pPr/>
+                <a14:m>
+                  <m:oMathPara xmlns:m="http://schemas.openxmlformats.org/officeDocument/2006/math">
+                    <m:oMathParaPr>
+                      <m:jc m:val="centerGroup"/>
+                    </m:oMathParaPr>
+                    <m:oMath xmlns:m="http://schemas.openxmlformats.org/officeDocument/2006/math">
+                      <m:r>
+                        <a:rPr lang="es-MX" sz="2800" b="0" i="1" smtClean="0">
+                          <a:solidFill>
+                            <a:srgbClr val="FF0000"/>
+                          </a:solidFill>
+                          <a:latin typeface="Cambria Math" panose="02040503050406030204" pitchFamily="18" charset="0"/>
+                          <a:ea typeface="Cambria Math" panose="02040503050406030204" pitchFamily="18" charset="0"/>
+                        </a:rPr>
+                        <m:t>~</m:t>
+                      </m:r>
+                      <m:r>
+                        <a:rPr lang="es-MX" sz="2800" b="0" i="1" smtClean="0">
+                          <a:solidFill>
+                            <a:srgbClr val="FF0000"/>
+                          </a:solidFill>
+                          <a:latin typeface="Cambria Math" panose="02040503050406030204" pitchFamily="18" charset="0"/>
+                        </a:rPr>
+                        <m:t>34%</m:t>
+                      </m:r>
+                    </m:oMath>
+                  </m:oMathPara>
+                </a14:m>
+                <a:endParaRPr lang="es-CO" sz="2800" dirty="0">
+                  <a:solidFill>
+                    <a:srgbClr val="FF0000"/>
+                  </a:solidFill>
+                </a:endParaRPr>
+              </a:p>
+            </p:txBody>
+          </p:sp>
+        </mc:Choice>
+        <mc:Fallback>
+          <p:sp>
+            <p:nvSpPr>
+              <p:cNvPr id="18" name="CuadroTexto 17">
+                <a:extLst>
+                  <a:ext uri="{FF2B5EF4-FFF2-40B4-BE49-F238E27FC236}">
+                    <a16:creationId xmlns:a16="http://schemas.microsoft.com/office/drawing/2014/main" id="{01B52B73-5652-4213-B2CE-E99501DA53FA}"/>
+                  </a:ext>
+                </a:extLst>
+              </p:cNvPr>
+              <p:cNvSpPr txBox="1">
+                <a:spLocks noRot="1" noChangeAspect="1" noMove="1" noResize="1" noEditPoints="1" noAdjustHandles="1" noChangeArrowheads="1" noChangeShapeType="1" noTextEdit="1"/>
+              </p:cNvSpPr>
+              <p:nvPr/>
+            </p:nvSpPr>
+            <p:spPr>
+              <a:xfrm>
+                <a:off x="4950817" y="5846679"/>
+                <a:ext cx="1239442" cy="523220"/>
+              </a:xfrm>
+              <a:prstGeom prst="rect">
+                <a:avLst/>
+              </a:prstGeom>
+              <a:blipFill>
+                <a:blip r:embed="rId7"/>
+                <a:stretch>
+                  <a:fillRect/>
+                </a:stretch>
+              </a:blipFill>
+            </p:spPr>
+            <p:txBody>
+              <a:bodyPr/>
+              <a:lstStyle/>
+              <a:p>
+                <a:r>
+                  <a:rPr lang="es-CO">
+                    <a:noFill/>
+                  </a:rPr>
+                  <a:t> </a:t>
+                </a:r>
+              </a:p>
+            </p:txBody>
+          </p:sp>
+        </mc:Fallback>
+      </mc:AlternateContent>
+    </p:spTree>
+    <p:extLst>
+      <p:ext uri="{BB962C8B-B14F-4D97-AF65-F5344CB8AC3E}">
+        <p14:creationId xmlns:p14="http://schemas.microsoft.com/office/powerpoint/2010/main" val="3197494318"/>
+      </p:ext>
+    </p:extLst>
+  </p:cSld>
+  <p:clrMapOvr>
+    <a:masterClrMapping/>
+  </p:clrMapOvr>
+  <p:timing>
+    <p:tnLst>
+      <p:par>
+        <p:cTn id="1" dur="indefinite" restart="never" nodeType="tmRoot">
+          <p:childTnLst>
+            <p:seq concurrent="1" nextAc="seek">
+              <p:cTn id="2" dur="indefinite" nodeType="mainSeq">
+                <p:childTnLst>
+                  <p:par>
+                    <p:cTn id="3" fill="hold">
+                      <p:stCondLst>
+                        <p:cond delay="indefinite"/>
+                        <p:cond evt="onBegin" delay="0">
+                          <p:tn val="2"/>
+                        </p:cond>
+                      </p:stCondLst>
+                      <p:childTnLst>
+                        <p:par>
+                          <p:cTn id="4" fill="hold">
+                            <p:stCondLst>
+                              <p:cond delay="0"/>
+                            </p:stCondLst>
+                            <p:childTnLst>
+                              <p:par>
+                                <p:cTn id="5" presetID="1" presetClass="entr" presetSubtype="0" fill="hold" grpId="0" nodeType="withEffect">
+                                  <p:stCondLst>
+                                    <p:cond delay="0"/>
+                                  </p:stCondLst>
+                                  <p:childTnLst>
+                                    <p:set>
+                                      <p:cBhvr>
+                                        <p:cTn id="6" dur="1" fill="hold">
+                                          <p:stCondLst>
+                                            <p:cond delay="0"/>
+                                          </p:stCondLst>
+                                        </p:cTn>
+                                        <p:tgtEl>
+                                          <p:spTgt spid="13"/>
+                                        </p:tgtEl>
+                                        <p:attrNameLst>
+                                          <p:attrName>style.visibility</p:attrName>
+                                        </p:attrNameLst>
+                                      </p:cBhvr>
+                                      <p:to>
+                                        <p:strVal val="visible"/>
+                                      </p:to>
+                                    </p:set>
+                                  </p:childTnLst>
+                                </p:cTn>
+                              </p:par>
+                              <p:par>
+                                <p:cTn id="7" presetID="1" presetClass="entr" presetSubtype="0" fill="hold" grpId="0" nodeType="withEffect">
+                                  <p:stCondLst>
+                                    <p:cond delay="0"/>
+                                  </p:stCondLst>
+                                  <p:childTnLst>
+                                    <p:set>
+                                      <p:cBhvr>
+                                        <p:cTn id="8" dur="1" fill="hold">
+                                          <p:stCondLst>
+                                            <p:cond delay="0"/>
+                                          </p:stCondLst>
+                                        </p:cTn>
+                                        <p:tgtEl>
+                                          <p:spTgt spid="14"/>
+                                        </p:tgtEl>
+                                        <p:attrNameLst>
+                                          <p:attrName>style.visibility</p:attrName>
+                                        </p:attrNameLst>
+                                      </p:cBhvr>
+                                      <p:to>
+                                        <p:strVal val="visible"/>
+                                      </p:to>
+                                    </p:set>
+                                  </p:childTnLst>
+                                </p:cTn>
+                              </p:par>
+                            </p:childTnLst>
+                          </p:cTn>
+                        </p:par>
+                      </p:childTnLst>
+                    </p:cTn>
+                  </p:par>
+                  <p:par>
+                    <p:cTn id="9" fill="hold">
+                      <p:stCondLst>
+                        <p:cond delay="indefinite"/>
+                      </p:stCondLst>
+                      <p:childTnLst>
+                        <p:par>
+                          <p:cTn id="10" fill="hold">
+                            <p:stCondLst>
+                              <p:cond delay="0"/>
+                            </p:stCondLst>
+                            <p:childTnLst>
+                              <p:par>
+                                <p:cTn id="11" presetID="1" presetClass="entr" presetSubtype="0" fill="hold" grpId="0" nodeType="clickEffect">
+                                  <p:stCondLst>
+                                    <p:cond delay="0"/>
+                                  </p:stCondLst>
+                                  <p:childTnLst>
+                                    <p:set>
+                                      <p:cBhvr>
+                                        <p:cTn id="12" dur="1" fill="hold">
+                                          <p:stCondLst>
+                                            <p:cond delay="0"/>
+                                          </p:stCondLst>
+                                        </p:cTn>
+                                        <p:tgtEl>
+                                          <p:spTgt spid="18"/>
+                                        </p:tgtEl>
+                                        <p:attrNameLst>
+                                          <p:attrName>style.visibility</p:attrName>
+                                        </p:attrNameLst>
+                                      </p:cBhvr>
+                                      <p:to>
+                                        <p:strVal val="visible"/>
+                                      </p:to>
+                                    </p:set>
+                                  </p:childTnLst>
+                                </p:cTn>
+                              </p:par>
+                              <p:par>
+                                <p:cTn id="13" presetID="1" presetClass="entr" presetSubtype="0" fill="hold" nodeType="withEffect">
+                                  <p:stCondLst>
+                                    <p:cond delay="0"/>
+                                  </p:stCondLst>
+                                  <p:childTnLst>
+                                    <p:set>
+                                      <p:cBhvr>
+                                        <p:cTn id="14" dur="1" fill="hold">
+                                          <p:stCondLst>
+                                            <p:cond delay="0"/>
+                                          </p:stCondLst>
+                                        </p:cTn>
+                                        <p:tgtEl>
+                                          <p:spTgt spid="15"/>
+                                        </p:tgtEl>
+                                        <p:attrNameLst>
+                                          <p:attrName>style.visibility</p:attrName>
+                                        </p:attrNameLst>
+                                      </p:cBhvr>
+                                      <p:to>
+                                        <p:strVal val="visible"/>
+                                      </p:to>
+                                    </p:set>
+                                  </p:childTnLst>
+                                </p:cTn>
+                              </p:par>
+                              <p:par>
+                                <p:cTn id="15" presetID="1" presetClass="entr" presetSubtype="0" fill="hold" grpId="0" nodeType="withEffect">
+                                  <p:stCondLst>
+                                    <p:cond delay="0"/>
+                                  </p:stCondLst>
+                                  <p:childTnLst>
+                                    <p:set>
+                                      <p:cBhvr>
+                                        <p:cTn id="16" dur="1" fill="hold">
+                                          <p:stCondLst>
+                                            <p:cond delay="0"/>
+                                          </p:stCondLst>
+                                        </p:cTn>
+                                        <p:tgtEl>
+                                          <p:spTgt spid="11"/>
+                                        </p:tgtEl>
+                                        <p:attrNameLst>
+                                          <p:attrName>style.visibility</p:attrName>
+                                        </p:attrNameLst>
+                                      </p:cBhvr>
+                                      <p:to>
+                                        <p:strVal val="visible"/>
+                                      </p:to>
+                                    </p:set>
+                                  </p:childTnLst>
+                                </p:cTn>
+                              </p:par>
+                            </p:childTnLst>
+                          </p:cTn>
+                        </p:par>
+                      </p:childTnLst>
+                    </p:cTn>
+                  </p:par>
+                </p:childTnLst>
+              </p:cTn>
+              <p:prevCondLst>
+                <p:cond evt="onPrev" delay="0">
+                  <p:tgtEl>
+                    <p:sldTgt/>
+                  </p:tgtEl>
+                </p:cond>
+              </p:prevCondLst>
+              <p:nextCondLst>
+                <p:cond evt="onNext" delay="0">
+                  <p:tgtEl>
+                    <p:sldTgt/>
+                  </p:tgtEl>
+                </p:cond>
+              </p:nextCondLst>
+            </p:seq>
+          </p:childTnLst>
+        </p:cTn>
+      </p:par>
+    </p:tnLst>
+    <p:bldLst>
+      <p:bldP spid="13" grpId="0"/>
+      <p:bldP spid="14" grpId="0"/>
+      <p:bldP spid="11" grpId="0" animBg="1"/>
+      <p:bldP spid="18" grpId="0"/>
+    </p:bldLst>
+  </p:timing>
 </p:sld>
 </file>
 
